--- a/project/baitaplon/13_NguyenThanhDat211440519_baitaplon.pptx
+++ b/project/baitaplon/13_NguyenThanhDat211440519_baitaplon.pptx
@@ -5,27 +5,26 @@
     <p:sldMasterId id="2147483648" r:id="rId4"/>
   </p:sldMasterIdLst>
   <p:notesMasterIdLst>
-    <p:notesMasterId r:id="rId23"/>
+    <p:notesMasterId r:id="rId22"/>
   </p:notesMasterIdLst>
   <p:sldIdLst>
     <p:sldId id="256" r:id="rId5"/>
     <p:sldId id="300" r:id="rId6"/>
     <p:sldId id="301" r:id="rId7"/>
     <p:sldId id="302" r:id="rId8"/>
-    <p:sldId id="309" r:id="rId9"/>
-    <p:sldId id="303" r:id="rId10"/>
-    <p:sldId id="311" r:id="rId11"/>
-    <p:sldId id="291" r:id="rId12"/>
-    <p:sldId id="310" r:id="rId13"/>
+    <p:sldId id="303" r:id="rId9"/>
+    <p:sldId id="311" r:id="rId10"/>
+    <p:sldId id="291" r:id="rId11"/>
+    <p:sldId id="310" r:id="rId12"/>
+    <p:sldId id="314" r:id="rId13"/>
     <p:sldId id="312" r:id="rId14"/>
-    <p:sldId id="297" r:id="rId15"/>
-    <p:sldId id="298" r:id="rId16"/>
-    <p:sldId id="294" r:id="rId17"/>
-    <p:sldId id="296" r:id="rId18"/>
-    <p:sldId id="304" r:id="rId19"/>
-    <p:sldId id="305" r:id="rId20"/>
-    <p:sldId id="307" r:id="rId21"/>
-    <p:sldId id="306" r:id="rId22"/>
+    <p:sldId id="313" r:id="rId15"/>
+    <p:sldId id="294" r:id="rId16"/>
+    <p:sldId id="296" r:id="rId17"/>
+    <p:sldId id="304" r:id="rId18"/>
+    <p:sldId id="305" r:id="rId19"/>
+    <p:sldId id="307" r:id="rId20"/>
+    <p:sldId id="306" r:id="rId21"/>
   </p:sldIdLst>
   <p:sldSz cx="9144000" cy="6858000" type="screen4x3"/>
   <p:notesSz cx="6735763" cy="9866313"/>
@@ -1765,7 +1764,7 @@
                 <a:cs typeface="Calibri"/>
                 <a:sym typeface="Calibri"/>
               </a:rPr>
-              <a:t>7</a:t>
+              <a:t>6</a:t>
             </a:fld>
             <a:endParaRPr lang="en-US" sz="1200" b="0" i="0" u="none" strike="noStrike" cap="none">
               <a:solidFill>
@@ -1898,7 +1897,7 @@
                 <a:cs typeface="Calibri"/>
                 <a:sym typeface="Calibri"/>
               </a:rPr>
-              <a:t>8</a:t>
+              <a:t>7</a:t>
             </a:fld>
             <a:endParaRPr lang="en-US" sz="1200" b="0" i="0" u="none" strike="noStrike" cap="none">
               <a:solidFill>
@@ -2031,7 +2030,7 @@
                 <a:cs typeface="Calibri"/>
                 <a:sym typeface="Calibri"/>
               </a:rPr>
-              <a:t>9</a:t>
+              <a:t>8</a:t>
             </a:fld>
             <a:endParaRPr lang="en-US" sz="1200" b="0" i="0" u="none" strike="noStrike" cap="none">
               <a:solidFill>
@@ -2059,6 +2058,139 @@
 </file>
 
 <file path=ppt/notesSlides/notesSlide5.xml><?xml version="1.0" encoding="utf-8"?>
+<p:notes xmlns:a="http://schemas.openxmlformats.org/drawingml/2006/main" xmlns:r="http://schemas.openxmlformats.org/officeDocument/2006/relationships" xmlns:p="http://schemas.openxmlformats.org/presentationml/2006/main">
+  <p:cSld>
+    <p:spTree>
+      <p:nvGrpSpPr>
+        <p:cNvPr id="1" name="">
+          <a:extLst>
+            <a:ext uri="{FF2B5EF4-FFF2-40B4-BE49-F238E27FC236}">
+              <a16:creationId xmlns:a16="http://schemas.microsoft.com/office/drawing/2014/main" id="{FD78381C-6CCA-18C5-7D54-104F81D3FFB8}"/>
+            </a:ext>
+          </a:extLst>
+        </p:cNvPr>
+        <p:cNvGrpSpPr/>
+        <p:nvPr/>
+      </p:nvGrpSpPr>
+      <p:grpSpPr>
+        <a:xfrm>
+          <a:off x="0" y="0"/>
+          <a:ext cx="0" cy="0"/>
+          <a:chOff x="0" y="0"/>
+          <a:chExt cx="0" cy="0"/>
+        </a:xfrm>
+      </p:grpSpPr>
+      <p:sp>
+        <p:nvSpPr>
+          <p:cNvPr id="2" name="Slide Image Placeholder 1">
+            <a:extLst>
+              <a:ext uri="{FF2B5EF4-FFF2-40B4-BE49-F238E27FC236}">
+                <a16:creationId xmlns:a16="http://schemas.microsoft.com/office/drawing/2014/main" id="{86414F99-14D9-0725-71B7-F10DBAEBA467}"/>
+              </a:ext>
+            </a:extLst>
+          </p:cNvPr>
+          <p:cNvSpPr>
+            <a:spLocks noGrp="1" noRot="1" noChangeAspect="1"/>
+          </p:cNvSpPr>
+          <p:nvPr>
+            <p:ph type="sldImg"/>
+          </p:nvPr>
+        </p:nvSpPr>
+        <p:spPr/>
+      </p:sp>
+      <p:sp>
+        <p:nvSpPr>
+          <p:cNvPr id="3" name="Notes Placeholder 2">
+            <a:extLst>
+              <a:ext uri="{FF2B5EF4-FFF2-40B4-BE49-F238E27FC236}">
+                <a16:creationId xmlns:a16="http://schemas.microsoft.com/office/drawing/2014/main" id="{B771DDDA-D7FC-028E-CBBB-C07E1C207115}"/>
+              </a:ext>
+            </a:extLst>
+          </p:cNvPr>
+          <p:cNvSpPr>
+            <a:spLocks noGrp="1"/>
+          </p:cNvSpPr>
+          <p:nvPr>
+            <p:ph type="body" idx="1"/>
+          </p:nvPr>
+        </p:nvSpPr>
+        <p:spPr/>
+        <p:txBody>
+          <a:bodyPr/>
+          <a:lstStyle/>
+          <a:p>
+            <a:endParaRPr lang="en-US" b="1" dirty="0"/>
+          </a:p>
+        </p:txBody>
+      </p:sp>
+      <p:sp>
+        <p:nvSpPr>
+          <p:cNvPr id="4" name="Slide Number Placeholder 3">
+            <a:extLst>
+              <a:ext uri="{FF2B5EF4-FFF2-40B4-BE49-F238E27FC236}">
+                <a16:creationId xmlns:a16="http://schemas.microsoft.com/office/drawing/2014/main" id="{A263E497-378F-E5B2-9CCB-63AAFC2D0874}"/>
+              </a:ext>
+            </a:extLst>
+          </p:cNvPr>
+          <p:cNvSpPr>
+            <a:spLocks noGrp="1"/>
+          </p:cNvSpPr>
+          <p:nvPr>
+            <p:ph type="sldNum" idx="12"/>
+          </p:nvPr>
+        </p:nvSpPr>
+        <p:spPr/>
+        <p:txBody>
+          <a:bodyPr/>
+          <a:lstStyle/>
+          <a:p>
+            <a:pPr marL="0" marR="0" lvl="0" indent="0" algn="r" rtl="0">
+              <a:spcBef>
+                <a:spcPts val="0"/>
+              </a:spcBef>
+              <a:spcAft>
+                <a:spcPts val="0"/>
+              </a:spcAft>
+              <a:buNone/>
+            </a:pPr>
+            <a:fld id="{00000000-1234-1234-1234-123412341234}" type="slidenum">
+              <a:rPr lang="en-US" sz="1200" b="0" i="0" u="none" strike="noStrike" cap="none" smtClean="0">
+                <a:solidFill>
+                  <a:schemeClr val="dk1"/>
+                </a:solidFill>
+                <a:latin typeface="Calibri"/>
+                <a:ea typeface="Calibri"/>
+                <a:cs typeface="Calibri"/>
+                <a:sym typeface="Calibri"/>
+              </a:rPr>
+              <a:t>9</a:t>
+            </a:fld>
+            <a:endParaRPr lang="en-US" sz="1200" b="0" i="0" u="none" strike="noStrike" cap="none">
+              <a:solidFill>
+                <a:schemeClr val="dk1"/>
+              </a:solidFill>
+              <a:latin typeface="Calibri"/>
+              <a:ea typeface="Calibri"/>
+              <a:cs typeface="Calibri"/>
+              <a:sym typeface="Calibri"/>
+            </a:endParaRPr>
+          </a:p>
+        </p:txBody>
+      </p:sp>
+    </p:spTree>
+    <p:extLst>
+      <p:ext uri="{BB962C8B-B14F-4D97-AF65-F5344CB8AC3E}">
+        <p14:creationId xmlns:p14="http://schemas.microsoft.com/office/powerpoint/2010/main" val="1956369487"/>
+      </p:ext>
+    </p:extLst>
+  </p:cSld>
+  <p:clrMapOvr>
+    <a:masterClrMapping/>
+  </p:clrMapOvr>
+</p:notes>
+</file>
+
+<file path=ppt/notesSlides/notesSlide6.xml><?xml version="1.0" encoding="utf-8"?>
 <p:notes xmlns:a="http://schemas.openxmlformats.org/drawingml/2006/main" xmlns:r="http://schemas.openxmlformats.org/officeDocument/2006/relationships" xmlns:p="http://schemas.openxmlformats.org/presentationml/2006/main">
   <p:cSld>
     <p:spTree>
@@ -2191,7 +2323,7 @@
 </p:notes>
 </file>
 
-<file path=ppt/notesSlides/notesSlide6.xml><?xml version="1.0" encoding="utf-8"?>
+<file path=ppt/notesSlides/notesSlide7.xml><?xml version="1.0" encoding="utf-8"?>
 <p:notes xmlns:a="http://schemas.openxmlformats.org/drawingml/2006/main" xmlns:r="http://schemas.openxmlformats.org/officeDocument/2006/relationships" xmlns:p="http://schemas.openxmlformats.org/presentationml/2006/main">
   <p:cSld>
     <p:spTree>
@@ -2199,7 +2331,7 @@
         <p:cNvPr id="1" name="">
           <a:extLst>
             <a:ext uri="{FF2B5EF4-FFF2-40B4-BE49-F238E27FC236}">
-              <a16:creationId xmlns:a16="http://schemas.microsoft.com/office/drawing/2014/main" id="{0078D122-AC42-75E0-513F-A82D7F5AA256}"/>
+              <a16:creationId xmlns:a16="http://schemas.microsoft.com/office/drawing/2014/main" id="{1EF9485F-AF48-14D7-0EFE-AB237514D392}"/>
             </a:ext>
           </a:extLst>
         </p:cNvPr>
@@ -2219,7 +2351,7 @@
           <p:cNvPr id="2" name="Slide Image Placeholder 1">
             <a:extLst>
               <a:ext uri="{FF2B5EF4-FFF2-40B4-BE49-F238E27FC236}">
-                <a16:creationId xmlns:a16="http://schemas.microsoft.com/office/drawing/2014/main" id="{DD1E1282-2461-3682-9A95-8ECE116718B7}"/>
+                <a16:creationId xmlns:a16="http://schemas.microsoft.com/office/drawing/2014/main" id="{ECF4E7B3-A194-0BAE-5B79-5C00F25AA7D7}"/>
               </a:ext>
             </a:extLst>
           </p:cNvPr>
@@ -2237,7 +2369,7 @@
           <p:cNvPr id="3" name="Notes Placeholder 2">
             <a:extLst>
               <a:ext uri="{FF2B5EF4-FFF2-40B4-BE49-F238E27FC236}">
-                <a16:creationId xmlns:a16="http://schemas.microsoft.com/office/drawing/2014/main" id="{B2EDEABB-CC24-3C99-99F7-0A344F9052DD}"/>
+                <a16:creationId xmlns:a16="http://schemas.microsoft.com/office/drawing/2014/main" id="{942E567F-F966-2FFE-C282-719F5CE3270F}"/>
               </a:ext>
             </a:extLst>
           </p:cNvPr>
@@ -2262,7 +2394,7 @@
           <p:cNvPr id="4" name="Slide Number Placeholder 3">
             <a:extLst>
               <a:ext uri="{FF2B5EF4-FFF2-40B4-BE49-F238E27FC236}">
-                <a16:creationId xmlns:a16="http://schemas.microsoft.com/office/drawing/2014/main" id="{EB1FDF4F-5713-19AA-629E-93BB09FD2E41}"/>
+                <a16:creationId xmlns:a16="http://schemas.microsoft.com/office/drawing/2014/main" id="{D3EEA78D-4782-A872-59B5-AEA912EAA41C}"/>
               </a:ext>
             </a:extLst>
           </p:cNvPr>
@@ -2314,140 +2446,7 @@
     </p:spTree>
     <p:extLst>
       <p:ext uri="{BB962C8B-B14F-4D97-AF65-F5344CB8AC3E}">
-        <p14:creationId xmlns:p14="http://schemas.microsoft.com/office/powerpoint/2010/main" val="2359088663"/>
-      </p:ext>
-    </p:extLst>
-  </p:cSld>
-  <p:clrMapOvr>
-    <a:masterClrMapping/>
-  </p:clrMapOvr>
-</p:notes>
-</file>
-
-<file path=ppt/notesSlides/notesSlide7.xml><?xml version="1.0" encoding="utf-8"?>
-<p:notes xmlns:a="http://schemas.openxmlformats.org/drawingml/2006/main" xmlns:r="http://schemas.openxmlformats.org/officeDocument/2006/relationships" xmlns:p="http://schemas.openxmlformats.org/presentationml/2006/main">
-  <p:cSld>
-    <p:spTree>
-      <p:nvGrpSpPr>
-        <p:cNvPr id="1" name="">
-          <a:extLst>
-            <a:ext uri="{FF2B5EF4-FFF2-40B4-BE49-F238E27FC236}">
-              <a16:creationId xmlns:a16="http://schemas.microsoft.com/office/drawing/2014/main" id="{F5118713-824C-8B3D-F72F-64C4B4549D9D}"/>
-            </a:ext>
-          </a:extLst>
-        </p:cNvPr>
-        <p:cNvGrpSpPr/>
-        <p:nvPr/>
-      </p:nvGrpSpPr>
-      <p:grpSpPr>
-        <a:xfrm>
-          <a:off x="0" y="0"/>
-          <a:ext cx="0" cy="0"/>
-          <a:chOff x="0" y="0"/>
-          <a:chExt cx="0" cy="0"/>
-        </a:xfrm>
-      </p:grpSpPr>
-      <p:sp>
-        <p:nvSpPr>
-          <p:cNvPr id="2" name="Slide Image Placeholder 1">
-            <a:extLst>
-              <a:ext uri="{FF2B5EF4-FFF2-40B4-BE49-F238E27FC236}">
-                <a16:creationId xmlns:a16="http://schemas.microsoft.com/office/drawing/2014/main" id="{79919FF8-5171-7534-B16B-12C407251F7C}"/>
-              </a:ext>
-            </a:extLst>
-          </p:cNvPr>
-          <p:cNvSpPr>
-            <a:spLocks noGrp="1" noRot="1" noChangeAspect="1"/>
-          </p:cNvSpPr>
-          <p:nvPr>
-            <p:ph type="sldImg"/>
-          </p:nvPr>
-        </p:nvSpPr>
-        <p:spPr/>
-      </p:sp>
-      <p:sp>
-        <p:nvSpPr>
-          <p:cNvPr id="3" name="Notes Placeholder 2">
-            <a:extLst>
-              <a:ext uri="{FF2B5EF4-FFF2-40B4-BE49-F238E27FC236}">
-                <a16:creationId xmlns:a16="http://schemas.microsoft.com/office/drawing/2014/main" id="{ABAF4860-F55D-008E-B0EF-C247BD7E7DE7}"/>
-              </a:ext>
-            </a:extLst>
-          </p:cNvPr>
-          <p:cNvSpPr>
-            <a:spLocks noGrp="1"/>
-          </p:cNvSpPr>
-          <p:nvPr>
-            <p:ph type="body" idx="1"/>
-          </p:nvPr>
-        </p:nvSpPr>
-        <p:spPr/>
-        <p:txBody>
-          <a:bodyPr/>
-          <a:lstStyle/>
-          <a:p>
-            <a:endParaRPr lang="en-US" b="1" dirty="0"/>
-          </a:p>
-        </p:txBody>
-      </p:sp>
-      <p:sp>
-        <p:nvSpPr>
-          <p:cNvPr id="4" name="Slide Number Placeholder 3">
-            <a:extLst>
-              <a:ext uri="{FF2B5EF4-FFF2-40B4-BE49-F238E27FC236}">
-                <a16:creationId xmlns:a16="http://schemas.microsoft.com/office/drawing/2014/main" id="{7CB2F48F-79A3-5B43-7738-A2C07F6F50D8}"/>
-              </a:ext>
-            </a:extLst>
-          </p:cNvPr>
-          <p:cNvSpPr>
-            <a:spLocks noGrp="1"/>
-          </p:cNvSpPr>
-          <p:nvPr>
-            <p:ph type="sldNum" idx="12"/>
-          </p:nvPr>
-        </p:nvSpPr>
-        <p:spPr/>
-        <p:txBody>
-          <a:bodyPr/>
-          <a:lstStyle/>
-          <a:p>
-            <a:pPr marL="0" marR="0" lvl="0" indent="0" algn="r" rtl="0">
-              <a:spcBef>
-                <a:spcPts val="0"/>
-              </a:spcBef>
-              <a:spcAft>
-                <a:spcPts val="0"/>
-              </a:spcAft>
-              <a:buNone/>
-            </a:pPr>
-            <a:fld id="{00000000-1234-1234-1234-123412341234}" type="slidenum">
-              <a:rPr lang="en-US" sz="1200" b="0" i="0" u="none" strike="noStrike" cap="none" smtClean="0">
-                <a:solidFill>
-                  <a:schemeClr val="dk1"/>
-                </a:solidFill>
-                <a:latin typeface="Calibri"/>
-                <a:ea typeface="Calibri"/>
-                <a:cs typeface="Calibri"/>
-                <a:sym typeface="Calibri"/>
-              </a:rPr>
-              <a:t>12</a:t>
-            </a:fld>
-            <a:endParaRPr lang="en-US" sz="1200" b="0" i="0" u="none" strike="noStrike" cap="none">
-              <a:solidFill>
-                <a:schemeClr val="dk1"/>
-              </a:solidFill>
-              <a:latin typeface="Calibri"/>
-              <a:ea typeface="Calibri"/>
-              <a:cs typeface="Calibri"/>
-              <a:sym typeface="Calibri"/>
-            </a:endParaRPr>
-          </a:p>
-        </p:txBody>
-      </p:sp>
-    </p:spTree>
-    <p:extLst>
-      <p:ext uri="{BB962C8B-B14F-4D97-AF65-F5344CB8AC3E}">
-        <p14:creationId xmlns:p14="http://schemas.microsoft.com/office/powerpoint/2010/main" val="3285881752"/>
+        <p14:creationId xmlns:p14="http://schemas.microsoft.com/office/powerpoint/2010/main" val="3948820144"/>
       </p:ext>
     </p:extLst>
   </p:cSld>
@@ -2563,7 +2562,7 @@
                 <a:cs typeface="Calibri"/>
                 <a:sym typeface="Calibri"/>
               </a:rPr>
-              <a:t>13</a:t>
+              <a:t>12</a:t>
             </a:fld>
             <a:endParaRPr lang="en-US" sz="1200" b="0" i="0" u="none" strike="noStrike" cap="none">
               <a:solidFill>
@@ -2696,7 +2695,7 @@
                 <a:cs typeface="Calibri"/>
                 <a:sym typeface="Calibri"/>
               </a:rPr>
-              <a:t>14</a:t>
+              <a:t>13</a:t>
             </a:fld>
             <a:endParaRPr lang="en-US" sz="1200" b="0" i="0" u="none" strike="noStrike" cap="none">
               <a:solidFill>
@@ -14445,7 +14444,7 @@
         <p:cNvPr id="1" name="">
           <a:extLst>
             <a:ext uri="{FF2B5EF4-FFF2-40B4-BE49-F238E27FC236}">
-              <a16:creationId xmlns:a16="http://schemas.microsoft.com/office/drawing/2014/main" id="{2E7C36C1-6C80-CAC7-7040-5ED196989E24}"/>
+              <a16:creationId xmlns:a16="http://schemas.microsoft.com/office/drawing/2014/main" id="{50C8E0DC-5CC8-F724-A921-C135868459AE}"/>
             </a:ext>
           </a:extLst>
         </p:cNvPr>
@@ -14465,7 +14464,7 @@
           <p:cNvPr id="4" name="Slide Number Placeholder 3">
             <a:extLst>
               <a:ext uri="{FF2B5EF4-FFF2-40B4-BE49-F238E27FC236}">
-                <a16:creationId xmlns:a16="http://schemas.microsoft.com/office/drawing/2014/main" id="{2F9A0065-1C06-7579-6127-BF6B31A00E2A}"/>
+                <a16:creationId xmlns:a16="http://schemas.microsoft.com/office/drawing/2014/main" id="{E6EA2894-EBBE-BB74-D96D-27D5FE2A77BD}"/>
               </a:ext>
             </a:extLst>
           </p:cNvPr>
@@ -14503,7 +14502,7 @@
           <p:cNvPr id="2" name="Hộp Văn bản 1">
             <a:extLst>
               <a:ext uri="{FF2B5EF4-FFF2-40B4-BE49-F238E27FC236}">
-                <a16:creationId xmlns:a16="http://schemas.microsoft.com/office/drawing/2014/main" id="{3E9536A5-921A-1E46-AF71-047366184092}"/>
+                <a16:creationId xmlns:a16="http://schemas.microsoft.com/office/drawing/2014/main" id="{74BCDDC0-FE3C-C86C-F8DF-F26A541173D0}"/>
               </a:ext>
             </a:extLst>
           </p:cNvPr>
@@ -14513,7 +14512,7 @@
         <p:spPr>
           <a:xfrm>
             <a:off x="336330" y="252248"/>
-            <a:ext cx="6216869" cy="646331"/>
+            <a:ext cx="6064469" cy="646331"/>
           </a:xfrm>
           <a:prstGeom prst="rect">
             <a:avLst/>
@@ -14542,63 +14541,10 @@
       </p:sp>
       <p:sp>
         <p:nvSpPr>
-          <p:cNvPr id="6" name="Hộp Văn bản 5">
+          <p:cNvPr id="7" name="Rectangle 1">
             <a:extLst>
               <a:ext uri="{FF2B5EF4-FFF2-40B4-BE49-F238E27FC236}">
-                <a16:creationId xmlns:a16="http://schemas.microsoft.com/office/drawing/2014/main" id="{13F6D1A8-DF6E-A74F-9397-8B851449C196}"/>
-              </a:ext>
-            </a:extLst>
-          </p:cNvPr>
-          <p:cNvSpPr txBox="1"/>
-          <p:nvPr/>
-        </p:nvSpPr>
-        <p:spPr>
-          <a:xfrm>
-            <a:off x="126124" y="1303282"/>
-            <a:ext cx="8891752" cy="1815882"/>
-          </a:xfrm>
-          <a:prstGeom prst="rect">
-            <a:avLst/>
-          </a:prstGeom>
-          <a:noFill/>
-        </p:spPr>
-        <p:txBody>
-          <a:bodyPr wrap="square" rtlCol="0">
-            <a:spAutoFit/>
-          </a:bodyPr>
-          <a:lstStyle/>
-          <a:p>
-            <a:r>
-              <a:rPr lang="vi-VN" sz="2800" dirty="0"/>
-              <a:t>- PCA và SVM xử lý bằng thư viện</a:t>
-            </a:r>
-          </a:p>
-          <a:p>
-            <a:r>
-              <a:rPr lang="vi-VN" sz="2800" dirty="0"/>
-              <a:t>- HOG được xử lý với 2 hàm: </a:t>
-            </a:r>
-          </a:p>
-          <a:p>
-            <a:r>
-              <a:rPr lang="vi-VN" sz="2800" dirty="0"/>
-              <a:t>- Hàm 1: tiền xử lý ảnh, trích HOG &amp; Hàm 2: tính HOG</a:t>
-            </a:r>
-          </a:p>
-          <a:p>
-            <a:r>
-              <a:rPr lang="vi-VN" sz="2800" dirty="0"/>
-              <a:t>- PCA sẽ giữ lại 95% phương sai, SVM tuyến tính</a:t>
-            </a:r>
-          </a:p>
-        </p:txBody>
-      </p:sp>
-      <p:sp>
-        <p:nvSpPr>
-          <p:cNvPr id="5" name="Rectangle 1">
-            <a:extLst>
-              <a:ext uri="{FF2B5EF4-FFF2-40B4-BE49-F238E27FC236}">
-                <a16:creationId xmlns:a16="http://schemas.microsoft.com/office/drawing/2014/main" id="{7B771931-AC28-3237-CE5D-4F87AE33ABEA}"/>
+                <a16:creationId xmlns:a16="http://schemas.microsoft.com/office/drawing/2014/main" id="{9A426C9D-9495-7C37-72CF-2ABCD4EE4B2F}"/>
               </a:ext>
             </a:extLst>
           </p:cNvPr>
@@ -14609,413 +14555,8 @@
         </p:nvSpPr>
         <p:spPr bwMode="auto">
           <a:xfrm>
-            <a:off x="1245475" y="3429000"/>
-            <a:ext cx="7325711" cy="1938992"/>
-          </a:xfrm>
-          <a:prstGeom prst="rect">
-            <a:avLst/>
-          </a:prstGeom>
-          <a:noFill/>
-          <a:ln>
-            <a:noFill/>
-          </a:ln>
-          <a:effectLst/>
-          <a:extLst>
-            <a:ext uri="{909E8E84-426E-40DD-AFC4-6F175D3DCCD1}">
-              <a14:hiddenFill xmlns:a14="http://schemas.microsoft.com/office/drawing/2010/main">
-                <a:solidFill>
-                  <a:schemeClr val="accent1"/>
-                </a:solidFill>
-              </a14:hiddenFill>
-            </a:ext>
-            <a:ext uri="{91240B29-F687-4F45-9708-019B960494DF}">
-              <a14:hiddenLine xmlns:a14="http://schemas.microsoft.com/office/drawing/2010/main" w="9525">
-                <a:solidFill>
-                  <a:schemeClr val="tx1"/>
-                </a:solidFill>
-                <a:miter lim="800000"/>
-                <a:headEnd/>
-                <a:tailEnd/>
-              </a14:hiddenLine>
-            </a:ext>
-            <a:ext uri="{AF507438-7753-43E0-B8FC-AC1667EBCBE1}">
-              <a14:hiddenEffects xmlns:a14="http://schemas.microsoft.com/office/drawing/2010/main">
-                <a:effectLst>
-                  <a:outerShdw dist="35921" dir="2700000" algn="ctr" rotWithShape="0">
-                    <a:schemeClr val="bg2"/>
-                  </a:outerShdw>
-                </a:effectLst>
-              </a14:hiddenEffects>
-            </a:ext>
-          </a:extLst>
-        </p:spPr>
-        <p:txBody>
-          <a:bodyPr vert="horz" wrap="square" lIns="91440" tIns="45720" rIns="91440" bIns="45720" numCol="1" anchor="ctr" anchorCtr="0" compatLnSpc="1">
-            <a:prstTxWarp prst="textNoShape">
-              <a:avLst/>
-            </a:prstTxWarp>
-            <a:spAutoFit/>
-          </a:bodyPr>
-          <a:lstStyle/>
-          <a:p>
-            <a:pPr marL="0" marR="0" lvl="0" indent="0" algn="l" defTabSz="914400" rtl="0" eaLnBrk="0" fontAlgn="base" latinLnBrk="0" hangingPunct="0">
-              <a:lnSpc>
-                <a:spcPct val="100000"/>
-              </a:lnSpc>
-              <a:spcBef>
-                <a:spcPct val="0"/>
-              </a:spcBef>
-              <a:spcAft>
-                <a:spcPct val="0"/>
-              </a:spcAft>
-              <a:buClrTx/>
-              <a:buSzTx/>
-              <a:tabLst/>
-            </a:pPr>
-            <a:r>
-              <a:rPr kumimoji="0" lang="vi-VN" altLang="vi-VN" sz="2400" b="1" i="0" u="none" strike="noStrike" cap="none" normalizeH="0" baseline="0" dirty="0">
-                <a:ln>
-                  <a:noFill/>
-                </a:ln>
-                <a:solidFill>
-                  <a:schemeClr val="tx1"/>
-                </a:solidFill>
-                <a:effectLst/>
-                <a:latin typeface="Arial" panose="020B0604020202020204" pitchFamily="34" charset="0"/>
-              </a:rPr>
-              <a:t>Các bước tiền xử lý</a:t>
-            </a:r>
-          </a:p>
-          <a:p>
-            <a:pPr marL="0" marR="0" lvl="0" indent="0" algn="l" defTabSz="914400" rtl="0" eaLnBrk="0" fontAlgn="base" latinLnBrk="0" hangingPunct="0">
-              <a:lnSpc>
-                <a:spcPct val="100000"/>
-              </a:lnSpc>
-              <a:spcBef>
-                <a:spcPct val="0"/>
-              </a:spcBef>
-              <a:spcAft>
-                <a:spcPct val="0"/>
-              </a:spcAft>
-              <a:buClrTx/>
-              <a:buSzTx/>
-              <a:tabLst/>
-            </a:pPr>
-            <a:r>
-              <a:rPr kumimoji="0" lang="vi-VN" altLang="vi-VN" sz="2400" b="0" i="0" u="none" strike="noStrike" cap="none" normalizeH="0" baseline="0" dirty="0">
-                <a:ln>
-                  <a:noFill/>
-                </a:ln>
-                <a:solidFill>
-                  <a:schemeClr val="tx1"/>
-                </a:solidFill>
-                <a:effectLst/>
-                <a:latin typeface="Arial" panose="020B0604020202020204" pitchFamily="34" charset="0"/>
-              </a:rPr>
-              <a:t>1.Đọc ảnh </a:t>
-            </a:r>
-            <a:r>
-              <a:rPr kumimoji="0" lang="vi-VN" altLang="vi-VN" sz="2400" b="0" i="0" u="none" strike="noStrike" cap="none" normalizeH="0" baseline="0" dirty="0" err="1">
-                <a:ln>
-                  <a:noFill/>
-                </a:ln>
-                <a:solidFill>
-                  <a:schemeClr val="tx1"/>
-                </a:solidFill>
-                <a:effectLst/>
-                <a:latin typeface="Arial" panose="020B0604020202020204" pitchFamily="34" charset="0"/>
-              </a:rPr>
-              <a:t>grayscale</a:t>
-            </a:r>
-            <a:r>
-              <a:rPr kumimoji="0" lang="vi-VN" altLang="vi-VN" sz="2400" b="0" i="0" u="none" strike="noStrike" cap="none" normalizeH="0" baseline="0" dirty="0">
-                <a:ln>
-                  <a:noFill/>
-                </a:ln>
-                <a:solidFill>
-                  <a:schemeClr val="tx1"/>
-                </a:solidFill>
-                <a:effectLst/>
-                <a:latin typeface="Arial" panose="020B0604020202020204" pitchFamily="34" charset="0"/>
-              </a:rPr>
-              <a:t> trong thư mục </a:t>
-            </a:r>
-            <a:r>
-              <a:rPr kumimoji="0" lang="vi-VN" altLang="vi-VN" sz="2400" b="0" i="0" u="none" strike="noStrike" cap="none" normalizeH="0" baseline="0" dirty="0" err="1">
-                <a:ln>
-                  <a:noFill/>
-                </a:ln>
-                <a:solidFill>
-                  <a:schemeClr val="tx1"/>
-                </a:solidFill>
-                <a:effectLst/>
-                <a:latin typeface="Arial" panose="020B0604020202020204" pitchFamily="34" charset="0"/>
-              </a:rPr>
-              <a:t>pos</a:t>
-            </a:r>
-            <a:r>
-              <a:rPr kumimoji="0" lang="vi-VN" altLang="vi-VN" sz="2400" b="0" i="0" u="none" strike="noStrike" cap="none" normalizeH="0" baseline="0" dirty="0">
-                <a:ln>
-                  <a:noFill/>
-                </a:ln>
-                <a:solidFill>
-                  <a:schemeClr val="tx1"/>
-                </a:solidFill>
-                <a:effectLst/>
-                <a:latin typeface="Arial" panose="020B0604020202020204" pitchFamily="34" charset="0"/>
-              </a:rPr>
-              <a:t> và </a:t>
-            </a:r>
-            <a:r>
-              <a:rPr kumimoji="0" lang="vi-VN" altLang="vi-VN" sz="2400" b="0" i="0" u="none" strike="noStrike" cap="none" normalizeH="0" baseline="0" dirty="0" err="1">
-                <a:ln>
-                  <a:noFill/>
-                </a:ln>
-                <a:solidFill>
-                  <a:schemeClr val="tx1"/>
-                </a:solidFill>
-                <a:effectLst/>
-                <a:latin typeface="Arial" panose="020B0604020202020204" pitchFamily="34" charset="0"/>
-              </a:rPr>
-              <a:t>neg</a:t>
-            </a:r>
-            <a:r>
-              <a:rPr kumimoji="0" lang="vi-VN" altLang="vi-VN" sz="2400" b="0" i="0" u="none" strike="noStrike" cap="none" normalizeH="0" baseline="0" dirty="0">
-                <a:ln>
-                  <a:noFill/>
-                </a:ln>
-                <a:solidFill>
-                  <a:schemeClr val="tx1"/>
-                </a:solidFill>
-                <a:effectLst/>
-                <a:latin typeface="Arial" panose="020B0604020202020204" pitchFamily="34" charset="0"/>
-              </a:rPr>
-              <a:t>.</a:t>
-            </a:r>
-          </a:p>
-          <a:p>
-            <a:pPr marL="0" marR="0" lvl="0" indent="0" algn="l" defTabSz="914400" rtl="0" eaLnBrk="0" fontAlgn="base" latinLnBrk="0" hangingPunct="0">
-              <a:lnSpc>
-                <a:spcPct val="100000"/>
-              </a:lnSpc>
-              <a:spcBef>
-                <a:spcPct val="0"/>
-              </a:spcBef>
-              <a:spcAft>
-                <a:spcPct val="0"/>
-              </a:spcAft>
-              <a:buClrTx/>
-              <a:buSzTx/>
-              <a:tabLst/>
-            </a:pPr>
-            <a:r>
-              <a:rPr kumimoji="0" lang="vi-VN" altLang="vi-VN" sz="2400" b="0" i="0" u="none" strike="noStrike" cap="none" normalizeH="0" baseline="0" dirty="0">
-                <a:ln>
-                  <a:noFill/>
-                </a:ln>
-                <a:solidFill>
-                  <a:schemeClr val="tx1"/>
-                </a:solidFill>
-                <a:effectLst/>
-                <a:latin typeface="Arial" panose="020B0604020202020204" pitchFamily="34" charset="0"/>
-              </a:rPr>
-              <a:t>2.Resize về 160x96.</a:t>
-            </a:r>
-          </a:p>
-          <a:p>
-            <a:pPr marL="0" marR="0" lvl="0" indent="0" algn="l" defTabSz="914400" rtl="0" eaLnBrk="0" fontAlgn="base" latinLnBrk="0" hangingPunct="0">
-              <a:lnSpc>
-                <a:spcPct val="100000"/>
-              </a:lnSpc>
-              <a:spcBef>
-                <a:spcPct val="0"/>
-              </a:spcBef>
-              <a:spcAft>
-                <a:spcPct val="0"/>
-              </a:spcAft>
-              <a:buClrTx/>
-              <a:buSzTx/>
-              <a:tabLst/>
-            </a:pPr>
-            <a:r>
-              <a:rPr kumimoji="0" lang="vi-VN" altLang="vi-VN" sz="2400" b="0" i="0" u="none" strike="noStrike" cap="none" normalizeH="0" baseline="0" dirty="0">
-                <a:ln>
-                  <a:noFill/>
-                </a:ln>
-                <a:solidFill>
-                  <a:schemeClr val="tx1"/>
-                </a:solidFill>
-                <a:effectLst/>
-                <a:latin typeface="Arial" panose="020B0604020202020204" pitchFamily="34" charset="0"/>
-              </a:rPr>
-              <a:t>3.Tính đặc trưng HOG cho từng ảnh.</a:t>
-            </a:r>
-          </a:p>
-          <a:p>
-            <a:pPr marL="0" marR="0" lvl="0" indent="0" algn="l" defTabSz="914400" rtl="0" eaLnBrk="0" fontAlgn="base" latinLnBrk="0" hangingPunct="0">
-              <a:lnSpc>
-                <a:spcPct val="100000"/>
-              </a:lnSpc>
-              <a:spcBef>
-                <a:spcPct val="0"/>
-              </a:spcBef>
-              <a:spcAft>
-                <a:spcPct val="0"/>
-              </a:spcAft>
-              <a:buClrTx/>
-              <a:buSzTx/>
-              <a:tabLst/>
-            </a:pPr>
-            <a:r>
-              <a:rPr kumimoji="0" lang="vi-VN" altLang="vi-VN" sz="2400" b="0" i="0" u="none" strike="noStrike" cap="none" normalizeH="0" baseline="0" dirty="0">
-                <a:ln>
-                  <a:noFill/>
-                </a:ln>
-                <a:solidFill>
-                  <a:schemeClr val="tx1"/>
-                </a:solidFill>
-                <a:effectLst/>
-                <a:latin typeface="Arial" panose="020B0604020202020204" pitchFamily="34" charset="0"/>
-              </a:rPr>
-              <a:t>4.Tạo mảng X chứa HOG và y chứa nhãn 0 hoặc 1.</a:t>
-            </a:r>
-          </a:p>
-        </p:txBody>
-      </p:sp>
-    </p:spTree>
-    <p:extLst>
-      <p:ext uri="{BB962C8B-B14F-4D97-AF65-F5344CB8AC3E}">
-        <p14:creationId xmlns:p14="http://schemas.microsoft.com/office/powerpoint/2010/main" val="2507589776"/>
-      </p:ext>
-    </p:extLst>
-  </p:cSld>
-  <p:clrMapOvr>
-    <a:masterClrMapping/>
-  </p:clrMapOvr>
-</p:sld>
-</file>
-
-<file path=ppt/slides/slide12.xml><?xml version="1.0" encoding="utf-8"?>
-<p:sld xmlns:a="http://schemas.openxmlformats.org/drawingml/2006/main" xmlns:r="http://schemas.openxmlformats.org/officeDocument/2006/relationships" xmlns:p="http://schemas.openxmlformats.org/presentationml/2006/main">
-  <p:cSld>
-    <p:spTree>
-      <p:nvGrpSpPr>
-        <p:cNvPr id="1" name="">
-          <a:extLst>
-            <a:ext uri="{FF2B5EF4-FFF2-40B4-BE49-F238E27FC236}">
-              <a16:creationId xmlns:a16="http://schemas.microsoft.com/office/drawing/2014/main" id="{649734ED-404F-4AAA-9655-CB422BD907B7}"/>
-            </a:ext>
-          </a:extLst>
-        </p:cNvPr>
-        <p:cNvGrpSpPr/>
-        <p:nvPr/>
-      </p:nvGrpSpPr>
-      <p:grpSpPr>
-        <a:xfrm>
-          <a:off x="0" y="0"/>
-          <a:ext cx="0" cy="0"/>
-          <a:chOff x="0" y="0"/>
-          <a:chExt cx="0" cy="0"/>
-        </a:xfrm>
-      </p:grpSpPr>
-      <p:sp>
-        <p:nvSpPr>
-          <p:cNvPr id="4" name="Slide Number Placeholder 3">
-            <a:extLst>
-              <a:ext uri="{FF2B5EF4-FFF2-40B4-BE49-F238E27FC236}">
-                <a16:creationId xmlns:a16="http://schemas.microsoft.com/office/drawing/2014/main" id="{A8F5112B-9362-7A66-E448-8D547CB13E4C}"/>
-              </a:ext>
-            </a:extLst>
-          </p:cNvPr>
-          <p:cNvSpPr>
-            <a:spLocks noGrp="1"/>
-          </p:cNvSpPr>
-          <p:nvPr>
-            <p:ph type="sldNum" idx="12"/>
-          </p:nvPr>
-        </p:nvSpPr>
-        <p:spPr/>
-        <p:txBody>
-          <a:bodyPr/>
-          <a:lstStyle/>
-          <a:p>
-            <a:pPr marL="0" lvl="0" indent="0" algn="r" rtl="0">
-              <a:spcBef>
-                <a:spcPts val="0"/>
-              </a:spcBef>
-              <a:spcAft>
-                <a:spcPts val="0"/>
-              </a:spcAft>
-              <a:buNone/>
-            </a:pPr>
-            <a:fld id="{00000000-1234-1234-1234-123412341234}" type="slidenum">
-              <a:rPr lang="en-US" smtClean="0"/>
-              <a:t>12</a:t>
-            </a:fld>
-            <a:endParaRPr lang="en-US"/>
-          </a:p>
-        </p:txBody>
-      </p:sp>
-      <p:sp>
-        <p:nvSpPr>
-          <p:cNvPr id="2" name="Hộp Văn bản 1">
-            <a:extLst>
-              <a:ext uri="{FF2B5EF4-FFF2-40B4-BE49-F238E27FC236}">
-                <a16:creationId xmlns:a16="http://schemas.microsoft.com/office/drawing/2014/main" id="{26C03618-54D1-84A1-5EDE-37C39D80E3B7}"/>
-              </a:ext>
-            </a:extLst>
-          </p:cNvPr>
-          <p:cNvSpPr txBox="1"/>
-          <p:nvPr/>
-        </p:nvSpPr>
-        <p:spPr>
-          <a:xfrm>
-            <a:off x="336331" y="252248"/>
-            <a:ext cx="5665076" cy="646331"/>
-          </a:xfrm>
-          <a:prstGeom prst="rect">
-            <a:avLst/>
-          </a:prstGeom>
-          <a:noFill/>
-        </p:spPr>
-        <p:txBody>
-          <a:bodyPr wrap="square" rtlCol="0">
-            <a:spAutoFit/>
-          </a:bodyPr>
-          <a:lstStyle/>
-          <a:p>
-            <a:r>
-              <a:rPr lang="vi-VN" sz="3600" b="1" dirty="0">
-                <a:solidFill>
-                  <a:schemeClr val="bg1"/>
-                </a:solidFill>
-                <a:latin typeface="Calibri" panose="020F0502020204030204" pitchFamily="34" charset="0"/>
-                <a:ea typeface="Calibri" panose="020F0502020204030204" pitchFamily="34" charset="0"/>
-                <a:cs typeface="Calibri" panose="020F0502020204030204" pitchFamily="34" charset="0"/>
-              </a:rPr>
-              <a:t>2. Thuật toán và tập dữ liệu</a:t>
-            </a:r>
-          </a:p>
-        </p:txBody>
-      </p:sp>
-      <p:sp>
-        <p:nvSpPr>
-          <p:cNvPr id="7" name="Rectangle 2">
-            <a:extLst>
-              <a:ext uri="{FF2B5EF4-FFF2-40B4-BE49-F238E27FC236}">
-                <a16:creationId xmlns:a16="http://schemas.microsoft.com/office/drawing/2014/main" id="{79230D5D-6E16-8908-CD4C-500764C647DF}"/>
-              </a:ext>
-            </a:extLst>
-          </p:cNvPr>
-          <p:cNvSpPr>
-            <a:spLocks noChangeArrowheads="1"/>
-          </p:cNvSpPr>
-          <p:nvPr/>
-        </p:nvSpPr>
-        <p:spPr bwMode="auto">
-          <a:xfrm>
-            <a:off x="210205" y="1219719"/>
-            <a:ext cx="8350469" cy="2739211"/>
+            <a:off x="0" y="1119190"/>
+            <a:ext cx="7036677" cy="400110"/>
           </a:xfrm>
           <a:prstGeom prst="rect">
             <a:avLst/>
@@ -15078,7 +14619,7 @@
               <a:tabLst/>
             </a:pPr>
             <a:r>
-              <a:rPr kumimoji="0" lang="vi-VN" altLang="vi-VN" sz="2800" b="1" i="0" u="none" strike="noStrike" cap="none" normalizeH="0" baseline="0" dirty="0">
+              <a:rPr kumimoji="0" lang="vi-VN" altLang="vi-VN" sz="2000" b="1" i="0" u="none" strike="noStrike" cap="none" normalizeH="0" baseline="0" dirty="0">
                 <a:ln>
                   <a:noFill/>
                 </a:ln>
@@ -15088,10 +14629,10 @@
                 <a:effectLst/>
                 <a:latin typeface="Arial" panose="020B0604020202020204" pitchFamily="34" charset="0"/>
               </a:rPr>
-              <a:t>Hàm </a:t>
+              <a:t>K-</a:t>
             </a:r>
             <a:r>
-              <a:rPr kumimoji="0" lang="vi-VN" altLang="vi-VN" sz="2800" b="1" i="0" u="none" strike="noStrike" cap="none" normalizeH="0" baseline="0" dirty="0" err="1">
+              <a:rPr kumimoji="0" lang="vi-VN" altLang="vi-VN" sz="2000" b="1" i="0" u="none" strike="noStrike" cap="none" normalizeH="0" baseline="0" dirty="0" err="1">
                 <a:ln>
                   <a:noFill/>
                 </a:ln>
@@ -15101,9 +14642,9 @@
                 <a:effectLst/>
                 <a:latin typeface="Arial" panose="020B0604020202020204" pitchFamily="34" charset="0"/>
               </a:rPr>
-              <a:t>main</a:t>
+              <a:t>means</a:t>
             </a:r>
-            <a:endParaRPr kumimoji="0" lang="vi-VN" altLang="vi-VN" sz="2800" b="1" i="0" u="none" strike="noStrike" cap="none" normalizeH="0" baseline="0" dirty="0">
+            <a:endParaRPr kumimoji="0" lang="vi-VN" altLang="vi-VN" sz="2000" b="1" i="0" u="none" strike="noStrike" cap="none" normalizeH="0" baseline="0" dirty="0">
               <a:ln>
                 <a:noFill/>
               </a:ln>
@@ -15114,315 +14655,996 @@
               <a:latin typeface="Arial" panose="020B0604020202020204" pitchFamily="34" charset="0"/>
             </a:endParaRPr>
           </a:p>
+        </p:txBody>
+      </p:sp>
+      <p:sp>
+        <p:nvSpPr>
+          <p:cNvPr id="10" name="Hình Bầu dục 9">
+            <a:extLst>
+              <a:ext uri="{FF2B5EF4-FFF2-40B4-BE49-F238E27FC236}">
+                <a16:creationId xmlns:a16="http://schemas.microsoft.com/office/drawing/2014/main" id="{1FEE8A92-B279-11AC-E642-FA60A417C443}"/>
+              </a:ext>
+            </a:extLst>
+          </p:cNvPr>
+          <p:cNvSpPr/>
+          <p:nvPr/>
+        </p:nvSpPr>
+        <p:spPr>
+          <a:xfrm>
+            <a:off x="1379481" y="1243280"/>
+            <a:ext cx="1455683" cy="461665"/>
+          </a:xfrm>
+          <a:prstGeom prst="ellipse">
+            <a:avLst/>
+          </a:prstGeom>
+        </p:spPr>
+        <p:style>
+          <a:lnRef idx="2">
+            <a:schemeClr val="accent1">
+              <a:shade val="15000"/>
+            </a:schemeClr>
+          </a:lnRef>
+          <a:fillRef idx="1">
+            <a:schemeClr val="accent1"/>
+          </a:fillRef>
+          <a:effectRef idx="0">
+            <a:schemeClr val="accent1"/>
+          </a:effectRef>
+          <a:fontRef idx="minor">
+            <a:schemeClr val="lt1"/>
+          </a:fontRef>
+        </p:style>
+        <p:txBody>
+          <a:bodyPr rtlCol="0" anchor="ctr"/>
+          <a:lstStyle/>
           <a:p>
-            <a:pPr marL="342900" marR="0" lvl="0" indent="-342900" algn="l" defTabSz="914400" rtl="0" eaLnBrk="0" fontAlgn="base" latinLnBrk="0" hangingPunct="0">
-              <a:lnSpc>
-                <a:spcPct val="100000"/>
-              </a:lnSpc>
-              <a:spcBef>
-                <a:spcPct val="0"/>
-              </a:spcBef>
-              <a:spcAft>
-                <a:spcPct val="0"/>
-              </a:spcAft>
-              <a:buClrTx/>
-              <a:buSzTx/>
-              <a:buFont typeface="+mj-lt"/>
-              <a:buAutoNum type="arabicPeriod"/>
-              <a:tabLst/>
-            </a:pPr>
+            <a:pPr algn="ctr"/>
             <a:r>
-              <a:rPr kumimoji="0" lang="vi-VN" altLang="vi-VN" sz="2400" b="0" i="0" u="none" strike="noStrike" cap="none" normalizeH="0" baseline="0" dirty="0">
-                <a:ln>
-                  <a:noFill/>
-                </a:ln>
-                <a:solidFill>
-                  <a:schemeClr val="tx1"/>
-                </a:solidFill>
-                <a:effectLst/>
-                <a:latin typeface="Arial" panose="020B0604020202020204" pitchFamily="34" charset="0"/>
-              </a:rPr>
-              <a:t>Gọi hàm </a:t>
-            </a:r>
-            <a:r>
-              <a:rPr kumimoji="0" lang="vi-VN" altLang="vi-VN" sz="2400" b="0" i="0" u="none" strike="noStrike" cap="none" normalizeH="0" baseline="0" dirty="0" err="1">
-                <a:ln>
-                  <a:noFill/>
-                </a:ln>
-                <a:solidFill>
-                  <a:schemeClr val="tx1"/>
-                </a:solidFill>
-                <a:effectLst/>
-                <a:latin typeface="Arial" panose="020B0604020202020204" pitchFamily="34" charset="0"/>
-              </a:rPr>
-              <a:t>load</a:t>
-            </a:r>
-            <a:r>
-              <a:rPr kumimoji="0" lang="vi-VN" altLang="vi-VN" sz="2400" b="0" i="0" u="none" strike="noStrike" cap="none" normalizeH="0" baseline="0" dirty="0">
-                <a:ln>
-                  <a:noFill/>
-                </a:ln>
-                <a:solidFill>
-                  <a:schemeClr val="tx1"/>
-                </a:solidFill>
-                <a:effectLst/>
-                <a:latin typeface="Arial" panose="020B0604020202020204" pitchFamily="34" charset="0"/>
-              </a:rPr>
-              <a:t> để lấy X và y.</a:t>
-            </a:r>
-          </a:p>
-          <a:p>
-            <a:pPr marL="342900" marR="0" lvl="0" indent="-342900" algn="l" defTabSz="914400" rtl="0" eaLnBrk="0" fontAlgn="base" latinLnBrk="0" hangingPunct="0">
-              <a:lnSpc>
-                <a:spcPct val="100000"/>
-              </a:lnSpc>
-              <a:spcBef>
-                <a:spcPct val="0"/>
-              </a:spcBef>
-              <a:spcAft>
-                <a:spcPct val="0"/>
-              </a:spcAft>
-              <a:buClrTx/>
-              <a:buSzTx/>
-              <a:buFont typeface="+mj-lt"/>
-              <a:buAutoNum type="arabicPeriod"/>
-              <a:tabLst/>
-            </a:pPr>
-            <a:r>
-              <a:rPr kumimoji="0" lang="vi-VN" altLang="vi-VN" sz="2400" b="0" i="0" u="none" strike="noStrike" cap="none" normalizeH="0" baseline="0" dirty="0">
-                <a:ln>
-                  <a:noFill/>
-                </a:ln>
-                <a:solidFill>
-                  <a:schemeClr val="tx1"/>
-                </a:solidFill>
-                <a:effectLst/>
-                <a:latin typeface="Arial" panose="020B0604020202020204" pitchFamily="34" charset="0"/>
-              </a:rPr>
-              <a:t>Chia </a:t>
-            </a:r>
-            <a:r>
-              <a:rPr kumimoji="0" lang="vi-VN" altLang="vi-VN" sz="2400" b="0" i="0" u="none" strike="noStrike" cap="none" normalizeH="0" baseline="0" dirty="0" err="1">
-                <a:ln>
-                  <a:noFill/>
-                </a:ln>
-                <a:solidFill>
-                  <a:schemeClr val="tx1"/>
-                </a:solidFill>
-                <a:effectLst/>
-                <a:latin typeface="Arial" panose="020B0604020202020204" pitchFamily="34" charset="0"/>
-              </a:rPr>
-              <a:t>train</a:t>
-            </a:r>
-            <a:r>
-              <a:rPr kumimoji="0" lang="vi-VN" altLang="vi-VN" sz="2400" b="0" i="0" u="none" strike="noStrike" cap="none" normalizeH="0" baseline="0" dirty="0">
-                <a:ln>
-                  <a:noFill/>
-                </a:ln>
-                <a:solidFill>
-                  <a:schemeClr val="tx1"/>
-                </a:solidFill>
-                <a:effectLst/>
-                <a:latin typeface="Arial" panose="020B0604020202020204" pitchFamily="34" charset="0"/>
-              </a:rPr>
-              <a:t> </a:t>
-            </a:r>
-            <a:r>
-              <a:rPr kumimoji="0" lang="vi-VN" altLang="vi-VN" sz="2400" b="0" i="0" u="none" strike="noStrike" cap="none" normalizeH="0" baseline="0" dirty="0" err="1">
-                <a:ln>
-                  <a:noFill/>
-                </a:ln>
-                <a:solidFill>
-                  <a:schemeClr val="tx1"/>
-                </a:solidFill>
-                <a:effectLst/>
-                <a:latin typeface="Arial" panose="020B0604020202020204" pitchFamily="34" charset="0"/>
-              </a:rPr>
-              <a:t>test</a:t>
-            </a:r>
-            <a:r>
-              <a:rPr kumimoji="0" lang="vi-VN" altLang="vi-VN" sz="2400" b="0" i="0" u="none" strike="noStrike" cap="none" normalizeH="0" baseline="0" dirty="0">
-                <a:ln>
-                  <a:noFill/>
-                </a:ln>
-                <a:solidFill>
-                  <a:schemeClr val="tx1"/>
-                </a:solidFill>
-                <a:effectLst/>
-                <a:latin typeface="Arial" panose="020B0604020202020204" pitchFamily="34" charset="0"/>
-              </a:rPr>
-              <a:t> 80 20.</a:t>
-            </a:r>
-          </a:p>
-          <a:p>
-            <a:pPr marL="342900" marR="0" lvl="0" indent="-342900" algn="l" defTabSz="914400" rtl="0" eaLnBrk="0" fontAlgn="base" latinLnBrk="0" hangingPunct="0">
-              <a:lnSpc>
-                <a:spcPct val="100000"/>
-              </a:lnSpc>
-              <a:spcBef>
-                <a:spcPct val="0"/>
-              </a:spcBef>
-              <a:spcAft>
-                <a:spcPct val="0"/>
-              </a:spcAft>
-              <a:buClrTx/>
-              <a:buSzTx/>
-              <a:buFont typeface="+mj-lt"/>
-              <a:buAutoNum type="arabicPeriod"/>
-              <a:tabLst/>
-            </a:pPr>
-            <a:r>
-              <a:rPr kumimoji="0" lang="vi-VN" altLang="vi-VN" sz="2400" b="0" i="0" u="none" strike="noStrike" cap="none" normalizeH="0" baseline="0" dirty="0">
-                <a:ln>
-                  <a:noFill/>
-                </a:ln>
-                <a:solidFill>
-                  <a:schemeClr val="tx1"/>
-                </a:solidFill>
-                <a:effectLst/>
-                <a:latin typeface="Arial" panose="020B0604020202020204" pitchFamily="34" charset="0"/>
-              </a:rPr>
-              <a:t>Chuẩn hóa dữ liệu bằng </a:t>
-            </a:r>
-            <a:r>
-              <a:rPr kumimoji="0" lang="vi-VN" altLang="vi-VN" sz="2400" b="0" i="0" u="none" strike="noStrike" cap="none" normalizeH="0" baseline="0" dirty="0" err="1">
-                <a:ln>
-                  <a:noFill/>
-                </a:ln>
-                <a:solidFill>
-                  <a:schemeClr val="tx1"/>
-                </a:solidFill>
-                <a:effectLst/>
-                <a:latin typeface="Arial" panose="020B0604020202020204" pitchFamily="34" charset="0"/>
-              </a:rPr>
-              <a:t>StandardScaler</a:t>
-            </a:r>
-            <a:r>
-              <a:rPr kumimoji="0" lang="vi-VN" altLang="vi-VN" sz="2400" b="0" i="0" u="none" strike="noStrike" cap="none" normalizeH="0" baseline="0" dirty="0">
-                <a:ln>
-                  <a:noFill/>
-                </a:ln>
-                <a:solidFill>
-                  <a:schemeClr val="tx1"/>
-                </a:solidFill>
-                <a:effectLst/>
-                <a:latin typeface="Arial" panose="020B0604020202020204" pitchFamily="34" charset="0"/>
-              </a:rPr>
-              <a:t>.</a:t>
-            </a:r>
-          </a:p>
-          <a:p>
-            <a:pPr marL="342900" marR="0" lvl="0" indent="-342900" algn="l" defTabSz="914400" rtl="0" eaLnBrk="0" fontAlgn="base" latinLnBrk="0" hangingPunct="0">
-              <a:lnSpc>
-                <a:spcPct val="100000"/>
-              </a:lnSpc>
-              <a:spcBef>
-                <a:spcPct val="0"/>
-              </a:spcBef>
-              <a:spcAft>
-                <a:spcPct val="0"/>
-              </a:spcAft>
-              <a:buClrTx/>
-              <a:buSzTx/>
-              <a:buFont typeface="+mj-lt"/>
-              <a:buAutoNum type="arabicPeriod"/>
-              <a:tabLst/>
-            </a:pPr>
-            <a:r>
-              <a:rPr kumimoji="0" lang="vi-VN" altLang="vi-VN" sz="2400" b="0" i="0" u="none" strike="noStrike" cap="none" normalizeH="0" baseline="0" dirty="0">
-                <a:ln>
-                  <a:noFill/>
-                </a:ln>
-                <a:solidFill>
-                  <a:schemeClr val="tx1"/>
-                </a:solidFill>
-                <a:effectLst/>
-                <a:latin typeface="Arial" panose="020B0604020202020204" pitchFamily="34" charset="0"/>
-              </a:rPr>
-              <a:t>Giảm chiều bằng PCA giữ 95% phương sai.</a:t>
-            </a:r>
-          </a:p>
-          <a:p>
-            <a:pPr marL="342900" marR="0" lvl="0" indent="-342900" algn="l" defTabSz="914400" rtl="0" eaLnBrk="0" fontAlgn="base" latinLnBrk="0" hangingPunct="0">
-              <a:lnSpc>
-                <a:spcPct val="100000"/>
-              </a:lnSpc>
-              <a:spcBef>
-                <a:spcPct val="0"/>
-              </a:spcBef>
-              <a:spcAft>
-                <a:spcPct val="0"/>
-              </a:spcAft>
-              <a:buClrTx/>
-              <a:buSzTx/>
-              <a:buFont typeface="+mj-lt"/>
-              <a:buAutoNum type="arabicPeriod"/>
-              <a:tabLst/>
-            </a:pPr>
-            <a:r>
-              <a:rPr kumimoji="0" lang="vi-VN" altLang="vi-VN" sz="2400" b="0" i="0" u="none" strike="noStrike" cap="none" normalizeH="0" baseline="0" dirty="0" err="1">
-                <a:ln>
-                  <a:noFill/>
-                </a:ln>
-                <a:solidFill>
-                  <a:schemeClr val="tx1"/>
-                </a:solidFill>
-                <a:effectLst/>
-                <a:latin typeface="Arial" panose="020B0604020202020204" pitchFamily="34" charset="0"/>
-              </a:rPr>
-              <a:t>Train</a:t>
-            </a:r>
-            <a:r>
-              <a:rPr kumimoji="0" lang="vi-VN" altLang="vi-VN" sz="2400" b="0" i="0" u="none" strike="noStrike" cap="none" normalizeH="0" baseline="0" dirty="0">
-                <a:ln>
-                  <a:noFill/>
-                </a:ln>
-                <a:solidFill>
-                  <a:schemeClr val="tx1"/>
-                </a:solidFill>
-                <a:effectLst/>
-                <a:latin typeface="Arial" panose="020B0604020202020204" pitchFamily="34" charset="0"/>
-              </a:rPr>
-              <a:t> mô hình SVM tuyến tính.</a:t>
-            </a:r>
-          </a:p>
-          <a:p>
-            <a:pPr marL="342900" marR="0" lvl="0" indent="-342900" algn="l" defTabSz="914400" rtl="0" eaLnBrk="0" fontAlgn="base" latinLnBrk="0" hangingPunct="0">
-              <a:lnSpc>
-                <a:spcPct val="100000"/>
-              </a:lnSpc>
-              <a:spcBef>
-                <a:spcPct val="0"/>
-              </a:spcBef>
-              <a:spcAft>
-                <a:spcPct val="0"/>
-              </a:spcAft>
-              <a:buClrTx/>
-              <a:buSzTx/>
-              <a:buFont typeface="+mj-lt"/>
-              <a:buAutoNum type="arabicPeriod"/>
-              <a:tabLst/>
-            </a:pPr>
-            <a:r>
-              <a:rPr kumimoji="0" lang="vi-VN" altLang="vi-VN" sz="2400" b="0" i="0" u="none" strike="noStrike" cap="none" normalizeH="0" baseline="0" dirty="0">
-                <a:ln>
-                  <a:noFill/>
-                </a:ln>
-                <a:solidFill>
-                  <a:schemeClr val="tx1"/>
-                </a:solidFill>
-                <a:effectLst/>
-                <a:latin typeface="Arial" panose="020B0604020202020204" pitchFamily="34" charset="0"/>
-              </a:rPr>
-              <a:t>Dự đoán và in độ chính xác cùng báo cáo phân loại.</a:t>
+              <a:rPr lang="vi-VN" dirty="0"/>
+              <a:t>Bắt đầu</a:t>
             </a:r>
           </a:p>
         </p:txBody>
       </p:sp>
+      <p:sp>
+        <p:nvSpPr>
+          <p:cNvPr id="11" name="Lưu đồ: Dữ liệu 10">
+            <a:extLst>
+              <a:ext uri="{FF2B5EF4-FFF2-40B4-BE49-F238E27FC236}">
+                <a16:creationId xmlns:a16="http://schemas.microsoft.com/office/drawing/2014/main" id="{D0A1A08D-890C-99A5-DDA2-980804E645D3}"/>
+              </a:ext>
+            </a:extLst>
+          </p:cNvPr>
+          <p:cNvSpPr/>
+          <p:nvPr/>
+        </p:nvSpPr>
+        <p:spPr>
+          <a:xfrm>
+            <a:off x="1241860" y="1944351"/>
+            <a:ext cx="1730923" cy="469825"/>
+          </a:xfrm>
+          <a:prstGeom prst="flowChartInputOutput">
+            <a:avLst/>
+          </a:prstGeom>
+        </p:spPr>
+        <p:style>
+          <a:lnRef idx="2">
+            <a:schemeClr val="accent1">
+              <a:shade val="15000"/>
+            </a:schemeClr>
+          </a:lnRef>
+          <a:fillRef idx="1">
+            <a:schemeClr val="accent1"/>
+          </a:fillRef>
+          <a:effectRef idx="0">
+            <a:schemeClr val="accent1"/>
+          </a:effectRef>
+          <a:fontRef idx="minor">
+            <a:schemeClr val="lt1"/>
+          </a:fontRef>
+        </p:style>
+        <p:txBody>
+          <a:bodyPr rtlCol="0" anchor="ctr"/>
+          <a:lstStyle/>
+          <a:p>
+            <a:pPr algn="ctr"/>
+            <a:r>
+              <a:rPr lang="vi-VN" dirty="0"/>
+              <a:t>Ảnh đầu vào</a:t>
+            </a:r>
+          </a:p>
+        </p:txBody>
+      </p:sp>
+      <p:sp>
+        <p:nvSpPr>
+          <p:cNvPr id="12" name="Lưu đồ: Tiến trình 11">
+            <a:extLst>
+              <a:ext uri="{FF2B5EF4-FFF2-40B4-BE49-F238E27FC236}">
+                <a16:creationId xmlns:a16="http://schemas.microsoft.com/office/drawing/2014/main" id="{AC298B8D-CFDD-9BA8-3F8D-295B9E39C18E}"/>
+              </a:ext>
+            </a:extLst>
+          </p:cNvPr>
+          <p:cNvSpPr/>
+          <p:nvPr/>
+        </p:nvSpPr>
+        <p:spPr>
+          <a:xfrm>
+            <a:off x="1241862" y="2653582"/>
+            <a:ext cx="1593302" cy="469825"/>
+          </a:xfrm>
+          <a:prstGeom prst="flowChartProcess">
+            <a:avLst/>
+          </a:prstGeom>
+        </p:spPr>
+        <p:style>
+          <a:lnRef idx="2">
+            <a:schemeClr val="accent1">
+              <a:shade val="15000"/>
+            </a:schemeClr>
+          </a:lnRef>
+          <a:fillRef idx="1">
+            <a:schemeClr val="accent1"/>
+          </a:fillRef>
+          <a:effectRef idx="0">
+            <a:schemeClr val="accent1"/>
+          </a:effectRef>
+          <a:fontRef idx="minor">
+            <a:schemeClr val="lt1"/>
+          </a:fontRef>
+        </p:style>
+        <p:txBody>
+          <a:bodyPr rtlCol="0" anchor="ctr"/>
+          <a:lstStyle/>
+          <a:p>
+            <a:pPr algn="ctr"/>
+            <a:r>
+              <a:rPr lang="vi-VN" dirty="0"/>
+              <a:t>Khởi tạo tâm cụm</a:t>
+            </a:r>
+          </a:p>
+        </p:txBody>
+      </p:sp>
+      <p:sp>
+        <p:nvSpPr>
+          <p:cNvPr id="13" name="Lưu đồ: Tiến trình 12">
+            <a:extLst>
+              <a:ext uri="{FF2B5EF4-FFF2-40B4-BE49-F238E27FC236}">
+                <a16:creationId xmlns:a16="http://schemas.microsoft.com/office/drawing/2014/main" id="{9FBA03BD-DF93-FCA8-8D37-03A970A71510}"/>
+              </a:ext>
+            </a:extLst>
+          </p:cNvPr>
+          <p:cNvSpPr/>
+          <p:nvPr/>
+        </p:nvSpPr>
+        <p:spPr>
+          <a:xfrm>
+            <a:off x="1241862" y="3347768"/>
+            <a:ext cx="1593302" cy="469825"/>
+          </a:xfrm>
+          <a:prstGeom prst="flowChartProcess">
+            <a:avLst/>
+          </a:prstGeom>
+        </p:spPr>
+        <p:style>
+          <a:lnRef idx="2">
+            <a:schemeClr val="accent1">
+              <a:shade val="15000"/>
+            </a:schemeClr>
+          </a:lnRef>
+          <a:fillRef idx="1">
+            <a:schemeClr val="accent1"/>
+          </a:fillRef>
+          <a:effectRef idx="0">
+            <a:schemeClr val="accent1"/>
+          </a:effectRef>
+          <a:fontRef idx="minor">
+            <a:schemeClr val="lt1"/>
+          </a:fontRef>
+        </p:style>
+        <p:txBody>
+          <a:bodyPr rtlCol="0" anchor="ctr"/>
+          <a:lstStyle/>
+          <a:p>
+            <a:pPr algn="ctr"/>
+            <a:r>
+              <a:rPr lang="vi-VN" sz="1200" dirty="0"/>
+              <a:t>Tính khoảng cách, gán điểm vào cụm</a:t>
+            </a:r>
+          </a:p>
+        </p:txBody>
+      </p:sp>
+      <p:sp>
+        <p:nvSpPr>
+          <p:cNvPr id="15" name="Lưu đồ: Tiến trình 14">
+            <a:extLst>
+              <a:ext uri="{FF2B5EF4-FFF2-40B4-BE49-F238E27FC236}">
+                <a16:creationId xmlns:a16="http://schemas.microsoft.com/office/drawing/2014/main" id="{607435CD-A177-A655-6D5A-B2BB9FCE5922}"/>
+              </a:ext>
+            </a:extLst>
+          </p:cNvPr>
+          <p:cNvSpPr/>
+          <p:nvPr/>
+        </p:nvSpPr>
+        <p:spPr>
+          <a:xfrm>
+            <a:off x="1241862" y="4041954"/>
+            <a:ext cx="1593302" cy="469825"/>
+          </a:xfrm>
+          <a:prstGeom prst="flowChartProcess">
+            <a:avLst/>
+          </a:prstGeom>
+        </p:spPr>
+        <p:style>
+          <a:lnRef idx="2">
+            <a:schemeClr val="accent1">
+              <a:shade val="15000"/>
+            </a:schemeClr>
+          </a:lnRef>
+          <a:fillRef idx="1">
+            <a:schemeClr val="accent1"/>
+          </a:fillRef>
+          <a:effectRef idx="0">
+            <a:schemeClr val="accent1"/>
+          </a:effectRef>
+          <a:fontRef idx="minor">
+            <a:schemeClr val="lt1"/>
+          </a:fontRef>
+        </p:style>
+        <p:txBody>
+          <a:bodyPr rtlCol="0" anchor="ctr"/>
+          <a:lstStyle/>
+          <a:p>
+            <a:pPr algn="ctr"/>
+            <a:r>
+              <a:rPr lang="vi-VN" dirty="0"/>
+              <a:t>Cập nhật tâm cụm</a:t>
+            </a:r>
+          </a:p>
+        </p:txBody>
+      </p:sp>
+      <p:sp>
+        <p:nvSpPr>
+          <p:cNvPr id="16" name="Lưu Đồ: Quyết Định 15">
+            <a:extLst>
+              <a:ext uri="{FF2B5EF4-FFF2-40B4-BE49-F238E27FC236}">
+                <a16:creationId xmlns:a16="http://schemas.microsoft.com/office/drawing/2014/main" id="{4EC02AE8-FD5D-CCFB-DB36-DE3316D9E63B}"/>
+              </a:ext>
+            </a:extLst>
+          </p:cNvPr>
+          <p:cNvSpPr/>
+          <p:nvPr/>
+        </p:nvSpPr>
+        <p:spPr>
+          <a:xfrm>
+            <a:off x="1104241" y="4736140"/>
+            <a:ext cx="1868542" cy="739786"/>
+          </a:xfrm>
+          <a:prstGeom prst="flowChartDecision">
+            <a:avLst/>
+          </a:prstGeom>
+        </p:spPr>
+        <p:style>
+          <a:lnRef idx="2">
+            <a:schemeClr val="accent1">
+              <a:shade val="15000"/>
+            </a:schemeClr>
+          </a:lnRef>
+          <a:fillRef idx="1">
+            <a:schemeClr val="accent1"/>
+          </a:fillRef>
+          <a:effectRef idx="0">
+            <a:schemeClr val="accent1"/>
+          </a:effectRef>
+          <a:fontRef idx="minor">
+            <a:schemeClr val="lt1"/>
+          </a:fontRef>
+        </p:style>
+        <p:txBody>
+          <a:bodyPr rtlCol="0" anchor="ctr"/>
+          <a:lstStyle/>
+          <a:p>
+            <a:pPr algn="ctr"/>
+            <a:r>
+              <a:rPr lang="vi-VN" dirty="0"/>
+              <a:t>Kiểm tra hội tụ</a:t>
+            </a:r>
+          </a:p>
+        </p:txBody>
+      </p:sp>
+      <p:sp>
+        <p:nvSpPr>
+          <p:cNvPr id="17" name="Lưu đồ: Tiến trình 16">
+            <a:extLst>
+              <a:ext uri="{FF2B5EF4-FFF2-40B4-BE49-F238E27FC236}">
+                <a16:creationId xmlns:a16="http://schemas.microsoft.com/office/drawing/2014/main" id="{8DBD6366-D411-09CB-5FC4-FF2D083B80A3}"/>
+              </a:ext>
+            </a:extLst>
+          </p:cNvPr>
+          <p:cNvSpPr/>
+          <p:nvPr/>
+        </p:nvSpPr>
+        <p:spPr>
+          <a:xfrm>
+            <a:off x="1241860" y="5642502"/>
+            <a:ext cx="1593302" cy="469825"/>
+          </a:xfrm>
+          <a:prstGeom prst="flowChartProcess">
+            <a:avLst/>
+          </a:prstGeom>
+        </p:spPr>
+        <p:style>
+          <a:lnRef idx="2">
+            <a:schemeClr val="accent1">
+              <a:shade val="15000"/>
+            </a:schemeClr>
+          </a:lnRef>
+          <a:fillRef idx="1">
+            <a:schemeClr val="accent1"/>
+          </a:fillRef>
+          <a:effectRef idx="0">
+            <a:schemeClr val="accent1"/>
+          </a:effectRef>
+          <a:fontRef idx="minor">
+            <a:schemeClr val="lt1"/>
+          </a:fontRef>
+        </p:style>
+        <p:txBody>
+          <a:bodyPr rtlCol="0" anchor="ctr"/>
+          <a:lstStyle/>
+          <a:p>
+            <a:pPr algn="ctr"/>
+            <a:r>
+              <a:rPr lang="vi-VN" dirty="0"/>
+              <a:t>Xuất kết quả</a:t>
+            </a:r>
+          </a:p>
+        </p:txBody>
+      </p:sp>
+      <p:sp>
+        <p:nvSpPr>
+          <p:cNvPr id="18" name="Hình Bầu dục 17">
+            <a:extLst>
+              <a:ext uri="{FF2B5EF4-FFF2-40B4-BE49-F238E27FC236}">
+                <a16:creationId xmlns:a16="http://schemas.microsoft.com/office/drawing/2014/main" id="{C0978133-8CFB-006F-2F61-90C29246C573}"/>
+              </a:ext>
+            </a:extLst>
+          </p:cNvPr>
+          <p:cNvSpPr/>
+          <p:nvPr/>
+        </p:nvSpPr>
+        <p:spPr>
+          <a:xfrm>
+            <a:off x="1310669" y="6308079"/>
+            <a:ext cx="1455683" cy="461665"/>
+          </a:xfrm>
+          <a:prstGeom prst="ellipse">
+            <a:avLst/>
+          </a:prstGeom>
+        </p:spPr>
+        <p:style>
+          <a:lnRef idx="2">
+            <a:schemeClr val="accent1">
+              <a:shade val="15000"/>
+            </a:schemeClr>
+          </a:lnRef>
+          <a:fillRef idx="1">
+            <a:schemeClr val="accent1"/>
+          </a:fillRef>
+          <a:effectRef idx="0">
+            <a:schemeClr val="accent1"/>
+          </a:effectRef>
+          <a:fontRef idx="minor">
+            <a:schemeClr val="lt1"/>
+          </a:fontRef>
+        </p:style>
+        <p:txBody>
+          <a:bodyPr rtlCol="0" anchor="ctr"/>
+          <a:lstStyle/>
+          <a:p>
+            <a:pPr algn="ctr"/>
+            <a:r>
+              <a:rPr lang="vi-VN" dirty="0"/>
+              <a:t>Kết thúc</a:t>
+            </a:r>
+          </a:p>
+        </p:txBody>
+      </p:sp>
+      <p:cxnSp>
+        <p:nvCxnSpPr>
+          <p:cNvPr id="19" name="Đường kết nối Mũi tên Thẳng 18">
+            <a:extLst>
+              <a:ext uri="{FF2B5EF4-FFF2-40B4-BE49-F238E27FC236}">
+                <a16:creationId xmlns:a16="http://schemas.microsoft.com/office/drawing/2014/main" id="{DA3955FF-7C39-EDB6-89FB-EE96DACBFB86}"/>
+              </a:ext>
+            </a:extLst>
+          </p:cNvPr>
+          <p:cNvCxnSpPr>
+            <a:cxnSpLocks/>
+          </p:cNvCxnSpPr>
+          <p:nvPr/>
+        </p:nvCxnSpPr>
+        <p:spPr>
+          <a:xfrm flipH="1">
+            <a:off x="2035882" y="1704945"/>
+            <a:ext cx="1" cy="239406"/>
+          </a:xfrm>
+          <a:prstGeom prst="straightConnector1">
+            <a:avLst/>
+          </a:prstGeom>
+          <a:ln>
+            <a:tailEnd type="triangle"/>
+          </a:ln>
+        </p:spPr>
+        <p:style>
+          <a:lnRef idx="1">
+            <a:schemeClr val="accent1"/>
+          </a:lnRef>
+          <a:fillRef idx="0">
+            <a:schemeClr val="accent1"/>
+          </a:fillRef>
+          <a:effectRef idx="0">
+            <a:schemeClr val="accent1"/>
+          </a:effectRef>
+          <a:fontRef idx="minor">
+            <a:schemeClr val="tx1"/>
+          </a:fontRef>
+        </p:style>
+      </p:cxnSp>
+      <p:cxnSp>
+        <p:nvCxnSpPr>
+          <p:cNvPr id="20" name="Đường kết nối Mũi tên Thẳng 19">
+            <a:extLst>
+              <a:ext uri="{FF2B5EF4-FFF2-40B4-BE49-F238E27FC236}">
+                <a16:creationId xmlns:a16="http://schemas.microsoft.com/office/drawing/2014/main" id="{4BA43E45-DA7B-48D4-F346-CEFB4665EC65}"/>
+              </a:ext>
+            </a:extLst>
+          </p:cNvPr>
+          <p:cNvCxnSpPr/>
+          <p:nvPr/>
+        </p:nvCxnSpPr>
+        <p:spPr>
+          <a:xfrm>
+            <a:off x="2035883" y="2412479"/>
+            <a:ext cx="2627" cy="257845"/>
+          </a:xfrm>
+          <a:prstGeom prst="straightConnector1">
+            <a:avLst/>
+          </a:prstGeom>
+          <a:ln>
+            <a:tailEnd type="triangle"/>
+          </a:ln>
+        </p:spPr>
+        <p:style>
+          <a:lnRef idx="1">
+            <a:schemeClr val="accent1"/>
+          </a:lnRef>
+          <a:fillRef idx="0">
+            <a:schemeClr val="accent1"/>
+          </a:fillRef>
+          <a:effectRef idx="0">
+            <a:schemeClr val="accent1"/>
+          </a:effectRef>
+          <a:fontRef idx="minor">
+            <a:schemeClr val="tx1"/>
+          </a:fontRef>
+        </p:style>
+      </p:cxnSp>
+      <p:cxnSp>
+        <p:nvCxnSpPr>
+          <p:cNvPr id="23" name="Đường kết nối Mũi tên Thẳng 22">
+            <a:extLst>
+              <a:ext uri="{FF2B5EF4-FFF2-40B4-BE49-F238E27FC236}">
+                <a16:creationId xmlns:a16="http://schemas.microsoft.com/office/drawing/2014/main" id="{CB0D5E44-AA3A-9FA4-7E2D-CD55B00403F2}"/>
+              </a:ext>
+            </a:extLst>
+          </p:cNvPr>
+          <p:cNvCxnSpPr>
+            <a:cxnSpLocks/>
+            <a:endCxn id="13" idx="0"/>
+          </p:cNvCxnSpPr>
+          <p:nvPr/>
+        </p:nvCxnSpPr>
+        <p:spPr>
+          <a:xfrm>
+            <a:off x="2035883" y="3120970"/>
+            <a:ext cx="2630" cy="226798"/>
+          </a:xfrm>
+          <a:prstGeom prst="straightConnector1">
+            <a:avLst/>
+          </a:prstGeom>
+          <a:ln>
+            <a:tailEnd type="triangle"/>
+          </a:ln>
+        </p:spPr>
+        <p:style>
+          <a:lnRef idx="1">
+            <a:schemeClr val="accent1"/>
+          </a:lnRef>
+          <a:fillRef idx="0">
+            <a:schemeClr val="accent1"/>
+          </a:fillRef>
+          <a:effectRef idx="0">
+            <a:schemeClr val="accent1"/>
+          </a:effectRef>
+          <a:fontRef idx="minor">
+            <a:schemeClr val="tx1"/>
+          </a:fontRef>
+        </p:style>
+      </p:cxnSp>
+      <p:cxnSp>
+        <p:nvCxnSpPr>
+          <p:cNvPr id="25" name="Đường kết nối Mũi tên Thẳng 24">
+            <a:extLst>
+              <a:ext uri="{FF2B5EF4-FFF2-40B4-BE49-F238E27FC236}">
+                <a16:creationId xmlns:a16="http://schemas.microsoft.com/office/drawing/2014/main" id="{2FDE6CDB-ECF4-EA55-443D-733E2FEDE0BB}"/>
+              </a:ext>
+            </a:extLst>
+          </p:cNvPr>
+          <p:cNvCxnSpPr/>
+          <p:nvPr/>
+        </p:nvCxnSpPr>
+        <p:spPr>
+          <a:xfrm>
+            <a:off x="2035882" y="3771913"/>
+            <a:ext cx="2627" cy="257845"/>
+          </a:xfrm>
+          <a:prstGeom prst="straightConnector1">
+            <a:avLst/>
+          </a:prstGeom>
+          <a:ln>
+            <a:tailEnd type="triangle"/>
+          </a:ln>
+        </p:spPr>
+        <p:style>
+          <a:lnRef idx="1">
+            <a:schemeClr val="accent1"/>
+          </a:lnRef>
+          <a:fillRef idx="0">
+            <a:schemeClr val="accent1"/>
+          </a:fillRef>
+          <a:effectRef idx="0">
+            <a:schemeClr val="accent1"/>
+          </a:effectRef>
+          <a:fontRef idx="minor">
+            <a:schemeClr val="tx1"/>
+          </a:fontRef>
+        </p:style>
+      </p:cxnSp>
+      <p:cxnSp>
+        <p:nvCxnSpPr>
+          <p:cNvPr id="26" name="Đường kết nối Mũi tên Thẳng 25">
+            <a:extLst>
+              <a:ext uri="{FF2B5EF4-FFF2-40B4-BE49-F238E27FC236}">
+                <a16:creationId xmlns:a16="http://schemas.microsoft.com/office/drawing/2014/main" id="{713424FF-5535-1620-EB66-9963BA10882F}"/>
+              </a:ext>
+            </a:extLst>
+          </p:cNvPr>
+          <p:cNvCxnSpPr/>
+          <p:nvPr/>
+        </p:nvCxnSpPr>
+        <p:spPr>
+          <a:xfrm>
+            <a:off x="2033255" y="4489781"/>
+            <a:ext cx="2627" cy="257845"/>
+          </a:xfrm>
+          <a:prstGeom prst="straightConnector1">
+            <a:avLst/>
+          </a:prstGeom>
+          <a:ln>
+            <a:tailEnd type="triangle"/>
+          </a:ln>
+        </p:spPr>
+        <p:style>
+          <a:lnRef idx="1">
+            <a:schemeClr val="accent1"/>
+          </a:lnRef>
+          <a:fillRef idx="0">
+            <a:schemeClr val="accent1"/>
+          </a:fillRef>
+          <a:effectRef idx="0">
+            <a:schemeClr val="accent1"/>
+          </a:effectRef>
+          <a:fontRef idx="minor">
+            <a:schemeClr val="tx1"/>
+          </a:fontRef>
+        </p:style>
+      </p:cxnSp>
+      <p:cxnSp>
+        <p:nvCxnSpPr>
+          <p:cNvPr id="27" name="Đường kết nối Mũi tên Thẳng 26">
+            <a:extLst>
+              <a:ext uri="{FF2B5EF4-FFF2-40B4-BE49-F238E27FC236}">
+                <a16:creationId xmlns:a16="http://schemas.microsoft.com/office/drawing/2014/main" id="{6EA710A7-4CF2-34A8-B713-942D4679E831}"/>
+              </a:ext>
+            </a:extLst>
+          </p:cNvPr>
+          <p:cNvCxnSpPr>
+            <a:cxnSpLocks/>
+            <a:endCxn id="13" idx="1"/>
+          </p:cNvCxnSpPr>
+          <p:nvPr/>
+        </p:nvCxnSpPr>
+        <p:spPr>
+          <a:xfrm>
+            <a:off x="592353" y="3582681"/>
+            <a:ext cx="649509" cy="0"/>
+          </a:xfrm>
+          <a:prstGeom prst="straightConnector1">
+            <a:avLst/>
+          </a:prstGeom>
+          <a:ln>
+            <a:tailEnd type="triangle"/>
+          </a:ln>
+        </p:spPr>
+        <p:style>
+          <a:lnRef idx="1">
+            <a:schemeClr val="accent1"/>
+          </a:lnRef>
+          <a:fillRef idx="0">
+            <a:schemeClr val="accent1"/>
+          </a:fillRef>
+          <a:effectRef idx="0">
+            <a:schemeClr val="accent1"/>
+          </a:effectRef>
+          <a:fontRef idx="minor">
+            <a:schemeClr val="tx1"/>
+          </a:fontRef>
+        </p:style>
+      </p:cxnSp>
+      <p:cxnSp>
+        <p:nvCxnSpPr>
+          <p:cNvPr id="31" name="Đường nối Thẳng 30">
+            <a:extLst>
+              <a:ext uri="{FF2B5EF4-FFF2-40B4-BE49-F238E27FC236}">
+                <a16:creationId xmlns:a16="http://schemas.microsoft.com/office/drawing/2014/main" id="{843026D0-EE70-C5E7-8E07-05350D267235}"/>
+              </a:ext>
+            </a:extLst>
+          </p:cNvPr>
+          <p:cNvCxnSpPr/>
+          <p:nvPr/>
+        </p:nvCxnSpPr>
+        <p:spPr>
+          <a:xfrm>
+            <a:off x="592353" y="3582681"/>
+            <a:ext cx="0" cy="1532244"/>
+          </a:xfrm>
+          <a:prstGeom prst="line">
+            <a:avLst/>
+          </a:prstGeom>
+        </p:spPr>
+        <p:style>
+          <a:lnRef idx="1">
+            <a:schemeClr val="accent1"/>
+          </a:lnRef>
+          <a:fillRef idx="0">
+            <a:schemeClr val="accent1"/>
+          </a:fillRef>
+          <a:effectRef idx="0">
+            <a:schemeClr val="accent1"/>
+          </a:effectRef>
+          <a:fontRef idx="minor">
+            <a:schemeClr val="tx1"/>
+          </a:fontRef>
+        </p:style>
+      </p:cxnSp>
+      <p:cxnSp>
+        <p:nvCxnSpPr>
+          <p:cNvPr id="32" name="Đường nối Thẳng 31">
+            <a:extLst>
+              <a:ext uri="{FF2B5EF4-FFF2-40B4-BE49-F238E27FC236}">
+                <a16:creationId xmlns:a16="http://schemas.microsoft.com/office/drawing/2014/main" id="{496D296D-9257-794B-9D0E-701F89604CB2}"/>
+              </a:ext>
+            </a:extLst>
+          </p:cNvPr>
+          <p:cNvCxnSpPr>
+            <a:cxnSpLocks/>
+            <a:endCxn id="16" idx="1"/>
+          </p:cNvCxnSpPr>
+          <p:nvPr/>
+        </p:nvCxnSpPr>
+        <p:spPr>
+          <a:xfrm>
+            <a:off x="592353" y="5106032"/>
+            <a:ext cx="511888" cy="1"/>
+          </a:xfrm>
+          <a:prstGeom prst="line">
+            <a:avLst/>
+          </a:prstGeom>
+        </p:spPr>
+        <p:style>
+          <a:lnRef idx="1">
+            <a:schemeClr val="accent1"/>
+          </a:lnRef>
+          <a:fillRef idx="0">
+            <a:schemeClr val="accent1"/>
+          </a:fillRef>
+          <a:effectRef idx="0">
+            <a:schemeClr val="accent1"/>
+          </a:effectRef>
+          <a:fontRef idx="minor">
+            <a:schemeClr val="tx1"/>
+          </a:fontRef>
+        </p:style>
+      </p:cxnSp>
+      <p:cxnSp>
+        <p:nvCxnSpPr>
+          <p:cNvPr id="36" name="Đường nối Thẳng 35">
+            <a:extLst>
+              <a:ext uri="{FF2B5EF4-FFF2-40B4-BE49-F238E27FC236}">
+                <a16:creationId xmlns:a16="http://schemas.microsoft.com/office/drawing/2014/main" id="{88FE23BF-AC1B-C625-D96C-9FAAC8337D2D}"/>
+              </a:ext>
+            </a:extLst>
+          </p:cNvPr>
+          <p:cNvCxnSpPr>
+            <a:cxnSpLocks/>
+            <a:endCxn id="16" idx="3"/>
+          </p:cNvCxnSpPr>
+          <p:nvPr/>
+        </p:nvCxnSpPr>
+        <p:spPr>
+          <a:xfrm flipH="1" flipV="1">
+            <a:off x="2972783" y="5106033"/>
+            <a:ext cx="547657" cy="8892"/>
+          </a:xfrm>
+          <a:prstGeom prst="line">
+            <a:avLst/>
+          </a:prstGeom>
+        </p:spPr>
+        <p:style>
+          <a:lnRef idx="1">
+            <a:schemeClr val="accent1"/>
+          </a:lnRef>
+          <a:fillRef idx="0">
+            <a:schemeClr val="accent1"/>
+          </a:fillRef>
+          <a:effectRef idx="0">
+            <a:schemeClr val="accent1"/>
+          </a:effectRef>
+          <a:fontRef idx="minor">
+            <a:schemeClr val="tx1"/>
+          </a:fontRef>
+        </p:style>
+      </p:cxnSp>
+      <p:cxnSp>
+        <p:nvCxnSpPr>
+          <p:cNvPr id="40" name="Đường nối Thẳng 39">
+            <a:extLst>
+              <a:ext uri="{FF2B5EF4-FFF2-40B4-BE49-F238E27FC236}">
+                <a16:creationId xmlns:a16="http://schemas.microsoft.com/office/drawing/2014/main" id="{A9477284-E2D7-EEA2-7588-7EFE8C948532}"/>
+              </a:ext>
+            </a:extLst>
+          </p:cNvPr>
+          <p:cNvCxnSpPr/>
+          <p:nvPr/>
+        </p:nvCxnSpPr>
+        <p:spPr>
+          <a:xfrm>
+            <a:off x="3520440" y="5106032"/>
+            <a:ext cx="0" cy="776608"/>
+          </a:xfrm>
+          <a:prstGeom prst="line">
+            <a:avLst/>
+          </a:prstGeom>
+        </p:spPr>
+        <p:style>
+          <a:lnRef idx="1">
+            <a:schemeClr val="accent1"/>
+          </a:lnRef>
+          <a:fillRef idx="0">
+            <a:schemeClr val="accent1"/>
+          </a:fillRef>
+          <a:effectRef idx="0">
+            <a:schemeClr val="accent1"/>
+          </a:effectRef>
+          <a:fontRef idx="minor">
+            <a:schemeClr val="tx1"/>
+          </a:fontRef>
+        </p:style>
+      </p:cxnSp>
+      <p:cxnSp>
+        <p:nvCxnSpPr>
+          <p:cNvPr id="42" name="Đường kết nối Mũi tên Thẳng 41">
+            <a:extLst>
+              <a:ext uri="{FF2B5EF4-FFF2-40B4-BE49-F238E27FC236}">
+                <a16:creationId xmlns:a16="http://schemas.microsoft.com/office/drawing/2014/main" id="{0781190B-07AC-E409-1939-7C7D4F29E300}"/>
+              </a:ext>
+            </a:extLst>
+          </p:cNvPr>
+          <p:cNvCxnSpPr>
+            <a:endCxn id="17" idx="3"/>
+          </p:cNvCxnSpPr>
+          <p:nvPr/>
+        </p:nvCxnSpPr>
+        <p:spPr>
+          <a:xfrm flipH="1" flipV="1">
+            <a:off x="2835162" y="5877415"/>
+            <a:ext cx="685278" cy="5225"/>
+          </a:xfrm>
+          <a:prstGeom prst="straightConnector1">
+            <a:avLst/>
+          </a:prstGeom>
+          <a:ln>
+            <a:tailEnd type="triangle"/>
+          </a:ln>
+        </p:spPr>
+        <p:style>
+          <a:lnRef idx="1">
+            <a:schemeClr val="accent1"/>
+          </a:lnRef>
+          <a:fillRef idx="0">
+            <a:schemeClr val="accent1"/>
+          </a:fillRef>
+          <a:effectRef idx="0">
+            <a:schemeClr val="accent1"/>
+          </a:effectRef>
+          <a:fontRef idx="minor">
+            <a:schemeClr val="tx1"/>
+          </a:fontRef>
+        </p:style>
+      </p:cxnSp>
+      <p:sp>
+        <p:nvSpPr>
+          <p:cNvPr id="43" name="Lưu đồ: Điểm Kết Thúc 42">
+            <a:extLst>
+              <a:ext uri="{FF2B5EF4-FFF2-40B4-BE49-F238E27FC236}">
+                <a16:creationId xmlns:a16="http://schemas.microsoft.com/office/drawing/2014/main" id="{51440439-F856-917E-ADC7-DC4A0CB08ACF}"/>
+              </a:ext>
+            </a:extLst>
+          </p:cNvPr>
+          <p:cNvSpPr/>
+          <p:nvPr/>
+        </p:nvSpPr>
+        <p:spPr>
+          <a:xfrm>
+            <a:off x="67430" y="5241018"/>
+            <a:ext cx="1312051" cy="234907"/>
+          </a:xfrm>
+          <a:prstGeom prst="flowChartTerminator">
+            <a:avLst/>
+          </a:prstGeom>
+        </p:spPr>
+        <p:style>
+          <a:lnRef idx="2">
+            <a:schemeClr val="accent1">
+              <a:shade val="15000"/>
+            </a:schemeClr>
+          </a:lnRef>
+          <a:fillRef idx="1">
+            <a:schemeClr val="accent1"/>
+          </a:fillRef>
+          <a:effectRef idx="0">
+            <a:schemeClr val="accent1"/>
+          </a:effectRef>
+          <a:fontRef idx="minor">
+            <a:schemeClr val="lt1"/>
+          </a:fontRef>
+        </p:style>
+        <p:txBody>
+          <a:bodyPr rtlCol="0" anchor="ctr"/>
+          <a:lstStyle/>
+          <a:p>
+            <a:pPr algn="ctr"/>
+            <a:r>
+              <a:rPr lang="vi-VN"/>
+              <a:t>Chưa hội tụ</a:t>
+            </a:r>
+            <a:endParaRPr lang="vi-VN" dirty="0"/>
+          </a:p>
+        </p:txBody>
+      </p:sp>
+      <p:sp>
+        <p:nvSpPr>
+          <p:cNvPr id="46" name="Lưu đồ: Điểm Kết Thúc 45">
+            <a:extLst>
+              <a:ext uri="{FF2B5EF4-FFF2-40B4-BE49-F238E27FC236}">
+                <a16:creationId xmlns:a16="http://schemas.microsoft.com/office/drawing/2014/main" id="{F59C6466-2C0C-BD1B-66FD-9209CD44254B}"/>
+              </a:ext>
+            </a:extLst>
+          </p:cNvPr>
+          <p:cNvSpPr/>
+          <p:nvPr/>
+        </p:nvSpPr>
+        <p:spPr>
+          <a:xfrm>
+            <a:off x="2917275" y="4803633"/>
+            <a:ext cx="900346" cy="240154"/>
+          </a:xfrm>
+          <a:prstGeom prst="flowChartTerminator">
+            <a:avLst/>
+          </a:prstGeom>
+        </p:spPr>
+        <p:style>
+          <a:lnRef idx="2">
+            <a:schemeClr val="accent1">
+              <a:shade val="15000"/>
+            </a:schemeClr>
+          </a:lnRef>
+          <a:fillRef idx="1">
+            <a:schemeClr val="accent1"/>
+          </a:fillRef>
+          <a:effectRef idx="0">
+            <a:schemeClr val="accent1"/>
+          </a:effectRef>
+          <a:fontRef idx="minor">
+            <a:schemeClr val="lt1"/>
+          </a:fontRef>
+        </p:style>
+        <p:txBody>
+          <a:bodyPr rtlCol="0" anchor="ctr"/>
+          <a:lstStyle/>
+          <a:p>
+            <a:pPr algn="ctr"/>
+            <a:r>
+              <a:rPr lang="vi-VN" sz="1200" dirty="0"/>
+              <a:t>Đã hội tụ</a:t>
+            </a:r>
+          </a:p>
+        </p:txBody>
+      </p:sp>
+      <p:pic>
+        <p:nvPicPr>
+          <p:cNvPr id="48" name="Hình ảnh 47">
+            <a:extLst>
+              <a:ext uri="{FF2B5EF4-FFF2-40B4-BE49-F238E27FC236}">
+                <a16:creationId xmlns:a16="http://schemas.microsoft.com/office/drawing/2014/main" id="{45C6A272-CC83-AD46-56FC-62D09212C887}"/>
+              </a:ext>
+            </a:extLst>
+          </p:cNvPr>
+          <p:cNvPicPr>
+            <a:picLocks noChangeAspect="1"/>
+          </p:cNvPicPr>
+          <p:nvPr/>
+        </p:nvPicPr>
+        <p:blipFill>
+          <a:blip r:embed="rId3"/>
+          <a:stretch>
+            <a:fillRect/>
+          </a:stretch>
+        </p:blipFill>
+        <p:spPr>
+          <a:xfrm>
+            <a:off x="3988344" y="1333263"/>
+            <a:ext cx="4824909" cy="2260667"/>
+          </a:xfrm>
+          <a:prstGeom prst="rect">
+            <a:avLst/>
+          </a:prstGeom>
+        </p:spPr>
+      </p:pic>
+      <p:pic>
+        <p:nvPicPr>
+          <p:cNvPr id="50" name="Hình ảnh 49">
+            <a:extLst>
+              <a:ext uri="{FF2B5EF4-FFF2-40B4-BE49-F238E27FC236}">
+                <a16:creationId xmlns:a16="http://schemas.microsoft.com/office/drawing/2014/main" id="{11E12F5F-26BE-802C-AFE7-5BCC8B4A2774}"/>
+              </a:ext>
+            </a:extLst>
+          </p:cNvPr>
+          <p:cNvPicPr>
+            <a:picLocks noChangeAspect="1"/>
+          </p:cNvPicPr>
+          <p:nvPr/>
+        </p:nvPicPr>
+        <p:blipFill>
+          <a:blip r:embed="rId4"/>
+          <a:stretch>
+            <a:fillRect/>
+          </a:stretch>
+        </p:blipFill>
+        <p:spPr>
+          <a:xfrm>
+            <a:off x="3988344" y="3596705"/>
+            <a:ext cx="4908829" cy="2301842"/>
+          </a:xfrm>
+          <a:prstGeom prst="rect">
+            <a:avLst/>
+          </a:prstGeom>
+        </p:spPr>
+      </p:pic>
     </p:spTree>
     <p:extLst>
       <p:ext uri="{BB962C8B-B14F-4D97-AF65-F5344CB8AC3E}">
-        <p14:creationId xmlns:p14="http://schemas.microsoft.com/office/powerpoint/2010/main" val="4054627017"/>
+        <p14:creationId xmlns:p14="http://schemas.microsoft.com/office/powerpoint/2010/main" val="4244503950"/>
       </p:ext>
     </p:extLst>
   </p:cSld>
@@ -15432,7 +15654,7 @@
 </p:sld>
 </file>
 
-<file path=ppt/slides/slide13.xml><?xml version="1.0" encoding="utf-8"?>
+<file path=ppt/slides/slide12.xml><?xml version="1.0" encoding="utf-8"?>
 <p:sld xmlns:a="http://schemas.openxmlformats.org/drawingml/2006/main" xmlns:r="http://schemas.openxmlformats.org/officeDocument/2006/relationships" xmlns:p="http://schemas.openxmlformats.org/presentationml/2006/main">
   <p:cSld>
     <p:spTree>
@@ -15487,7 +15709,7 @@
             </a:pPr>
             <a:fld id="{00000000-1234-1234-1234-123412341234}" type="slidenum">
               <a:rPr lang="en-US" smtClean="0"/>
-              <a:t>13</a:t>
+              <a:t>12</a:t>
             </a:fld>
             <a:endParaRPr lang="en-US"/>
           </a:p>
@@ -15696,7 +15918,7 @@
 </p:sld>
 </file>
 
-<file path=ppt/slides/slide14.xml><?xml version="1.0" encoding="utf-8"?>
+<file path=ppt/slides/slide13.xml><?xml version="1.0" encoding="utf-8"?>
 <p:sld xmlns:a="http://schemas.openxmlformats.org/drawingml/2006/main" xmlns:r="http://schemas.openxmlformats.org/officeDocument/2006/relationships" xmlns:p="http://schemas.openxmlformats.org/presentationml/2006/main">
   <p:cSld>
     <p:spTree>
@@ -15751,7 +15973,7 @@
             </a:pPr>
             <a:fld id="{00000000-1234-1234-1234-123412341234}" type="slidenum">
               <a:rPr lang="en-US" smtClean="0"/>
-              <a:t>14</a:t>
+              <a:t>13</a:t>
             </a:fld>
             <a:endParaRPr lang="en-US"/>
           </a:p>
@@ -15815,7 +16037,7 @@
 </p:sld>
 </file>
 
-<file path=ppt/slides/slide15.xml><?xml version="1.0" encoding="utf-8"?>
+<file path=ppt/slides/slide14.xml><?xml version="1.0" encoding="utf-8"?>
 <p:sld xmlns:a="http://schemas.openxmlformats.org/drawingml/2006/main" xmlns:r="http://schemas.openxmlformats.org/officeDocument/2006/relationships" xmlns:p="http://schemas.openxmlformats.org/presentationml/2006/main">
   <p:cSld>
     <p:spTree>
@@ -15904,7 +16126,7 @@
             </a:pPr>
             <a:fld id="{00000000-1234-1234-1234-123412341234}" type="slidenum">
               <a:rPr lang="en-US" smtClean="0"/>
-              <a:t>15</a:t>
+              <a:t>14</a:t>
             </a:fld>
             <a:endParaRPr lang="en-US"/>
           </a:p>
@@ -15923,7 +16145,7 @@
 </p:sld>
 </file>
 
-<file path=ppt/slides/slide16.xml><?xml version="1.0" encoding="utf-8"?>
+<file path=ppt/slides/slide15.xml><?xml version="1.0" encoding="utf-8"?>
 <p:sld xmlns:a="http://schemas.openxmlformats.org/drawingml/2006/main" xmlns:r="http://schemas.openxmlformats.org/officeDocument/2006/relationships" xmlns:p="http://schemas.openxmlformats.org/presentationml/2006/main">
   <p:cSld>
     <p:spTree>
@@ -16012,7 +16234,7 @@
             </a:pPr>
             <a:fld id="{00000000-1234-1234-1234-123412341234}" type="slidenum">
               <a:rPr lang="en-US" smtClean="0"/>
-              <a:t>16</a:t>
+              <a:t>15</a:t>
             </a:fld>
             <a:endParaRPr lang="en-US"/>
           </a:p>
@@ -16031,7 +16253,7 @@
 </p:sld>
 </file>
 
-<file path=ppt/slides/slide17.xml><?xml version="1.0" encoding="utf-8"?>
+<file path=ppt/slides/slide16.xml><?xml version="1.0" encoding="utf-8"?>
 <p:sld xmlns:a="http://schemas.openxmlformats.org/drawingml/2006/main" xmlns:r="http://schemas.openxmlformats.org/officeDocument/2006/relationships" xmlns:p="http://schemas.openxmlformats.org/presentationml/2006/main">
   <p:cSld>
     <p:spTree>
@@ -16120,7 +16342,7 @@
             </a:pPr>
             <a:fld id="{00000000-1234-1234-1234-123412341234}" type="slidenum">
               <a:rPr lang="en-US" smtClean="0"/>
-              <a:t>17</a:t>
+              <a:t>16</a:t>
             </a:fld>
             <a:endParaRPr lang="en-US"/>
           </a:p>
@@ -16139,7 +16361,7 @@
 </p:sld>
 </file>
 
-<file path=ppt/slides/slide18.xml><?xml version="1.0" encoding="utf-8"?>
+<file path=ppt/slides/slide17.xml><?xml version="1.0" encoding="utf-8"?>
 <p:sld xmlns:a="http://schemas.openxmlformats.org/drawingml/2006/main" xmlns:r="http://schemas.openxmlformats.org/officeDocument/2006/relationships" xmlns:p="http://schemas.openxmlformats.org/presentationml/2006/main">
   <p:cSld>
     <p:spTree>
@@ -16228,7 +16450,7 @@
             </a:pPr>
             <a:fld id="{00000000-1234-1234-1234-123412341234}" type="slidenum">
               <a:rPr lang="en-US" smtClean="0"/>
-              <a:t>18</a:t>
+              <a:t>17</a:t>
             </a:fld>
             <a:endParaRPr lang="en-US"/>
           </a:p>
@@ -16844,117 +17066,6 @@
         <p:cNvPr id="1" name="">
           <a:extLst>
             <a:ext uri="{FF2B5EF4-FFF2-40B4-BE49-F238E27FC236}">
-              <a16:creationId xmlns:a16="http://schemas.microsoft.com/office/drawing/2014/main" id="{91F6CE7E-E3D7-97E1-2892-C9657AAA15E1}"/>
-            </a:ext>
-          </a:extLst>
-        </p:cNvPr>
-        <p:cNvGrpSpPr/>
-        <p:nvPr/>
-      </p:nvGrpSpPr>
-      <p:grpSpPr>
-        <a:xfrm>
-          <a:off x="0" y="0"/>
-          <a:ext cx="0" cy="0"/>
-          <a:chOff x="0" y="0"/>
-          <a:chExt cx="0" cy="0"/>
-        </a:xfrm>
-      </p:grpSpPr>
-      <p:sp>
-        <p:nvSpPr>
-          <p:cNvPr id="4" name="Chỗ dành sẵn cho Số hiệu Bản chiếu 3">
-            <a:extLst>
-              <a:ext uri="{FF2B5EF4-FFF2-40B4-BE49-F238E27FC236}">
-                <a16:creationId xmlns:a16="http://schemas.microsoft.com/office/drawing/2014/main" id="{CE9D59FF-F3A7-4865-FDBC-BE6370945065}"/>
-              </a:ext>
-            </a:extLst>
-          </p:cNvPr>
-          <p:cNvSpPr>
-            <a:spLocks noGrp="1"/>
-          </p:cNvSpPr>
-          <p:nvPr>
-            <p:ph type="sldNum" idx="12"/>
-          </p:nvPr>
-        </p:nvSpPr>
-        <p:spPr/>
-        <p:txBody>
-          <a:bodyPr/>
-          <a:lstStyle/>
-          <a:p>
-            <a:pPr marL="0" lvl="0" indent="0" algn="r" rtl="0">
-              <a:spcBef>
-                <a:spcPts val="0"/>
-              </a:spcBef>
-              <a:spcAft>
-                <a:spcPts val="0"/>
-              </a:spcAft>
-              <a:buNone/>
-            </a:pPr>
-            <a:fld id="{00000000-1234-1234-1234-123412341234}" type="slidenum">
-              <a:rPr lang="en-US" smtClean="0"/>
-              <a:t>5</a:t>
-            </a:fld>
-            <a:endParaRPr lang="en-US"/>
-          </a:p>
-        </p:txBody>
-      </p:sp>
-      <p:sp>
-        <p:nvSpPr>
-          <p:cNvPr id="5" name="Tiêu đề 1">
-            <a:extLst>
-              <a:ext uri="{FF2B5EF4-FFF2-40B4-BE49-F238E27FC236}">
-                <a16:creationId xmlns:a16="http://schemas.microsoft.com/office/drawing/2014/main" id="{2EA496C5-6FA8-1FF0-B32F-BB6F1092ED51}"/>
-              </a:ext>
-            </a:extLst>
-          </p:cNvPr>
-          <p:cNvSpPr>
-            <a:spLocks noGrp="1"/>
-          </p:cNvSpPr>
-          <p:nvPr>
-            <p:ph type="ctrTitle"/>
-          </p:nvPr>
-        </p:nvSpPr>
-        <p:spPr>
-          <a:xfrm>
-            <a:off x="136634" y="346732"/>
-            <a:ext cx="5276193" cy="431033"/>
-          </a:xfrm>
-        </p:spPr>
-        <p:txBody>
-          <a:bodyPr/>
-          <a:lstStyle/>
-          <a:p>
-            <a:r>
-              <a:rPr lang="vi-VN" dirty="0">
-                <a:solidFill>
-                  <a:schemeClr val="bg1"/>
-                </a:solidFill>
-              </a:rPr>
-              <a:t>1. Giới thiệu về bài toán</a:t>
-            </a:r>
-          </a:p>
-        </p:txBody>
-      </p:sp>
-    </p:spTree>
-    <p:extLst>
-      <p:ext uri="{BB962C8B-B14F-4D97-AF65-F5344CB8AC3E}">
-        <p14:creationId xmlns:p14="http://schemas.microsoft.com/office/powerpoint/2010/main" val="3538671373"/>
-      </p:ext>
-    </p:extLst>
-  </p:cSld>
-  <p:clrMapOvr>
-    <a:masterClrMapping/>
-  </p:clrMapOvr>
-</p:sld>
-</file>
-
-<file path=ppt/slides/slide6.xml><?xml version="1.0" encoding="utf-8"?>
-<p:sld xmlns:a="http://schemas.openxmlformats.org/drawingml/2006/main" xmlns:r="http://schemas.openxmlformats.org/officeDocument/2006/relationships" xmlns:p="http://schemas.openxmlformats.org/presentationml/2006/main">
-  <p:cSld>
-    <p:spTree>
-      <p:nvGrpSpPr>
-        <p:cNvPr id="1" name="">
-          <a:extLst>
-            <a:ext uri="{FF2B5EF4-FFF2-40B4-BE49-F238E27FC236}">
               <a16:creationId xmlns:a16="http://schemas.microsoft.com/office/drawing/2014/main" id="{4FB62B81-75AA-C2B1-35A9-79D8995A917A}"/>
             </a:ext>
           </a:extLst>
@@ -17036,7 +17147,7 @@
             </a:pPr>
             <a:fld id="{00000000-1234-1234-1234-123412341234}" type="slidenum">
               <a:rPr lang="en-US" smtClean="0"/>
-              <a:t>6</a:t>
+              <a:t>5</a:t>
             </a:fld>
             <a:endParaRPr lang="en-US"/>
           </a:p>
@@ -17055,7 +17166,7 @@
 </p:sld>
 </file>
 
-<file path=ppt/slides/slide7.xml><?xml version="1.0" encoding="utf-8"?>
+<file path=ppt/slides/slide6.xml><?xml version="1.0" encoding="utf-8"?>
 <p:sld xmlns:a="http://schemas.openxmlformats.org/drawingml/2006/main" xmlns:r="http://schemas.openxmlformats.org/officeDocument/2006/relationships" xmlns:p="http://schemas.openxmlformats.org/presentationml/2006/main">
   <p:cSld>
     <p:spTree>
@@ -17110,7 +17221,7 @@
             </a:pPr>
             <a:fld id="{00000000-1234-1234-1234-123412341234}" type="slidenum">
               <a:rPr lang="en-US" smtClean="0"/>
-              <a:t>7</a:t>
+              <a:t>6</a:t>
             </a:fld>
             <a:endParaRPr lang="en-US"/>
           </a:p>
@@ -17902,7 +18013,7 @@
 </p:sld>
 </file>
 
-<file path=ppt/slides/slide8.xml><?xml version="1.0" encoding="utf-8"?>
+<file path=ppt/slides/slide7.xml><?xml version="1.0" encoding="utf-8"?>
 <p:sld xmlns:a="http://schemas.openxmlformats.org/drawingml/2006/main" xmlns:r="http://schemas.openxmlformats.org/officeDocument/2006/relationships" xmlns:p="http://schemas.openxmlformats.org/presentationml/2006/main">
   <p:cSld>
     <p:spTree>
@@ -17957,7 +18068,7 @@
             </a:pPr>
             <a:fld id="{00000000-1234-1234-1234-123412341234}" type="slidenum">
               <a:rPr lang="en-US" smtClean="0"/>
-              <a:t>8</a:t>
+              <a:t>7</a:t>
             </a:fld>
             <a:endParaRPr lang="en-US"/>
           </a:p>
@@ -18090,7 +18201,7 @@
                 <a:effectLst/>
                 <a:latin typeface="Arial" panose="020B0604020202020204" pitchFamily="34" charset="0"/>
               </a:rPr>
-              <a:t>Trích chọn đặc trưng với HOG</a:t>
+              <a:t>Tiền xử lý + Trích chọn đặc trưng với HOG</a:t>
             </a:r>
             <a:r>
               <a:rPr kumimoji="0" lang="vi-VN" altLang="vi-VN" sz="2400" i="0" u="none" strike="noStrike" cap="none" normalizeH="0" baseline="0" dirty="0">
@@ -18315,7 +18426,7 @@
 </p:sld>
 </file>
 
-<file path=ppt/slides/slide9.xml><?xml version="1.0" encoding="utf-8"?>
+<file path=ppt/slides/slide8.xml><?xml version="1.0" encoding="utf-8"?>
 <p:sld xmlns:a="http://schemas.openxmlformats.org/drawingml/2006/main" xmlns:r="http://schemas.openxmlformats.org/officeDocument/2006/relationships" xmlns:p="http://schemas.openxmlformats.org/presentationml/2006/main">
   <p:cSld>
     <p:spTree>
@@ -18370,7 +18481,7 @@
             </a:pPr>
             <a:fld id="{00000000-1234-1234-1234-123412341234}" type="slidenum">
               <a:rPr lang="en-US" smtClean="0"/>
-              <a:t>9</a:t>
+              <a:t>8</a:t>
             </a:fld>
             <a:endParaRPr lang="en-US"/>
           </a:p>
@@ -18434,8 +18545,8 @@
         </p:nvSpPr>
         <p:spPr bwMode="auto">
           <a:xfrm>
-            <a:off x="415155" y="1357075"/>
-            <a:ext cx="7036677" cy="2677656"/>
+            <a:off x="0" y="1108844"/>
+            <a:ext cx="7036677" cy="461665"/>
           </a:xfrm>
           <a:prstGeom prst="rect">
             <a:avLst/>
@@ -18508,448 +18619,712 @@
                 <a:effectLst/>
                 <a:latin typeface="Arial" panose="020B0604020202020204" pitchFamily="34" charset="0"/>
               </a:rPr>
-              <a:t>Tính HOG</a:t>
+              <a:t>HOG</a:t>
+            </a:r>
+          </a:p>
+        </p:txBody>
+      </p:sp>
+      <p:sp>
+        <p:nvSpPr>
+          <p:cNvPr id="8" name="Hình Bầu dục 7">
+            <a:extLst>
+              <a:ext uri="{FF2B5EF4-FFF2-40B4-BE49-F238E27FC236}">
+                <a16:creationId xmlns:a16="http://schemas.microsoft.com/office/drawing/2014/main" id="{11A2BDBB-2D60-604B-6AD4-F5ACD9602E68}"/>
+              </a:ext>
+            </a:extLst>
+          </p:cNvPr>
+          <p:cNvSpPr/>
+          <p:nvPr/>
+        </p:nvSpPr>
+        <p:spPr>
+          <a:xfrm>
+            <a:off x="1022131" y="1339676"/>
+            <a:ext cx="1455683" cy="461665"/>
+          </a:xfrm>
+          <a:prstGeom prst="ellipse">
+            <a:avLst/>
+          </a:prstGeom>
+        </p:spPr>
+        <p:style>
+          <a:lnRef idx="2">
+            <a:schemeClr val="accent1">
+              <a:shade val="15000"/>
+            </a:schemeClr>
+          </a:lnRef>
+          <a:fillRef idx="1">
+            <a:schemeClr val="accent1"/>
+          </a:fillRef>
+          <a:effectRef idx="0">
+            <a:schemeClr val="accent1"/>
+          </a:effectRef>
+          <a:fontRef idx="minor">
+            <a:schemeClr val="lt1"/>
+          </a:fontRef>
+        </p:style>
+        <p:txBody>
+          <a:bodyPr rtlCol="0" anchor="ctr"/>
+          <a:lstStyle/>
+          <a:p>
+            <a:pPr algn="ctr"/>
+            <a:r>
+              <a:rPr lang="vi-VN" dirty="0"/>
+              <a:t>Bắt đầu</a:t>
+            </a:r>
+          </a:p>
+        </p:txBody>
+      </p:sp>
+      <p:cxnSp>
+        <p:nvCxnSpPr>
+          <p:cNvPr id="10" name="Đường kết nối Mũi tên Thẳng 9">
+            <a:extLst>
+              <a:ext uri="{FF2B5EF4-FFF2-40B4-BE49-F238E27FC236}">
+                <a16:creationId xmlns:a16="http://schemas.microsoft.com/office/drawing/2014/main" id="{307F3567-2E34-5734-1291-D7100FC8A9A7}"/>
+              </a:ext>
+            </a:extLst>
+          </p:cNvPr>
+          <p:cNvCxnSpPr>
+            <a:stCxn id="8" idx="4"/>
+          </p:cNvCxnSpPr>
+          <p:nvPr/>
+        </p:nvCxnSpPr>
+        <p:spPr>
+          <a:xfrm>
+            <a:off x="1749973" y="1801341"/>
+            <a:ext cx="2627" cy="257845"/>
+          </a:xfrm>
+          <a:prstGeom prst="straightConnector1">
+            <a:avLst/>
+          </a:prstGeom>
+          <a:ln>
+            <a:tailEnd type="triangle"/>
+          </a:ln>
+        </p:spPr>
+        <p:style>
+          <a:lnRef idx="1">
+            <a:schemeClr val="accent1"/>
+          </a:lnRef>
+          <a:fillRef idx="0">
+            <a:schemeClr val="accent1"/>
+          </a:fillRef>
+          <a:effectRef idx="0">
+            <a:schemeClr val="accent1"/>
+          </a:effectRef>
+          <a:fontRef idx="minor">
+            <a:schemeClr val="tx1"/>
+          </a:fontRef>
+        </p:style>
+      </p:cxnSp>
+      <p:sp>
+        <p:nvSpPr>
+          <p:cNvPr id="12" name="Hình chữ nhật 11">
+            <a:extLst>
+              <a:ext uri="{FF2B5EF4-FFF2-40B4-BE49-F238E27FC236}">
+                <a16:creationId xmlns:a16="http://schemas.microsoft.com/office/drawing/2014/main" id="{BE95518C-9538-58D6-8A96-45CB5747054B}"/>
+              </a:ext>
+            </a:extLst>
+          </p:cNvPr>
+          <p:cNvSpPr/>
+          <p:nvPr/>
+        </p:nvSpPr>
+        <p:spPr>
+          <a:xfrm>
+            <a:off x="922283" y="2755814"/>
+            <a:ext cx="1668518" cy="461665"/>
+          </a:xfrm>
+          <a:prstGeom prst="rect">
+            <a:avLst/>
+          </a:prstGeom>
+        </p:spPr>
+        <p:style>
+          <a:lnRef idx="2">
+            <a:schemeClr val="accent1">
+              <a:shade val="15000"/>
+            </a:schemeClr>
+          </a:lnRef>
+          <a:fillRef idx="1">
+            <a:schemeClr val="accent1"/>
+          </a:fillRef>
+          <a:effectRef idx="0">
+            <a:schemeClr val="accent1"/>
+          </a:effectRef>
+          <a:fontRef idx="minor">
+            <a:schemeClr val="lt1"/>
+          </a:fontRef>
+        </p:style>
+        <p:txBody>
+          <a:bodyPr rtlCol="0" anchor="ctr"/>
+          <a:lstStyle/>
+          <a:p>
+            <a:pPr algn="ctr"/>
+            <a:r>
+              <a:rPr lang="vi-VN" dirty="0"/>
+              <a:t>Tiền xử lý</a:t>
+            </a:r>
+          </a:p>
+        </p:txBody>
+      </p:sp>
+      <p:sp>
+        <p:nvSpPr>
+          <p:cNvPr id="13" name="Hình chữ nhật 12">
+            <a:extLst>
+              <a:ext uri="{FF2B5EF4-FFF2-40B4-BE49-F238E27FC236}">
+                <a16:creationId xmlns:a16="http://schemas.microsoft.com/office/drawing/2014/main" id="{52074250-4E07-3826-484C-84B145387E3D}"/>
+              </a:ext>
+            </a:extLst>
+          </p:cNvPr>
+          <p:cNvSpPr/>
+          <p:nvPr/>
+        </p:nvSpPr>
+        <p:spPr>
+          <a:xfrm>
+            <a:off x="922283" y="3452442"/>
+            <a:ext cx="1668518" cy="461665"/>
+          </a:xfrm>
+          <a:prstGeom prst="rect">
+            <a:avLst/>
+          </a:prstGeom>
+        </p:spPr>
+        <p:style>
+          <a:lnRef idx="2">
+            <a:schemeClr val="accent1">
+              <a:shade val="15000"/>
+            </a:schemeClr>
+          </a:lnRef>
+          <a:fillRef idx="1">
+            <a:schemeClr val="accent1"/>
+          </a:fillRef>
+          <a:effectRef idx="0">
+            <a:schemeClr val="accent1"/>
+          </a:effectRef>
+          <a:fontRef idx="minor">
+            <a:schemeClr val="lt1"/>
+          </a:fontRef>
+        </p:style>
+        <p:txBody>
+          <a:bodyPr rtlCol="0" anchor="ctr"/>
+          <a:lstStyle/>
+          <a:p>
+            <a:pPr algn="ctr"/>
+            <a:r>
+              <a:rPr lang="vi-VN" dirty="0"/>
+              <a:t>Tính độ lớn và hướng </a:t>
+            </a:r>
+            <a:r>
+              <a:rPr lang="vi-VN" dirty="0" err="1"/>
+              <a:t>Gradient</a:t>
+            </a:r>
+            <a:endParaRPr lang="vi-VN" dirty="0"/>
+          </a:p>
+        </p:txBody>
+      </p:sp>
+      <p:sp>
+        <p:nvSpPr>
+          <p:cNvPr id="14" name="Hình chữ nhật 13">
+            <a:extLst>
+              <a:ext uri="{FF2B5EF4-FFF2-40B4-BE49-F238E27FC236}">
+                <a16:creationId xmlns:a16="http://schemas.microsoft.com/office/drawing/2014/main" id="{AB72E43A-A669-9288-1A48-FF7F4E46C533}"/>
+              </a:ext>
+            </a:extLst>
+          </p:cNvPr>
+          <p:cNvSpPr/>
+          <p:nvPr/>
+        </p:nvSpPr>
+        <p:spPr>
+          <a:xfrm>
+            <a:off x="915713" y="4149070"/>
+            <a:ext cx="1668518" cy="461665"/>
+          </a:xfrm>
+          <a:prstGeom prst="rect">
+            <a:avLst/>
+          </a:prstGeom>
+        </p:spPr>
+        <p:style>
+          <a:lnRef idx="2">
+            <a:schemeClr val="accent1">
+              <a:shade val="15000"/>
+            </a:schemeClr>
+          </a:lnRef>
+          <a:fillRef idx="1">
+            <a:schemeClr val="accent1"/>
+          </a:fillRef>
+          <a:effectRef idx="0">
+            <a:schemeClr val="accent1"/>
+          </a:effectRef>
+          <a:fontRef idx="minor">
+            <a:schemeClr val="lt1"/>
+          </a:fontRef>
+        </p:style>
+        <p:txBody>
+          <a:bodyPr rtlCol="0" anchor="ctr"/>
+          <a:lstStyle/>
+          <a:p>
+            <a:pPr algn="ctr"/>
+            <a:r>
+              <a:rPr lang="vi-VN" dirty="0"/>
+              <a:t>Chia ảnh </a:t>
             </a:r>
           </a:p>
           <a:p>
-            <a:pPr marL="342900" marR="0" lvl="0" indent="-342900" algn="l" defTabSz="914400" rtl="0" eaLnBrk="0" fontAlgn="base" latinLnBrk="0" hangingPunct="0">
-              <a:lnSpc>
-                <a:spcPct val="100000"/>
-              </a:lnSpc>
-              <a:spcBef>
-                <a:spcPct val="0"/>
-              </a:spcBef>
-              <a:spcAft>
-                <a:spcPct val="0"/>
-              </a:spcAft>
-              <a:buClrTx/>
-              <a:buSzTx/>
-              <a:buFont typeface="+mj-lt"/>
-              <a:buAutoNum type="arabicPeriod"/>
-              <a:tabLst/>
-            </a:pPr>
+            <a:pPr algn="ctr"/>
             <a:r>
-              <a:rPr kumimoji="0" lang="vi-VN" altLang="vi-VN" sz="2400" b="0" i="0" u="none" strike="noStrike" cap="none" normalizeH="0" baseline="0" dirty="0">
-                <a:ln>
-                  <a:noFill/>
-                </a:ln>
-                <a:solidFill>
-                  <a:schemeClr val="tx1"/>
-                </a:solidFill>
-                <a:effectLst/>
-                <a:latin typeface="Arial" panose="020B0604020202020204" pitchFamily="34" charset="0"/>
-              </a:rPr>
-              <a:t>Tính </a:t>
+              <a:rPr lang="vi-VN" dirty="0"/>
+              <a:t>thành </a:t>
             </a:r>
             <a:r>
-              <a:rPr kumimoji="0" lang="vi-VN" altLang="vi-VN" sz="2400" b="0" i="0" u="none" strike="noStrike" cap="none" normalizeH="0" baseline="0" dirty="0" err="1">
-                <a:ln>
-                  <a:noFill/>
-                </a:ln>
-                <a:solidFill>
-                  <a:schemeClr val="tx1"/>
-                </a:solidFill>
-                <a:effectLst/>
-                <a:latin typeface="Arial" panose="020B0604020202020204" pitchFamily="34" charset="0"/>
-              </a:rPr>
-              <a:t>gradient</a:t>
+              <a:rPr lang="vi-VN" dirty="0" err="1"/>
+              <a:t>cell</a:t>
+            </a:r>
+            <a:endParaRPr lang="vi-VN" dirty="0"/>
+          </a:p>
+        </p:txBody>
+      </p:sp>
+      <p:sp>
+        <p:nvSpPr>
+          <p:cNvPr id="15" name="Hình chữ nhật 14">
+            <a:extLst>
+              <a:ext uri="{FF2B5EF4-FFF2-40B4-BE49-F238E27FC236}">
+                <a16:creationId xmlns:a16="http://schemas.microsoft.com/office/drawing/2014/main" id="{4B92B320-CF15-AAB2-8756-0E0B446E496B}"/>
+              </a:ext>
+            </a:extLst>
+          </p:cNvPr>
+          <p:cNvSpPr/>
+          <p:nvPr/>
+        </p:nvSpPr>
+        <p:spPr>
+          <a:xfrm>
+            <a:off x="915713" y="4845698"/>
+            <a:ext cx="1668518" cy="461665"/>
+          </a:xfrm>
+          <a:prstGeom prst="rect">
+            <a:avLst/>
+          </a:prstGeom>
+        </p:spPr>
+        <p:style>
+          <a:lnRef idx="2">
+            <a:schemeClr val="accent1">
+              <a:shade val="15000"/>
+            </a:schemeClr>
+          </a:lnRef>
+          <a:fillRef idx="1">
+            <a:schemeClr val="accent1"/>
+          </a:fillRef>
+          <a:effectRef idx="0">
+            <a:schemeClr val="accent1"/>
+          </a:effectRef>
+          <a:fontRef idx="minor">
+            <a:schemeClr val="lt1"/>
+          </a:fontRef>
+        </p:style>
+        <p:txBody>
+          <a:bodyPr rtlCol="0" anchor="ctr"/>
+          <a:lstStyle/>
+          <a:p>
+            <a:pPr algn="ctr"/>
+            <a:r>
+              <a:rPr lang="vi-VN" dirty="0"/>
+              <a:t>Chuẩn hóa </a:t>
             </a:r>
             <a:r>
-              <a:rPr kumimoji="0" lang="vi-VN" altLang="vi-VN" sz="2400" b="0" i="0" u="none" strike="noStrike" cap="none" normalizeH="0" baseline="0" dirty="0">
-                <a:ln>
-                  <a:noFill/>
-                </a:ln>
-                <a:solidFill>
-                  <a:schemeClr val="tx1"/>
-                </a:solidFill>
-                <a:effectLst/>
-                <a:latin typeface="Arial" panose="020B0604020202020204" pitchFamily="34" charset="0"/>
-              </a:rPr>
-              <a:t> </a:t>
+              <a:rPr lang="vi-VN" dirty="0" err="1"/>
+              <a:t>block</a:t>
+            </a:r>
+            <a:endParaRPr lang="vi-VN" dirty="0"/>
+          </a:p>
+        </p:txBody>
+      </p:sp>
+      <p:sp>
+        <p:nvSpPr>
+          <p:cNvPr id="16" name="Hình chữ nhật 15">
+            <a:extLst>
+              <a:ext uri="{FF2B5EF4-FFF2-40B4-BE49-F238E27FC236}">
+                <a16:creationId xmlns:a16="http://schemas.microsoft.com/office/drawing/2014/main" id="{632B70AC-890D-03BC-8821-1385B09E91D5}"/>
+              </a:ext>
+            </a:extLst>
+          </p:cNvPr>
+          <p:cNvSpPr/>
+          <p:nvPr/>
+        </p:nvSpPr>
+        <p:spPr>
+          <a:xfrm>
+            <a:off x="922283" y="5542326"/>
+            <a:ext cx="1668518" cy="461665"/>
+          </a:xfrm>
+          <a:prstGeom prst="rect">
+            <a:avLst/>
+          </a:prstGeom>
+        </p:spPr>
+        <p:style>
+          <a:lnRef idx="2">
+            <a:schemeClr val="accent1">
+              <a:shade val="15000"/>
+            </a:schemeClr>
+          </a:lnRef>
+          <a:fillRef idx="1">
+            <a:schemeClr val="accent1"/>
+          </a:fillRef>
+          <a:effectRef idx="0">
+            <a:schemeClr val="accent1"/>
+          </a:effectRef>
+          <a:fontRef idx="minor">
+            <a:schemeClr val="lt1"/>
+          </a:fontRef>
+        </p:style>
+        <p:txBody>
+          <a:bodyPr rtlCol="0" anchor="ctr"/>
+          <a:lstStyle/>
+          <a:p>
+            <a:pPr algn="ctr"/>
+            <a:r>
+              <a:rPr lang="vi-VN" dirty="0"/>
+              <a:t>Ghép </a:t>
             </a:r>
             <a:r>
-              <a:rPr kumimoji="0" lang="vi-VN" altLang="vi-VN" sz="2400" b="0" i="0" u="none" strike="noStrike" cap="none" normalizeH="0" baseline="0" dirty="0" err="1">
-                <a:ln>
-                  <a:noFill/>
-                </a:ln>
-                <a:solidFill>
-                  <a:schemeClr val="tx1"/>
-                </a:solidFill>
-                <a:effectLst/>
-                <a:latin typeface="Arial" panose="020B0604020202020204" pitchFamily="34" charset="0"/>
-              </a:rPr>
-              <a:t>gx</a:t>
-            </a:r>
-            <a:r>
-              <a:rPr kumimoji="0" lang="vi-VN" altLang="vi-VN" sz="2400" b="0" i="0" u="none" strike="noStrike" cap="none" normalizeH="0" baseline="0" dirty="0">
-                <a:ln>
-                  <a:noFill/>
-                </a:ln>
-                <a:solidFill>
-                  <a:schemeClr val="tx1"/>
-                </a:solidFill>
-                <a:effectLst/>
-                <a:latin typeface="Arial" panose="020B0604020202020204" pitchFamily="34" charset="0"/>
-              </a:rPr>
-              <a:t> </a:t>
-            </a:r>
-            <a:r>
-              <a:rPr kumimoji="0" lang="vi-VN" altLang="vi-VN" sz="2400" b="0" i="0" u="none" strike="noStrike" cap="none" normalizeH="0" baseline="0" dirty="0" err="1">
-                <a:ln>
-                  <a:noFill/>
-                </a:ln>
-                <a:solidFill>
-                  <a:schemeClr val="tx1"/>
-                </a:solidFill>
-                <a:effectLst/>
-                <a:latin typeface="Arial" panose="020B0604020202020204" pitchFamily="34" charset="0"/>
-              </a:rPr>
-              <a:t>gy</a:t>
-            </a:r>
-            <a:r>
-              <a:rPr kumimoji="0" lang="vi-VN" altLang="vi-VN" sz="2400" b="0" i="0" u="none" strike="noStrike" cap="none" normalizeH="0" baseline="0" dirty="0">
-                <a:ln>
-                  <a:noFill/>
-                </a:ln>
-                <a:solidFill>
-                  <a:schemeClr val="tx1"/>
-                </a:solidFill>
-                <a:effectLst/>
-                <a:latin typeface="Arial" panose="020B0604020202020204" pitchFamily="34" charset="0"/>
-              </a:rPr>
-              <a:t> bằng </a:t>
-            </a:r>
-            <a:r>
-              <a:rPr kumimoji="0" lang="vi-VN" altLang="vi-VN" sz="2400" b="0" i="0" u="none" strike="noStrike" cap="none" normalizeH="0" baseline="0" dirty="0" err="1">
-                <a:ln>
-                  <a:noFill/>
-                </a:ln>
-                <a:solidFill>
-                  <a:schemeClr val="tx1"/>
-                </a:solidFill>
-                <a:effectLst/>
-                <a:latin typeface="Arial" panose="020B0604020202020204" pitchFamily="34" charset="0"/>
-              </a:rPr>
-              <a:t>Sobel</a:t>
-            </a:r>
-            <a:r>
-              <a:rPr kumimoji="0" lang="vi-VN" altLang="vi-VN" sz="2400" b="0" i="0" u="none" strike="noStrike" cap="none" normalizeH="0" baseline="0" dirty="0">
-                <a:ln>
-                  <a:noFill/>
-                </a:ln>
-                <a:solidFill>
-                  <a:schemeClr val="tx1"/>
-                </a:solidFill>
-                <a:effectLst/>
-                <a:latin typeface="Arial" panose="020B0604020202020204" pitchFamily="34" charset="0"/>
-              </a:rPr>
-              <a:t>.</a:t>
-            </a:r>
-          </a:p>
-          <a:p>
-            <a:pPr marL="342900" marR="0" lvl="0" indent="-342900" algn="l" defTabSz="914400" rtl="0" eaLnBrk="0" fontAlgn="base" latinLnBrk="0" hangingPunct="0">
-              <a:lnSpc>
-                <a:spcPct val="100000"/>
-              </a:lnSpc>
-              <a:spcBef>
-                <a:spcPct val="0"/>
-              </a:spcBef>
-              <a:spcAft>
-                <a:spcPct val="0"/>
-              </a:spcAft>
-              <a:buClrTx/>
-              <a:buSzTx/>
-              <a:buFont typeface="+mj-lt"/>
-              <a:buAutoNum type="arabicPeriod"/>
-              <a:tabLst/>
-            </a:pPr>
-            <a:r>
-              <a:rPr kumimoji="0" lang="vi-VN" altLang="vi-VN" sz="2400" b="0" i="0" u="none" strike="noStrike" cap="none" normalizeH="0" baseline="0" dirty="0">
-                <a:ln>
-                  <a:noFill/>
-                </a:ln>
-                <a:solidFill>
-                  <a:schemeClr val="tx1"/>
-                </a:solidFill>
-                <a:effectLst/>
-                <a:latin typeface="Arial" panose="020B0604020202020204" pitchFamily="34" charset="0"/>
-              </a:rPr>
-              <a:t>Tính độ lớn và góc </a:t>
-            </a:r>
-            <a:r>
-              <a:rPr kumimoji="0" lang="vi-VN" altLang="vi-VN" sz="2400" b="0" i="0" u="none" strike="noStrike" cap="none" normalizeH="0" baseline="0" dirty="0" err="1">
-                <a:ln>
-                  <a:noFill/>
-                </a:ln>
-                <a:solidFill>
-                  <a:schemeClr val="tx1"/>
-                </a:solidFill>
-                <a:effectLst/>
-                <a:latin typeface="Arial" panose="020B0604020202020204" pitchFamily="34" charset="0"/>
-              </a:rPr>
-              <a:t>gradient</a:t>
-            </a:r>
-            <a:r>
-              <a:rPr kumimoji="0" lang="vi-VN" altLang="vi-VN" sz="2400" b="0" i="0" u="none" strike="noStrike" cap="none" normalizeH="0" baseline="0" dirty="0">
-                <a:ln>
-                  <a:noFill/>
-                </a:ln>
-                <a:solidFill>
-                  <a:schemeClr val="tx1"/>
-                </a:solidFill>
-                <a:effectLst/>
-                <a:latin typeface="Arial" panose="020B0604020202020204" pitchFamily="34" charset="0"/>
-              </a:rPr>
-              <a:t>.</a:t>
-            </a:r>
-          </a:p>
-          <a:p>
-            <a:pPr marL="342900" marR="0" lvl="0" indent="-342900" algn="l" defTabSz="914400" rtl="0" eaLnBrk="0" fontAlgn="base" latinLnBrk="0" hangingPunct="0">
-              <a:lnSpc>
-                <a:spcPct val="100000"/>
-              </a:lnSpc>
-              <a:spcBef>
-                <a:spcPct val="0"/>
-              </a:spcBef>
-              <a:spcAft>
-                <a:spcPct val="0"/>
-              </a:spcAft>
-              <a:buClrTx/>
-              <a:buSzTx/>
-              <a:buFont typeface="+mj-lt"/>
-              <a:buAutoNum type="arabicPeriod"/>
-              <a:tabLst/>
-            </a:pPr>
-            <a:r>
-              <a:rPr kumimoji="0" lang="vi-VN" altLang="vi-VN" sz="2400" b="0" i="0" u="none" strike="noStrike" cap="none" normalizeH="0" baseline="0" dirty="0">
-                <a:ln>
-                  <a:noFill/>
-                </a:ln>
-                <a:solidFill>
-                  <a:schemeClr val="tx1"/>
-                </a:solidFill>
-                <a:effectLst/>
-                <a:latin typeface="Arial" panose="020B0604020202020204" pitchFamily="34" charset="0"/>
-              </a:rPr>
-              <a:t>Chia ảnh thành các </a:t>
-            </a:r>
-            <a:r>
-              <a:rPr kumimoji="0" lang="vi-VN" altLang="vi-VN" sz="2400" b="0" i="0" u="none" strike="noStrike" cap="none" normalizeH="0" baseline="0" dirty="0" err="1">
-                <a:ln>
-                  <a:noFill/>
-                </a:ln>
-                <a:solidFill>
-                  <a:schemeClr val="tx1"/>
-                </a:solidFill>
-                <a:effectLst/>
-                <a:latin typeface="Arial" panose="020B0604020202020204" pitchFamily="34" charset="0"/>
-              </a:rPr>
-              <a:t>cell</a:t>
-            </a:r>
-            <a:r>
-              <a:rPr kumimoji="0" lang="vi-VN" altLang="vi-VN" sz="2400" b="0" i="0" u="none" strike="noStrike" cap="none" normalizeH="0" baseline="0" dirty="0">
-                <a:ln>
-                  <a:noFill/>
-                </a:ln>
-                <a:solidFill>
-                  <a:schemeClr val="tx1"/>
-                </a:solidFill>
-                <a:effectLst/>
-                <a:latin typeface="Arial" panose="020B0604020202020204" pitchFamily="34" charset="0"/>
-              </a:rPr>
-              <a:t> 8x8 và tính </a:t>
-            </a:r>
-            <a:r>
-              <a:rPr kumimoji="0" lang="vi-VN" altLang="vi-VN" sz="2400" b="0" i="0" u="none" strike="noStrike" cap="none" normalizeH="0" baseline="0" dirty="0" err="1">
-                <a:ln>
-                  <a:noFill/>
-                </a:ln>
-                <a:solidFill>
-                  <a:schemeClr val="tx1"/>
-                </a:solidFill>
-                <a:effectLst/>
-                <a:latin typeface="Arial" panose="020B0604020202020204" pitchFamily="34" charset="0"/>
-              </a:rPr>
-              <a:t>histogram</a:t>
-            </a:r>
-            <a:r>
-              <a:rPr kumimoji="0" lang="vi-VN" altLang="vi-VN" sz="2400" b="0" i="0" u="none" strike="noStrike" cap="none" normalizeH="0" baseline="0" dirty="0">
-                <a:ln>
-                  <a:noFill/>
-                </a:ln>
-                <a:solidFill>
-                  <a:schemeClr val="tx1"/>
-                </a:solidFill>
-                <a:effectLst/>
-                <a:latin typeface="Arial" panose="020B0604020202020204" pitchFamily="34" charset="0"/>
-              </a:rPr>
-              <a:t> hướng.</a:t>
-            </a:r>
-          </a:p>
-          <a:p>
-            <a:pPr marL="342900" marR="0" lvl="0" indent="-342900" algn="l" defTabSz="914400" rtl="0" eaLnBrk="0" fontAlgn="base" latinLnBrk="0" hangingPunct="0">
-              <a:lnSpc>
-                <a:spcPct val="100000"/>
-              </a:lnSpc>
-              <a:spcBef>
-                <a:spcPct val="0"/>
-              </a:spcBef>
-              <a:spcAft>
-                <a:spcPct val="0"/>
-              </a:spcAft>
-              <a:buClrTx/>
-              <a:buSzTx/>
-              <a:buFont typeface="+mj-lt"/>
-              <a:buAutoNum type="arabicPeriod"/>
-              <a:tabLst/>
-            </a:pPr>
-            <a:r>
-              <a:rPr kumimoji="0" lang="vi-VN" altLang="vi-VN" sz="2400" b="0" i="0" u="none" strike="noStrike" cap="none" normalizeH="0" baseline="0" dirty="0">
-                <a:ln>
-                  <a:noFill/>
-                </a:ln>
-                <a:solidFill>
-                  <a:schemeClr val="tx1"/>
-                </a:solidFill>
-                <a:effectLst/>
-                <a:latin typeface="Arial" panose="020B0604020202020204" pitchFamily="34" charset="0"/>
-              </a:rPr>
-              <a:t>Gộp 4 </a:t>
-            </a:r>
-            <a:r>
-              <a:rPr kumimoji="0" lang="vi-VN" altLang="vi-VN" sz="2400" b="0" i="0" u="none" strike="noStrike" cap="none" normalizeH="0" baseline="0" dirty="0" err="1">
-                <a:ln>
-                  <a:noFill/>
-                </a:ln>
-                <a:solidFill>
-                  <a:schemeClr val="tx1"/>
-                </a:solidFill>
-                <a:effectLst/>
-                <a:latin typeface="Arial" panose="020B0604020202020204" pitchFamily="34" charset="0"/>
-              </a:rPr>
-              <a:t>cell</a:t>
-            </a:r>
-            <a:r>
-              <a:rPr kumimoji="0" lang="vi-VN" altLang="vi-VN" sz="2400" b="0" i="0" u="none" strike="noStrike" cap="none" normalizeH="0" baseline="0" dirty="0">
-                <a:ln>
-                  <a:noFill/>
-                </a:ln>
-                <a:solidFill>
-                  <a:schemeClr val="tx1"/>
-                </a:solidFill>
-                <a:effectLst/>
-                <a:latin typeface="Arial" panose="020B0604020202020204" pitchFamily="34" charset="0"/>
-              </a:rPr>
-              <a:t> trong </a:t>
-            </a:r>
-            <a:r>
-              <a:rPr kumimoji="0" lang="vi-VN" altLang="vi-VN" sz="2400" b="0" i="0" u="none" strike="noStrike" cap="none" normalizeH="0" baseline="0" dirty="0" err="1">
-                <a:ln>
-                  <a:noFill/>
-                </a:ln>
-                <a:solidFill>
-                  <a:schemeClr val="tx1"/>
-                </a:solidFill>
-                <a:effectLst/>
-                <a:latin typeface="Arial" panose="020B0604020202020204" pitchFamily="34" charset="0"/>
-              </a:rPr>
+              <a:rPr lang="vi-VN" dirty="0" err="1"/>
               <a:t>block</a:t>
             </a:r>
             <a:r>
-              <a:rPr kumimoji="0" lang="vi-VN" altLang="vi-VN" sz="2400" b="0" i="0" u="none" strike="noStrike" cap="none" normalizeH="0" baseline="0" dirty="0">
-                <a:ln>
-                  <a:noFill/>
-                </a:ln>
-                <a:solidFill>
-                  <a:schemeClr val="tx1"/>
-                </a:solidFill>
-                <a:effectLst/>
-                <a:latin typeface="Arial" panose="020B0604020202020204" pitchFamily="34" charset="0"/>
-              </a:rPr>
-              <a:t> 2x2 và chuẩn hóa L2.</a:t>
-            </a:r>
-          </a:p>
-          <a:p>
-            <a:pPr marL="342900" marR="0" lvl="0" indent="-342900" algn="l" defTabSz="914400" rtl="0" eaLnBrk="0" fontAlgn="base" latinLnBrk="0" hangingPunct="0">
-              <a:lnSpc>
-                <a:spcPct val="100000"/>
-              </a:lnSpc>
-              <a:spcBef>
-                <a:spcPct val="0"/>
-              </a:spcBef>
-              <a:spcAft>
-                <a:spcPct val="0"/>
-              </a:spcAft>
-              <a:buClrTx/>
-              <a:buSzTx/>
-              <a:buFont typeface="+mj-lt"/>
-              <a:buAutoNum type="arabicPeriod"/>
-              <a:tabLst/>
-            </a:pPr>
-            <a:r>
-              <a:rPr kumimoji="0" lang="vi-VN" altLang="vi-VN" sz="2400" b="0" i="0" u="none" strike="noStrike" cap="none" normalizeH="0" baseline="0" dirty="0">
-                <a:ln>
-                  <a:noFill/>
-                </a:ln>
-                <a:solidFill>
-                  <a:schemeClr val="tx1"/>
-                </a:solidFill>
-                <a:effectLst/>
-                <a:latin typeface="Arial" panose="020B0604020202020204" pitchFamily="34" charset="0"/>
-              </a:rPr>
-              <a:t>Nối tất cả </a:t>
+              <a:rPr lang="vi-VN" dirty="0"/>
+              <a:t> tạo </a:t>
             </a:r>
             <a:r>
-              <a:rPr kumimoji="0" lang="vi-VN" altLang="vi-VN" sz="2400" b="0" i="0" u="none" strike="noStrike" cap="none" normalizeH="0" baseline="0" dirty="0" err="1">
-                <a:ln>
-                  <a:noFill/>
-                </a:ln>
-                <a:solidFill>
-                  <a:schemeClr val="tx1"/>
-                </a:solidFill>
-                <a:effectLst/>
-                <a:latin typeface="Arial" panose="020B0604020202020204" pitchFamily="34" charset="0"/>
-              </a:rPr>
-              <a:t>block</a:t>
-            </a:r>
-            <a:r>
-              <a:rPr kumimoji="0" lang="vi-VN" altLang="vi-VN" sz="2400" b="0" i="0" u="none" strike="noStrike" cap="none" normalizeH="0" baseline="0" dirty="0">
-                <a:ln>
-                  <a:noFill/>
-                </a:ln>
-                <a:solidFill>
-                  <a:schemeClr val="tx1"/>
-                </a:solidFill>
-                <a:effectLst/>
-                <a:latin typeface="Arial" panose="020B0604020202020204" pitchFamily="34" charset="0"/>
-              </a:rPr>
-              <a:t> thành </a:t>
-            </a:r>
-            <a:r>
-              <a:rPr kumimoji="0" lang="vi-VN" altLang="vi-VN" sz="2400" b="0" i="0" u="none" strike="noStrike" cap="none" normalizeH="0" baseline="0" dirty="0" err="1">
-                <a:ln>
-                  <a:noFill/>
-                </a:ln>
-                <a:solidFill>
-                  <a:schemeClr val="tx1"/>
-                </a:solidFill>
-                <a:effectLst/>
-                <a:latin typeface="Arial" panose="020B0604020202020204" pitchFamily="34" charset="0"/>
-              </a:rPr>
+              <a:rPr lang="vi-VN" dirty="0" err="1"/>
               <a:t>vector</a:t>
             </a:r>
             <a:r>
-              <a:rPr kumimoji="0" lang="vi-VN" altLang="vi-VN" sz="2400" b="0" i="0" u="none" strike="noStrike" cap="none" normalizeH="0" baseline="0" dirty="0">
-                <a:ln>
-                  <a:noFill/>
-                </a:ln>
-                <a:solidFill>
-                  <a:schemeClr val="tx1"/>
-                </a:solidFill>
-                <a:effectLst/>
-                <a:latin typeface="Arial" panose="020B0604020202020204" pitchFamily="34" charset="0"/>
-              </a:rPr>
-              <a:t> HOG.</a:t>
+              <a:rPr lang="vi-VN" dirty="0"/>
+              <a:t> HOG</a:t>
+            </a:r>
+          </a:p>
+        </p:txBody>
+      </p:sp>
+      <p:sp>
+        <p:nvSpPr>
+          <p:cNvPr id="19" name="Hình Bầu dục 18">
+            <a:extLst>
+              <a:ext uri="{FF2B5EF4-FFF2-40B4-BE49-F238E27FC236}">
+                <a16:creationId xmlns:a16="http://schemas.microsoft.com/office/drawing/2014/main" id="{6C0A9464-62F1-53DD-9E5D-9F4CAC8D440D}"/>
+              </a:ext>
+            </a:extLst>
+          </p:cNvPr>
+          <p:cNvSpPr/>
+          <p:nvPr/>
+        </p:nvSpPr>
+        <p:spPr>
+          <a:xfrm>
+            <a:off x="1022130" y="6177227"/>
+            <a:ext cx="1455683" cy="461665"/>
+          </a:xfrm>
+          <a:prstGeom prst="ellipse">
+            <a:avLst/>
+          </a:prstGeom>
+        </p:spPr>
+        <p:style>
+          <a:lnRef idx="2">
+            <a:schemeClr val="accent1">
+              <a:shade val="15000"/>
+            </a:schemeClr>
+          </a:lnRef>
+          <a:fillRef idx="1">
+            <a:schemeClr val="accent1"/>
+          </a:fillRef>
+          <a:effectRef idx="0">
+            <a:schemeClr val="accent1"/>
+          </a:effectRef>
+          <a:fontRef idx="minor">
+            <a:schemeClr val="lt1"/>
+          </a:fontRef>
+        </p:style>
+        <p:txBody>
+          <a:bodyPr rtlCol="0" anchor="ctr"/>
+          <a:lstStyle/>
+          <a:p>
+            <a:pPr algn="ctr"/>
+            <a:r>
+              <a:rPr lang="vi-VN" dirty="0"/>
+              <a:t>Kết thúc</a:t>
+            </a:r>
+          </a:p>
+        </p:txBody>
+      </p:sp>
+      <p:cxnSp>
+        <p:nvCxnSpPr>
+          <p:cNvPr id="20" name="Đường kết nối Mũi tên Thẳng 19">
+            <a:extLst>
+              <a:ext uri="{FF2B5EF4-FFF2-40B4-BE49-F238E27FC236}">
+                <a16:creationId xmlns:a16="http://schemas.microsoft.com/office/drawing/2014/main" id="{DAB151F7-FE02-B5EF-9ABF-14A121343A27}"/>
+              </a:ext>
+            </a:extLst>
+          </p:cNvPr>
+          <p:cNvCxnSpPr/>
+          <p:nvPr/>
+        </p:nvCxnSpPr>
+        <p:spPr>
+          <a:xfrm>
+            <a:off x="1747344" y="2491186"/>
+            <a:ext cx="2627" cy="257845"/>
+          </a:xfrm>
+          <a:prstGeom prst="straightConnector1">
+            <a:avLst/>
+          </a:prstGeom>
+          <a:ln>
+            <a:tailEnd type="triangle"/>
+          </a:ln>
+        </p:spPr>
+        <p:style>
+          <a:lnRef idx="1">
+            <a:schemeClr val="accent1"/>
+          </a:lnRef>
+          <a:fillRef idx="0">
+            <a:schemeClr val="accent1"/>
+          </a:fillRef>
+          <a:effectRef idx="0">
+            <a:schemeClr val="accent1"/>
+          </a:effectRef>
+          <a:fontRef idx="minor">
+            <a:schemeClr val="tx1"/>
+          </a:fontRef>
+        </p:style>
+      </p:cxnSp>
+      <p:cxnSp>
+        <p:nvCxnSpPr>
+          <p:cNvPr id="21" name="Đường kết nối Mũi tên Thẳng 20">
+            <a:extLst>
+              <a:ext uri="{FF2B5EF4-FFF2-40B4-BE49-F238E27FC236}">
+                <a16:creationId xmlns:a16="http://schemas.microsoft.com/office/drawing/2014/main" id="{98AEEB6F-B277-5AD4-6931-B10E129A7072}"/>
+              </a:ext>
+            </a:extLst>
+          </p:cNvPr>
+          <p:cNvCxnSpPr/>
+          <p:nvPr/>
+        </p:nvCxnSpPr>
+        <p:spPr>
+          <a:xfrm>
+            <a:off x="1744717" y="3206038"/>
+            <a:ext cx="2627" cy="257845"/>
+          </a:xfrm>
+          <a:prstGeom prst="straightConnector1">
+            <a:avLst/>
+          </a:prstGeom>
+          <a:ln>
+            <a:tailEnd type="triangle"/>
+          </a:ln>
+        </p:spPr>
+        <p:style>
+          <a:lnRef idx="1">
+            <a:schemeClr val="accent1"/>
+          </a:lnRef>
+          <a:fillRef idx="0">
+            <a:schemeClr val="accent1"/>
+          </a:fillRef>
+          <a:effectRef idx="0">
+            <a:schemeClr val="accent1"/>
+          </a:effectRef>
+          <a:fontRef idx="minor">
+            <a:schemeClr val="tx1"/>
+          </a:fontRef>
+        </p:style>
+      </p:cxnSp>
+      <p:cxnSp>
+        <p:nvCxnSpPr>
+          <p:cNvPr id="22" name="Đường kết nối Mũi tên Thẳng 21">
+            <a:extLst>
+              <a:ext uri="{FF2B5EF4-FFF2-40B4-BE49-F238E27FC236}">
+                <a16:creationId xmlns:a16="http://schemas.microsoft.com/office/drawing/2014/main" id="{9A11236B-6B57-7223-0A3B-9BA00B367984}"/>
+              </a:ext>
+            </a:extLst>
+          </p:cNvPr>
+          <p:cNvCxnSpPr/>
+          <p:nvPr/>
+        </p:nvCxnSpPr>
+        <p:spPr>
+          <a:xfrm>
+            <a:off x="1742090" y="3891752"/>
+            <a:ext cx="2627" cy="257845"/>
+          </a:xfrm>
+          <a:prstGeom prst="straightConnector1">
+            <a:avLst/>
+          </a:prstGeom>
+          <a:ln>
+            <a:tailEnd type="triangle"/>
+          </a:ln>
+        </p:spPr>
+        <p:style>
+          <a:lnRef idx="1">
+            <a:schemeClr val="accent1"/>
+          </a:lnRef>
+          <a:fillRef idx="0">
+            <a:schemeClr val="accent1"/>
+          </a:fillRef>
+          <a:effectRef idx="0">
+            <a:schemeClr val="accent1"/>
+          </a:effectRef>
+          <a:fontRef idx="minor">
+            <a:schemeClr val="tx1"/>
+          </a:fontRef>
+        </p:style>
+      </p:cxnSp>
+      <p:cxnSp>
+        <p:nvCxnSpPr>
+          <p:cNvPr id="23" name="Đường kết nối Mũi tên Thẳng 22">
+            <a:extLst>
+              <a:ext uri="{FF2B5EF4-FFF2-40B4-BE49-F238E27FC236}">
+                <a16:creationId xmlns:a16="http://schemas.microsoft.com/office/drawing/2014/main" id="{16FC99ED-C88A-25FC-CDDD-68B68068CE3C}"/>
+              </a:ext>
+            </a:extLst>
+          </p:cNvPr>
+          <p:cNvCxnSpPr/>
+          <p:nvPr/>
+        </p:nvCxnSpPr>
+        <p:spPr>
+          <a:xfrm>
+            <a:off x="1739463" y="4568431"/>
+            <a:ext cx="2627" cy="257845"/>
+          </a:xfrm>
+          <a:prstGeom prst="straightConnector1">
+            <a:avLst/>
+          </a:prstGeom>
+          <a:ln>
+            <a:tailEnd type="triangle"/>
+          </a:ln>
+        </p:spPr>
+        <p:style>
+          <a:lnRef idx="1">
+            <a:schemeClr val="accent1"/>
+          </a:lnRef>
+          <a:fillRef idx="0">
+            <a:schemeClr val="accent1"/>
+          </a:fillRef>
+          <a:effectRef idx="0">
+            <a:schemeClr val="accent1"/>
+          </a:effectRef>
+          <a:fontRef idx="minor">
+            <a:schemeClr val="tx1"/>
+          </a:fontRef>
+        </p:style>
+      </p:cxnSp>
+      <p:cxnSp>
+        <p:nvCxnSpPr>
+          <p:cNvPr id="24" name="Đường kết nối Mũi tên Thẳng 23">
+            <a:extLst>
+              <a:ext uri="{FF2B5EF4-FFF2-40B4-BE49-F238E27FC236}">
+                <a16:creationId xmlns:a16="http://schemas.microsoft.com/office/drawing/2014/main" id="{CD69E889-1E0B-1CD8-44B6-54917EE9F464}"/>
+              </a:ext>
+            </a:extLst>
+          </p:cNvPr>
+          <p:cNvCxnSpPr/>
+          <p:nvPr/>
+        </p:nvCxnSpPr>
+        <p:spPr>
+          <a:xfrm>
+            <a:off x="1752600" y="5260479"/>
+            <a:ext cx="2627" cy="257845"/>
+          </a:xfrm>
+          <a:prstGeom prst="straightConnector1">
+            <a:avLst/>
+          </a:prstGeom>
+          <a:ln>
+            <a:tailEnd type="triangle"/>
+          </a:ln>
+        </p:spPr>
+        <p:style>
+          <a:lnRef idx="1">
+            <a:schemeClr val="accent1"/>
+          </a:lnRef>
+          <a:fillRef idx="0">
+            <a:schemeClr val="accent1"/>
+          </a:fillRef>
+          <a:effectRef idx="0">
+            <a:schemeClr val="accent1"/>
+          </a:effectRef>
+          <a:fontRef idx="minor">
+            <a:schemeClr val="tx1"/>
+          </a:fontRef>
+        </p:style>
+      </p:cxnSp>
+      <p:cxnSp>
+        <p:nvCxnSpPr>
+          <p:cNvPr id="25" name="Đường kết nối Mũi tên Thẳng 24">
+            <a:extLst>
+              <a:ext uri="{FF2B5EF4-FFF2-40B4-BE49-F238E27FC236}">
+                <a16:creationId xmlns:a16="http://schemas.microsoft.com/office/drawing/2014/main" id="{6A7197F9-2A22-A5AB-F613-D61895F2B28F}"/>
+              </a:ext>
+            </a:extLst>
+          </p:cNvPr>
+          <p:cNvCxnSpPr/>
+          <p:nvPr/>
+        </p:nvCxnSpPr>
+        <p:spPr>
+          <a:xfrm>
+            <a:off x="1752600" y="5919382"/>
+            <a:ext cx="2627" cy="257845"/>
+          </a:xfrm>
+          <a:prstGeom prst="straightConnector1">
+            <a:avLst/>
+          </a:prstGeom>
+          <a:ln>
+            <a:tailEnd type="triangle"/>
+          </a:ln>
+        </p:spPr>
+        <p:style>
+          <a:lnRef idx="1">
+            <a:schemeClr val="accent1"/>
+          </a:lnRef>
+          <a:fillRef idx="0">
+            <a:schemeClr val="accent1"/>
+          </a:fillRef>
+          <a:effectRef idx="0">
+            <a:schemeClr val="accent1"/>
+          </a:effectRef>
+          <a:fontRef idx="minor">
+            <a:schemeClr val="tx1"/>
+          </a:fontRef>
+        </p:style>
+      </p:cxnSp>
+      <p:sp>
+        <p:nvSpPr>
+          <p:cNvPr id="26" name="Lưu đồ: Dữ liệu 25">
+            <a:extLst>
+              <a:ext uri="{FF2B5EF4-FFF2-40B4-BE49-F238E27FC236}">
+                <a16:creationId xmlns:a16="http://schemas.microsoft.com/office/drawing/2014/main" id="{1C59E1AF-8C59-70FC-71BC-41852F5C107B}"/>
+              </a:ext>
+            </a:extLst>
+          </p:cNvPr>
+          <p:cNvSpPr/>
+          <p:nvPr/>
+        </p:nvSpPr>
+        <p:spPr>
+          <a:xfrm>
+            <a:off x="892722" y="2083037"/>
+            <a:ext cx="1730923" cy="469825"/>
+          </a:xfrm>
+          <a:prstGeom prst="flowChartInputOutput">
+            <a:avLst/>
+          </a:prstGeom>
+        </p:spPr>
+        <p:style>
+          <a:lnRef idx="2">
+            <a:schemeClr val="accent1">
+              <a:shade val="15000"/>
+            </a:schemeClr>
+          </a:lnRef>
+          <a:fillRef idx="1">
+            <a:schemeClr val="accent1"/>
+          </a:fillRef>
+          <a:effectRef idx="0">
+            <a:schemeClr val="accent1"/>
+          </a:effectRef>
+          <a:fontRef idx="minor">
+            <a:schemeClr val="lt1"/>
+          </a:fontRef>
+        </p:style>
+        <p:txBody>
+          <a:bodyPr rtlCol="0" anchor="ctr"/>
+          <a:lstStyle/>
+          <a:p>
+            <a:pPr algn="ctr"/>
+            <a:r>
+              <a:rPr lang="vi-VN" dirty="0"/>
+              <a:t>Ảnh đầu vào</a:t>
             </a:r>
           </a:p>
         </p:txBody>
@@ -18958,6 +19333,264 @@
     <p:extLst>
       <p:ext uri="{BB962C8B-B14F-4D97-AF65-F5344CB8AC3E}">
         <p14:creationId xmlns:p14="http://schemas.microsoft.com/office/powerpoint/2010/main" val="2757378500"/>
+      </p:ext>
+    </p:extLst>
+  </p:cSld>
+  <p:clrMapOvr>
+    <a:masterClrMapping/>
+  </p:clrMapOvr>
+</p:sld>
+</file>
+
+<file path=ppt/slides/slide9.xml><?xml version="1.0" encoding="utf-8"?>
+<p:sld xmlns:a="http://schemas.openxmlformats.org/drawingml/2006/main" xmlns:r="http://schemas.openxmlformats.org/officeDocument/2006/relationships" xmlns:p="http://schemas.openxmlformats.org/presentationml/2006/main">
+  <p:cSld>
+    <p:spTree>
+      <p:nvGrpSpPr>
+        <p:cNvPr id="1" name="">
+          <a:extLst>
+            <a:ext uri="{FF2B5EF4-FFF2-40B4-BE49-F238E27FC236}">
+              <a16:creationId xmlns:a16="http://schemas.microsoft.com/office/drawing/2014/main" id="{50EE022E-4893-67E0-7D75-E71A391DAA53}"/>
+            </a:ext>
+          </a:extLst>
+        </p:cNvPr>
+        <p:cNvGrpSpPr/>
+        <p:nvPr/>
+      </p:nvGrpSpPr>
+      <p:grpSpPr>
+        <a:xfrm>
+          <a:off x="0" y="0"/>
+          <a:ext cx="0" cy="0"/>
+          <a:chOff x="0" y="0"/>
+          <a:chExt cx="0" cy="0"/>
+        </a:xfrm>
+      </p:grpSpPr>
+      <p:sp>
+        <p:nvSpPr>
+          <p:cNvPr id="4" name="Slide Number Placeholder 3">
+            <a:extLst>
+              <a:ext uri="{FF2B5EF4-FFF2-40B4-BE49-F238E27FC236}">
+                <a16:creationId xmlns:a16="http://schemas.microsoft.com/office/drawing/2014/main" id="{E72A9B4C-FE80-5DB6-64F6-1AB2CA098D80}"/>
+              </a:ext>
+            </a:extLst>
+          </p:cNvPr>
+          <p:cNvSpPr>
+            <a:spLocks noGrp="1"/>
+          </p:cNvSpPr>
+          <p:nvPr>
+            <p:ph type="sldNum" idx="12"/>
+          </p:nvPr>
+        </p:nvSpPr>
+        <p:spPr/>
+        <p:txBody>
+          <a:bodyPr/>
+          <a:lstStyle/>
+          <a:p>
+            <a:pPr marL="0" lvl="0" indent="0" algn="r" rtl="0">
+              <a:spcBef>
+                <a:spcPts val="0"/>
+              </a:spcBef>
+              <a:spcAft>
+                <a:spcPts val="0"/>
+              </a:spcAft>
+              <a:buNone/>
+            </a:pPr>
+            <a:fld id="{00000000-1234-1234-1234-123412341234}" type="slidenum">
+              <a:rPr lang="en-US" smtClean="0"/>
+              <a:t>9</a:t>
+            </a:fld>
+            <a:endParaRPr lang="en-US"/>
+          </a:p>
+        </p:txBody>
+      </p:sp>
+      <p:sp>
+        <p:nvSpPr>
+          <p:cNvPr id="2" name="Hộp Văn bản 1">
+            <a:extLst>
+              <a:ext uri="{FF2B5EF4-FFF2-40B4-BE49-F238E27FC236}">
+                <a16:creationId xmlns:a16="http://schemas.microsoft.com/office/drawing/2014/main" id="{24360D29-8D95-0924-AE6D-5917F8664CB7}"/>
+              </a:ext>
+            </a:extLst>
+          </p:cNvPr>
+          <p:cNvSpPr txBox="1"/>
+          <p:nvPr/>
+        </p:nvSpPr>
+        <p:spPr>
+          <a:xfrm>
+            <a:off x="336330" y="252248"/>
+            <a:ext cx="6064469" cy="646331"/>
+          </a:xfrm>
+          <a:prstGeom prst="rect">
+            <a:avLst/>
+          </a:prstGeom>
+          <a:noFill/>
+        </p:spPr>
+        <p:txBody>
+          <a:bodyPr wrap="square" rtlCol="0">
+            <a:spAutoFit/>
+          </a:bodyPr>
+          <a:lstStyle/>
+          <a:p>
+            <a:r>
+              <a:rPr lang="vi-VN" sz="3600" b="1" dirty="0">
+                <a:solidFill>
+                  <a:schemeClr val="bg1"/>
+                </a:solidFill>
+                <a:latin typeface="Calibri" panose="020F0502020204030204" pitchFamily="34" charset="0"/>
+                <a:ea typeface="Calibri" panose="020F0502020204030204" pitchFamily="34" charset="0"/>
+                <a:cs typeface="Calibri" panose="020F0502020204030204" pitchFamily="34" charset="0"/>
+              </a:rPr>
+              <a:t>2. Thuật toán và tập dữ liệu</a:t>
+            </a:r>
+          </a:p>
+        </p:txBody>
+      </p:sp>
+      <p:sp>
+        <p:nvSpPr>
+          <p:cNvPr id="7" name="Rectangle 1">
+            <a:extLst>
+              <a:ext uri="{FF2B5EF4-FFF2-40B4-BE49-F238E27FC236}">
+                <a16:creationId xmlns:a16="http://schemas.microsoft.com/office/drawing/2014/main" id="{CF1EBCD0-DCA8-C910-96C4-EAEC0AF0B8BA}"/>
+              </a:ext>
+            </a:extLst>
+          </p:cNvPr>
+          <p:cNvSpPr>
+            <a:spLocks noChangeArrowheads="1"/>
+          </p:cNvSpPr>
+          <p:nvPr/>
+        </p:nvSpPr>
+        <p:spPr bwMode="auto">
+          <a:xfrm>
+            <a:off x="231227" y="1150886"/>
+            <a:ext cx="7036677" cy="461665"/>
+          </a:xfrm>
+          <a:prstGeom prst="rect">
+            <a:avLst/>
+          </a:prstGeom>
+          <a:noFill/>
+          <a:ln>
+            <a:noFill/>
+          </a:ln>
+          <a:effectLst/>
+          <a:extLst>
+            <a:ext uri="{909E8E84-426E-40DD-AFC4-6F175D3DCCD1}">
+              <a14:hiddenFill xmlns:a14="http://schemas.microsoft.com/office/drawing/2010/main">
+                <a:solidFill>
+                  <a:schemeClr val="accent1"/>
+                </a:solidFill>
+              </a14:hiddenFill>
+            </a:ext>
+            <a:ext uri="{91240B29-F687-4F45-9708-019B960494DF}">
+              <a14:hiddenLine xmlns:a14="http://schemas.microsoft.com/office/drawing/2010/main" w="9525">
+                <a:solidFill>
+                  <a:schemeClr val="tx1"/>
+                </a:solidFill>
+                <a:miter lim="800000"/>
+                <a:headEnd/>
+                <a:tailEnd/>
+              </a14:hiddenLine>
+            </a:ext>
+            <a:ext uri="{AF507438-7753-43E0-B8FC-AC1667EBCBE1}">
+              <a14:hiddenEffects xmlns:a14="http://schemas.microsoft.com/office/drawing/2010/main">
+                <a:effectLst>
+                  <a:outerShdw dist="35921" dir="2700000" algn="ctr" rotWithShape="0">
+                    <a:schemeClr val="bg2"/>
+                  </a:outerShdw>
+                </a:effectLst>
+              </a14:hiddenEffects>
+            </a:ext>
+          </a:extLst>
+        </p:spPr>
+        <p:txBody>
+          <a:bodyPr vert="horz" wrap="square" lIns="91440" tIns="45720" rIns="91440" bIns="45720" numCol="1" anchor="ctr" anchorCtr="0" compatLnSpc="1">
+            <a:prstTxWarp prst="textNoShape">
+              <a:avLst/>
+            </a:prstTxWarp>
+            <a:spAutoFit/>
+          </a:bodyPr>
+          <a:lstStyle/>
+          <a:p>
+            <a:pPr marR="0" lvl="0" algn="l" defTabSz="914400" rtl="0" eaLnBrk="0" fontAlgn="base" latinLnBrk="0" hangingPunct="0">
+              <a:lnSpc>
+                <a:spcPct val="100000"/>
+              </a:lnSpc>
+              <a:spcBef>
+                <a:spcPct val="0"/>
+              </a:spcBef>
+              <a:spcAft>
+                <a:spcPct val="0"/>
+              </a:spcAft>
+              <a:buClrTx/>
+              <a:buSzTx/>
+              <a:tabLst/>
+            </a:pPr>
+            <a:r>
+              <a:rPr kumimoji="0" lang="vi-VN" altLang="vi-VN" sz="2400" b="1" i="0" u="none" strike="noStrike" cap="none" normalizeH="0" baseline="0" dirty="0">
+                <a:ln>
+                  <a:noFill/>
+                </a:ln>
+                <a:solidFill>
+                  <a:schemeClr val="tx1"/>
+                </a:solidFill>
+                <a:effectLst/>
+                <a:latin typeface="Arial" panose="020B0604020202020204" pitchFamily="34" charset="0"/>
+              </a:rPr>
+              <a:t>Giảm chiều dữ liệu với PCA</a:t>
+            </a:r>
+          </a:p>
+        </p:txBody>
+      </p:sp>
+      <p:pic>
+        <p:nvPicPr>
+          <p:cNvPr id="1028" name="Picture 4" descr="Principal Component Analysis (PCA) Transformation | BioRender Science ...">
+            <a:extLst>
+              <a:ext uri="{FF2B5EF4-FFF2-40B4-BE49-F238E27FC236}">
+                <a16:creationId xmlns:a16="http://schemas.microsoft.com/office/drawing/2014/main" id="{E741FE6F-599C-A72B-BB40-62DF92F61CE8}"/>
+              </a:ext>
+            </a:extLst>
+          </p:cNvPr>
+          <p:cNvPicPr>
+            <a:picLocks noChangeAspect="1" noChangeArrowheads="1"/>
+          </p:cNvPicPr>
+          <p:nvPr/>
+        </p:nvPicPr>
+        <p:blipFill>
+          <a:blip r:embed="rId3">
+            <a:extLst>
+              <a:ext uri="{28A0092B-C50C-407E-A947-70E740481C1C}">
+                <a14:useLocalDpi xmlns:a14="http://schemas.microsoft.com/office/drawing/2010/main" val="0"/>
+              </a:ext>
+            </a:extLst>
+          </a:blip>
+          <a:srcRect/>
+          <a:stretch>
+            <a:fillRect/>
+          </a:stretch>
+        </p:blipFill>
+        <p:spPr bwMode="auto">
+          <a:xfrm>
+            <a:off x="4824249" y="1864858"/>
+            <a:ext cx="3605048" cy="2523534"/>
+          </a:xfrm>
+          <a:prstGeom prst="rect">
+            <a:avLst/>
+          </a:prstGeom>
+          <a:noFill/>
+          <a:extLst>
+            <a:ext uri="{909E8E84-426E-40DD-AFC4-6F175D3DCCD1}">
+              <a14:hiddenFill xmlns:a14="http://schemas.microsoft.com/office/drawing/2010/main">
+                <a:solidFill>
+                  <a:srgbClr val="FFFFFF"/>
+                </a:solidFill>
+              </a14:hiddenFill>
+            </a:ext>
+          </a:extLst>
+        </p:spPr>
+      </p:pic>
+    </p:spTree>
+    <p:extLst>
+      <p:ext uri="{BB962C8B-B14F-4D97-AF65-F5344CB8AC3E}">
+        <p14:creationId xmlns:p14="http://schemas.microsoft.com/office/powerpoint/2010/main" val="3314496765"/>
       </p:ext>
     </p:extLst>
   </p:cSld>

--- a/project/baitaplon/13_NguyenThanhDat211440519_baitaplon.pptx
+++ b/project/baitaplon/13_NguyenThanhDat211440519_baitaplon.pptx
@@ -20,8 +20,8 @@
     <p:sldId id="312" r:id="rId14"/>
     <p:sldId id="313" r:id="rId15"/>
     <p:sldId id="294" r:id="rId16"/>
-    <p:sldId id="296" r:id="rId17"/>
-    <p:sldId id="304" r:id="rId18"/>
+    <p:sldId id="304" r:id="rId17"/>
+    <p:sldId id="315" r:id="rId18"/>
     <p:sldId id="305" r:id="rId19"/>
     <p:sldId id="307" r:id="rId20"/>
     <p:sldId id="306" r:id="rId21"/>
@@ -2580,139 +2580,6 @@
     <p:extLst>
       <p:ext uri="{BB962C8B-B14F-4D97-AF65-F5344CB8AC3E}">
         <p14:creationId xmlns:p14="http://schemas.microsoft.com/office/powerpoint/2010/main" val="136327469"/>
-      </p:ext>
-    </p:extLst>
-  </p:cSld>
-  <p:clrMapOvr>
-    <a:masterClrMapping/>
-  </p:clrMapOvr>
-</p:notes>
-</file>
-
-<file path=ppt/notesSlides/notesSlide9.xml><?xml version="1.0" encoding="utf-8"?>
-<p:notes xmlns:a="http://schemas.openxmlformats.org/drawingml/2006/main" xmlns:r="http://schemas.openxmlformats.org/officeDocument/2006/relationships" xmlns:p="http://schemas.openxmlformats.org/presentationml/2006/main">
-  <p:cSld>
-    <p:spTree>
-      <p:nvGrpSpPr>
-        <p:cNvPr id="1" name="">
-          <a:extLst>
-            <a:ext uri="{FF2B5EF4-FFF2-40B4-BE49-F238E27FC236}">
-              <a16:creationId xmlns:a16="http://schemas.microsoft.com/office/drawing/2014/main" id="{2B248A6D-AE33-460A-BFA1-F65753FC420C}"/>
-            </a:ext>
-          </a:extLst>
-        </p:cNvPr>
-        <p:cNvGrpSpPr/>
-        <p:nvPr/>
-      </p:nvGrpSpPr>
-      <p:grpSpPr>
-        <a:xfrm>
-          <a:off x="0" y="0"/>
-          <a:ext cx="0" cy="0"/>
-          <a:chOff x="0" y="0"/>
-          <a:chExt cx="0" cy="0"/>
-        </a:xfrm>
-      </p:grpSpPr>
-      <p:sp>
-        <p:nvSpPr>
-          <p:cNvPr id="2" name="Slide Image Placeholder 1">
-            <a:extLst>
-              <a:ext uri="{FF2B5EF4-FFF2-40B4-BE49-F238E27FC236}">
-                <a16:creationId xmlns:a16="http://schemas.microsoft.com/office/drawing/2014/main" id="{99F5E34E-2EF7-2100-360A-29E9C61DC3BD}"/>
-              </a:ext>
-            </a:extLst>
-          </p:cNvPr>
-          <p:cNvSpPr>
-            <a:spLocks noGrp="1" noRot="1" noChangeAspect="1"/>
-          </p:cNvSpPr>
-          <p:nvPr>
-            <p:ph type="sldImg"/>
-          </p:nvPr>
-        </p:nvSpPr>
-        <p:spPr/>
-      </p:sp>
-      <p:sp>
-        <p:nvSpPr>
-          <p:cNvPr id="3" name="Notes Placeholder 2">
-            <a:extLst>
-              <a:ext uri="{FF2B5EF4-FFF2-40B4-BE49-F238E27FC236}">
-                <a16:creationId xmlns:a16="http://schemas.microsoft.com/office/drawing/2014/main" id="{373F404F-3B6D-A347-7870-928DDA68C1F0}"/>
-              </a:ext>
-            </a:extLst>
-          </p:cNvPr>
-          <p:cNvSpPr>
-            <a:spLocks noGrp="1"/>
-          </p:cNvSpPr>
-          <p:nvPr>
-            <p:ph type="body" idx="1"/>
-          </p:nvPr>
-        </p:nvSpPr>
-        <p:spPr/>
-        <p:txBody>
-          <a:bodyPr/>
-          <a:lstStyle/>
-          <a:p>
-            <a:endParaRPr lang="en-US" b="1" dirty="0"/>
-          </a:p>
-        </p:txBody>
-      </p:sp>
-      <p:sp>
-        <p:nvSpPr>
-          <p:cNvPr id="4" name="Slide Number Placeholder 3">
-            <a:extLst>
-              <a:ext uri="{FF2B5EF4-FFF2-40B4-BE49-F238E27FC236}">
-                <a16:creationId xmlns:a16="http://schemas.microsoft.com/office/drawing/2014/main" id="{5649CCBD-7C39-5EC0-CB39-17CC4F08D7FA}"/>
-              </a:ext>
-            </a:extLst>
-          </p:cNvPr>
-          <p:cNvSpPr>
-            <a:spLocks noGrp="1"/>
-          </p:cNvSpPr>
-          <p:nvPr>
-            <p:ph type="sldNum" idx="12"/>
-          </p:nvPr>
-        </p:nvSpPr>
-        <p:spPr/>
-        <p:txBody>
-          <a:bodyPr/>
-          <a:lstStyle/>
-          <a:p>
-            <a:pPr marL="0" marR="0" lvl="0" indent="0" algn="r" rtl="0">
-              <a:spcBef>
-                <a:spcPts val="0"/>
-              </a:spcBef>
-              <a:spcAft>
-                <a:spcPts val="0"/>
-              </a:spcAft>
-              <a:buNone/>
-            </a:pPr>
-            <a:fld id="{00000000-1234-1234-1234-123412341234}" type="slidenum">
-              <a:rPr lang="en-US" sz="1200" b="0" i="0" u="none" strike="noStrike" cap="none" smtClean="0">
-                <a:solidFill>
-                  <a:schemeClr val="dk1"/>
-                </a:solidFill>
-                <a:latin typeface="Calibri"/>
-                <a:ea typeface="Calibri"/>
-                <a:cs typeface="Calibri"/>
-                <a:sym typeface="Calibri"/>
-              </a:rPr>
-              <a:t>13</a:t>
-            </a:fld>
-            <a:endParaRPr lang="en-US" sz="1200" b="0" i="0" u="none" strike="noStrike" cap="none">
-              <a:solidFill>
-                <a:schemeClr val="dk1"/>
-              </a:solidFill>
-              <a:latin typeface="Calibri"/>
-              <a:ea typeface="Calibri"/>
-              <a:cs typeface="Calibri"/>
-              <a:sym typeface="Calibri"/>
-            </a:endParaRPr>
-          </a:p>
-        </p:txBody>
-      </p:sp>
-    </p:spTree>
-    <p:extLst>
-      <p:ext uri="{BB962C8B-B14F-4D97-AF65-F5344CB8AC3E}">
-        <p14:creationId xmlns:p14="http://schemas.microsoft.com/office/powerpoint/2010/main" val="3611219582"/>
       </p:ext>
     </p:extLst>
   </p:cSld>
@@ -15926,125 +15793,6 @@
         <p:cNvPr id="1" name="">
           <a:extLst>
             <a:ext uri="{FF2B5EF4-FFF2-40B4-BE49-F238E27FC236}">
-              <a16:creationId xmlns:a16="http://schemas.microsoft.com/office/drawing/2014/main" id="{B5ABA5DC-4525-0744-C089-CC15164132E4}"/>
-            </a:ext>
-          </a:extLst>
-        </p:cNvPr>
-        <p:cNvGrpSpPr/>
-        <p:nvPr/>
-      </p:nvGrpSpPr>
-      <p:grpSpPr>
-        <a:xfrm>
-          <a:off x="0" y="0"/>
-          <a:ext cx="0" cy="0"/>
-          <a:chOff x="0" y="0"/>
-          <a:chExt cx="0" cy="0"/>
-        </a:xfrm>
-      </p:grpSpPr>
-      <p:sp>
-        <p:nvSpPr>
-          <p:cNvPr id="4" name="Slide Number Placeholder 3">
-            <a:extLst>
-              <a:ext uri="{FF2B5EF4-FFF2-40B4-BE49-F238E27FC236}">
-                <a16:creationId xmlns:a16="http://schemas.microsoft.com/office/drawing/2014/main" id="{066ECABE-4935-47F0-88EE-A27C003DFD2A}"/>
-              </a:ext>
-            </a:extLst>
-          </p:cNvPr>
-          <p:cNvSpPr>
-            <a:spLocks noGrp="1"/>
-          </p:cNvSpPr>
-          <p:nvPr>
-            <p:ph type="sldNum" idx="12"/>
-          </p:nvPr>
-        </p:nvSpPr>
-        <p:spPr/>
-        <p:txBody>
-          <a:bodyPr/>
-          <a:lstStyle/>
-          <a:p>
-            <a:pPr marL="0" lvl="0" indent="0" algn="r" rtl="0">
-              <a:spcBef>
-                <a:spcPts val="0"/>
-              </a:spcBef>
-              <a:spcAft>
-                <a:spcPts val="0"/>
-              </a:spcAft>
-              <a:buNone/>
-            </a:pPr>
-            <a:fld id="{00000000-1234-1234-1234-123412341234}" type="slidenum">
-              <a:rPr lang="en-US" smtClean="0"/>
-              <a:t>13</a:t>
-            </a:fld>
-            <a:endParaRPr lang="en-US"/>
-          </a:p>
-        </p:txBody>
-      </p:sp>
-      <p:sp>
-        <p:nvSpPr>
-          <p:cNvPr id="2" name="Hộp Văn bản 1">
-            <a:extLst>
-              <a:ext uri="{FF2B5EF4-FFF2-40B4-BE49-F238E27FC236}">
-                <a16:creationId xmlns:a16="http://schemas.microsoft.com/office/drawing/2014/main" id="{8303DD75-C04B-A695-F492-054250A10E74}"/>
-              </a:ext>
-            </a:extLst>
-          </p:cNvPr>
-          <p:cNvSpPr txBox="1"/>
-          <p:nvPr/>
-        </p:nvSpPr>
-        <p:spPr>
-          <a:xfrm>
-            <a:off x="310056" y="210207"/>
-            <a:ext cx="5749153" cy="861774"/>
-          </a:xfrm>
-          <a:prstGeom prst="rect">
-            <a:avLst/>
-          </a:prstGeom>
-          <a:noFill/>
-        </p:spPr>
-        <p:txBody>
-          <a:bodyPr wrap="square" rtlCol="0">
-            <a:spAutoFit/>
-          </a:bodyPr>
-          <a:lstStyle/>
-          <a:p>
-            <a:r>
-              <a:rPr lang="vi-VN" sz="3600" b="1" dirty="0">
-                <a:solidFill>
-                  <a:schemeClr val="bg1"/>
-                </a:solidFill>
-                <a:latin typeface="Calibri" panose="020F0502020204030204" pitchFamily="34" charset="0"/>
-                <a:ea typeface="Calibri" panose="020F0502020204030204" pitchFamily="34" charset="0"/>
-                <a:cs typeface="Calibri" panose="020F0502020204030204" pitchFamily="34" charset="0"/>
-              </a:rPr>
-              <a:t>2. Thuật toán và tập dữ liệu</a:t>
-            </a:r>
-          </a:p>
-          <a:p>
-            <a:endParaRPr lang="vi-VN" dirty="0"/>
-          </a:p>
-        </p:txBody>
-      </p:sp>
-    </p:spTree>
-    <p:extLst>
-      <p:ext uri="{BB962C8B-B14F-4D97-AF65-F5344CB8AC3E}">
-        <p14:creationId xmlns:p14="http://schemas.microsoft.com/office/powerpoint/2010/main" val="2075396401"/>
-      </p:ext>
-    </p:extLst>
-  </p:cSld>
-  <p:clrMapOvr>
-    <a:masterClrMapping/>
-  </p:clrMapOvr>
-</p:sld>
-</file>
-
-<file path=ppt/slides/slide14.xml><?xml version="1.0" encoding="utf-8"?>
-<p:sld xmlns:a="http://schemas.openxmlformats.org/drawingml/2006/main" xmlns:r="http://schemas.openxmlformats.org/officeDocument/2006/relationships" xmlns:p="http://schemas.openxmlformats.org/presentationml/2006/main">
-  <p:cSld>
-    <p:spTree>
-      <p:nvGrpSpPr>
-        <p:cNvPr id="1" name="">
-          <a:extLst>
-            <a:ext uri="{FF2B5EF4-FFF2-40B4-BE49-F238E27FC236}">
               <a16:creationId xmlns:a16="http://schemas.microsoft.com/office/drawing/2014/main" id="{743CBAD5-A6AC-4BD4-5601-AD403923A0C4}"/>
             </a:ext>
           </a:extLst>
@@ -16126,7 +15874,7 @@
             </a:pPr>
             <a:fld id="{00000000-1234-1234-1234-123412341234}" type="slidenum">
               <a:rPr lang="en-US" smtClean="0"/>
-              <a:t>14</a:t>
+              <a:t>13</a:t>
             </a:fld>
             <a:endParaRPr lang="en-US"/>
           </a:p>
@@ -16136,6 +15884,237 @@
     <p:extLst>
       <p:ext uri="{BB962C8B-B14F-4D97-AF65-F5344CB8AC3E}">
         <p14:creationId xmlns:p14="http://schemas.microsoft.com/office/powerpoint/2010/main" val="3473525647"/>
+      </p:ext>
+    </p:extLst>
+  </p:cSld>
+  <p:clrMapOvr>
+    <a:masterClrMapping/>
+  </p:clrMapOvr>
+</p:sld>
+</file>
+
+<file path=ppt/slides/slide14.xml><?xml version="1.0" encoding="utf-8"?>
+<p:sld xmlns:a="http://schemas.openxmlformats.org/drawingml/2006/main" xmlns:r="http://schemas.openxmlformats.org/officeDocument/2006/relationships" xmlns:p="http://schemas.openxmlformats.org/presentationml/2006/main">
+  <p:cSld>
+    <p:spTree>
+      <p:nvGrpSpPr>
+        <p:cNvPr id="1" name="">
+          <a:extLst>
+            <a:ext uri="{FF2B5EF4-FFF2-40B4-BE49-F238E27FC236}">
+              <a16:creationId xmlns:a16="http://schemas.microsoft.com/office/drawing/2014/main" id="{AD93A80F-45FE-D6D1-B82D-CEB40E0E738E}"/>
+            </a:ext>
+          </a:extLst>
+        </p:cNvPr>
+        <p:cNvGrpSpPr/>
+        <p:nvPr/>
+      </p:nvGrpSpPr>
+      <p:grpSpPr>
+        <a:xfrm>
+          <a:off x="0" y="0"/>
+          <a:ext cx="0" cy="0"/>
+          <a:chOff x="0" y="0"/>
+          <a:chExt cx="0" cy="0"/>
+        </a:xfrm>
+      </p:grpSpPr>
+      <p:sp>
+        <p:nvSpPr>
+          <p:cNvPr id="2" name="Tiêu đề 1">
+            <a:extLst>
+              <a:ext uri="{FF2B5EF4-FFF2-40B4-BE49-F238E27FC236}">
+                <a16:creationId xmlns:a16="http://schemas.microsoft.com/office/drawing/2014/main" id="{C55ADEC2-3317-C5B5-6BC3-1905F0302D74}"/>
+              </a:ext>
+            </a:extLst>
+          </p:cNvPr>
+          <p:cNvSpPr>
+            <a:spLocks noGrp="1"/>
+          </p:cNvSpPr>
+          <p:nvPr>
+            <p:ph type="ctrTitle"/>
+          </p:nvPr>
+        </p:nvSpPr>
+        <p:spPr>
+          <a:xfrm>
+            <a:off x="212835" y="256299"/>
+            <a:ext cx="3812627" cy="605549"/>
+          </a:xfrm>
+        </p:spPr>
+        <p:txBody>
+          <a:bodyPr/>
+          <a:lstStyle/>
+          <a:p>
+            <a:pPr marL="50800"/>
+            <a:r>
+              <a:rPr lang="vi-VN" sz="3200" dirty="0">
+                <a:solidFill>
+                  <a:schemeClr val="bg1"/>
+                </a:solidFill>
+              </a:rPr>
+              <a:t>3. Khảo sát, đánh giá</a:t>
+            </a:r>
+          </a:p>
+        </p:txBody>
+      </p:sp>
+      <p:sp>
+        <p:nvSpPr>
+          <p:cNvPr id="4" name="Chỗ dành sẵn cho Số hiệu Bản chiếu 3">
+            <a:extLst>
+              <a:ext uri="{FF2B5EF4-FFF2-40B4-BE49-F238E27FC236}">
+                <a16:creationId xmlns:a16="http://schemas.microsoft.com/office/drawing/2014/main" id="{E17D3728-AD5B-70A8-27C7-4A5040E77869}"/>
+              </a:ext>
+            </a:extLst>
+          </p:cNvPr>
+          <p:cNvSpPr>
+            <a:spLocks noGrp="1"/>
+          </p:cNvSpPr>
+          <p:nvPr>
+            <p:ph type="sldNum" idx="12"/>
+          </p:nvPr>
+        </p:nvSpPr>
+        <p:spPr/>
+        <p:txBody>
+          <a:bodyPr/>
+          <a:lstStyle/>
+          <a:p>
+            <a:pPr marL="0" lvl="0" indent="0" algn="r" rtl="0">
+              <a:spcBef>
+                <a:spcPts val="0"/>
+              </a:spcBef>
+              <a:spcAft>
+                <a:spcPts val="0"/>
+              </a:spcAft>
+              <a:buNone/>
+            </a:pPr>
+            <a:fld id="{00000000-1234-1234-1234-123412341234}" type="slidenum">
+              <a:rPr lang="en-US" smtClean="0"/>
+              <a:t>14</a:t>
+            </a:fld>
+            <a:endParaRPr lang="en-US"/>
+          </a:p>
+        </p:txBody>
+      </p:sp>
+      <p:sp>
+        <p:nvSpPr>
+          <p:cNvPr id="5" name="Hộp Văn bản 4">
+            <a:extLst>
+              <a:ext uri="{FF2B5EF4-FFF2-40B4-BE49-F238E27FC236}">
+                <a16:creationId xmlns:a16="http://schemas.microsoft.com/office/drawing/2014/main" id="{CCC69F69-BCA7-2132-8245-15D44A9176D5}"/>
+              </a:ext>
+            </a:extLst>
+          </p:cNvPr>
+          <p:cNvSpPr txBox="1"/>
+          <p:nvPr/>
+        </p:nvSpPr>
+        <p:spPr>
+          <a:xfrm>
+            <a:off x="478221" y="1656601"/>
+            <a:ext cx="4572000" cy="2246769"/>
+          </a:xfrm>
+          <a:prstGeom prst="rect">
+            <a:avLst/>
+          </a:prstGeom>
+          <a:noFill/>
+        </p:spPr>
+        <p:txBody>
+          <a:bodyPr wrap="square">
+            <a:spAutoFit/>
+          </a:bodyPr>
+          <a:lstStyle/>
+          <a:p>
+            <a:r>
+              <a:rPr lang="vi-VN" dirty="0" err="1"/>
+              <a:t>n_components</a:t>
+            </a:r>
+            <a:r>
+              <a:rPr lang="vi-VN" dirty="0"/>
+              <a:t>=0.7, dim=183, </a:t>
+            </a:r>
+            <a:r>
+              <a:rPr lang="vi-VN" dirty="0" err="1"/>
+              <a:t>var</a:t>
+            </a:r>
+            <a:r>
+              <a:rPr lang="vi-VN" dirty="0"/>
+              <a:t>=0.7006, ACC=0.2206, ARI=0.0186, NMI=0.0338</a:t>
+            </a:r>
+          </a:p>
+          <a:p>
+            <a:r>
+              <a:rPr lang="vi-VN" dirty="0" err="1"/>
+              <a:t>n_components</a:t>
+            </a:r>
+            <a:r>
+              <a:rPr lang="vi-VN" dirty="0"/>
+              <a:t>=0.8, dim=261, </a:t>
+            </a:r>
+            <a:r>
+              <a:rPr lang="vi-VN" dirty="0" err="1"/>
+              <a:t>var</a:t>
+            </a:r>
+            <a:r>
+              <a:rPr lang="vi-VN" dirty="0"/>
+              <a:t>=0.8001, ACC=0.2211, ARI=0.0189, NMI=0.0340</a:t>
+            </a:r>
+          </a:p>
+          <a:p>
+            <a:r>
+              <a:rPr lang="vi-VN" dirty="0" err="1"/>
+              <a:t>n_components</a:t>
+            </a:r>
+            <a:r>
+              <a:rPr lang="vi-VN" dirty="0"/>
+              <a:t>=0.9, dim=381, </a:t>
+            </a:r>
+            <a:r>
+              <a:rPr lang="vi-VN" dirty="0" err="1"/>
+              <a:t>var</a:t>
+            </a:r>
+            <a:r>
+              <a:rPr lang="vi-VN" dirty="0"/>
+              <a:t>=0.9001, ACC=0.2211, ARI=0.0185, NMI=0.0322</a:t>
+            </a:r>
+          </a:p>
+          <a:p>
+            <a:r>
+              <a:rPr lang="vi-VN" dirty="0" err="1"/>
+              <a:t>n_components</a:t>
+            </a:r>
+            <a:r>
+              <a:rPr lang="vi-VN" dirty="0"/>
+              <a:t>=0.95, dim=484, </a:t>
+            </a:r>
+            <a:r>
+              <a:rPr lang="vi-VN" dirty="0" err="1"/>
+              <a:t>var</a:t>
+            </a:r>
+            <a:r>
+              <a:rPr lang="vi-VN" dirty="0"/>
+              <a:t>=0.9503, ACC=0.2282, ARI=0.0198, NMI=0.0371</a:t>
+            </a:r>
+          </a:p>
+          <a:p>
+            <a:r>
+              <a:rPr lang="vi-VN" dirty="0" err="1"/>
+              <a:t>n_components</a:t>
+            </a:r>
+            <a:r>
+              <a:rPr lang="vi-VN" dirty="0"/>
+              <a:t>=0.99, dim=763, </a:t>
+            </a:r>
+            <a:r>
+              <a:rPr lang="vi-VN" dirty="0" err="1"/>
+              <a:t>var</a:t>
+            </a:r>
+            <a:r>
+              <a:rPr lang="vi-VN" dirty="0"/>
+              <a:t>=0.9900, ACC=0.2263, ARI=0.0207, NMI=0.0372</a:t>
+            </a:r>
+          </a:p>
+        </p:txBody>
+      </p:sp>
+    </p:spTree>
+    <p:extLst>
+      <p:ext uri="{BB962C8B-B14F-4D97-AF65-F5344CB8AC3E}">
+        <p14:creationId xmlns:p14="http://schemas.microsoft.com/office/powerpoint/2010/main" val="3288006632"/>
       </p:ext>
     </p:extLst>
   </p:cSld>
@@ -19329,6 +19308,156 @@
           </a:p>
         </p:txBody>
       </p:sp>
+      <p:pic>
+        <p:nvPicPr>
+          <p:cNvPr id="5" name="Hình ảnh 4">
+            <a:extLst>
+              <a:ext uri="{FF2B5EF4-FFF2-40B4-BE49-F238E27FC236}">
+                <a16:creationId xmlns:a16="http://schemas.microsoft.com/office/drawing/2014/main" id="{38C194DE-25B5-8DB6-33DC-96D0A76AC826}"/>
+              </a:ext>
+            </a:extLst>
+          </p:cNvPr>
+          <p:cNvPicPr>
+            <a:picLocks noChangeAspect="1"/>
+          </p:cNvPicPr>
+          <p:nvPr/>
+        </p:nvPicPr>
+        <p:blipFill>
+          <a:blip r:embed="rId3"/>
+          <a:stretch>
+            <a:fillRect/>
+          </a:stretch>
+        </p:blipFill>
+        <p:spPr>
+          <a:xfrm>
+            <a:off x="2945524" y="1133258"/>
+            <a:ext cx="4956166" cy="1486850"/>
+          </a:xfrm>
+          <a:prstGeom prst="rect">
+            <a:avLst/>
+          </a:prstGeom>
+        </p:spPr>
+      </p:pic>
+      <p:pic>
+        <p:nvPicPr>
+          <p:cNvPr id="9" name="Hình ảnh 8">
+            <a:extLst>
+              <a:ext uri="{FF2B5EF4-FFF2-40B4-BE49-F238E27FC236}">
+                <a16:creationId xmlns:a16="http://schemas.microsoft.com/office/drawing/2014/main" id="{FC5EE650-9921-F7F4-3D84-923594674866}"/>
+              </a:ext>
+            </a:extLst>
+          </p:cNvPr>
+          <p:cNvPicPr>
+            <a:picLocks noChangeAspect="1"/>
+          </p:cNvPicPr>
+          <p:nvPr/>
+        </p:nvPicPr>
+        <p:blipFill>
+          <a:blip r:embed="rId4"/>
+          <a:stretch>
+            <a:fillRect/>
+          </a:stretch>
+        </p:blipFill>
+        <p:spPr>
+          <a:xfrm>
+            <a:off x="2899600" y="2454619"/>
+            <a:ext cx="2066737" cy="2066737"/>
+          </a:xfrm>
+          <a:prstGeom prst="rect">
+            <a:avLst/>
+          </a:prstGeom>
+        </p:spPr>
+      </p:pic>
+      <p:pic>
+        <p:nvPicPr>
+          <p:cNvPr id="17" name="Hình ảnh 16">
+            <a:extLst>
+              <a:ext uri="{FF2B5EF4-FFF2-40B4-BE49-F238E27FC236}">
+                <a16:creationId xmlns:a16="http://schemas.microsoft.com/office/drawing/2014/main" id="{20BC8D53-45C7-DFC7-711D-6C823DFBB997}"/>
+              </a:ext>
+            </a:extLst>
+          </p:cNvPr>
+          <p:cNvPicPr>
+            <a:picLocks noChangeAspect="1"/>
+          </p:cNvPicPr>
+          <p:nvPr/>
+        </p:nvPicPr>
+        <p:blipFill>
+          <a:blip r:embed="rId5"/>
+          <a:stretch>
+            <a:fillRect/>
+          </a:stretch>
+        </p:blipFill>
+        <p:spPr>
+          <a:xfrm>
+            <a:off x="5112129" y="2474167"/>
+            <a:ext cx="2094264" cy="2094264"/>
+          </a:xfrm>
+          <a:prstGeom prst="rect">
+            <a:avLst/>
+          </a:prstGeom>
+        </p:spPr>
+      </p:pic>
+      <p:pic>
+        <p:nvPicPr>
+          <p:cNvPr id="29" name="Hình ảnh 28">
+            <a:extLst>
+              <a:ext uri="{FF2B5EF4-FFF2-40B4-BE49-F238E27FC236}">
+                <a16:creationId xmlns:a16="http://schemas.microsoft.com/office/drawing/2014/main" id="{031F524E-1E0F-953E-50AA-FE9A26BEADB5}"/>
+              </a:ext>
+            </a:extLst>
+          </p:cNvPr>
+          <p:cNvPicPr>
+            <a:picLocks noChangeAspect="1"/>
+          </p:cNvPicPr>
+          <p:nvPr/>
+        </p:nvPicPr>
+        <p:blipFill>
+          <a:blip r:embed="rId6"/>
+          <a:stretch>
+            <a:fillRect/>
+          </a:stretch>
+        </p:blipFill>
+        <p:spPr>
+          <a:xfrm>
+            <a:off x="7223999" y="2627730"/>
+            <a:ext cx="1920001" cy="1908399"/>
+          </a:xfrm>
+          <a:prstGeom prst="rect">
+            <a:avLst/>
+          </a:prstGeom>
+        </p:spPr>
+      </p:pic>
+      <p:pic>
+        <p:nvPicPr>
+          <p:cNvPr id="31" name="Hình ảnh 30">
+            <a:extLst>
+              <a:ext uri="{FF2B5EF4-FFF2-40B4-BE49-F238E27FC236}">
+                <a16:creationId xmlns:a16="http://schemas.microsoft.com/office/drawing/2014/main" id="{CA9E845F-7415-DAC6-EA1A-F09EE89E89BD}"/>
+              </a:ext>
+            </a:extLst>
+          </p:cNvPr>
+          <p:cNvPicPr>
+            <a:picLocks noChangeAspect="1"/>
+          </p:cNvPicPr>
+          <p:nvPr/>
+        </p:nvPicPr>
+        <p:blipFill>
+          <a:blip r:embed="rId7"/>
+          <a:stretch>
+            <a:fillRect/>
+          </a:stretch>
+        </p:blipFill>
+        <p:spPr>
+          <a:xfrm>
+            <a:off x="3029607" y="4522845"/>
+            <a:ext cx="5276193" cy="1978572"/>
+          </a:xfrm>
+          <a:prstGeom prst="rect">
+            <a:avLst/>
+          </a:prstGeom>
+        </p:spPr>
+      </p:pic>
     </p:spTree>
     <p:extLst>
       <p:ext uri="{BB962C8B-B14F-4D97-AF65-F5344CB8AC3E}">
@@ -19461,8 +19590,8 @@
         </p:nvSpPr>
         <p:spPr bwMode="auto">
           <a:xfrm>
-            <a:off x="231227" y="1150886"/>
-            <a:ext cx="7036677" cy="461665"/>
+            <a:off x="231228" y="1150886"/>
+            <a:ext cx="8565932" cy="461665"/>
           </a:xfrm>
           <a:prstGeom prst="rect">
             <a:avLst/>
@@ -19510,10 +19639,7 @@
           </a:bodyPr>
           <a:lstStyle/>
           <a:p>
-            <a:pPr marR="0" lvl="0" algn="l" defTabSz="914400" rtl="0" eaLnBrk="0" fontAlgn="base" latinLnBrk="0" hangingPunct="0">
-              <a:lnSpc>
-                <a:spcPct val="100000"/>
-              </a:lnSpc>
+            <a:pPr lvl="0" eaLnBrk="0" fontAlgn="base" hangingPunct="0">
               <a:spcBef>
                 <a:spcPct val="0"/>
               </a:spcBef>
@@ -19521,8 +19647,6 @@
                 <a:spcPct val="0"/>
               </a:spcAft>
               <a:buClrTx/>
-              <a:buSzTx/>
-              <a:tabLst/>
             </a:pPr>
             <a:r>
               <a:rPr kumimoji="0" lang="vi-VN" altLang="vi-VN" sz="2400" b="1" i="0" u="none" strike="noStrike" cap="none" normalizeH="0" baseline="0" dirty="0">
@@ -19535,7 +19659,40 @@
                 <a:effectLst/>
                 <a:latin typeface="Arial" panose="020B0604020202020204" pitchFamily="34" charset="0"/>
               </a:rPr>
-              <a:t>Giảm chiều dữ liệu với PCA</a:t>
+              <a:t>Giảm chiều dữ liệu với PCA(</a:t>
+            </a:r>
+            <a:r>
+              <a:rPr lang="vi-VN" sz="2400" dirty="0" err="1"/>
+              <a:t>Principal</a:t>
+            </a:r>
+            <a:r>
+              <a:rPr lang="vi-VN" sz="2400" dirty="0"/>
+              <a:t> </a:t>
+            </a:r>
+            <a:r>
+              <a:rPr lang="vi-VN" sz="2400" dirty="0" err="1"/>
+              <a:t>Component</a:t>
+            </a:r>
+            <a:r>
+              <a:rPr lang="vi-VN" sz="2400" dirty="0"/>
+              <a:t> </a:t>
+            </a:r>
+            <a:r>
+              <a:rPr lang="vi-VN" sz="2400" dirty="0" err="1"/>
+              <a:t>Analysis</a:t>
+            </a:r>
+            <a:r>
+              <a:rPr kumimoji="0" lang="vi-VN" altLang="vi-VN" sz="2400" b="1" i="0" u="none" strike="noStrike" cap="none" normalizeH="0" baseline="0" dirty="0">
+                <a:ln>
+                  <a:noFill/>
+                </a:ln>
+                <a:solidFill>
+                  <a:schemeClr val="tx1"/>
+                </a:solidFill>
+                <a:effectLst/>
+                <a:latin typeface="Arial" panose="020B0604020202020204" pitchFamily="34" charset="0"/>
+              </a:rPr>
+              <a:t>)</a:t>
             </a:r>
           </a:p>
         </p:txBody>
@@ -19569,7 +19726,7 @@
         </p:blipFill>
         <p:spPr bwMode="auto">
           <a:xfrm>
-            <a:off x="4824249" y="1864858"/>
+            <a:off x="809296" y="3429000"/>
             <a:ext cx="3605048" cy="2523534"/>
           </a:xfrm>
           <a:prstGeom prst="rect">
@@ -19587,6 +19744,634 @@
           </a:extLst>
         </p:spPr>
       </p:pic>
+      <p:sp>
+        <p:nvSpPr>
+          <p:cNvPr id="5" name="Hộp Văn bản 4">
+            <a:extLst>
+              <a:ext uri="{FF2B5EF4-FFF2-40B4-BE49-F238E27FC236}">
+                <a16:creationId xmlns:a16="http://schemas.microsoft.com/office/drawing/2014/main" id="{12D16BD1-90B6-483D-736E-91FEB98235DB}"/>
+              </a:ext>
+            </a:extLst>
+          </p:cNvPr>
+          <p:cNvSpPr txBox="1"/>
+          <p:nvPr/>
+        </p:nvSpPr>
+        <p:spPr>
+          <a:xfrm>
+            <a:off x="704194" y="1864858"/>
+            <a:ext cx="4201509" cy="1631216"/>
+          </a:xfrm>
+          <a:prstGeom prst="rect">
+            <a:avLst/>
+          </a:prstGeom>
+          <a:noFill/>
+        </p:spPr>
+        <p:txBody>
+          <a:bodyPr wrap="square">
+            <a:spAutoFit/>
+          </a:bodyPr>
+          <a:lstStyle/>
+          <a:p>
+            <a:r>
+              <a:rPr lang="vi-VN" sz="2000" dirty="0"/>
+              <a:t>Là phương pháp giảm chiều dữ liệu bằng cách biến đổi tập đặc trưng ban đầu thành một hệ trục tọa độ mới gồm các thành phần chính</a:t>
+            </a:r>
+          </a:p>
+        </p:txBody>
+      </p:sp>
+      <p:sp>
+        <p:nvSpPr>
+          <p:cNvPr id="10" name="Hình Bầu dục 9">
+            <a:extLst>
+              <a:ext uri="{FF2B5EF4-FFF2-40B4-BE49-F238E27FC236}">
+                <a16:creationId xmlns:a16="http://schemas.microsoft.com/office/drawing/2014/main" id="{2D722B64-143A-FE33-A83B-FF38A0A0F7B7}"/>
+              </a:ext>
+            </a:extLst>
+          </p:cNvPr>
+          <p:cNvSpPr/>
+          <p:nvPr/>
+        </p:nvSpPr>
+        <p:spPr>
+          <a:xfrm>
+            <a:off x="6248400" y="1864858"/>
+            <a:ext cx="1455683" cy="461665"/>
+          </a:xfrm>
+          <a:prstGeom prst="ellipse">
+            <a:avLst/>
+          </a:prstGeom>
+        </p:spPr>
+        <p:style>
+          <a:lnRef idx="2">
+            <a:schemeClr val="accent1">
+              <a:shade val="15000"/>
+            </a:schemeClr>
+          </a:lnRef>
+          <a:fillRef idx="1">
+            <a:schemeClr val="accent1"/>
+          </a:fillRef>
+          <a:effectRef idx="0">
+            <a:schemeClr val="accent1"/>
+          </a:effectRef>
+          <a:fontRef idx="minor">
+            <a:schemeClr val="lt1"/>
+          </a:fontRef>
+        </p:style>
+        <p:txBody>
+          <a:bodyPr rtlCol="0" anchor="ctr"/>
+          <a:lstStyle/>
+          <a:p>
+            <a:pPr algn="ctr"/>
+            <a:r>
+              <a:rPr lang="vi-VN" dirty="0"/>
+              <a:t>Bắt đầu</a:t>
+            </a:r>
+          </a:p>
+        </p:txBody>
+      </p:sp>
+      <p:sp>
+        <p:nvSpPr>
+          <p:cNvPr id="11" name="Lưu đồ: Tiến trình 10">
+            <a:extLst>
+              <a:ext uri="{FF2B5EF4-FFF2-40B4-BE49-F238E27FC236}">
+                <a16:creationId xmlns:a16="http://schemas.microsoft.com/office/drawing/2014/main" id="{333697C1-1656-CADC-AB4F-63D756EF6EEE}"/>
+              </a:ext>
+            </a:extLst>
+          </p:cNvPr>
+          <p:cNvSpPr/>
+          <p:nvPr/>
+        </p:nvSpPr>
+        <p:spPr>
+          <a:xfrm>
+            <a:off x="6248400" y="2453041"/>
+            <a:ext cx="1455683" cy="461665"/>
+          </a:xfrm>
+          <a:prstGeom prst="flowChartProcess">
+            <a:avLst/>
+          </a:prstGeom>
+        </p:spPr>
+        <p:style>
+          <a:lnRef idx="2">
+            <a:schemeClr val="accent1">
+              <a:shade val="15000"/>
+            </a:schemeClr>
+          </a:lnRef>
+          <a:fillRef idx="1">
+            <a:schemeClr val="accent1"/>
+          </a:fillRef>
+          <a:effectRef idx="0">
+            <a:schemeClr val="accent1"/>
+          </a:effectRef>
+          <a:fontRef idx="minor">
+            <a:schemeClr val="lt1"/>
+          </a:fontRef>
+        </p:style>
+        <p:txBody>
+          <a:bodyPr rtlCol="0" anchor="ctr"/>
+          <a:lstStyle/>
+          <a:p>
+            <a:pPr algn="ctr"/>
+            <a:r>
+              <a:rPr lang="vi-VN" sz="1200" dirty="0"/>
+              <a:t>Tính ma trận hiệp phương sai</a:t>
+            </a:r>
+          </a:p>
+        </p:txBody>
+      </p:sp>
+      <p:sp>
+        <p:nvSpPr>
+          <p:cNvPr id="13" name="Lưu đồ: Tiến trình 12">
+            <a:extLst>
+              <a:ext uri="{FF2B5EF4-FFF2-40B4-BE49-F238E27FC236}">
+                <a16:creationId xmlns:a16="http://schemas.microsoft.com/office/drawing/2014/main" id="{CC42DF8F-61FD-77CF-31BA-43AD4D0C123E}"/>
+              </a:ext>
+            </a:extLst>
+          </p:cNvPr>
+          <p:cNvSpPr/>
+          <p:nvPr/>
+        </p:nvSpPr>
+        <p:spPr>
+          <a:xfrm>
+            <a:off x="6248400" y="3093124"/>
+            <a:ext cx="1455683" cy="461665"/>
+          </a:xfrm>
+          <a:prstGeom prst="flowChartProcess">
+            <a:avLst/>
+          </a:prstGeom>
+        </p:spPr>
+        <p:style>
+          <a:lnRef idx="2">
+            <a:schemeClr val="accent1">
+              <a:shade val="15000"/>
+            </a:schemeClr>
+          </a:lnRef>
+          <a:fillRef idx="1">
+            <a:schemeClr val="accent1"/>
+          </a:fillRef>
+          <a:effectRef idx="0">
+            <a:schemeClr val="accent1"/>
+          </a:effectRef>
+          <a:fontRef idx="minor">
+            <a:schemeClr val="lt1"/>
+          </a:fontRef>
+        </p:style>
+        <p:txBody>
+          <a:bodyPr rtlCol="0" anchor="ctr"/>
+          <a:lstStyle/>
+          <a:p>
+            <a:pPr algn="ctr"/>
+            <a:r>
+              <a:rPr lang="vi-VN" sz="1200" dirty="0"/>
+              <a:t>Tìm </a:t>
+            </a:r>
+            <a:r>
+              <a:rPr lang="vi-VN" sz="1200" dirty="0" err="1"/>
+              <a:t>vector</a:t>
+            </a:r>
+            <a:r>
+              <a:rPr lang="vi-VN" sz="1200" dirty="0"/>
+              <a:t> riêng, giá trị riêng</a:t>
+            </a:r>
+          </a:p>
+        </p:txBody>
+      </p:sp>
+      <p:sp>
+        <p:nvSpPr>
+          <p:cNvPr id="14" name="Lưu đồ: Tiến trình 13">
+            <a:extLst>
+              <a:ext uri="{FF2B5EF4-FFF2-40B4-BE49-F238E27FC236}">
+                <a16:creationId xmlns:a16="http://schemas.microsoft.com/office/drawing/2014/main" id="{2EE2767B-5ED2-E6F6-DC02-C60805090FAD}"/>
+              </a:ext>
+            </a:extLst>
+          </p:cNvPr>
+          <p:cNvSpPr/>
+          <p:nvPr/>
+        </p:nvSpPr>
+        <p:spPr>
+          <a:xfrm>
+            <a:off x="6248400" y="3711834"/>
+            <a:ext cx="1455683" cy="461665"/>
+          </a:xfrm>
+          <a:prstGeom prst="flowChartProcess">
+            <a:avLst/>
+          </a:prstGeom>
+        </p:spPr>
+        <p:style>
+          <a:lnRef idx="2">
+            <a:schemeClr val="accent1">
+              <a:shade val="15000"/>
+            </a:schemeClr>
+          </a:lnRef>
+          <a:fillRef idx="1">
+            <a:schemeClr val="accent1"/>
+          </a:fillRef>
+          <a:effectRef idx="0">
+            <a:schemeClr val="accent1"/>
+          </a:effectRef>
+          <a:fontRef idx="minor">
+            <a:schemeClr val="lt1"/>
+          </a:fontRef>
+        </p:style>
+        <p:txBody>
+          <a:bodyPr rtlCol="0" anchor="ctr"/>
+          <a:lstStyle/>
+          <a:p>
+            <a:pPr algn="ctr"/>
+            <a:r>
+              <a:rPr lang="vi-VN" sz="1200" dirty="0"/>
+              <a:t>Sắp xếp các thành phần chính</a:t>
+            </a:r>
+          </a:p>
+        </p:txBody>
+      </p:sp>
+      <p:sp>
+        <p:nvSpPr>
+          <p:cNvPr id="15" name="Lưu đồ: Tiến trình 14">
+            <a:extLst>
+              <a:ext uri="{FF2B5EF4-FFF2-40B4-BE49-F238E27FC236}">
+                <a16:creationId xmlns:a16="http://schemas.microsoft.com/office/drawing/2014/main" id="{CF7CD0E3-994A-7287-9E01-8656BEEECB21}"/>
+              </a:ext>
+            </a:extLst>
+          </p:cNvPr>
+          <p:cNvSpPr/>
+          <p:nvPr/>
+        </p:nvSpPr>
+        <p:spPr>
+          <a:xfrm>
+            <a:off x="6248400" y="4376680"/>
+            <a:ext cx="1455683" cy="461665"/>
+          </a:xfrm>
+          <a:prstGeom prst="flowChartProcess">
+            <a:avLst/>
+          </a:prstGeom>
+        </p:spPr>
+        <p:style>
+          <a:lnRef idx="2">
+            <a:schemeClr val="accent1">
+              <a:shade val="15000"/>
+            </a:schemeClr>
+          </a:lnRef>
+          <a:fillRef idx="1">
+            <a:schemeClr val="accent1"/>
+          </a:fillRef>
+          <a:effectRef idx="0">
+            <a:schemeClr val="accent1"/>
+          </a:effectRef>
+          <a:fontRef idx="minor">
+            <a:schemeClr val="lt1"/>
+          </a:fontRef>
+        </p:style>
+        <p:txBody>
+          <a:bodyPr rtlCol="0" anchor="ctr"/>
+          <a:lstStyle/>
+          <a:p>
+            <a:pPr algn="ctr"/>
+            <a:r>
+              <a:rPr lang="vi-VN" sz="1200" dirty="0"/>
+              <a:t>Chọn K</a:t>
+            </a:r>
+          </a:p>
+        </p:txBody>
+      </p:sp>
+      <p:sp>
+        <p:nvSpPr>
+          <p:cNvPr id="16" name="Lưu đồ: Tiến trình 15">
+            <a:extLst>
+              <a:ext uri="{FF2B5EF4-FFF2-40B4-BE49-F238E27FC236}">
+                <a16:creationId xmlns:a16="http://schemas.microsoft.com/office/drawing/2014/main" id="{44708FA0-F25C-DDF4-9E83-F747843F7133}"/>
+              </a:ext>
+            </a:extLst>
+          </p:cNvPr>
+          <p:cNvSpPr/>
+          <p:nvPr/>
+        </p:nvSpPr>
+        <p:spPr>
+          <a:xfrm>
+            <a:off x="6248399" y="5023040"/>
+            <a:ext cx="1455683" cy="461665"/>
+          </a:xfrm>
+          <a:prstGeom prst="flowChartProcess">
+            <a:avLst/>
+          </a:prstGeom>
+        </p:spPr>
+        <p:style>
+          <a:lnRef idx="2">
+            <a:schemeClr val="accent1">
+              <a:shade val="15000"/>
+            </a:schemeClr>
+          </a:lnRef>
+          <a:fillRef idx="1">
+            <a:schemeClr val="accent1"/>
+          </a:fillRef>
+          <a:effectRef idx="0">
+            <a:schemeClr val="accent1"/>
+          </a:effectRef>
+          <a:fontRef idx="minor">
+            <a:schemeClr val="lt1"/>
+          </a:fontRef>
+        </p:style>
+        <p:txBody>
+          <a:bodyPr rtlCol="0" anchor="ctr"/>
+          <a:lstStyle/>
+          <a:p>
+            <a:pPr algn="ctr"/>
+            <a:r>
+              <a:rPr lang="vi-VN" sz="1100" dirty="0"/>
+              <a:t>Chuyển đổi dữ liệu lên không gian mới</a:t>
+            </a:r>
+          </a:p>
+        </p:txBody>
+      </p:sp>
+      <p:sp>
+        <p:nvSpPr>
+          <p:cNvPr id="17" name="Hình Bầu dục 16">
+            <a:extLst>
+              <a:ext uri="{FF2B5EF4-FFF2-40B4-BE49-F238E27FC236}">
+                <a16:creationId xmlns:a16="http://schemas.microsoft.com/office/drawing/2014/main" id="{F775D5B7-E242-BD8F-547B-24278C8EC94B}"/>
+              </a:ext>
+            </a:extLst>
+          </p:cNvPr>
+          <p:cNvSpPr/>
+          <p:nvPr/>
+        </p:nvSpPr>
+        <p:spPr>
+          <a:xfrm>
+            <a:off x="6211612" y="5663123"/>
+            <a:ext cx="1455683" cy="461665"/>
+          </a:xfrm>
+          <a:prstGeom prst="ellipse">
+            <a:avLst/>
+          </a:prstGeom>
+        </p:spPr>
+        <p:style>
+          <a:lnRef idx="2">
+            <a:schemeClr val="accent1">
+              <a:shade val="15000"/>
+            </a:schemeClr>
+          </a:lnRef>
+          <a:fillRef idx="1">
+            <a:schemeClr val="accent1"/>
+          </a:fillRef>
+          <a:effectRef idx="0">
+            <a:schemeClr val="accent1"/>
+          </a:effectRef>
+          <a:fontRef idx="minor">
+            <a:schemeClr val="lt1"/>
+          </a:fontRef>
+        </p:style>
+        <p:txBody>
+          <a:bodyPr rtlCol="0" anchor="ctr"/>
+          <a:lstStyle/>
+          <a:p>
+            <a:pPr algn="ctr"/>
+            <a:r>
+              <a:rPr lang="vi-VN" dirty="0"/>
+              <a:t>Kết thúc</a:t>
+            </a:r>
+          </a:p>
+        </p:txBody>
+      </p:sp>
+      <p:cxnSp>
+        <p:nvCxnSpPr>
+          <p:cNvPr id="18" name="Đường kết nối Mũi tên Thẳng 17">
+            <a:extLst>
+              <a:ext uri="{FF2B5EF4-FFF2-40B4-BE49-F238E27FC236}">
+                <a16:creationId xmlns:a16="http://schemas.microsoft.com/office/drawing/2014/main" id="{0CDBCBBB-254C-559B-483C-7DF67C07D19E}"/>
+              </a:ext>
+            </a:extLst>
+          </p:cNvPr>
+          <p:cNvCxnSpPr/>
+          <p:nvPr/>
+        </p:nvCxnSpPr>
+        <p:spPr>
+          <a:xfrm>
+            <a:off x="6978764" y="2208703"/>
+            <a:ext cx="2627" cy="257845"/>
+          </a:xfrm>
+          <a:prstGeom prst="straightConnector1">
+            <a:avLst/>
+          </a:prstGeom>
+          <a:ln>
+            <a:tailEnd type="triangle"/>
+          </a:ln>
+        </p:spPr>
+        <p:style>
+          <a:lnRef idx="1">
+            <a:schemeClr val="accent1"/>
+          </a:lnRef>
+          <a:fillRef idx="0">
+            <a:schemeClr val="accent1"/>
+          </a:fillRef>
+          <a:effectRef idx="0">
+            <a:schemeClr val="accent1"/>
+          </a:effectRef>
+          <a:fontRef idx="minor">
+            <a:schemeClr val="tx1"/>
+          </a:fontRef>
+        </p:style>
+      </p:cxnSp>
+      <p:cxnSp>
+        <p:nvCxnSpPr>
+          <p:cNvPr id="19" name="Đường kết nối Mũi tên Thẳng 18">
+            <a:extLst>
+              <a:ext uri="{FF2B5EF4-FFF2-40B4-BE49-F238E27FC236}">
+                <a16:creationId xmlns:a16="http://schemas.microsoft.com/office/drawing/2014/main" id="{A2604618-5618-3265-70D3-0A710BBC1B68}"/>
+              </a:ext>
+            </a:extLst>
+          </p:cNvPr>
+          <p:cNvCxnSpPr>
+            <a:cxnSpLocks/>
+          </p:cNvCxnSpPr>
+          <p:nvPr/>
+        </p:nvCxnSpPr>
+        <p:spPr>
+          <a:xfrm>
+            <a:off x="6981391" y="2854255"/>
+            <a:ext cx="2629" cy="246908"/>
+          </a:xfrm>
+          <a:prstGeom prst="straightConnector1">
+            <a:avLst/>
+          </a:prstGeom>
+          <a:ln>
+            <a:tailEnd type="triangle"/>
+          </a:ln>
+        </p:spPr>
+        <p:style>
+          <a:lnRef idx="1">
+            <a:schemeClr val="accent1"/>
+          </a:lnRef>
+          <a:fillRef idx="0">
+            <a:schemeClr val="accent1"/>
+          </a:fillRef>
+          <a:effectRef idx="0">
+            <a:schemeClr val="accent1"/>
+          </a:effectRef>
+          <a:fontRef idx="minor">
+            <a:schemeClr val="tx1"/>
+          </a:fontRef>
+        </p:style>
+      </p:cxnSp>
+      <p:cxnSp>
+        <p:nvCxnSpPr>
+          <p:cNvPr id="20" name="Đường kết nối Mũi tên Thẳng 19">
+            <a:extLst>
+              <a:ext uri="{FF2B5EF4-FFF2-40B4-BE49-F238E27FC236}">
+                <a16:creationId xmlns:a16="http://schemas.microsoft.com/office/drawing/2014/main" id="{0D5ECC86-75DD-3C40-373A-24270FA4FF47}"/>
+              </a:ext>
+            </a:extLst>
+          </p:cNvPr>
+          <p:cNvCxnSpPr/>
+          <p:nvPr/>
+        </p:nvCxnSpPr>
+        <p:spPr>
+          <a:xfrm>
+            <a:off x="6968553" y="3456393"/>
+            <a:ext cx="2627" cy="257845"/>
+          </a:xfrm>
+          <a:prstGeom prst="straightConnector1">
+            <a:avLst/>
+          </a:prstGeom>
+          <a:ln>
+            <a:tailEnd type="triangle"/>
+          </a:ln>
+        </p:spPr>
+        <p:style>
+          <a:lnRef idx="1">
+            <a:schemeClr val="accent1"/>
+          </a:lnRef>
+          <a:fillRef idx="0">
+            <a:schemeClr val="accent1"/>
+          </a:fillRef>
+          <a:effectRef idx="0">
+            <a:schemeClr val="accent1"/>
+          </a:effectRef>
+          <a:fontRef idx="minor">
+            <a:schemeClr val="tx1"/>
+          </a:fontRef>
+        </p:style>
+      </p:cxnSp>
+      <p:cxnSp>
+        <p:nvCxnSpPr>
+          <p:cNvPr id="21" name="Đường kết nối Mũi tên Thẳng 20">
+            <a:extLst>
+              <a:ext uri="{FF2B5EF4-FFF2-40B4-BE49-F238E27FC236}">
+                <a16:creationId xmlns:a16="http://schemas.microsoft.com/office/drawing/2014/main" id="{20E032A0-6412-3FFC-BC57-1A1776089FBF}"/>
+              </a:ext>
+            </a:extLst>
+          </p:cNvPr>
+          <p:cNvCxnSpPr/>
+          <p:nvPr/>
+        </p:nvCxnSpPr>
+        <p:spPr>
+          <a:xfrm>
+            <a:off x="6973613" y="4118835"/>
+            <a:ext cx="2627" cy="257845"/>
+          </a:xfrm>
+          <a:prstGeom prst="straightConnector1">
+            <a:avLst/>
+          </a:prstGeom>
+          <a:ln>
+            <a:tailEnd type="triangle"/>
+          </a:ln>
+        </p:spPr>
+        <p:style>
+          <a:lnRef idx="1">
+            <a:schemeClr val="accent1"/>
+          </a:lnRef>
+          <a:fillRef idx="0">
+            <a:schemeClr val="accent1"/>
+          </a:fillRef>
+          <a:effectRef idx="0">
+            <a:schemeClr val="accent1"/>
+          </a:effectRef>
+          <a:fontRef idx="minor">
+            <a:schemeClr val="tx1"/>
+          </a:fontRef>
+        </p:style>
+      </p:cxnSp>
+      <p:cxnSp>
+        <p:nvCxnSpPr>
+          <p:cNvPr id="22" name="Đường kết nối Mũi tên Thẳng 21">
+            <a:extLst>
+              <a:ext uri="{FF2B5EF4-FFF2-40B4-BE49-F238E27FC236}">
+                <a16:creationId xmlns:a16="http://schemas.microsoft.com/office/drawing/2014/main" id="{0CD8F41C-D201-E335-4B86-71468B37E1DE}"/>
+              </a:ext>
+            </a:extLst>
+          </p:cNvPr>
+          <p:cNvCxnSpPr>
+            <a:cxnSpLocks/>
+            <a:stCxn id="15" idx="2"/>
+            <a:endCxn id="16" idx="0"/>
+          </p:cNvCxnSpPr>
+          <p:nvPr/>
+        </p:nvCxnSpPr>
+        <p:spPr>
+          <a:xfrm flipH="1">
+            <a:off x="6976241" y="4838345"/>
+            <a:ext cx="1" cy="184695"/>
+          </a:xfrm>
+          <a:prstGeom prst="straightConnector1">
+            <a:avLst/>
+          </a:prstGeom>
+          <a:ln>
+            <a:tailEnd type="triangle"/>
+          </a:ln>
+        </p:spPr>
+        <p:style>
+          <a:lnRef idx="1">
+            <a:schemeClr val="accent1"/>
+          </a:lnRef>
+          <a:fillRef idx="0">
+            <a:schemeClr val="accent1"/>
+          </a:fillRef>
+          <a:effectRef idx="0">
+            <a:schemeClr val="accent1"/>
+          </a:effectRef>
+          <a:fontRef idx="minor">
+            <a:schemeClr val="tx1"/>
+          </a:fontRef>
+        </p:style>
+      </p:cxnSp>
+      <p:cxnSp>
+        <p:nvCxnSpPr>
+          <p:cNvPr id="25" name="Đường kết nối Mũi tên Thẳng 24">
+            <a:extLst>
+              <a:ext uri="{FF2B5EF4-FFF2-40B4-BE49-F238E27FC236}">
+                <a16:creationId xmlns:a16="http://schemas.microsoft.com/office/drawing/2014/main" id="{0E448566-D82E-E9AA-BBD5-7A7F0B5E4C88}"/>
+              </a:ext>
+            </a:extLst>
+          </p:cNvPr>
+          <p:cNvCxnSpPr>
+            <a:cxnSpLocks/>
+          </p:cNvCxnSpPr>
+          <p:nvPr/>
+        </p:nvCxnSpPr>
+        <p:spPr>
+          <a:xfrm>
+            <a:off x="6974956" y="5405278"/>
+            <a:ext cx="0" cy="257845"/>
+          </a:xfrm>
+          <a:prstGeom prst="straightConnector1">
+            <a:avLst/>
+          </a:prstGeom>
+          <a:ln>
+            <a:tailEnd type="triangle"/>
+          </a:ln>
+        </p:spPr>
+        <p:style>
+          <a:lnRef idx="1">
+            <a:schemeClr val="accent1"/>
+          </a:lnRef>
+          <a:fillRef idx="0">
+            <a:schemeClr val="accent1"/>
+          </a:fillRef>
+          <a:effectRef idx="0">
+            <a:schemeClr val="accent1"/>
+          </a:effectRef>
+          <a:fontRef idx="minor">
+            <a:schemeClr val="tx1"/>
+          </a:fontRef>
+        </p:style>
+      </p:cxnSp>
     </p:spTree>
     <p:extLst>
       <p:ext uri="{BB962C8B-B14F-4D97-AF65-F5344CB8AC3E}">

--- a/project/baitaplon/13_NguyenThanhDat211440519_baitaplon.pptx
+++ b/project/baitaplon/13_NguyenThanhDat211440519_baitaplon.pptx
@@ -5,7 +5,7 @@
     <p:sldMasterId id="2147483648" r:id="rId4"/>
   </p:sldMasterIdLst>
   <p:notesMasterIdLst>
-    <p:notesMasterId r:id="rId22"/>
+    <p:notesMasterId r:id="rId24"/>
   </p:notesMasterIdLst>
   <p:sldIdLst>
     <p:sldId id="256" r:id="rId5"/>
@@ -20,11 +20,13 @@
     <p:sldId id="312" r:id="rId14"/>
     <p:sldId id="313" r:id="rId15"/>
     <p:sldId id="294" r:id="rId16"/>
-    <p:sldId id="304" r:id="rId17"/>
-    <p:sldId id="315" r:id="rId18"/>
-    <p:sldId id="305" r:id="rId19"/>
-    <p:sldId id="307" r:id="rId20"/>
-    <p:sldId id="306" r:id="rId21"/>
+    <p:sldId id="317" r:id="rId17"/>
+    <p:sldId id="304" r:id="rId18"/>
+    <p:sldId id="315" r:id="rId19"/>
+    <p:sldId id="316" r:id="rId20"/>
+    <p:sldId id="305" r:id="rId21"/>
+    <p:sldId id="307" r:id="rId22"/>
+    <p:sldId id="306" r:id="rId23"/>
   </p:sldIdLst>
   <p:sldSz cx="9144000" cy="6858000" type="screen4x3"/>
   <p:notesSz cx="6735763" cy="9866313"/>
@@ -15772,6 +15774,54 @@
           </a:extLst>
         </p:spPr>
       </p:pic>
+      <p:sp>
+        <p:nvSpPr>
+          <p:cNvPr id="3" name="Hộp Văn bản 2">
+            <a:extLst>
+              <a:ext uri="{FF2B5EF4-FFF2-40B4-BE49-F238E27FC236}">
+                <a16:creationId xmlns:a16="http://schemas.microsoft.com/office/drawing/2014/main" id="{89B5C975-FE0E-44C1-E3D8-311D759AA872}"/>
+              </a:ext>
+            </a:extLst>
+          </p:cNvPr>
+          <p:cNvSpPr txBox="1"/>
+          <p:nvPr/>
+        </p:nvSpPr>
+        <p:spPr>
+          <a:xfrm>
+            <a:off x="5207876" y="4035972"/>
+            <a:ext cx="3573516" cy="1569660"/>
+          </a:xfrm>
+          <a:prstGeom prst="rect">
+            <a:avLst/>
+          </a:prstGeom>
+          <a:noFill/>
+        </p:spPr>
+        <p:txBody>
+          <a:bodyPr wrap="square" rtlCol="0">
+            <a:spAutoFit/>
+          </a:bodyPr>
+          <a:lstStyle/>
+          <a:p>
+            <a:r>
+              <a:rPr lang="vi-VN" sz="2400" dirty="0"/>
+              <a:t>- Lấy ra 300 ảnh từ mỗi thư mục cảm xúc để </a:t>
+            </a:r>
+            <a:r>
+              <a:rPr lang="vi-VN" sz="2400" dirty="0" err="1"/>
+              <a:t>training</a:t>
+            </a:r>
+            <a:r>
+              <a:rPr lang="vi-VN" sz="2400" dirty="0"/>
+              <a:t>, và 300 ảnh từ mỗi thư mục để </a:t>
+            </a:r>
+            <a:r>
+              <a:rPr lang="vi-VN" sz="2400" dirty="0" err="1"/>
+              <a:t>test</a:t>
+            </a:r>
+            <a:endParaRPr lang="vi-VN" sz="2400" dirty="0"/>
+          </a:p>
+        </p:txBody>
+      </p:sp>
     </p:spTree>
     <p:extLst>
       <p:ext uri="{BB962C8B-B14F-4D97-AF65-F5344CB8AC3E}">
@@ -15786,6 +15836,1077 @@
 </file>
 
 <file path=ppt/slides/slide13.xml><?xml version="1.0" encoding="utf-8"?>
+<p:sld xmlns:a="http://schemas.openxmlformats.org/drawingml/2006/main" xmlns:r="http://schemas.openxmlformats.org/officeDocument/2006/relationships" xmlns:p="http://schemas.openxmlformats.org/presentationml/2006/main">
+  <p:cSld>
+    <p:spTree>
+      <p:nvGrpSpPr>
+        <p:cNvPr id="1" name="">
+          <a:extLst>
+            <a:ext uri="{FF2B5EF4-FFF2-40B4-BE49-F238E27FC236}">
+              <a16:creationId xmlns:a16="http://schemas.microsoft.com/office/drawing/2014/main" id="{AA968B5D-42DB-CE92-6E3F-5A7E5721F4DC}"/>
+            </a:ext>
+          </a:extLst>
+        </p:cNvPr>
+        <p:cNvGrpSpPr/>
+        <p:nvPr/>
+      </p:nvGrpSpPr>
+      <p:grpSpPr>
+        <a:xfrm>
+          <a:off x="0" y="0"/>
+          <a:ext cx="0" cy="0"/>
+          <a:chOff x="0" y="0"/>
+          <a:chExt cx="0" cy="0"/>
+        </a:xfrm>
+      </p:grpSpPr>
+      <p:sp>
+        <p:nvSpPr>
+          <p:cNvPr id="2" name="Tiêu đề 1">
+            <a:extLst>
+              <a:ext uri="{FF2B5EF4-FFF2-40B4-BE49-F238E27FC236}">
+                <a16:creationId xmlns:a16="http://schemas.microsoft.com/office/drawing/2014/main" id="{BE7C5111-690B-C0F5-61DE-FC58C59952DD}"/>
+              </a:ext>
+            </a:extLst>
+          </p:cNvPr>
+          <p:cNvSpPr>
+            <a:spLocks noGrp="1"/>
+          </p:cNvSpPr>
+          <p:nvPr>
+            <p:ph type="ctrTitle"/>
+          </p:nvPr>
+        </p:nvSpPr>
+        <p:spPr>
+          <a:xfrm>
+            <a:off x="212835" y="256299"/>
+            <a:ext cx="3812627" cy="605549"/>
+          </a:xfrm>
+        </p:spPr>
+        <p:txBody>
+          <a:bodyPr/>
+          <a:lstStyle/>
+          <a:p>
+            <a:pPr marL="50800"/>
+            <a:r>
+              <a:rPr lang="vi-VN" sz="3200" dirty="0">
+                <a:solidFill>
+                  <a:schemeClr val="bg1"/>
+                </a:solidFill>
+              </a:rPr>
+              <a:t>3. Khảo sát, đánh giá</a:t>
+            </a:r>
+          </a:p>
+        </p:txBody>
+      </p:sp>
+      <p:sp>
+        <p:nvSpPr>
+          <p:cNvPr id="4" name="Chỗ dành sẵn cho Số hiệu Bản chiếu 3">
+            <a:extLst>
+              <a:ext uri="{FF2B5EF4-FFF2-40B4-BE49-F238E27FC236}">
+                <a16:creationId xmlns:a16="http://schemas.microsoft.com/office/drawing/2014/main" id="{47D200C2-F03D-ECE7-4241-9D627A21DF4A}"/>
+              </a:ext>
+            </a:extLst>
+          </p:cNvPr>
+          <p:cNvSpPr>
+            <a:spLocks noGrp="1"/>
+          </p:cNvSpPr>
+          <p:nvPr>
+            <p:ph type="sldNum" idx="12"/>
+          </p:nvPr>
+        </p:nvSpPr>
+        <p:spPr/>
+        <p:txBody>
+          <a:bodyPr/>
+          <a:lstStyle/>
+          <a:p>
+            <a:pPr marL="0" lvl="0" indent="0" algn="r" rtl="0">
+              <a:spcBef>
+                <a:spcPts val="0"/>
+              </a:spcBef>
+              <a:spcAft>
+                <a:spcPts val="0"/>
+              </a:spcAft>
+              <a:buNone/>
+            </a:pPr>
+            <a:fld id="{00000000-1234-1234-1234-123412341234}" type="slidenum">
+              <a:rPr lang="en-US" smtClean="0"/>
+              <a:t>13</a:t>
+            </a:fld>
+            <a:endParaRPr lang="en-US"/>
+          </a:p>
+        </p:txBody>
+      </p:sp>
+      <p:pic>
+        <p:nvPicPr>
+          <p:cNvPr id="1026" name="Picture 2">
+            <a:extLst>
+              <a:ext uri="{FF2B5EF4-FFF2-40B4-BE49-F238E27FC236}">
+                <a16:creationId xmlns:a16="http://schemas.microsoft.com/office/drawing/2014/main" id="{B4550766-A523-583A-0474-7975D30EAE62}"/>
+              </a:ext>
+            </a:extLst>
+          </p:cNvPr>
+          <p:cNvPicPr>
+            <a:picLocks noChangeAspect="1" noChangeArrowheads="1"/>
+          </p:cNvPicPr>
+          <p:nvPr/>
+        </p:nvPicPr>
+        <p:blipFill>
+          <a:blip r:embed="rId2">
+            <a:extLst>
+              <a:ext uri="{28A0092B-C50C-407E-A947-70E740481C1C}">
+                <a14:useLocalDpi xmlns:a14="http://schemas.microsoft.com/office/drawing/2010/main" val="0"/>
+              </a:ext>
+            </a:extLst>
+          </a:blip>
+          <a:srcRect/>
+          <a:stretch>
+            <a:fillRect/>
+          </a:stretch>
+        </p:blipFill>
+        <p:spPr bwMode="auto">
+          <a:xfrm>
+            <a:off x="212835" y="1355801"/>
+            <a:ext cx="1079938" cy="1079938"/>
+          </a:xfrm>
+          <a:prstGeom prst="rect">
+            <a:avLst/>
+          </a:prstGeom>
+          <a:noFill/>
+          <a:extLst>
+            <a:ext uri="{909E8E84-426E-40DD-AFC4-6F175D3DCCD1}">
+              <a14:hiddenFill xmlns:a14="http://schemas.microsoft.com/office/drawing/2010/main">
+                <a:solidFill>
+                  <a:srgbClr val="FFFFFF"/>
+                </a:solidFill>
+              </a14:hiddenFill>
+            </a:ext>
+          </a:extLst>
+        </p:spPr>
+      </p:pic>
+      <p:sp>
+        <p:nvSpPr>
+          <p:cNvPr id="9" name="Hộp Văn bản 8">
+            <a:extLst>
+              <a:ext uri="{FF2B5EF4-FFF2-40B4-BE49-F238E27FC236}">
+                <a16:creationId xmlns:a16="http://schemas.microsoft.com/office/drawing/2014/main" id="{DA1F43C7-45C1-2268-2250-26401EA6DDF1}"/>
+              </a:ext>
+            </a:extLst>
+          </p:cNvPr>
+          <p:cNvSpPr txBox="1"/>
+          <p:nvPr/>
+        </p:nvSpPr>
+        <p:spPr>
+          <a:xfrm>
+            <a:off x="1103587" y="2648043"/>
+            <a:ext cx="739666" cy="307777"/>
+          </a:xfrm>
+          <a:prstGeom prst="rect">
+            <a:avLst/>
+          </a:prstGeom>
+          <a:noFill/>
+        </p:spPr>
+        <p:txBody>
+          <a:bodyPr wrap="square" rtlCol="0">
+            <a:spAutoFit/>
+          </a:bodyPr>
+          <a:lstStyle/>
+          <a:p>
+            <a:r>
+              <a:rPr lang="vi-VN" b="1" dirty="0" err="1"/>
+              <a:t>Angry</a:t>
+            </a:r>
+            <a:endParaRPr lang="vi-VN" b="1" dirty="0"/>
+          </a:p>
+        </p:txBody>
+      </p:sp>
+      <p:pic>
+        <p:nvPicPr>
+          <p:cNvPr id="1028" name="Picture 4">
+            <a:extLst>
+              <a:ext uri="{FF2B5EF4-FFF2-40B4-BE49-F238E27FC236}">
+                <a16:creationId xmlns:a16="http://schemas.microsoft.com/office/drawing/2014/main" id="{071756C7-41C8-9436-1250-83909BFF368B}"/>
+              </a:ext>
+            </a:extLst>
+          </p:cNvPr>
+          <p:cNvPicPr>
+            <a:picLocks noChangeAspect="1" noChangeArrowheads="1"/>
+          </p:cNvPicPr>
+          <p:nvPr/>
+        </p:nvPicPr>
+        <p:blipFill>
+          <a:blip r:embed="rId3">
+            <a:extLst>
+              <a:ext uri="{28A0092B-C50C-407E-A947-70E740481C1C}">
+                <a14:useLocalDpi xmlns:a14="http://schemas.microsoft.com/office/drawing/2010/main" val="0"/>
+              </a:ext>
+            </a:extLst>
+          </a:blip>
+          <a:srcRect/>
+          <a:stretch>
+            <a:fillRect/>
+          </a:stretch>
+        </p:blipFill>
+        <p:spPr bwMode="auto">
+          <a:xfrm>
+            <a:off x="1579179" y="1355801"/>
+            <a:ext cx="1079938" cy="1079938"/>
+          </a:xfrm>
+          <a:prstGeom prst="rect">
+            <a:avLst/>
+          </a:prstGeom>
+          <a:noFill/>
+          <a:extLst>
+            <a:ext uri="{909E8E84-426E-40DD-AFC4-6F175D3DCCD1}">
+              <a14:hiddenFill xmlns:a14="http://schemas.microsoft.com/office/drawing/2010/main">
+                <a:solidFill>
+                  <a:srgbClr val="FFFFFF"/>
+                </a:solidFill>
+              </a14:hiddenFill>
+            </a:ext>
+          </a:extLst>
+        </p:spPr>
+      </p:pic>
+      <p:pic>
+        <p:nvPicPr>
+          <p:cNvPr id="2050" name="Picture 2">
+            <a:extLst>
+              <a:ext uri="{FF2B5EF4-FFF2-40B4-BE49-F238E27FC236}">
+                <a16:creationId xmlns:a16="http://schemas.microsoft.com/office/drawing/2014/main" id="{511D1419-034E-81F0-87ED-062A67459183}"/>
+              </a:ext>
+            </a:extLst>
+          </p:cNvPr>
+          <p:cNvPicPr>
+            <a:picLocks noChangeAspect="1" noChangeArrowheads="1"/>
+          </p:cNvPicPr>
+          <p:nvPr/>
+        </p:nvPicPr>
+        <p:blipFill>
+          <a:blip r:embed="rId4">
+            <a:extLst>
+              <a:ext uri="{28A0092B-C50C-407E-A947-70E740481C1C}">
+                <a14:useLocalDpi xmlns:a14="http://schemas.microsoft.com/office/drawing/2010/main" val="0"/>
+              </a:ext>
+            </a:extLst>
+          </a:blip>
+          <a:srcRect/>
+          <a:stretch>
+            <a:fillRect/>
+          </a:stretch>
+        </p:blipFill>
+        <p:spPr bwMode="auto">
+          <a:xfrm>
+            <a:off x="2945523" y="1355801"/>
+            <a:ext cx="1079939" cy="1079939"/>
+          </a:xfrm>
+          <a:prstGeom prst="rect">
+            <a:avLst/>
+          </a:prstGeom>
+          <a:noFill/>
+          <a:extLst>
+            <a:ext uri="{909E8E84-426E-40DD-AFC4-6F175D3DCCD1}">
+              <a14:hiddenFill xmlns:a14="http://schemas.microsoft.com/office/drawing/2010/main">
+                <a:solidFill>
+                  <a:srgbClr val="FFFFFF"/>
+                </a:solidFill>
+              </a14:hiddenFill>
+            </a:ext>
+          </a:extLst>
+        </p:spPr>
+      </p:pic>
+      <p:sp>
+        <p:nvSpPr>
+          <p:cNvPr id="5" name="Hộp Văn bản 4">
+            <a:extLst>
+              <a:ext uri="{FF2B5EF4-FFF2-40B4-BE49-F238E27FC236}">
+                <a16:creationId xmlns:a16="http://schemas.microsoft.com/office/drawing/2014/main" id="{2A3074A9-32EB-3E50-16E6-440A78F8894E}"/>
+              </a:ext>
+            </a:extLst>
+          </p:cNvPr>
+          <p:cNvSpPr txBox="1"/>
+          <p:nvPr/>
+        </p:nvSpPr>
+        <p:spPr>
+          <a:xfrm>
+            <a:off x="3655628" y="2640527"/>
+            <a:ext cx="916371" cy="307777"/>
+          </a:xfrm>
+          <a:prstGeom prst="rect">
+            <a:avLst/>
+          </a:prstGeom>
+          <a:noFill/>
+        </p:spPr>
+        <p:txBody>
+          <a:bodyPr wrap="square" rtlCol="0">
+            <a:spAutoFit/>
+          </a:bodyPr>
+          <a:lstStyle/>
+          <a:p>
+            <a:r>
+              <a:rPr lang="vi-VN" b="1" dirty="0" err="1"/>
+              <a:t>Disgust</a:t>
+            </a:r>
+            <a:endParaRPr lang="vi-VN" b="1" dirty="0"/>
+          </a:p>
+        </p:txBody>
+      </p:sp>
+      <p:pic>
+        <p:nvPicPr>
+          <p:cNvPr id="2054" name="Picture 6">
+            <a:extLst>
+              <a:ext uri="{FF2B5EF4-FFF2-40B4-BE49-F238E27FC236}">
+                <a16:creationId xmlns:a16="http://schemas.microsoft.com/office/drawing/2014/main" id="{7C904647-8B7A-1BCC-42B5-74CED4CA9C83}"/>
+              </a:ext>
+            </a:extLst>
+          </p:cNvPr>
+          <p:cNvPicPr>
+            <a:picLocks noChangeAspect="1" noChangeArrowheads="1"/>
+          </p:cNvPicPr>
+          <p:nvPr/>
+        </p:nvPicPr>
+        <p:blipFill>
+          <a:blip r:embed="rId5">
+            <a:extLst>
+              <a:ext uri="{28A0092B-C50C-407E-A947-70E740481C1C}">
+                <a14:useLocalDpi xmlns:a14="http://schemas.microsoft.com/office/drawing/2010/main" val="0"/>
+              </a:ext>
+            </a:extLst>
+          </a:blip>
+          <a:srcRect/>
+          <a:stretch>
+            <a:fillRect/>
+          </a:stretch>
+        </p:blipFill>
+        <p:spPr bwMode="auto">
+          <a:xfrm>
+            <a:off x="4311867" y="1355801"/>
+            <a:ext cx="1090448" cy="1090448"/>
+          </a:xfrm>
+          <a:prstGeom prst="rect">
+            <a:avLst/>
+          </a:prstGeom>
+          <a:noFill/>
+          <a:extLst>
+            <a:ext uri="{909E8E84-426E-40DD-AFC4-6F175D3DCCD1}">
+              <a14:hiddenFill xmlns:a14="http://schemas.microsoft.com/office/drawing/2010/main">
+                <a:solidFill>
+                  <a:srgbClr val="FFFFFF"/>
+                </a:solidFill>
+              </a14:hiddenFill>
+            </a:ext>
+          </a:extLst>
+        </p:spPr>
+      </p:pic>
+      <p:pic>
+        <p:nvPicPr>
+          <p:cNvPr id="2056" name="Picture 8">
+            <a:extLst>
+              <a:ext uri="{FF2B5EF4-FFF2-40B4-BE49-F238E27FC236}">
+                <a16:creationId xmlns:a16="http://schemas.microsoft.com/office/drawing/2014/main" id="{B8DA9805-EFDF-C4C1-420C-87B22E439FD0}"/>
+              </a:ext>
+            </a:extLst>
+          </p:cNvPr>
+          <p:cNvPicPr>
+            <a:picLocks noChangeAspect="1" noChangeArrowheads="1"/>
+          </p:cNvPicPr>
+          <p:nvPr/>
+        </p:nvPicPr>
+        <p:blipFill>
+          <a:blip r:embed="rId6">
+            <a:extLst>
+              <a:ext uri="{28A0092B-C50C-407E-A947-70E740481C1C}">
+                <a14:useLocalDpi xmlns:a14="http://schemas.microsoft.com/office/drawing/2010/main" val="0"/>
+              </a:ext>
+            </a:extLst>
+          </a:blip>
+          <a:srcRect/>
+          <a:stretch>
+            <a:fillRect/>
+          </a:stretch>
+        </p:blipFill>
+        <p:spPr bwMode="auto">
+          <a:xfrm>
+            <a:off x="257503" y="3121223"/>
+            <a:ext cx="1079938" cy="1079938"/>
+          </a:xfrm>
+          <a:prstGeom prst="rect">
+            <a:avLst/>
+          </a:prstGeom>
+          <a:noFill/>
+          <a:extLst>
+            <a:ext uri="{909E8E84-426E-40DD-AFC4-6F175D3DCCD1}">
+              <a14:hiddenFill xmlns:a14="http://schemas.microsoft.com/office/drawing/2010/main">
+                <a:solidFill>
+                  <a:srgbClr val="FFFFFF"/>
+                </a:solidFill>
+              </a14:hiddenFill>
+            </a:ext>
+          </a:extLst>
+        </p:spPr>
+      </p:pic>
+      <p:pic>
+        <p:nvPicPr>
+          <p:cNvPr id="2058" name="Picture 10">
+            <a:extLst>
+              <a:ext uri="{FF2B5EF4-FFF2-40B4-BE49-F238E27FC236}">
+                <a16:creationId xmlns:a16="http://schemas.microsoft.com/office/drawing/2014/main" id="{D2465CD9-A86C-B767-8B9E-AE5CDB31DDA4}"/>
+              </a:ext>
+            </a:extLst>
+          </p:cNvPr>
+          <p:cNvPicPr>
+            <a:picLocks noChangeAspect="1" noChangeArrowheads="1"/>
+          </p:cNvPicPr>
+          <p:nvPr/>
+        </p:nvPicPr>
+        <p:blipFill>
+          <a:blip r:embed="rId7">
+            <a:extLst>
+              <a:ext uri="{28A0092B-C50C-407E-A947-70E740481C1C}">
+                <a14:useLocalDpi xmlns:a14="http://schemas.microsoft.com/office/drawing/2010/main" val="0"/>
+              </a:ext>
+            </a:extLst>
+          </a:blip>
+          <a:srcRect/>
+          <a:stretch>
+            <a:fillRect/>
+          </a:stretch>
+        </p:blipFill>
+        <p:spPr bwMode="auto">
+          <a:xfrm>
+            <a:off x="1579179" y="3121223"/>
+            <a:ext cx="1079938" cy="1079938"/>
+          </a:xfrm>
+          <a:prstGeom prst="rect">
+            <a:avLst/>
+          </a:prstGeom>
+          <a:noFill/>
+          <a:extLst>
+            <a:ext uri="{909E8E84-426E-40DD-AFC4-6F175D3DCCD1}">
+              <a14:hiddenFill xmlns:a14="http://schemas.microsoft.com/office/drawing/2010/main">
+                <a:solidFill>
+                  <a:srgbClr val="FFFFFF"/>
+                </a:solidFill>
+              </a14:hiddenFill>
+            </a:ext>
+          </a:extLst>
+        </p:spPr>
+      </p:pic>
+      <p:pic>
+        <p:nvPicPr>
+          <p:cNvPr id="2060" name="Picture 12">
+            <a:extLst>
+              <a:ext uri="{FF2B5EF4-FFF2-40B4-BE49-F238E27FC236}">
+                <a16:creationId xmlns:a16="http://schemas.microsoft.com/office/drawing/2014/main" id="{E5ED9286-45D6-637F-5A06-EB378AB1EFAD}"/>
+              </a:ext>
+            </a:extLst>
+          </p:cNvPr>
+          <p:cNvPicPr>
+            <a:picLocks noChangeAspect="1" noChangeArrowheads="1"/>
+          </p:cNvPicPr>
+          <p:nvPr/>
+        </p:nvPicPr>
+        <p:blipFill>
+          <a:blip r:embed="rId8">
+            <a:extLst>
+              <a:ext uri="{28A0092B-C50C-407E-A947-70E740481C1C}">
+                <a14:useLocalDpi xmlns:a14="http://schemas.microsoft.com/office/drawing/2010/main" val="0"/>
+              </a:ext>
+            </a:extLst>
+          </a:blip>
+          <a:srcRect/>
+          <a:stretch>
+            <a:fillRect/>
+          </a:stretch>
+        </p:blipFill>
+        <p:spPr bwMode="auto">
+          <a:xfrm>
+            <a:off x="2945523" y="3153091"/>
+            <a:ext cx="1079938" cy="1079938"/>
+          </a:xfrm>
+          <a:prstGeom prst="rect">
+            <a:avLst/>
+          </a:prstGeom>
+          <a:noFill/>
+          <a:extLst>
+            <a:ext uri="{909E8E84-426E-40DD-AFC4-6F175D3DCCD1}">
+              <a14:hiddenFill xmlns:a14="http://schemas.microsoft.com/office/drawing/2010/main">
+                <a:solidFill>
+                  <a:srgbClr val="FFFFFF"/>
+                </a:solidFill>
+              </a14:hiddenFill>
+            </a:ext>
+          </a:extLst>
+        </p:spPr>
+      </p:pic>
+      <p:sp>
+        <p:nvSpPr>
+          <p:cNvPr id="7" name="Hộp Văn bản 6">
+            <a:extLst>
+              <a:ext uri="{FF2B5EF4-FFF2-40B4-BE49-F238E27FC236}">
+                <a16:creationId xmlns:a16="http://schemas.microsoft.com/office/drawing/2014/main" id="{5B699B90-57BE-CB26-7F5D-C56951934C10}"/>
+              </a:ext>
+            </a:extLst>
+          </p:cNvPr>
+          <p:cNvSpPr txBox="1"/>
+          <p:nvPr/>
+        </p:nvSpPr>
+        <p:spPr>
+          <a:xfrm>
+            <a:off x="1103587" y="4371650"/>
+            <a:ext cx="739666" cy="307777"/>
+          </a:xfrm>
+          <a:prstGeom prst="rect">
+            <a:avLst/>
+          </a:prstGeom>
+          <a:noFill/>
+        </p:spPr>
+        <p:txBody>
+          <a:bodyPr wrap="square" rtlCol="0">
+            <a:spAutoFit/>
+          </a:bodyPr>
+          <a:lstStyle/>
+          <a:p>
+            <a:pPr algn="ctr"/>
+            <a:r>
+              <a:rPr lang="vi-VN" b="1" dirty="0" err="1"/>
+              <a:t>Fear</a:t>
+            </a:r>
+            <a:endParaRPr lang="vi-VN" b="1" dirty="0"/>
+          </a:p>
+        </p:txBody>
+      </p:sp>
+      <p:pic>
+        <p:nvPicPr>
+          <p:cNvPr id="2062" name="Picture 14">
+            <a:extLst>
+              <a:ext uri="{FF2B5EF4-FFF2-40B4-BE49-F238E27FC236}">
+                <a16:creationId xmlns:a16="http://schemas.microsoft.com/office/drawing/2014/main" id="{98968E92-C7D3-7762-5333-4C6A2DAEAEAC}"/>
+              </a:ext>
+            </a:extLst>
+          </p:cNvPr>
+          <p:cNvPicPr>
+            <a:picLocks noChangeAspect="1" noChangeArrowheads="1"/>
+          </p:cNvPicPr>
+          <p:nvPr/>
+        </p:nvPicPr>
+        <p:blipFill>
+          <a:blip r:embed="rId9">
+            <a:extLst>
+              <a:ext uri="{28A0092B-C50C-407E-A947-70E740481C1C}">
+                <a14:useLocalDpi xmlns:a14="http://schemas.microsoft.com/office/drawing/2010/main" val="0"/>
+              </a:ext>
+            </a:extLst>
+          </a:blip>
+          <a:srcRect/>
+          <a:stretch>
+            <a:fillRect/>
+          </a:stretch>
+        </p:blipFill>
+        <p:spPr bwMode="auto">
+          <a:xfrm>
+            <a:off x="4343399" y="3121223"/>
+            <a:ext cx="1058916" cy="1058916"/>
+          </a:xfrm>
+          <a:prstGeom prst="rect">
+            <a:avLst/>
+          </a:prstGeom>
+          <a:noFill/>
+          <a:extLst>
+            <a:ext uri="{909E8E84-426E-40DD-AFC4-6F175D3DCCD1}">
+              <a14:hiddenFill xmlns:a14="http://schemas.microsoft.com/office/drawing/2010/main">
+                <a:solidFill>
+                  <a:srgbClr val="FFFFFF"/>
+                </a:solidFill>
+              </a14:hiddenFill>
+            </a:ext>
+          </a:extLst>
+        </p:spPr>
+      </p:pic>
+      <p:sp>
+        <p:nvSpPr>
+          <p:cNvPr id="10" name="Hộp Văn bản 9">
+            <a:extLst>
+              <a:ext uri="{FF2B5EF4-FFF2-40B4-BE49-F238E27FC236}">
+                <a16:creationId xmlns:a16="http://schemas.microsoft.com/office/drawing/2014/main" id="{4CC776FF-D03F-875C-95C3-0838ADBEE1B0}"/>
+              </a:ext>
+            </a:extLst>
+          </p:cNvPr>
+          <p:cNvSpPr txBox="1"/>
+          <p:nvPr/>
+        </p:nvSpPr>
+        <p:spPr>
+          <a:xfrm>
+            <a:off x="3752193" y="4371650"/>
+            <a:ext cx="739666" cy="307777"/>
+          </a:xfrm>
+          <a:prstGeom prst="rect">
+            <a:avLst/>
+          </a:prstGeom>
+          <a:noFill/>
+        </p:spPr>
+        <p:txBody>
+          <a:bodyPr wrap="square" rtlCol="0">
+            <a:spAutoFit/>
+          </a:bodyPr>
+          <a:lstStyle/>
+          <a:p>
+            <a:r>
+              <a:rPr lang="vi-VN" b="1" dirty="0" err="1"/>
+              <a:t>Happy</a:t>
+            </a:r>
+            <a:endParaRPr lang="vi-VN" b="1" dirty="0"/>
+          </a:p>
+        </p:txBody>
+      </p:sp>
+      <p:pic>
+        <p:nvPicPr>
+          <p:cNvPr id="2064" name="Picture 16">
+            <a:extLst>
+              <a:ext uri="{FF2B5EF4-FFF2-40B4-BE49-F238E27FC236}">
+                <a16:creationId xmlns:a16="http://schemas.microsoft.com/office/drawing/2014/main" id="{CDBC0CC8-4F5D-1FC2-9B74-1720A688EBEF}"/>
+              </a:ext>
+            </a:extLst>
+          </p:cNvPr>
+          <p:cNvPicPr>
+            <a:picLocks noChangeAspect="1" noChangeArrowheads="1"/>
+          </p:cNvPicPr>
+          <p:nvPr/>
+        </p:nvPicPr>
+        <p:blipFill>
+          <a:blip r:embed="rId10">
+            <a:extLst>
+              <a:ext uri="{28A0092B-C50C-407E-A947-70E740481C1C}">
+                <a14:useLocalDpi xmlns:a14="http://schemas.microsoft.com/office/drawing/2010/main" val="0"/>
+              </a:ext>
+            </a:extLst>
+          </a:blip>
+          <a:srcRect/>
+          <a:stretch>
+            <a:fillRect/>
+          </a:stretch>
+        </p:blipFill>
+        <p:spPr bwMode="auto">
+          <a:xfrm>
+            <a:off x="6182712" y="1387334"/>
+            <a:ext cx="1058915" cy="1058915"/>
+          </a:xfrm>
+          <a:prstGeom prst="rect">
+            <a:avLst/>
+          </a:prstGeom>
+          <a:noFill/>
+          <a:extLst>
+            <a:ext uri="{909E8E84-426E-40DD-AFC4-6F175D3DCCD1}">
+              <a14:hiddenFill xmlns:a14="http://schemas.microsoft.com/office/drawing/2010/main">
+                <a:solidFill>
+                  <a:srgbClr val="FFFFFF"/>
+                </a:solidFill>
+              </a14:hiddenFill>
+            </a:ext>
+          </a:extLst>
+        </p:spPr>
+      </p:pic>
+      <p:pic>
+        <p:nvPicPr>
+          <p:cNvPr id="2066" name="Picture 18">
+            <a:extLst>
+              <a:ext uri="{FF2B5EF4-FFF2-40B4-BE49-F238E27FC236}">
+                <a16:creationId xmlns:a16="http://schemas.microsoft.com/office/drawing/2014/main" id="{F8F51C2D-87AF-9A3D-F603-AE314B51E27F}"/>
+              </a:ext>
+            </a:extLst>
+          </p:cNvPr>
+          <p:cNvPicPr>
+            <a:picLocks noChangeAspect="1" noChangeArrowheads="1"/>
+          </p:cNvPicPr>
+          <p:nvPr/>
+        </p:nvPicPr>
+        <p:blipFill>
+          <a:blip r:embed="rId11">
+            <a:extLst>
+              <a:ext uri="{28A0092B-C50C-407E-A947-70E740481C1C}">
+                <a14:useLocalDpi xmlns:a14="http://schemas.microsoft.com/office/drawing/2010/main" val="0"/>
+              </a:ext>
+            </a:extLst>
+          </a:blip>
+          <a:srcRect/>
+          <a:stretch>
+            <a:fillRect/>
+          </a:stretch>
+        </p:blipFill>
+        <p:spPr bwMode="auto">
+          <a:xfrm>
+            <a:off x="7510954" y="1376824"/>
+            <a:ext cx="1058915" cy="1058915"/>
+          </a:xfrm>
+          <a:prstGeom prst="rect">
+            <a:avLst/>
+          </a:prstGeom>
+          <a:noFill/>
+          <a:extLst>
+            <a:ext uri="{909E8E84-426E-40DD-AFC4-6F175D3DCCD1}">
+              <a14:hiddenFill xmlns:a14="http://schemas.microsoft.com/office/drawing/2010/main">
+                <a:solidFill>
+                  <a:srgbClr val="FFFFFF"/>
+                </a:solidFill>
+              </a14:hiddenFill>
+            </a:ext>
+          </a:extLst>
+        </p:spPr>
+      </p:pic>
+      <p:sp>
+        <p:nvSpPr>
+          <p:cNvPr id="11" name="Hộp Văn bản 10">
+            <a:extLst>
+              <a:ext uri="{FF2B5EF4-FFF2-40B4-BE49-F238E27FC236}">
+                <a16:creationId xmlns:a16="http://schemas.microsoft.com/office/drawing/2014/main" id="{C3898183-82CC-E0A6-EAFB-E7CC9B78FE10}"/>
+              </a:ext>
+            </a:extLst>
+          </p:cNvPr>
+          <p:cNvSpPr txBox="1"/>
+          <p:nvPr/>
+        </p:nvSpPr>
+        <p:spPr>
+          <a:xfrm>
+            <a:off x="6852744" y="2640526"/>
+            <a:ext cx="1187668" cy="307777"/>
+          </a:xfrm>
+          <a:prstGeom prst="rect">
+            <a:avLst/>
+          </a:prstGeom>
+          <a:noFill/>
+        </p:spPr>
+        <p:txBody>
+          <a:bodyPr wrap="square" rtlCol="0">
+            <a:spAutoFit/>
+          </a:bodyPr>
+          <a:lstStyle/>
+          <a:p>
+            <a:pPr algn="ctr"/>
+            <a:r>
+              <a:rPr lang="vi-VN" b="1" dirty="0" err="1"/>
+              <a:t>Neutral</a:t>
+            </a:r>
+            <a:endParaRPr lang="vi-VN" b="1" dirty="0"/>
+          </a:p>
+        </p:txBody>
+      </p:sp>
+      <p:pic>
+        <p:nvPicPr>
+          <p:cNvPr id="2068" name="Picture 20">
+            <a:extLst>
+              <a:ext uri="{FF2B5EF4-FFF2-40B4-BE49-F238E27FC236}">
+                <a16:creationId xmlns:a16="http://schemas.microsoft.com/office/drawing/2014/main" id="{996C035D-45CE-BFE1-77B8-1A6C9BA5E6A9}"/>
+              </a:ext>
+            </a:extLst>
+          </p:cNvPr>
+          <p:cNvPicPr>
+            <a:picLocks noChangeAspect="1" noChangeArrowheads="1"/>
+          </p:cNvPicPr>
+          <p:nvPr/>
+        </p:nvPicPr>
+        <p:blipFill>
+          <a:blip r:embed="rId12">
+            <a:extLst>
+              <a:ext uri="{28A0092B-C50C-407E-A947-70E740481C1C}">
+                <a14:useLocalDpi xmlns:a14="http://schemas.microsoft.com/office/drawing/2010/main" val="0"/>
+              </a:ext>
+            </a:extLst>
+          </a:blip>
+          <a:srcRect/>
+          <a:stretch>
+            <a:fillRect/>
+          </a:stretch>
+        </p:blipFill>
+        <p:spPr bwMode="auto">
+          <a:xfrm>
+            <a:off x="6151179" y="3121223"/>
+            <a:ext cx="1090448" cy="1090448"/>
+          </a:xfrm>
+          <a:prstGeom prst="rect">
+            <a:avLst/>
+          </a:prstGeom>
+          <a:noFill/>
+          <a:extLst>
+            <a:ext uri="{909E8E84-426E-40DD-AFC4-6F175D3DCCD1}">
+              <a14:hiddenFill xmlns:a14="http://schemas.microsoft.com/office/drawing/2010/main">
+                <a:solidFill>
+                  <a:srgbClr val="FFFFFF"/>
+                </a:solidFill>
+              </a14:hiddenFill>
+            </a:ext>
+          </a:extLst>
+        </p:spPr>
+      </p:pic>
+      <p:pic>
+        <p:nvPicPr>
+          <p:cNvPr id="2070" name="Picture 22">
+            <a:extLst>
+              <a:ext uri="{FF2B5EF4-FFF2-40B4-BE49-F238E27FC236}">
+                <a16:creationId xmlns:a16="http://schemas.microsoft.com/office/drawing/2014/main" id="{D83DEDB4-E3B3-BDFB-44EB-44AAEE905249}"/>
+              </a:ext>
+            </a:extLst>
+          </p:cNvPr>
+          <p:cNvPicPr>
+            <a:picLocks noChangeAspect="1" noChangeArrowheads="1"/>
+          </p:cNvPicPr>
+          <p:nvPr/>
+        </p:nvPicPr>
+        <p:blipFill>
+          <a:blip r:embed="rId13">
+            <a:extLst>
+              <a:ext uri="{28A0092B-C50C-407E-A947-70E740481C1C}">
+                <a14:useLocalDpi xmlns:a14="http://schemas.microsoft.com/office/drawing/2010/main" val="0"/>
+              </a:ext>
+            </a:extLst>
+          </a:blip>
+          <a:srcRect/>
+          <a:stretch>
+            <a:fillRect/>
+          </a:stretch>
+        </p:blipFill>
+        <p:spPr bwMode="auto">
+          <a:xfrm>
+            <a:off x="7510955" y="3121224"/>
+            <a:ext cx="1058915" cy="1058915"/>
+          </a:xfrm>
+          <a:prstGeom prst="rect">
+            <a:avLst/>
+          </a:prstGeom>
+          <a:noFill/>
+          <a:extLst>
+            <a:ext uri="{909E8E84-426E-40DD-AFC4-6F175D3DCCD1}">
+              <a14:hiddenFill xmlns:a14="http://schemas.microsoft.com/office/drawing/2010/main">
+                <a:solidFill>
+                  <a:srgbClr val="FFFFFF"/>
+                </a:solidFill>
+              </a14:hiddenFill>
+            </a:ext>
+          </a:extLst>
+        </p:spPr>
+      </p:pic>
+      <p:sp>
+        <p:nvSpPr>
+          <p:cNvPr id="12" name="Hộp Văn bản 11">
+            <a:extLst>
+              <a:ext uri="{FF2B5EF4-FFF2-40B4-BE49-F238E27FC236}">
+                <a16:creationId xmlns:a16="http://schemas.microsoft.com/office/drawing/2014/main" id="{4F72B1ED-7D9D-A16B-8B2C-47FFC9A2BD6A}"/>
+              </a:ext>
+            </a:extLst>
+          </p:cNvPr>
+          <p:cNvSpPr txBox="1"/>
+          <p:nvPr/>
+        </p:nvSpPr>
+        <p:spPr>
+          <a:xfrm>
+            <a:off x="7076745" y="4422549"/>
+            <a:ext cx="739666" cy="307777"/>
+          </a:xfrm>
+          <a:prstGeom prst="rect">
+            <a:avLst/>
+          </a:prstGeom>
+          <a:noFill/>
+        </p:spPr>
+        <p:txBody>
+          <a:bodyPr wrap="square" rtlCol="0">
+            <a:spAutoFit/>
+          </a:bodyPr>
+          <a:lstStyle/>
+          <a:p>
+            <a:r>
+              <a:rPr lang="vi-VN" b="1"/>
+              <a:t>Sad</a:t>
+            </a:r>
+            <a:endParaRPr lang="vi-VN" b="1" dirty="0"/>
+          </a:p>
+        </p:txBody>
+      </p:sp>
+      <p:pic>
+        <p:nvPicPr>
+          <p:cNvPr id="2072" name="Picture 24">
+            <a:extLst>
+              <a:ext uri="{FF2B5EF4-FFF2-40B4-BE49-F238E27FC236}">
+                <a16:creationId xmlns:a16="http://schemas.microsoft.com/office/drawing/2014/main" id="{EB538EC9-AE15-6B6D-323B-E8ACFBD63097}"/>
+              </a:ext>
+            </a:extLst>
+          </p:cNvPr>
+          <p:cNvPicPr>
+            <a:picLocks noChangeAspect="1" noChangeArrowheads="1"/>
+          </p:cNvPicPr>
+          <p:nvPr/>
+        </p:nvPicPr>
+        <p:blipFill>
+          <a:blip r:embed="rId14">
+            <a:extLst>
+              <a:ext uri="{28A0092B-C50C-407E-A947-70E740481C1C}">
+                <a14:useLocalDpi xmlns:a14="http://schemas.microsoft.com/office/drawing/2010/main" val="0"/>
+              </a:ext>
+            </a:extLst>
+          </a:blip>
+          <a:srcRect/>
+          <a:stretch>
+            <a:fillRect/>
+          </a:stretch>
+        </p:blipFill>
+        <p:spPr bwMode="auto">
+          <a:xfrm>
+            <a:off x="257503" y="4886645"/>
+            <a:ext cx="1035270" cy="1035270"/>
+          </a:xfrm>
+          <a:prstGeom prst="rect">
+            <a:avLst/>
+          </a:prstGeom>
+          <a:noFill/>
+          <a:extLst>
+            <a:ext uri="{909E8E84-426E-40DD-AFC4-6F175D3DCCD1}">
+              <a14:hiddenFill xmlns:a14="http://schemas.microsoft.com/office/drawing/2010/main">
+                <a:solidFill>
+                  <a:srgbClr val="FFFFFF"/>
+                </a:solidFill>
+              </a14:hiddenFill>
+            </a:ext>
+          </a:extLst>
+        </p:spPr>
+      </p:pic>
+      <p:sp>
+        <p:nvSpPr>
+          <p:cNvPr id="13" name="Hộp Văn bản 12">
+            <a:extLst>
+              <a:ext uri="{FF2B5EF4-FFF2-40B4-BE49-F238E27FC236}">
+                <a16:creationId xmlns:a16="http://schemas.microsoft.com/office/drawing/2014/main" id="{FDF8682C-8F83-DC18-9E16-B0BEFE55597C}"/>
+              </a:ext>
+            </a:extLst>
+          </p:cNvPr>
+          <p:cNvSpPr txBox="1"/>
+          <p:nvPr/>
+        </p:nvSpPr>
+        <p:spPr>
+          <a:xfrm>
+            <a:off x="1072055" y="6129133"/>
+            <a:ext cx="930166" cy="307777"/>
+          </a:xfrm>
+          <a:prstGeom prst="rect">
+            <a:avLst/>
+          </a:prstGeom>
+          <a:noFill/>
+        </p:spPr>
+        <p:txBody>
+          <a:bodyPr wrap="square" rtlCol="0">
+            <a:spAutoFit/>
+          </a:bodyPr>
+          <a:lstStyle/>
+          <a:p>
+            <a:r>
+              <a:rPr lang="vi-VN" b="1"/>
+              <a:t>Surprise</a:t>
+            </a:r>
+            <a:endParaRPr lang="vi-VN" b="1" dirty="0"/>
+          </a:p>
+        </p:txBody>
+      </p:sp>
+      <p:pic>
+        <p:nvPicPr>
+          <p:cNvPr id="2074" name="Picture 26">
+            <a:extLst>
+              <a:ext uri="{FF2B5EF4-FFF2-40B4-BE49-F238E27FC236}">
+                <a16:creationId xmlns:a16="http://schemas.microsoft.com/office/drawing/2014/main" id="{BA9660F5-323D-4737-E93B-824ABD386DFC}"/>
+              </a:ext>
+            </a:extLst>
+          </p:cNvPr>
+          <p:cNvPicPr>
+            <a:picLocks noChangeAspect="1" noChangeArrowheads="1"/>
+          </p:cNvPicPr>
+          <p:nvPr/>
+        </p:nvPicPr>
+        <p:blipFill>
+          <a:blip r:embed="rId15">
+            <a:extLst>
+              <a:ext uri="{28A0092B-C50C-407E-A947-70E740481C1C}">
+                <a14:useLocalDpi xmlns:a14="http://schemas.microsoft.com/office/drawing/2010/main" val="0"/>
+              </a:ext>
+            </a:extLst>
+          </a:blip>
+          <a:srcRect/>
+          <a:stretch>
+            <a:fillRect/>
+          </a:stretch>
+        </p:blipFill>
+        <p:spPr bwMode="auto">
+          <a:xfrm>
+            <a:off x="1579179" y="4849916"/>
+            <a:ext cx="1090447" cy="1090447"/>
+          </a:xfrm>
+          <a:prstGeom prst="rect">
+            <a:avLst/>
+          </a:prstGeom>
+          <a:noFill/>
+          <a:extLst>
+            <a:ext uri="{909E8E84-426E-40DD-AFC4-6F175D3DCCD1}">
+              <a14:hiddenFill xmlns:a14="http://schemas.microsoft.com/office/drawing/2010/main">
+                <a:solidFill>
+                  <a:srgbClr val="FFFFFF"/>
+                </a:solidFill>
+              </a14:hiddenFill>
+            </a:ext>
+          </a:extLst>
+        </p:spPr>
+      </p:pic>
+      <p:sp>
+        <p:nvSpPr>
+          <p:cNvPr id="14" name="Hộp Văn bản 13">
+            <a:extLst>
+              <a:ext uri="{FF2B5EF4-FFF2-40B4-BE49-F238E27FC236}">
+                <a16:creationId xmlns:a16="http://schemas.microsoft.com/office/drawing/2014/main" id="{181BE7BB-B0D4-517E-9077-1E2A5CD79D98}"/>
+              </a:ext>
+            </a:extLst>
+          </p:cNvPr>
+          <p:cNvSpPr txBox="1"/>
+          <p:nvPr/>
+        </p:nvSpPr>
+        <p:spPr>
+          <a:xfrm>
+            <a:off x="3538044" y="4886645"/>
+            <a:ext cx="4901763" cy="1200329"/>
+          </a:xfrm>
+          <a:prstGeom prst="rect">
+            <a:avLst/>
+          </a:prstGeom>
+          <a:noFill/>
+        </p:spPr>
+        <p:txBody>
+          <a:bodyPr wrap="square" rtlCol="0">
+            <a:spAutoFit/>
+          </a:bodyPr>
+          <a:lstStyle/>
+          <a:p>
+            <a:r>
+              <a:rPr lang="vi-VN" sz="2400" b="1" dirty="0"/>
+              <a:t>Nhận xét:</a:t>
+            </a:r>
+            <a:r>
+              <a:rPr lang="vi-VN" sz="2400" dirty="0"/>
+              <a:t> </a:t>
+            </a:r>
+            <a:r>
+              <a:rPr lang="vi-VN" sz="2400" dirty="0" err="1"/>
+              <a:t>dataset</a:t>
+            </a:r>
+            <a:r>
+              <a:rPr lang="vi-VN" sz="2400" dirty="0"/>
+              <a:t> rất khó, nhiều nhiễu, các ảnh được phân loại rất giống nhau và không dễ gán nhãn</a:t>
+            </a:r>
+          </a:p>
+        </p:txBody>
+      </p:sp>
+    </p:spTree>
+    <p:extLst>
+      <p:ext uri="{BB962C8B-B14F-4D97-AF65-F5344CB8AC3E}">
+        <p14:creationId xmlns:p14="http://schemas.microsoft.com/office/powerpoint/2010/main" val="499001848"/>
+      </p:ext>
+    </p:extLst>
+  </p:cSld>
+  <p:clrMapOvr>
+    <a:masterClrMapping/>
+  </p:clrMapOvr>
+</p:sld>
+</file>
+
+<file path=ppt/slides/slide14.xml><?xml version="1.0" encoding="utf-8"?>
 <p:sld xmlns:a="http://schemas.openxmlformats.org/drawingml/2006/main" xmlns:r="http://schemas.openxmlformats.org/officeDocument/2006/relationships" xmlns:p="http://schemas.openxmlformats.org/presentationml/2006/main">
   <p:cSld>
     <p:spTree>
@@ -15874,7 +16995,7 @@
             </a:pPr>
             <a:fld id="{00000000-1234-1234-1234-123412341234}" type="slidenum">
               <a:rPr lang="en-US" smtClean="0"/>
-              <a:t>13</a:t>
+              <a:t>14</a:t>
             </a:fld>
             <a:endParaRPr lang="en-US"/>
           </a:p>
@@ -15893,7 +17014,7 @@
 </p:sld>
 </file>
 
-<file path=ppt/slides/slide14.xml><?xml version="1.0" encoding="utf-8"?>
+<file path=ppt/slides/slide15.xml><?xml version="1.0" encoding="utf-8"?>
 <p:sld xmlns:a="http://schemas.openxmlformats.org/drawingml/2006/main" xmlns:r="http://schemas.openxmlformats.org/officeDocument/2006/relationships" xmlns:p="http://schemas.openxmlformats.org/presentationml/2006/main">
   <p:cSld>
     <p:spTree>
@@ -15986,7 +17107,7 @@
             </a:pPr>
             <a:fld id="{00000000-1234-1234-1234-123412341234}" type="slidenum">
               <a:rPr lang="en-US" smtClean="0"/>
-              <a:t>14</a:t>
+              <a:t>15</a:t>
             </a:fld>
             <a:endParaRPr lang="en-US"/>
           </a:p>
@@ -16006,8 +17127,8 @@
         </p:nvSpPr>
         <p:spPr>
           <a:xfrm>
-            <a:off x="478221" y="1656601"/>
-            <a:ext cx="4572000" cy="2246769"/>
+            <a:off x="402021" y="1984415"/>
+            <a:ext cx="2908738" cy="3416320"/>
           </a:xfrm>
           <a:prstGeom prst="rect">
             <a:avLst/>
@@ -16021,92 +17142,281 @@
           <a:lstStyle/>
           <a:p>
             <a:r>
-              <a:rPr lang="vi-VN" dirty="0" err="1"/>
-              <a:t>n_components</a:t>
+              <a:rPr lang="vi-VN" sz="1800" dirty="0"/>
+              <a:t>PCA </a:t>
             </a:r>
             <a:r>
-              <a:rPr lang="vi-VN" dirty="0"/>
-              <a:t>=0.7, dim=183, </a:t>
+              <a:rPr lang="vi-VN" sz="1800" dirty="0" err="1"/>
+              <a:t>yeu</a:t>
             </a:r>
             <a:r>
-              <a:rPr lang="vi-VN" dirty="0" err="1"/>
-              <a:t>var</a:t>
+              <a:rPr lang="vi-VN" sz="1800" dirty="0"/>
+              <a:t> cau 0.50 -&gt; </a:t>
             </a:r>
             <a:r>
-              <a:rPr lang="vi-VN" dirty="0"/>
-              <a:t>=0.7006, ACC=0.2206, ARI=0.0186, NMI=0.0338</a:t>
+              <a:rPr lang="vi-VN" sz="1800" dirty="0" err="1"/>
+              <a:t>Accuracy</a:t>
+            </a:r>
+            <a:r>
+              <a:rPr lang="vi-VN" sz="1800" dirty="0"/>
+              <a:t> TEST: 0.2025</a:t>
             </a:r>
           </a:p>
           <a:p>
             <a:r>
-              <a:rPr lang="vi-VN" dirty="0" err="1"/>
-              <a:t>n_components</a:t>
+              <a:rPr lang="vi-VN" sz="1800" dirty="0"/>
+              <a:t>PCA </a:t>
             </a:r>
             <a:r>
-              <a:rPr lang="vi-VN" dirty="0"/>
-              <a:t>=0.8, dim=261, </a:t>
+              <a:rPr lang="vi-VN" sz="1800" dirty="0" err="1"/>
+              <a:t>yeu</a:t>
             </a:r>
             <a:r>
-              <a:rPr lang="vi-VN" dirty="0" err="1"/>
-              <a:t>var</a:t>
+              <a:rPr lang="vi-VN" sz="1800" dirty="0"/>
+              <a:t> cau 0.60 -&gt; </a:t>
             </a:r>
             <a:r>
-              <a:rPr lang="vi-VN" dirty="0"/>
-              <a:t>=0.8001, ACC=0.2211, ARI=0.0189, NMI=0.0340</a:t>
+              <a:rPr lang="vi-VN" sz="1800" dirty="0" err="1"/>
+              <a:t>Accuracy</a:t>
+            </a:r>
+            <a:r>
+              <a:rPr lang="vi-VN" sz="1800" dirty="0"/>
+              <a:t> TEST: 0.2156</a:t>
             </a:r>
           </a:p>
           <a:p>
             <a:r>
-              <a:rPr lang="vi-VN" dirty="0" err="1"/>
-              <a:t>n_components</a:t>
+              <a:rPr lang="vi-VN" sz="1800" dirty="0"/>
+              <a:t>PCA </a:t>
             </a:r>
             <a:r>
-              <a:rPr lang="vi-VN" dirty="0"/>
-              <a:t>=0.9, dim=381, </a:t>
+              <a:rPr lang="vi-VN" sz="1800" dirty="0" err="1"/>
+              <a:t>yeu</a:t>
             </a:r>
             <a:r>
-              <a:rPr lang="vi-VN" dirty="0" err="1"/>
-              <a:t>var</a:t>
+              <a:rPr lang="vi-VN" sz="1800" dirty="0"/>
+              <a:t> cau 0.70 -&gt; </a:t>
             </a:r>
             <a:r>
-              <a:rPr lang="vi-VN" dirty="0"/>
-              <a:t>=0.9001, ACC=0.2211, ARI=0.0185, NMI=0.0322</a:t>
+              <a:rPr lang="vi-VN" sz="1800" dirty="0" err="1"/>
+              <a:t>Accuracy</a:t>
+            </a:r>
+            <a:r>
+              <a:rPr lang="vi-VN" sz="1800" dirty="0"/>
+              <a:t> TEST: 0.2025</a:t>
             </a:r>
           </a:p>
           <a:p>
             <a:r>
-              <a:rPr lang="vi-VN" dirty="0" err="1"/>
-              <a:t>n_components</a:t>
+              <a:rPr lang="vi-VN" sz="1800" dirty="0"/>
+              <a:t>PCA </a:t>
             </a:r>
             <a:r>
-              <a:rPr lang="vi-VN" dirty="0"/>
-              <a:t>=0.95, dim=484, </a:t>
+              <a:rPr lang="vi-VN" sz="1800" dirty="0" err="1"/>
+              <a:t>yeu</a:t>
             </a:r>
             <a:r>
-              <a:rPr lang="vi-VN" dirty="0" err="1"/>
-              <a:t>var</a:t>
+              <a:rPr lang="vi-VN" sz="1800" dirty="0"/>
+              <a:t> cau 0.80 -&gt; </a:t>
             </a:r>
             <a:r>
-              <a:rPr lang="vi-VN" dirty="0"/>
-              <a:t>=0.9503, ACC=0.2282, ARI=0.0198, NMI=0.0371</a:t>
+              <a:rPr lang="vi-VN" sz="1800" dirty="0" err="1"/>
+              <a:t>Accuracy</a:t>
+            </a:r>
+            <a:r>
+              <a:rPr lang="vi-VN" sz="1800" dirty="0"/>
+              <a:t> TEST: 0.2051</a:t>
             </a:r>
           </a:p>
           <a:p>
             <a:r>
-              <a:rPr lang="vi-VN" dirty="0" err="1"/>
-              <a:t>n_components</a:t>
+              <a:rPr lang="vi-VN" sz="1800" b="1" dirty="0"/>
+              <a:t>PCA </a:t>
             </a:r>
             <a:r>
-              <a:rPr lang="vi-VN" dirty="0"/>
-              <a:t>=0.99, dim=763, </a:t>
+              <a:rPr lang="vi-VN" sz="1800" b="1" dirty="0" err="1"/>
+              <a:t>yeu</a:t>
             </a:r>
             <a:r>
-              <a:rPr lang="vi-VN" dirty="0" err="1"/>
-              <a:t>var</a:t>
+              <a:rPr lang="vi-VN" sz="1800" b="1" dirty="0"/>
+              <a:t> cau 0.90 -&gt; </a:t>
             </a:r>
             <a:r>
-              <a:rPr lang="vi-VN" dirty="0"/>
-              <a:t>=0.9900, ACC=0.2263, ARI=0.0207, NMI=0.0372</a:t>
+              <a:rPr lang="vi-VN" sz="1800" b="1" dirty="0" err="1"/>
+              <a:t>Accuracy</a:t>
+            </a:r>
+            <a:r>
+              <a:rPr lang="vi-VN" sz="1800" b="1" dirty="0"/>
+              <a:t> TEST: 0.2292</a:t>
+            </a:r>
+          </a:p>
+          <a:p>
+            <a:r>
+              <a:rPr lang="vi-VN" sz="1800" dirty="0"/>
+              <a:t>PCA </a:t>
+            </a:r>
+            <a:r>
+              <a:rPr lang="vi-VN" sz="1800" dirty="0" err="1"/>
+              <a:t>yeu</a:t>
+            </a:r>
+            <a:r>
+              <a:rPr lang="vi-VN" sz="1800" dirty="0"/>
+              <a:t> cau 0.95 -&gt; </a:t>
+            </a:r>
+            <a:r>
+              <a:rPr lang="vi-VN" sz="1800" dirty="0" err="1"/>
+              <a:t>Accuracy</a:t>
+            </a:r>
+            <a:r>
+              <a:rPr lang="vi-VN" sz="1800" dirty="0"/>
+              <a:t> TEST: 0.2114</a:t>
+            </a:r>
+          </a:p>
+        </p:txBody>
+      </p:sp>
+      <p:sp>
+        <p:nvSpPr>
+          <p:cNvPr id="3" name="Hộp Văn bản 2">
+            <a:extLst>
+              <a:ext uri="{FF2B5EF4-FFF2-40B4-BE49-F238E27FC236}">
+                <a16:creationId xmlns:a16="http://schemas.microsoft.com/office/drawing/2014/main" id="{571B53EC-5499-FE69-CE12-7BE9BF04E94F}"/>
+              </a:ext>
+            </a:extLst>
+          </p:cNvPr>
+          <p:cNvSpPr txBox="1"/>
+          <p:nvPr/>
+        </p:nvSpPr>
+        <p:spPr>
+          <a:xfrm>
+            <a:off x="4025462" y="1296702"/>
+            <a:ext cx="5780691" cy="400110"/>
+          </a:xfrm>
+          <a:prstGeom prst="rect">
+            <a:avLst/>
+          </a:prstGeom>
+          <a:noFill/>
+        </p:spPr>
+        <p:txBody>
+          <a:bodyPr wrap="square" rtlCol="0">
+            <a:spAutoFit/>
+          </a:bodyPr>
+          <a:lstStyle/>
+          <a:p>
+            <a:r>
+              <a:rPr lang="vi-VN" sz="2000" b="1" dirty="0" err="1"/>
+              <a:t>Accuracy</a:t>
+            </a:r>
+            <a:r>
+              <a:rPr lang="vi-VN" sz="2000" b="1" dirty="0"/>
+              <a:t> tốt nhất tại mức PCA = 0.90</a:t>
+            </a:r>
+          </a:p>
+        </p:txBody>
+      </p:sp>
+      <p:pic>
+        <p:nvPicPr>
+          <p:cNvPr id="7" name="Hình ảnh 6">
+            <a:extLst>
+              <a:ext uri="{FF2B5EF4-FFF2-40B4-BE49-F238E27FC236}">
+                <a16:creationId xmlns:a16="http://schemas.microsoft.com/office/drawing/2014/main" id="{03308121-AC7C-6439-911E-FB4AC55F2BEF}"/>
+              </a:ext>
+            </a:extLst>
+          </p:cNvPr>
+          <p:cNvPicPr>
+            <a:picLocks noChangeAspect="1"/>
+          </p:cNvPicPr>
+          <p:nvPr/>
+        </p:nvPicPr>
+        <p:blipFill>
+          <a:blip r:embed="rId2"/>
+          <a:stretch>
+            <a:fillRect/>
+          </a:stretch>
+        </p:blipFill>
+        <p:spPr>
+          <a:xfrm>
+            <a:off x="3733801" y="1722446"/>
+            <a:ext cx="5228896" cy="3921672"/>
+          </a:xfrm>
+          <a:prstGeom prst="rect">
+            <a:avLst/>
+          </a:prstGeom>
+        </p:spPr>
+      </p:pic>
+      <p:sp>
+        <p:nvSpPr>
+          <p:cNvPr id="9" name="Hộp Văn bản 8">
+            <a:extLst>
+              <a:ext uri="{FF2B5EF4-FFF2-40B4-BE49-F238E27FC236}">
+                <a16:creationId xmlns:a16="http://schemas.microsoft.com/office/drawing/2014/main" id="{D7178496-9A18-A3CA-3F8B-B0E6B36B32B1}"/>
+              </a:ext>
+            </a:extLst>
+          </p:cNvPr>
+          <p:cNvSpPr txBox="1"/>
+          <p:nvPr/>
+        </p:nvSpPr>
+        <p:spPr>
+          <a:xfrm>
+            <a:off x="212835" y="1187669"/>
+            <a:ext cx="5780691" cy="461665"/>
+          </a:xfrm>
+          <a:prstGeom prst="rect">
+            <a:avLst/>
+          </a:prstGeom>
+          <a:noFill/>
+        </p:spPr>
+        <p:txBody>
+          <a:bodyPr wrap="square" rtlCol="0">
+            <a:spAutoFit/>
+          </a:bodyPr>
+          <a:lstStyle/>
+          <a:p>
+            <a:r>
+              <a:rPr lang="vi-VN" sz="2400" b="1" dirty="0"/>
+              <a:t>Khảo sát PCA</a:t>
+            </a:r>
+          </a:p>
+        </p:txBody>
+      </p:sp>
+      <p:sp>
+        <p:nvSpPr>
+          <p:cNvPr id="10" name="Hộp Văn bản 9">
+            <a:extLst>
+              <a:ext uri="{FF2B5EF4-FFF2-40B4-BE49-F238E27FC236}">
+                <a16:creationId xmlns:a16="http://schemas.microsoft.com/office/drawing/2014/main" id="{D3DC3FBA-B3CB-8BC2-E780-8E14F0143064}"/>
+              </a:ext>
+            </a:extLst>
+          </p:cNvPr>
+          <p:cNvSpPr txBox="1"/>
+          <p:nvPr/>
+        </p:nvSpPr>
+        <p:spPr>
+          <a:xfrm>
+            <a:off x="402021" y="5644118"/>
+            <a:ext cx="8468710" cy="584775"/>
+          </a:xfrm>
+          <a:prstGeom prst="rect">
+            <a:avLst/>
+          </a:prstGeom>
+          <a:noFill/>
+        </p:spPr>
+        <p:txBody>
+          <a:bodyPr wrap="square" rtlCol="0">
+            <a:spAutoFit/>
+          </a:bodyPr>
+          <a:lstStyle/>
+          <a:p>
+            <a:r>
+              <a:rPr lang="vi-VN" sz="1600" b="1" dirty="0"/>
+              <a:t>Nhận xét: 0.90 là mốc giảm nhiễu vừa đủ, giữ lại được các phần thông tin cần thiết, giúp K-</a:t>
+            </a:r>
+            <a:r>
+              <a:rPr lang="vi-VN" sz="1600" b="1" dirty="0" err="1"/>
+              <a:t>means</a:t>
+            </a:r>
+            <a:r>
+              <a:rPr lang="vi-VN" sz="1600" b="1" dirty="0"/>
+              <a:t> gom cụm ổn định hơn</a:t>
             </a:r>
           </a:p>
         </p:txBody>
@@ -16124,7 +17434,318 @@
 </p:sld>
 </file>
 
-<file path=ppt/slides/slide15.xml><?xml version="1.0" encoding="utf-8"?>
+<file path=ppt/slides/slide16.xml><?xml version="1.0" encoding="utf-8"?>
+<p:sld xmlns:a="http://schemas.openxmlformats.org/drawingml/2006/main" xmlns:r="http://schemas.openxmlformats.org/officeDocument/2006/relationships" xmlns:p="http://schemas.openxmlformats.org/presentationml/2006/main">
+  <p:cSld>
+    <p:spTree>
+      <p:nvGrpSpPr>
+        <p:cNvPr id="1" name="">
+          <a:extLst>
+            <a:ext uri="{FF2B5EF4-FFF2-40B4-BE49-F238E27FC236}">
+              <a16:creationId xmlns:a16="http://schemas.microsoft.com/office/drawing/2014/main" id="{A833EEC1-7F47-FD6A-090C-818FF74D9B6E}"/>
+            </a:ext>
+          </a:extLst>
+        </p:cNvPr>
+        <p:cNvGrpSpPr/>
+        <p:nvPr/>
+      </p:nvGrpSpPr>
+      <p:grpSpPr>
+        <a:xfrm>
+          <a:off x="0" y="0"/>
+          <a:ext cx="0" cy="0"/>
+          <a:chOff x="0" y="0"/>
+          <a:chExt cx="0" cy="0"/>
+        </a:xfrm>
+      </p:grpSpPr>
+      <p:sp>
+        <p:nvSpPr>
+          <p:cNvPr id="2" name="Tiêu đề 1">
+            <a:extLst>
+              <a:ext uri="{FF2B5EF4-FFF2-40B4-BE49-F238E27FC236}">
+                <a16:creationId xmlns:a16="http://schemas.microsoft.com/office/drawing/2014/main" id="{FCE9AFA4-D0FB-3FC5-5A5F-785903BCD123}"/>
+              </a:ext>
+            </a:extLst>
+          </p:cNvPr>
+          <p:cNvSpPr>
+            <a:spLocks noGrp="1"/>
+          </p:cNvSpPr>
+          <p:nvPr>
+            <p:ph type="ctrTitle"/>
+          </p:nvPr>
+        </p:nvSpPr>
+        <p:spPr>
+          <a:xfrm>
+            <a:off x="212835" y="256299"/>
+            <a:ext cx="3812627" cy="605549"/>
+          </a:xfrm>
+        </p:spPr>
+        <p:txBody>
+          <a:bodyPr/>
+          <a:lstStyle/>
+          <a:p>
+            <a:pPr marL="50800"/>
+            <a:r>
+              <a:rPr lang="vi-VN" sz="3200" dirty="0">
+                <a:solidFill>
+                  <a:schemeClr val="bg1"/>
+                </a:solidFill>
+              </a:rPr>
+              <a:t>3. Khảo sát, đánh giá</a:t>
+            </a:r>
+          </a:p>
+        </p:txBody>
+      </p:sp>
+      <p:sp>
+        <p:nvSpPr>
+          <p:cNvPr id="4" name="Chỗ dành sẵn cho Số hiệu Bản chiếu 3">
+            <a:extLst>
+              <a:ext uri="{FF2B5EF4-FFF2-40B4-BE49-F238E27FC236}">
+                <a16:creationId xmlns:a16="http://schemas.microsoft.com/office/drawing/2014/main" id="{B87FFA78-0291-A1E9-5303-5E5C864B47AD}"/>
+              </a:ext>
+            </a:extLst>
+          </p:cNvPr>
+          <p:cNvSpPr>
+            <a:spLocks noGrp="1"/>
+          </p:cNvSpPr>
+          <p:nvPr>
+            <p:ph type="sldNum" idx="12"/>
+          </p:nvPr>
+        </p:nvSpPr>
+        <p:spPr/>
+        <p:txBody>
+          <a:bodyPr/>
+          <a:lstStyle/>
+          <a:p>
+            <a:pPr marL="0" lvl="0" indent="0" algn="r" rtl="0">
+              <a:spcBef>
+                <a:spcPts val="0"/>
+              </a:spcBef>
+              <a:spcAft>
+                <a:spcPts val="0"/>
+              </a:spcAft>
+              <a:buNone/>
+            </a:pPr>
+            <a:fld id="{00000000-1234-1234-1234-123412341234}" type="slidenum">
+              <a:rPr lang="en-US" smtClean="0"/>
+              <a:t>16</a:t>
+            </a:fld>
+            <a:endParaRPr lang="en-US"/>
+          </a:p>
+        </p:txBody>
+      </p:sp>
+      <p:pic>
+        <p:nvPicPr>
+          <p:cNvPr id="3" name="Hình ảnh 2">
+            <a:extLst>
+              <a:ext uri="{FF2B5EF4-FFF2-40B4-BE49-F238E27FC236}">
+                <a16:creationId xmlns:a16="http://schemas.microsoft.com/office/drawing/2014/main" id="{88ED6F70-5686-5FC2-4A6D-CF0C0CEDAE41}"/>
+              </a:ext>
+            </a:extLst>
+          </p:cNvPr>
+          <p:cNvPicPr>
+            <a:picLocks noChangeAspect="1"/>
+          </p:cNvPicPr>
+          <p:nvPr/>
+        </p:nvPicPr>
+        <p:blipFill>
+          <a:blip r:embed="rId2"/>
+          <a:stretch>
+            <a:fillRect/>
+          </a:stretch>
+        </p:blipFill>
+        <p:spPr>
+          <a:xfrm>
+            <a:off x="3754822" y="1302032"/>
+            <a:ext cx="5228896" cy="3921672"/>
+          </a:xfrm>
+          <a:prstGeom prst="rect">
+            <a:avLst/>
+          </a:prstGeom>
+        </p:spPr>
+      </p:pic>
+      <p:sp>
+        <p:nvSpPr>
+          <p:cNvPr id="6" name="Hộp Văn bản 5">
+            <a:extLst>
+              <a:ext uri="{FF2B5EF4-FFF2-40B4-BE49-F238E27FC236}">
+                <a16:creationId xmlns:a16="http://schemas.microsoft.com/office/drawing/2014/main" id="{6207D0A7-2504-C9C6-A3E1-550D74D0CB47}"/>
+              </a:ext>
+            </a:extLst>
+          </p:cNvPr>
+          <p:cNvSpPr txBox="1"/>
+          <p:nvPr/>
+        </p:nvSpPr>
+        <p:spPr>
+          <a:xfrm>
+            <a:off x="212834" y="1302032"/>
+            <a:ext cx="4359165" cy="461665"/>
+          </a:xfrm>
+          <a:prstGeom prst="rect">
+            <a:avLst/>
+          </a:prstGeom>
+          <a:noFill/>
+        </p:spPr>
+        <p:txBody>
+          <a:bodyPr wrap="square" rtlCol="0">
+            <a:spAutoFit/>
+          </a:bodyPr>
+          <a:lstStyle/>
+          <a:p>
+            <a:r>
+              <a:rPr lang="vi-VN" sz="2400" b="1" dirty="0"/>
+              <a:t>Nhận xét về: mức </a:t>
+            </a:r>
+            <a:r>
+              <a:rPr lang="vi-VN" sz="2400" b="1" dirty="0" err="1"/>
+              <a:t>Accuracy</a:t>
+            </a:r>
+            <a:r>
+              <a:rPr lang="vi-VN" sz="2400" b="1" dirty="0"/>
+              <a:t> </a:t>
+            </a:r>
+          </a:p>
+        </p:txBody>
+      </p:sp>
+      <p:sp>
+        <p:nvSpPr>
+          <p:cNvPr id="8" name="Hộp Văn bản 7">
+            <a:extLst>
+              <a:ext uri="{FF2B5EF4-FFF2-40B4-BE49-F238E27FC236}">
+                <a16:creationId xmlns:a16="http://schemas.microsoft.com/office/drawing/2014/main" id="{015E900D-328E-FF6E-042B-9A12477A2BF4}"/>
+              </a:ext>
+            </a:extLst>
+          </p:cNvPr>
+          <p:cNvSpPr txBox="1"/>
+          <p:nvPr/>
+        </p:nvSpPr>
+        <p:spPr>
+          <a:xfrm>
+            <a:off x="325821" y="1902372"/>
+            <a:ext cx="3699641" cy="2862322"/>
+          </a:xfrm>
+          <a:prstGeom prst="rect">
+            <a:avLst/>
+          </a:prstGeom>
+          <a:noFill/>
+        </p:spPr>
+        <p:txBody>
+          <a:bodyPr wrap="square" rtlCol="0">
+            <a:spAutoFit/>
+          </a:bodyPr>
+          <a:lstStyle/>
+          <a:p>
+            <a:pPr marL="285750" indent="-285750">
+              <a:buFontTx/>
+              <a:buChar char="-"/>
+            </a:pPr>
+            <a:r>
+              <a:rPr lang="vi-VN" sz="1800" dirty="0"/>
+              <a:t>Thấp, do đây là phân cụm không giám sát, </a:t>
+            </a:r>
+          </a:p>
+          <a:p>
+            <a:pPr marL="285750" indent="-285750">
+              <a:buFontTx/>
+              <a:buChar char="-"/>
+            </a:pPr>
+            <a:r>
+              <a:rPr lang="vi-VN" sz="1800" dirty="0"/>
+              <a:t>FER2013 là 1 </a:t>
+            </a:r>
+            <a:r>
+              <a:rPr lang="vi-VN" sz="1800" dirty="0" err="1"/>
+              <a:t>dataset</a:t>
+            </a:r>
+            <a:r>
+              <a:rPr lang="vi-VN" sz="1800" dirty="0"/>
+              <a:t> khó vì kích </a:t>
+            </a:r>
+            <a:r>
+              <a:rPr lang="vi-VN" sz="1800" dirty="0" err="1"/>
+              <a:t>thuớc</a:t>
+            </a:r>
+            <a:r>
+              <a:rPr lang="vi-VN" sz="1800" dirty="0"/>
+              <a:t> nhỏ (48x48) và nhiều nhiễu</a:t>
+            </a:r>
+          </a:p>
+          <a:p>
+            <a:pPr marL="285750" indent="-285750">
+              <a:buFontTx/>
+              <a:buChar char="-"/>
+            </a:pPr>
+            <a:r>
+              <a:rPr lang="vi-VN" sz="1800" dirty="0"/>
+              <a:t>Một số cảm xúc rất giống nhau như: </a:t>
+            </a:r>
+            <a:r>
+              <a:rPr lang="vi-VN" sz="1800" b="1" dirty="0" err="1"/>
+              <a:t>sad</a:t>
+            </a:r>
+            <a:r>
+              <a:rPr lang="vi-VN" sz="1800" b="1" dirty="0"/>
+              <a:t> và </a:t>
+            </a:r>
+            <a:r>
+              <a:rPr lang="vi-VN" sz="1800" b="1" dirty="0" err="1"/>
+              <a:t>neutral</a:t>
+            </a:r>
+            <a:r>
+              <a:rPr lang="vi-VN" sz="1800" b="1" dirty="0"/>
+              <a:t>, </a:t>
+            </a:r>
+            <a:r>
+              <a:rPr lang="vi-VN" sz="1800" b="1" dirty="0" err="1"/>
+              <a:t>fear</a:t>
+            </a:r>
+            <a:r>
+              <a:rPr lang="vi-VN" sz="1800" b="1" dirty="0"/>
+              <a:t> và </a:t>
+            </a:r>
+            <a:r>
+              <a:rPr lang="vi-VN" sz="1800" b="1" dirty="0" err="1"/>
+              <a:t>surprise</a:t>
+            </a:r>
+            <a:r>
+              <a:rPr lang="vi-VN" sz="1800" b="1" dirty="0"/>
+              <a:t>, </a:t>
+            </a:r>
+            <a:r>
+              <a:rPr lang="vi-VN" sz="1800" b="1" dirty="0" err="1"/>
+              <a:t>angry</a:t>
+            </a:r>
+            <a:r>
+              <a:rPr lang="vi-VN" sz="1800" b="1" dirty="0"/>
+              <a:t> và </a:t>
+            </a:r>
+            <a:r>
+              <a:rPr lang="vi-VN" sz="1800" b="1" dirty="0" err="1"/>
+              <a:t>disgust</a:t>
+            </a:r>
+            <a:endParaRPr lang="vi-VN" sz="1800" b="1" dirty="0"/>
+          </a:p>
+          <a:p>
+            <a:r>
+              <a:rPr lang="vi-VN" sz="1800" dirty="0"/>
+              <a:t>=&gt; Kết quả thấp là hoàn toàn bình thường</a:t>
+            </a:r>
+          </a:p>
+        </p:txBody>
+      </p:sp>
+    </p:spTree>
+    <p:extLst>
+      <p:ext uri="{BB962C8B-B14F-4D97-AF65-F5344CB8AC3E}">
+        <p14:creationId xmlns:p14="http://schemas.microsoft.com/office/powerpoint/2010/main" val="3403906230"/>
+      </p:ext>
+    </p:extLst>
+  </p:cSld>
+  <p:clrMapOvr>
+    <a:masterClrMapping/>
+  </p:clrMapOvr>
+</p:sld>
+</file>
+
+<file path=ppt/slides/slide17.xml><?xml version="1.0" encoding="utf-8"?>
 <p:sld xmlns:a="http://schemas.openxmlformats.org/drawingml/2006/main" xmlns:r="http://schemas.openxmlformats.org/officeDocument/2006/relationships" xmlns:p="http://schemas.openxmlformats.org/presentationml/2006/main">
   <p:cSld>
     <p:spTree>
@@ -16213,7 +17834,7 @@
             </a:pPr>
             <a:fld id="{00000000-1234-1234-1234-123412341234}" type="slidenum">
               <a:rPr lang="en-US" smtClean="0"/>
-              <a:t>15</a:t>
+              <a:t>17</a:t>
             </a:fld>
             <a:endParaRPr lang="en-US"/>
           </a:p>
@@ -16232,7 +17853,7 @@
 </p:sld>
 </file>
 
-<file path=ppt/slides/slide16.xml><?xml version="1.0" encoding="utf-8"?>
+<file path=ppt/slides/slide18.xml><?xml version="1.0" encoding="utf-8"?>
 <p:sld xmlns:a="http://schemas.openxmlformats.org/drawingml/2006/main" xmlns:r="http://schemas.openxmlformats.org/officeDocument/2006/relationships" xmlns:p="http://schemas.openxmlformats.org/presentationml/2006/main">
   <p:cSld>
     <p:spTree>
@@ -16321,7 +17942,7 @@
             </a:pPr>
             <a:fld id="{00000000-1234-1234-1234-123412341234}" type="slidenum">
               <a:rPr lang="en-US" smtClean="0"/>
-              <a:t>16</a:t>
+              <a:t>18</a:t>
             </a:fld>
             <a:endParaRPr lang="en-US"/>
           </a:p>
@@ -16340,7 +17961,7 @@
 </p:sld>
 </file>
 
-<file path=ppt/slides/slide17.xml><?xml version="1.0" encoding="utf-8"?>
+<file path=ppt/slides/slide19.xml><?xml version="1.0" encoding="utf-8"?>
 <p:sld xmlns:a="http://schemas.openxmlformats.org/drawingml/2006/main" xmlns:r="http://schemas.openxmlformats.org/officeDocument/2006/relationships" xmlns:p="http://schemas.openxmlformats.org/presentationml/2006/main">
   <p:cSld>
     <p:spTree>
@@ -16429,7 +18050,7 @@
             </a:pPr>
             <a:fld id="{00000000-1234-1234-1234-123412341234}" type="slidenum">
               <a:rPr lang="en-US" smtClean="0"/>
-              <a:t>17</a:t>
+              <a:t>19</a:t>
             </a:fld>
             <a:endParaRPr lang="en-US"/>
           </a:p>

--- a/project/baitaplon/13_NguyenThanhDat211440519_baitaplon.pptx
+++ b/project/baitaplon/13_NguyenThanhDat211440519_baitaplon.pptx
@@ -5,7 +5,7 @@
     <p:sldMasterId id="2147483648" r:id="rId4"/>
   </p:sldMasterIdLst>
   <p:notesMasterIdLst>
-    <p:notesMasterId r:id="rId24"/>
+    <p:notesMasterId r:id="rId28"/>
   </p:notesMasterIdLst>
   <p:sldIdLst>
     <p:sldId id="256" r:id="rId5"/>
@@ -24,9 +24,13 @@
     <p:sldId id="304" r:id="rId18"/>
     <p:sldId id="315" r:id="rId19"/>
     <p:sldId id="316" r:id="rId20"/>
-    <p:sldId id="305" r:id="rId21"/>
-    <p:sldId id="307" r:id="rId22"/>
-    <p:sldId id="306" r:id="rId23"/>
+    <p:sldId id="318" r:id="rId21"/>
+    <p:sldId id="305" r:id="rId22"/>
+    <p:sldId id="319" r:id="rId23"/>
+    <p:sldId id="320" r:id="rId24"/>
+    <p:sldId id="321" r:id="rId25"/>
+    <p:sldId id="307" r:id="rId26"/>
+    <p:sldId id="306" r:id="rId27"/>
   </p:sldIdLst>
   <p:sldSz cx="9144000" cy="6858000" type="screen4x3"/>
   <p:notesSz cx="6735763" cy="9866313"/>
@@ -275,7 +279,7 @@
       </p15:sldGuideLst>
     </p:ext>
     <p:ext uri="GoogleSlidesCustomDataVersion2">
-      <go:slidesCustomData xmlns:go="http://customooxmlschemas.google.com/" xmlns:ahyp="http://schemas.microsoft.com/office/drawing/2018/hyperlinkcolor" xmlns:p15="http://schemas.microsoft.com/office/powerpoint/2012/main" xmlns:p14="http://schemas.microsoft.com/office/powerpoint/2010/main" xmlns:com="http://schemas.openxmlformats.org/drawingml/2006/compatibility" xmlns:pvml="urn:schemas-microsoft-com:office:powerpoint" xmlns:v="urn:schemas-microsoft-com:vml" xmlns:o="urn:schemas-microsoft-com:office:office" xmlns:dgm="http://schemas.openxmlformats.org/drawingml/2006/diagram" xmlns:c="http://schemas.openxmlformats.org/drawingml/2006/chart" xmlns:mv="urn:schemas-microsoft-com:mac:vml" xmlns:mc="http://schemas.openxmlformats.org/markup-compatibility/2006" xmlns="" r:id="rId33" roundtripDataSignature="AMtx7mig7uoUar2FONQYJwEy87gUzpUQYQ=="/>
+      <go:slidesCustomData xmlns="" xmlns:mc="http://schemas.openxmlformats.org/markup-compatibility/2006" xmlns:mv="urn:schemas-microsoft-com:mac:vml" xmlns:c="http://schemas.openxmlformats.org/drawingml/2006/chart" xmlns:dgm="http://schemas.openxmlformats.org/drawingml/2006/diagram" xmlns:o="urn:schemas-microsoft-com:office:office" xmlns:v="urn:schemas-microsoft-com:vml" xmlns:pvml="urn:schemas-microsoft-com:office:powerpoint" xmlns:com="http://schemas.openxmlformats.org/drawingml/2006/compatibility" xmlns:p14="http://schemas.microsoft.com/office/powerpoint/2010/main" xmlns:p15="http://schemas.microsoft.com/office/powerpoint/2012/main" xmlns:ahyp="http://schemas.microsoft.com/office/drawing/2018/hyperlinkcolor" xmlns:go="http://customooxmlschemas.google.com/" r:id="rId33" roundtripDataSignature="AMtx7mig7uoUar2FONQYJwEy87gUzpUQYQ=="/>
     </p:ext>
   </p:extLst>
 </p:presentation>
@@ -1660,6 +1664,2135 @@
 </p:notes>
 </file>
 
+<file path=ppt/notesSlides/notesSlide10.xml><?xml version="1.0" encoding="utf-8"?>
+<p:notes xmlns:a="http://schemas.openxmlformats.org/drawingml/2006/main" xmlns:r="http://schemas.openxmlformats.org/officeDocument/2006/relationships" xmlns:p="http://schemas.openxmlformats.org/presentationml/2006/main">
+  <p:cSld>
+    <p:spTree>
+      <p:nvGrpSpPr>
+        <p:cNvPr id="1" name=""/>
+        <p:cNvGrpSpPr/>
+        <p:nvPr/>
+      </p:nvGrpSpPr>
+      <p:grpSpPr>
+        <a:xfrm>
+          <a:off x="0" y="0"/>
+          <a:ext cx="0" cy="0"/>
+          <a:chOff x="0" y="0"/>
+          <a:chExt cx="0" cy="0"/>
+        </a:xfrm>
+      </p:grpSpPr>
+      <p:sp>
+        <p:nvSpPr>
+          <p:cNvPr id="2" name="Chỗ dành sẵn cho Hình ảnh của Bản chiếu 1"/>
+          <p:cNvSpPr>
+            <a:spLocks noGrp="1" noRot="1" noChangeAspect="1"/>
+          </p:cNvSpPr>
+          <p:nvPr>
+            <p:ph type="sldImg"/>
+          </p:nvPr>
+        </p:nvSpPr>
+        <p:spPr/>
+      </p:sp>
+      <p:sp>
+        <p:nvSpPr>
+          <p:cNvPr id="3" name="Chỗ dành sẵn cho Ghi chú 2"/>
+          <p:cNvSpPr>
+            <a:spLocks noGrp="1"/>
+          </p:cNvSpPr>
+          <p:nvPr>
+            <p:ph type="body" idx="1"/>
+          </p:nvPr>
+        </p:nvSpPr>
+        <p:spPr/>
+        <p:txBody>
+          <a:bodyPr/>
+          <a:lstStyle/>
+          <a:p>
+            <a:r>
+              <a:rPr lang="vi-VN" dirty="0"/>
+              <a:t>Mức tổng thể</a:t>
+            </a:r>
+          </a:p>
+          <a:p>
+            <a:r>
+              <a:rPr lang="vi-VN" dirty="0"/>
+              <a:t>Ma trận có đường chéo chính khá đậm, nghĩa là SVM phân loại đúng nhiều hơn hẳn so với K-</a:t>
+            </a:r>
+            <a:r>
+              <a:rPr lang="vi-VN" dirty="0" err="1"/>
+              <a:t>Means</a:t>
+            </a:r>
+            <a:r>
+              <a:rPr lang="vi-VN" dirty="0"/>
+              <a:t> trước đó.</a:t>
+            </a:r>
+          </a:p>
+          <a:p>
+            <a:r>
+              <a:rPr lang="vi-VN" dirty="0"/>
+              <a:t>Điều này cho thấy HOG + PCA + SVM đã học được biên phân tách giữa các cảm xúc tốt hơn rất nhiều so với phân cụm K-</a:t>
+            </a:r>
+            <a:r>
+              <a:rPr lang="vi-VN" dirty="0" err="1"/>
+              <a:t>Means</a:t>
+            </a:r>
+            <a:r>
+              <a:rPr lang="vi-VN" dirty="0"/>
+              <a:t> không giám sát.</a:t>
+            </a:r>
+          </a:p>
+          <a:p>
+            <a:r>
+              <a:rPr lang="vi-VN" dirty="0"/>
+              <a:t>Theo từng lớp cảm xúc</a:t>
+            </a:r>
+          </a:p>
+          <a:p>
+            <a:r>
+              <a:rPr lang="vi-VN" dirty="0" err="1"/>
+              <a:t>angry</a:t>
+            </a:r>
+            <a:r>
+              <a:rPr lang="vi-VN" dirty="0"/>
+              <a:t>, </a:t>
+            </a:r>
+            <a:r>
+              <a:rPr lang="vi-VN" dirty="0" err="1"/>
+              <a:t>disgust</a:t>
+            </a:r>
+            <a:r>
+              <a:rPr lang="vi-VN" dirty="0"/>
+              <a:t>, </a:t>
+            </a:r>
+            <a:r>
+              <a:rPr lang="vi-VN" dirty="0" err="1"/>
+              <a:t>happy</a:t>
+            </a:r>
+            <a:r>
+              <a:rPr lang="vi-VN" dirty="0"/>
+              <a:t>, </a:t>
+            </a:r>
+            <a:r>
+              <a:rPr lang="vi-VN" dirty="0" err="1"/>
+              <a:t>neutral</a:t>
+            </a:r>
+            <a:r>
+              <a:rPr lang="vi-VN" dirty="0"/>
+              <a:t>, </a:t>
+            </a:r>
+            <a:r>
+              <a:rPr lang="vi-VN" dirty="0" err="1"/>
+              <a:t>surprise</a:t>
+            </a:r>
+            <a:r>
+              <a:rPr lang="vi-VN" dirty="0"/>
+              <a:t> có số lượng dự đoán đúng khá lớn trên đường chéo</a:t>
+            </a:r>
+            <a:br>
+              <a:rPr lang="vi-VN" dirty="0"/>
+            </a:br>
+            <a:r>
+              <a:rPr lang="vi-VN" dirty="0"/>
+              <a:t>• </a:t>
+            </a:r>
+            <a:r>
+              <a:rPr lang="vi-VN" dirty="0" err="1"/>
+              <a:t>angry</a:t>
+            </a:r>
+            <a:r>
+              <a:rPr lang="vi-VN" dirty="0"/>
+              <a:t>: 99 mẫu đúng nhưng vẫn bị nhầm khá nhiều sang </a:t>
+            </a:r>
+            <a:r>
+              <a:rPr lang="vi-VN" dirty="0" err="1"/>
+              <a:t>disgust</a:t>
+            </a:r>
+            <a:r>
+              <a:rPr lang="vi-VN" dirty="0"/>
+              <a:t>, </a:t>
+            </a:r>
+            <a:r>
+              <a:rPr lang="vi-VN" dirty="0" err="1"/>
+              <a:t>fear</a:t>
+            </a:r>
+            <a:r>
+              <a:rPr lang="vi-VN" dirty="0"/>
+              <a:t>, </a:t>
+            </a:r>
+            <a:r>
+              <a:rPr lang="vi-VN" dirty="0" err="1"/>
+              <a:t>neutral</a:t>
+            </a:r>
+            <a:r>
+              <a:rPr lang="vi-VN" dirty="0"/>
+              <a:t>, </a:t>
+            </a:r>
+            <a:r>
+              <a:rPr lang="vi-VN" dirty="0" err="1"/>
+              <a:t>sad</a:t>
+            </a:r>
+            <a:br>
+              <a:rPr lang="vi-VN" dirty="0"/>
+            </a:br>
+            <a:r>
+              <a:rPr lang="vi-VN" dirty="0"/>
+              <a:t>• </a:t>
+            </a:r>
+            <a:r>
+              <a:rPr lang="vi-VN" dirty="0" err="1"/>
+              <a:t>disgust</a:t>
+            </a:r>
+            <a:r>
+              <a:rPr lang="vi-VN" dirty="0"/>
+              <a:t>: 84 mẫu đúng, ít nhầm hơn, chứng tỏ SVM phân biệt </a:t>
+            </a:r>
+            <a:r>
+              <a:rPr lang="vi-VN" dirty="0" err="1"/>
+              <a:t>disgust</a:t>
+            </a:r>
+            <a:r>
+              <a:rPr lang="vi-VN" dirty="0"/>
+              <a:t> tốt hơn K-</a:t>
+            </a:r>
+            <a:r>
+              <a:rPr lang="vi-VN" dirty="0" err="1"/>
+              <a:t>Means</a:t>
+            </a:r>
+            <a:br>
+              <a:rPr lang="vi-VN" dirty="0"/>
+            </a:br>
+            <a:r>
+              <a:rPr lang="vi-VN" dirty="0"/>
+              <a:t>• </a:t>
+            </a:r>
+            <a:r>
+              <a:rPr lang="vi-VN" dirty="0" err="1"/>
+              <a:t>happy</a:t>
+            </a:r>
+            <a:r>
+              <a:rPr lang="vi-VN" dirty="0"/>
+              <a:t>: 176 mẫu đúng, là một trong các lớp dễ nhận dạng nhất</a:t>
+            </a:r>
+            <a:br>
+              <a:rPr lang="vi-VN" dirty="0"/>
+            </a:br>
+            <a:r>
+              <a:rPr lang="vi-VN" dirty="0"/>
+              <a:t>• </a:t>
+            </a:r>
+            <a:r>
+              <a:rPr lang="vi-VN" dirty="0" err="1"/>
+              <a:t>neutral</a:t>
+            </a:r>
+            <a:r>
+              <a:rPr lang="vi-VN" dirty="0"/>
+              <a:t>: 114 mẫu đúng nhưng vẫn hay bị lẫn với </a:t>
+            </a:r>
+            <a:r>
+              <a:rPr lang="vi-VN" dirty="0" err="1"/>
+              <a:t>angry</a:t>
+            </a:r>
+            <a:r>
+              <a:rPr lang="vi-VN" dirty="0"/>
+              <a:t>, </a:t>
+            </a:r>
+            <a:r>
+              <a:rPr lang="vi-VN" dirty="0" err="1"/>
+              <a:t>fear</a:t>
+            </a:r>
+            <a:r>
+              <a:rPr lang="vi-VN" dirty="0"/>
+              <a:t>, </a:t>
+            </a:r>
+            <a:r>
+              <a:rPr lang="vi-VN" dirty="0" err="1"/>
+              <a:t>sad</a:t>
+            </a:r>
+            <a:br>
+              <a:rPr lang="vi-VN" dirty="0"/>
+            </a:br>
+            <a:r>
+              <a:rPr lang="vi-VN" dirty="0"/>
+              <a:t>• </a:t>
+            </a:r>
+            <a:r>
+              <a:rPr lang="vi-VN" dirty="0" err="1"/>
+              <a:t>surprise</a:t>
+            </a:r>
+            <a:r>
+              <a:rPr lang="vi-VN" dirty="0"/>
+              <a:t>: 173 mẫu đúng, vẫn là lớp dễ nhất, </a:t>
+            </a:r>
+            <a:r>
+              <a:rPr lang="vi-VN" dirty="0" err="1"/>
+              <a:t>gradient</a:t>
+            </a:r>
+            <a:r>
+              <a:rPr lang="vi-VN" dirty="0"/>
+              <a:t> của miệng và mắt rất đặc trưng</a:t>
+            </a:r>
+          </a:p>
+          <a:p>
+            <a:r>
+              <a:rPr lang="vi-VN" dirty="0" err="1"/>
+              <a:t>fear</a:t>
+            </a:r>
+            <a:r>
+              <a:rPr lang="vi-VN" dirty="0"/>
+              <a:t> và </a:t>
+            </a:r>
+            <a:r>
+              <a:rPr lang="vi-VN" dirty="0" err="1"/>
+              <a:t>sad</a:t>
+            </a:r>
+            <a:r>
+              <a:rPr lang="vi-VN" dirty="0"/>
+              <a:t> vẫn là hai lớp khó</a:t>
+            </a:r>
+            <a:br>
+              <a:rPr lang="vi-VN" dirty="0"/>
+            </a:br>
+            <a:r>
+              <a:rPr lang="vi-VN" dirty="0"/>
+              <a:t>• </a:t>
+            </a:r>
+            <a:r>
+              <a:rPr lang="vi-VN" dirty="0" err="1"/>
+              <a:t>fear</a:t>
+            </a:r>
+            <a:r>
+              <a:rPr lang="vi-VN" dirty="0"/>
+              <a:t>: chỉ khoảng 71 mẫu đúng, rất nhiều bị nhầm sang </a:t>
+            </a:r>
+            <a:r>
+              <a:rPr lang="vi-VN" dirty="0" err="1"/>
+              <a:t>angry</a:t>
+            </a:r>
+            <a:r>
+              <a:rPr lang="vi-VN" dirty="0"/>
+              <a:t>, </a:t>
+            </a:r>
+            <a:r>
+              <a:rPr lang="vi-VN" dirty="0" err="1"/>
+              <a:t>disgust</a:t>
+            </a:r>
+            <a:r>
+              <a:rPr lang="vi-VN" dirty="0"/>
+              <a:t>, </a:t>
+            </a:r>
+            <a:r>
+              <a:rPr lang="vi-VN" dirty="0" err="1"/>
+              <a:t>neutral</a:t>
+            </a:r>
+            <a:r>
+              <a:rPr lang="vi-VN" dirty="0"/>
+              <a:t>, </a:t>
+            </a:r>
+            <a:r>
+              <a:rPr lang="vi-VN" dirty="0" err="1"/>
+              <a:t>sad</a:t>
+            </a:r>
+            <a:r>
+              <a:rPr lang="vi-VN" dirty="0"/>
+              <a:t>, </a:t>
+            </a:r>
+            <a:r>
+              <a:rPr lang="vi-VN" dirty="0" err="1"/>
+              <a:t>surprise</a:t>
+            </a:r>
+            <a:br>
+              <a:rPr lang="vi-VN" dirty="0"/>
+            </a:br>
+            <a:r>
+              <a:rPr lang="vi-VN" dirty="0"/>
+              <a:t>• </a:t>
+            </a:r>
+            <a:r>
+              <a:rPr lang="vi-VN" dirty="0" err="1"/>
+              <a:t>sad</a:t>
+            </a:r>
+            <a:r>
+              <a:rPr lang="vi-VN" dirty="0"/>
+              <a:t>: số đúng không quá cao, thường bị nhầm thành </a:t>
+            </a:r>
+            <a:r>
+              <a:rPr lang="vi-VN" dirty="0" err="1"/>
+              <a:t>angry</a:t>
+            </a:r>
+            <a:r>
+              <a:rPr lang="vi-VN" dirty="0"/>
+              <a:t>, </a:t>
+            </a:r>
+            <a:r>
+              <a:rPr lang="vi-VN" dirty="0" err="1"/>
+              <a:t>fear</a:t>
+            </a:r>
+            <a:r>
+              <a:rPr lang="vi-VN" dirty="0"/>
+              <a:t>, </a:t>
+            </a:r>
+            <a:r>
+              <a:rPr lang="vi-VN" dirty="0" err="1"/>
+              <a:t>neutral</a:t>
+            </a:r>
+            <a:endParaRPr lang="vi-VN" dirty="0"/>
+          </a:p>
+          <a:p>
+            <a:r>
+              <a:rPr lang="vi-VN" dirty="0"/>
+              <a:t>Kiểu nhầm lẫn chính</a:t>
+            </a:r>
+          </a:p>
+          <a:p>
+            <a:r>
+              <a:rPr lang="vi-VN" dirty="0" err="1"/>
+              <a:t>fear</a:t>
+            </a:r>
+            <a:r>
+              <a:rPr lang="vi-VN" dirty="0"/>
+              <a:t> ↔ </a:t>
+            </a:r>
+            <a:r>
+              <a:rPr lang="vi-VN" dirty="0" err="1"/>
+              <a:t>surprise</a:t>
+            </a:r>
+            <a:r>
+              <a:rPr lang="vi-VN" dirty="0"/>
+              <a:t> ↔ </a:t>
+            </a:r>
+            <a:r>
+              <a:rPr lang="vi-VN" dirty="0" err="1"/>
+              <a:t>sad</a:t>
+            </a:r>
+            <a:r>
+              <a:rPr lang="vi-VN" dirty="0"/>
+              <a:t>: ba cảm xúc này có biểu cảm khuôn mặt khá giống nhau trong FER2013 nên HOG + SVM vẫn khó tách biệt hoàn toàn</a:t>
+            </a:r>
+          </a:p>
+          <a:p>
+            <a:r>
+              <a:rPr lang="vi-VN" dirty="0" err="1"/>
+              <a:t>angry</a:t>
+            </a:r>
+            <a:r>
+              <a:rPr lang="vi-VN" dirty="0"/>
+              <a:t> ↔ </a:t>
+            </a:r>
+            <a:r>
+              <a:rPr lang="vi-VN" dirty="0" err="1"/>
+              <a:t>disgust</a:t>
+            </a:r>
+            <a:r>
+              <a:rPr lang="vi-VN" dirty="0"/>
+              <a:t> ↔ </a:t>
+            </a:r>
+            <a:r>
+              <a:rPr lang="vi-VN" dirty="0" err="1"/>
+              <a:t>sad</a:t>
+            </a:r>
+            <a:r>
+              <a:rPr lang="vi-VN" dirty="0"/>
+              <a:t>: đường nét chân mày và miệng khiến </a:t>
+            </a:r>
+            <a:r>
+              <a:rPr lang="vi-VN" dirty="0" err="1"/>
+              <a:t>gradient</a:t>
+            </a:r>
+            <a:r>
+              <a:rPr lang="vi-VN" dirty="0"/>
+              <a:t> tương tự nhau, dẫn đến bị lẫn cụm</a:t>
+            </a:r>
+          </a:p>
+          <a:p>
+            <a:r>
+              <a:rPr lang="vi-VN" dirty="0" err="1"/>
+              <a:t>neutral</a:t>
+            </a:r>
+            <a:r>
+              <a:rPr lang="vi-VN" dirty="0"/>
+              <a:t> bị lẫn với </a:t>
+            </a:r>
+            <a:r>
+              <a:rPr lang="vi-VN" dirty="0" err="1"/>
+              <a:t>angry</a:t>
+            </a:r>
+            <a:r>
+              <a:rPr lang="vi-VN" dirty="0"/>
+              <a:t> và </a:t>
+            </a:r>
+            <a:r>
+              <a:rPr lang="vi-VN" dirty="0" err="1"/>
+              <a:t>sad</a:t>
+            </a:r>
+            <a:r>
+              <a:rPr lang="vi-VN" dirty="0"/>
+              <a:t> do khuôn mặt ít đặc trưng, biên dạng </a:t>
+            </a:r>
+            <a:r>
+              <a:rPr lang="vi-VN" dirty="0" err="1"/>
+              <a:t>gradient</a:t>
+            </a:r>
+            <a:r>
+              <a:rPr lang="vi-VN" dirty="0"/>
+              <a:t> yếu</a:t>
+            </a:r>
+          </a:p>
+          <a:p>
+            <a:r>
+              <a:rPr lang="vi-VN" dirty="0"/>
+              <a:t>Kết luận và ý nghĩa</a:t>
+            </a:r>
+          </a:p>
+          <a:p>
+            <a:r>
+              <a:rPr lang="vi-VN" dirty="0"/>
+              <a:t>So với K-</a:t>
+            </a:r>
+            <a:r>
+              <a:rPr lang="vi-VN" dirty="0" err="1"/>
+              <a:t>Means</a:t>
+            </a:r>
+            <a:r>
+              <a:rPr lang="vi-VN" dirty="0"/>
+              <a:t>, SVM tận dụng tốt hơn đặc trưng HOG + PCA, cho đường chéo ma trận rõ ràng và </a:t>
+            </a:r>
+            <a:r>
+              <a:rPr lang="vi-VN" dirty="0" err="1"/>
+              <a:t>accuracy</a:t>
+            </a:r>
+            <a:r>
+              <a:rPr lang="vi-VN" dirty="0"/>
+              <a:t> cao hơn nhiều.</a:t>
+            </a:r>
+          </a:p>
+          <a:p>
+            <a:r>
+              <a:rPr lang="vi-VN" dirty="0"/>
+              <a:t>PCA 90% giữ lại đủ thông tin để SVM phân lớp tốt nhưng vẫn giảm nhiễu và số chiều, do đó là lựa chọn PCA hợp lý cho </a:t>
+            </a:r>
+            <a:r>
+              <a:rPr lang="vi-VN" dirty="0" err="1"/>
+              <a:t>pipeline</a:t>
+            </a:r>
+            <a:r>
+              <a:rPr lang="vi-VN" dirty="0"/>
+              <a:t> HOG + PCA + SVM trên FER2013.</a:t>
+            </a:r>
+          </a:p>
+          <a:p>
+            <a:endParaRPr lang="vi-VN" dirty="0"/>
+          </a:p>
+        </p:txBody>
+      </p:sp>
+      <p:sp>
+        <p:nvSpPr>
+          <p:cNvPr id="4" name="Chỗ dành sẵn cho Số hiệu Bản chiếu 3"/>
+          <p:cNvSpPr>
+            <a:spLocks noGrp="1"/>
+          </p:cNvSpPr>
+          <p:nvPr>
+            <p:ph type="sldNum" idx="12"/>
+          </p:nvPr>
+        </p:nvSpPr>
+        <p:spPr/>
+        <p:txBody>
+          <a:bodyPr/>
+          <a:lstStyle/>
+          <a:p>
+            <a:pPr marL="0" marR="0" lvl="0" indent="0" algn="r" rtl="0">
+              <a:spcBef>
+                <a:spcPts val="0"/>
+              </a:spcBef>
+              <a:spcAft>
+                <a:spcPts val="0"/>
+              </a:spcAft>
+              <a:buNone/>
+            </a:pPr>
+            <a:fld id="{00000000-1234-1234-1234-123412341234}" type="slidenum">
+              <a:rPr lang="en-US" sz="1200" b="0" i="0" u="none" strike="noStrike" cap="none" smtClean="0">
+                <a:solidFill>
+                  <a:schemeClr val="dk1"/>
+                </a:solidFill>
+                <a:latin typeface="Calibri"/>
+                <a:ea typeface="Calibri"/>
+                <a:cs typeface="Calibri"/>
+                <a:sym typeface="Calibri"/>
+              </a:rPr>
+              <a:t>19</a:t>
+            </a:fld>
+            <a:endParaRPr lang="en-US" sz="1200" b="0" i="0" u="none" strike="noStrike" cap="none">
+              <a:solidFill>
+                <a:schemeClr val="dk1"/>
+              </a:solidFill>
+              <a:latin typeface="Calibri"/>
+              <a:ea typeface="Calibri"/>
+              <a:cs typeface="Calibri"/>
+              <a:sym typeface="Calibri"/>
+            </a:endParaRPr>
+          </a:p>
+        </p:txBody>
+      </p:sp>
+    </p:spTree>
+    <p:extLst>
+      <p:ext uri="{BB962C8B-B14F-4D97-AF65-F5344CB8AC3E}">
+        <p14:creationId xmlns:p14="http://schemas.microsoft.com/office/powerpoint/2010/main" val="788878022"/>
+      </p:ext>
+    </p:extLst>
+  </p:cSld>
+  <p:clrMapOvr>
+    <a:masterClrMapping/>
+  </p:clrMapOvr>
+</p:notes>
+</file>
+
+<file path=ppt/notesSlides/notesSlide11.xml><?xml version="1.0" encoding="utf-8"?>
+<p:notes xmlns:a="http://schemas.openxmlformats.org/drawingml/2006/main" xmlns:r="http://schemas.openxmlformats.org/officeDocument/2006/relationships" xmlns:p="http://schemas.openxmlformats.org/presentationml/2006/main">
+  <p:cSld>
+    <p:spTree>
+      <p:nvGrpSpPr>
+        <p:cNvPr id="1" name="">
+          <a:extLst>
+            <a:ext uri="{FF2B5EF4-FFF2-40B4-BE49-F238E27FC236}">
+              <a16:creationId xmlns:a16="http://schemas.microsoft.com/office/drawing/2014/main" id="{A93D3D55-49C5-77F8-82CA-D9C5E5A02849}"/>
+            </a:ext>
+          </a:extLst>
+        </p:cNvPr>
+        <p:cNvGrpSpPr/>
+        <p:nvPr/>
+      </p:nvGrpSpPr>
+      <p:grpSpPr>
+        <a:xfrm>
+          <a:off x="0" y="0"/>
+          <a:ext cx="0" cy="0"/>
+          <a:chOff x="0" y="0"/>
+          <a:chExt cx="0" cy="0"/>
+        </a:xfrm>
+      </p:grpSpPr>
+      <p:sp>
+        <p:nvSpPr>
+          <p:cNvPr id="2" name="Chỗ dành sẵn cho Hình ảnh của Bản chiếu 1">
+            <a:extLst>
+              <a:ext uri="{FF2B5EF4-FFF2-40B4-BE49-F238E27FC236}">
+                <a16:creationId xmlns:a16="http://schemas.microsoft.com/office/drawing/2014/main" id="{E08F79BE-92C8-55B0-8277-9EE62ACB1209}"/>
+              </a:ext>
+            </a:extLst>
+          </p:cNvPr>
+          <p:cNvSpPr>
+            <a:spLocks noGrp="1" noRot="1" noChangeAspect="1"/>
+          </p:cNvSpPr>
+          <p:nvPr>
+            <p:ph type="sldImg"/>
+          </p:nvPr>
+        </p:nvSpPr>
+        <p:spPr/>
+      </p:sp>
+      <p:sp>
+        <p:nvSpPr>
+          <p:cNvPr id="3" name="Chỗ dành sẵn cho Ghi chú 2">
+            <a:extLst>
+              <a:ext uri="{FF2B5EF4-FFF2-40B4-BE49-F238E27FC236}">
+                <a16:creationId xmlns:a16="http://schemas.microsoft.com/office/drawing/2014/main" id="{5385D4FF-81AB-9117-C6E5-84A69AA4A04D}"/>
+              </a:ext>
+            </a:extLst>
+          </p:cNvPr>
+          <p:cNvSpPr>
+            <a:spLocks noGrp="1"/>
+          </p:cNvSpPr>
+          <p:nvPr>
+            <p:ph type="body" idx="1"/>
+          </p:nvPr>
+        </p:nvSpPr>
+        <p:spPr/>
+        <p:txBody>
+          <a:bodyPr/>
+          <a:lstStyle/>
+          <a:p>
+            <a:r>
+              <a:rPr lang="vi-VN" b="1" dirty="0"/>
+              <a:t>Đánh giá mô hình CNN dựa trên </a:t>
+            </a:r>
+            <a:r>
+              <a:rPr lang="vi-VN" b="1" dirty="0" err="1"/>
+              <a:t>confusion</a:t>
+            </a:r>
+            <a:r>
+              <a:rPr lang="vi-VN" b="1" dirty="0"/>
+              <a:t> </a:t>
+            </a:r>
+            <a:r>
+              <a:rPr lang="vi-VN" b="1" dirty="0" err="1"/>
+              <a:t>matrix</a:t>
+            </a:r>
+            <a:endParaRPr lang="vi-VN" b="1" dirty="0"/>
+          </a:p>
+          <a:p>
+            <a:r>
+              <a:rPr lang="vi-VN" b="1" dirty="0"/>
+              <a:t>Hiệu năng tổng thể</a:t>
+            </a:r>
+            <a:endParaRPr lang="vi-VN" dirty="0"/>
+          </a:p>
+          <a:p>
+            <a:pPr lvl="1"/>
+            <a:r>
+              <a:rPr lang="vi-VN" dirty="0" err="1"/>
+              <a:t>Confusion</a:t>
+            </a:r>
+            <a:r>
+              <a:rPr lang="vi-VN" dirty="0"/>
+              <a:t> </a:t>
+            </a:r>
+            <a:r>
+              <a:rPr lang="vi-VN" dirty="0" err="1"/>
+              <a:t>matrix</a:t>
+            </a:r>
+            <a:r>
+              <a:rPr lang="vi-VN" dirty="0"/>
+              <a:t> cho thấy CNN đã học được đặc trưng từ ảnh tốt hơn </a:t>
+            </a:r>
+            <a:r>
+              <a:rPr lang="vi-VN" dirty="0" err="1"/>
+              <a:t>KMeans</a:t>
+            </a:r>
+            <a:r>
+              <a:rPr lang="vi-VN" dirty="0"/>
+              <a:t> hoặc SVM + HOG, thể hiện qua đường chéo chính đậm và đều hơn.</a:t>
+            </a:r>
+          </a:p>
+          <a:p>
+            <a:pPr lvl="1"/>
+            <a:r>
+              <a:rPr lang="vi-VN" dirty="0"/>
+              <a:t>Tuy vậy, mô hình vẫn gặp khó khăn ở một số cảm xúc có biểu hiện khuôn mặt tương tự nhau, phản ánh đặc trưng phức tạp của FER2013.</a:t>
+            </a:r>
+          </a:p>
+          <a:p>
+            <a:r>
+              <a:rPr lang="vi-VN" b="1" dirty="0"/>
+              <a:t>Những cảm xúc mô hình nhận diện tốt</a:t>
+            </a:r>
+            <a:endParaRPr lang="vi-VN" dirty="0"/>
+          </a:p>
+          <a:p>
+            <a:pPr lvl="1"/>
+            <a:r>
+              <a:rPr lang="vi-VN" b="1" dirty="0" err="1"/>
+              <a:t>Surprise</a:t>
+            </a:r>
+            <a:r>
+              <a:rPr lang="vi-VN" b="1" dirty="0"/>
+              <a:t>: 171 mẫu đúng</a:t>
+            </a:r>
+            <a:br>
+              <a:rPr lang="vi-VN" dirty="0"/>
+            </a:br>
+            <a:r>
+              <a:rPr lang="vi-VN" dirty="0"/>
+              <a:t>Đây là lớp dễ nhất với CNN vì biểu hiện mắt mở to, miệng mở tạo ra </a:t>
+            </a:r>
+            <a:r>
+              <a:rPr lang="vi-VN" dirty="0" err="1"/>
+              <a:t>gradient</a:t>
+            </a:r>
+            <a:r>
+              <a:rPr lang="vi-VN" dirty="0"/>
+              <a:t> rất rõ.</a:t>
+            </a:r>
+          </a:p>
+          <a:p>
+            <a:pPr lvl="1"/>
+            <a:r>
+              <a:rPr lang="vi-VN" b="1" dirty="0" err="1"/>
+              <a:t>Neutral</a:t>
+            </a:r>
+            <a:r>
+              <a:rPr lang="vi-VN" b="1" dirty="0"/>
+              <a:t>: 138 mẫu đúng</a:t>
+            </a:r>
+            <a:br>
+              <a:rPr lang="vi-VN" dirty="0"/>
+            </a:br>
+            <a:r>
+              <a:rPr lang="vi-VN" dirty="0"/>
+              <a:t>Đây là lớp có biểu cảm ổn định và ít biến thiên, CNN học tốt khuôn mặt ở trạng thái nghỉ.</a:t>
+            </a:r>
+          </a:p>
+          <a:p>
+            <a:pPr lvl="1"/>
+            <a:r>
+              <a:rPr lang="vi-VN" b="1" dirty="0" err="1"/>
+              <a:t>Happy</a:t>
+            </a:r>
+            <a:r>
+              <a:rPr lang="vi-VN" b="1" dirty="0"/>
+              <a:t>: 121 mẫu đúng</a:t>
+            </a:r>
+            <a:br>
+              <a:rPr lang="vi-VN" dirty="0"/>
+            </a:br>
+            <a:r>
+              <a:rPr lang="vi-VN" dirty="0"/>
+              <a:t>NBC (</a:t>
+            </a:r>
+            <a:r>
+              <a:rPr lang="vi-VN" dirty="0" err="1"/>
+              <a:t>mouth</a:t>
+            </a:r>
+            <a:r>
+              <a:rPr lang="vi-VN" dirty="0"/>
+              <a:t> </a:t>
+            </a:r>
+            <a:r>
+              <a:rPr lang="vi-VN" dirty="0" err="1"/>
+              <a:t>curvature</a:t>
+            </a:r>
+            <a:r>
+              <a:rPr lang="vi-VN" dirty="0"/>
+              <a:t>) trong </a:t>
+            </a:r>
+            <a:r>
+              <a:rPr lang="vi-VN" dirty="0" err="1"/>
+              <a:t>happy</a:t>
+            </a:r>
+            <a:r>
+              <a:rPr lang="vi-VN" dirty="0"/>
+              <a:t> giúp CNN phân biệt tốt.</a:t>
+            </a:r>
+          </a:p>
+          <a:p>
+            <a:r>
+              <a:rPr lang="vi-VN" b="1" dirty="0"/>
+              <a:t>Những cảm xúc mô hình nhận diện trung bình</a:t>
+            </a:r>
+            <a:endParaRPr lang="vi-VN" dirty="0"/>
+          </a:p>
+          <a:p>
+            <a:pPr lvl="1"/>
+            <a:r>
+              <a:rPr lang="vi-VN" b="1" dirty="0" err="1"/>
+              <a:t>Sad</a:t>
+            </a:r>
+            <a:r>
+              <a:rPr lang="vi-VN" b="1" dirty="0"/>
+              <a:t>: 86 mẫu đúng</a:t>
+            </a:r>
+            <a:br>
+              <a:rPr lang="vi-VN" dirty="0"/>
+            </a:br>
+            <a:r>
+              <a:rPr lang="vi-VN" dirty="0"/>
+              <a:t>Tuy nhận diện khá tốt, </a:t>
+            </a:r>
+            <a:r>
+              <a:rPr lang="vi-VN" dirty="0" err="1"/>
+              <a:t>sad</a:t>
+            </a:r>
+            <a:r>
+              <a:rPr lang="vi-VN" dirty="0"/>
+              <a:t> vẫn bị nhầm với </a:t>
+            </a:r>
+            <a:r>
+              <a:rPr lang="vi-VN" dirty="0" err="1"/>
+              <a:t>neutral</a:t>
+            </a:r>
+            <a:r>
+              <a:rPr lang="vi-VN" dirty="0"/>
+              <a:t> và </a:t>
+            </a:r>
+            <a:r>
+              <a:rPr lang="vi-VN" dirty="0" err="1"/>
+              <a:t>angry</a:t>
+            </a:r>
+            <a:r>
+              <a:rPr lang="vi-VN" dirty="0"/>
+              <a:t>, vốn có đường miệng và chân mày gần nhau.</a:t>
+            </a:r>
+          </a:p>
+          <a:p>
+            <a:pPr lvl="1"/>
+            <a:r>
+              <a:rPr lang="vi-VN" b="1" dirty="0" err="1"/>
+              <a:t>Angry</a:t>
+            </a:r>
+            <a:r>
+              <a:rPr lang="vi-VN" b="1" dirty="0"/>
+              <a:t>: 54 mẫu đúng</a:t>
+            </a:r>
+            <a:br>
+              <a:rPr lang="vi-VN" dirty="0"/>
+            </a:br>
+            <a:r>
+              <a:rPr lang="vi-VN" dirty="0" err="1"/>
+              <a:t>Angry</a:t>
+            </a:r>
+            <a:r>
+              <a:rPr lang="vi-VN" dirty="0"/>
+              <a:t> thường bị nhầm với </a:t>
+            </a:r>
+            <a:r>
+              <a:rPr lang="vi-VN" dirty="0" err="1"/>
+              <a:t>disgust</a:t>
+            </a:r>
+            <a:r>
+              <a:rPr lang="vi-VN" dirty="0"/>
+              <a:t>, </a:t>
+            </a:r>
+            <a:r>
+              <a:rPr lang="vi-VN" dirty="0" err="1"/>
+              <a:t>neutral</a:t>
+            </a:r>
+            <a:r>
+              <a:rPr lang="vi-VN" dirty="0"/>
+              <a:t>, </a:t>
+            </a:r>
+            <a:r>
+              <a:rPr lang="vi-VN" dirty="0" err="1"/>
+              <a:t>sad</a:t>
+            </a:r>
+            <a:r>
+              <a:rPr lang="vi-VN" dirty="0"/>
+              <a:t> do cấu trúc mắt và lông mày tương tự.</a:t>
+            </a:r>
+          </a:p>
+          <a:p>
+            <a:r>
+              <a:rPr lang="vi-VN" b="1" dirty="0"/>
+              <a:t>Những cảm xúc mô hình nhận diện kém</a:t>
+            </a:r>
+            <a:endParaRPr lang="vi-VN" dirty="0"/>
+          </a:p>
+          <a:p>
+            <a:pPr lvl="1"/>
+            <a:r>
+              <a:rPr lang="vi-VN" b="1" dirty="0" err="1"/>
+              <a:t>Disgust</a:t>
+            </a:r>
+            <a:r>
+              <a:rPr lang="vi-VN" b="1" dirty="0"/>
+              <a:t>: 81 mẫu đúng</a:t>
+            </a:r>
+            <a:br>
+              <a:rPr lang="vi-VN" dirty="0"/>
+            </a:br>
+            <a:r>
+              <a:rPr lang="vi-VN" dirty="0"/>
+              <a:t>Lớp này ít ảnh trong </a:t>
+            </a:r>
+            <a:r>
+              <a:rPr lang="vi-VN" dirty="0" err="1"/>
+              <a:t>dataset</a:t>
+            </a:r>
+            <a:r>
+              <a:rPr lang="vi-VN" dirty="0"/>
+              <a:t> và đặc trưng không mạnh nên dễ bị lẫn với </a:t>
+            </a:r>
+            <a:r>
+              <a:rPr lang="vi-VN" dirty="0" err="1"/>
+              <a:t>angry</a:t>
+            </a:r>
+            <a:r>
+              <a:rPr lang="vi-VN" dirty="0"/>
+              <a:t> và </a:t>
+            </a:r>
+            <a:r>
+              <a:rPr lang="vi-VN" dirty="0" err="1"/>
+              <a:t>neutral</a:t>
+            </a:r>
+            <a:r>
+              <a:rPr lang="vi-VN" dirty="0"/>
+              <a:t>.</a:t>
+            </a:r>
+          </a:p>
+          <a:p>
+            <a:pPr lvl="1"/>
+            <a:r>
+              <a:rPr lang="vi-VN" b="1" dirty="0" err="1"/>
+              <a:t>Fear</a:t>
+            </a:r>
+            <a:r>
+              <a:rPr lang="vi-VN" b="1" dirty="0"/>
+              <a:t>: chỉ 36 mẫu đúng</a:t>
+            </a:r>
+            <a:br>
+              <a:rPr lang="vi-VN" dirty="0"/>
+            </a:br>
+            <a:r>
+              <a:rPr lang="vi-VN" dirty="0" err="1"/>
+              <a:t>Fear</a:t>
+            </a:r>
+            <a:r>
+              <a:rPr lang="vi-VN" dirty="0"/>
+              <a:t> vẫn là lớp khó nhất trong FER2013.</a:t>
+            </a:r>
+            <a:br>
+              <a:rPr lang="vi-VN" dirty="0"/>
+            </a:br>
+            <a:r>
+              <a:rPr lang="vi-VN" dirty="0" err="1"/>
+              <a:t>Fear</a:t>
+            </a:r>
+            <a:r>
+              <a:rPr lang="vi-VN" dirty="0"/>
+              <a:t> dễ bị nhầm với </a:t>
+            </a:r>
+            <a:r>
+              <a:rPr lang="vi-VN" dirty="0" err="1"/>
+              <a:t>surprise</a:t>
+            </a:r>
+            <a:r>
+              <a:rPr lang="vi-VN" dirty="0"/>
+              <a:t>, </a:t>
+            </a:r>
+            <a:r>
+              <a:rPr lang="vi-VN" dirty="0" err="1"/>
+              <a:t>angry</a:t>
+            </a:r>
+            <a:r>
+              <a:rPr lang="vi-VN" dirty="0"/>
+              <a:t> và </a:t>
+            </a:r>
+            <a:r>
+              <a:rPr lang="vi-VN" dirty="0" err="1"/>
+              <a:t>sad</a:t>
+            </a:r>
+            <a:r>
+              <a:rPr lang="vi-VN" dirty="0"/>
+              <a:t> do biểu cảm mắt lớn, miệng mở tương tự </a:t>
+            </a:r>
+            <a:r>
+              <a:rPr lang="vi-VN" dirty="0" err="1"/>
+              <a:t>surprise</a:t>
+            </a:r>
+            <a:r>
+              <a:rPr lang="vi-VN" dirty="0"/>
+              <a:t> nhưng không rõ bằng.</a:t>
+            </a:r>
+          </a:p>
+          <a:p>
+            <a:r>
+              <a:rPr lang="vi-VN" b="1" dirty="0"/>
+              <a:t>Kiểu nhầm lẫn chính</a:t>
+            </a:r>
+            <a:br>
+              <a:rPr lang="vi-VN" dirty="0"/>
+            </a:br>
+            <a:r>
+              <a:rPr lang="vi-VN" dirty="0"/>
+              <a:t>Những cặp biểu cảm có mức nhầm lẫn cao gồm</a:t>
+            </a:r>
+          </a:p>
+          <a:p>
+            <a:pPr lvl="1"/>
+            <a:r>
+              <a:rPr lang="vi-VN" dirty="0" err="1"/>
+              <a:t>fear</a:t>
+            </a:r>
+            <a:r>
+              <a:rPr lang="vi-VN" dirty="0"/>
+              <a:t> ↔ </a:t>
+            </a:r>
+            <a:r>
+              <a:rPr lang="vi-VN" dirty="0" err="1"/>
+              <a:t>surprise</a:t>
+            </a:r>
+            <a:endParaRPr lang="vi-VN" dirty="0"/>
+          </a:p>
+          <a:p>
+            <a:pPr lvl="1"/>
+            <a:r>
+              <a:rPr lang="vi-VN" dirty="0" err="1"/>
+              <a:t>angry</a:t>
+            </a:r>
+            <a:r>
+              <a:rPr lang="vi-VN" dirty="0"/>
+              <a:t> ↔ </a:t>
+            </a:r>
+            <a:r>
+              <a:rPr lang="vi-VN" dirty="0" err="1"/>
+              <a:t>disgust</a:t>
+            </a:r>
+            <a:endParaRPr lang="vi-VN" dirty="0"/>
+          </a:p>
+          <a:p>
+            <a:pPr lvl="1"/>
+            <a:r>
+              <a:rPr lang="vi-VN" dirty="0" err="1"/>
+              <a:t>angry</a:t>
+            </a:r>
+            <a:r>
+              <a:rPr lang="vi-VN" dirty="0"/>
+              <a:t> ↔ </a:t>
+            </a:r>
+            <a:r>
+              <a:rPr lang="vi-VN" dirty="0" err="1"/>
+              <a:t>neutral</a:t>
+            </a:r>
+            <a:endParaRPr lang="vi-VN" dirty="0"/>
+          </a:p>
+          <a:p>
+            <a:pPr lvl="1"/>
+            <a:r>
+              <a:rPr lang="vi-VN" dirty="0" err="1"/>
+              <a:t>sad</a:t>
+            </a:r>
+            <a:r>
+              <a:rPr lang="vi-VN" dirty="0"/>
+              <a:t> ↔ </a:t>
+            </a:r>
+            <a:r>
+              <a:rPr lang="vi-VN" dirty="0" err="1"/>
+              <a:t>neutral</a:t>
+            </a:r>
+            <a:endParaRPr lang="vi-VN" dirty="0"/>
+          </a:p>
+          <a:p>
+            <a:pPr lvl="1"/>
+            <a:r>
+              <a:rPr lang="vi-VN" dirty="0" err="1"/>
+              <a:t>fear</a:t>
+            </a:r>
+            <a:r>
+              <a:rPr lang="vi-VN" dirty="0"/>
+              <a:t> ↔ </a:t>
+            </a:r>
+            <a:r>
+              <a:rPr lang="vi-VN" dirty="0" err="1"/>
+              <a:t>sad</a:t>
+            </a:r>
+            <a:endParaRPr lang="vi-VN" dirty="0"/>
+          </a:p>
+          <a:p>
+            <a:r>
+              <a:rPr lang="vi-VN" dirty="0"/>
+              <a:t>Đây đều là các cặp có biên dạng </a:t>
+            </a:r>
+            <a:r>
+              <a:rPr lang="vi-VN" dirty="0" err="1"/>
+              <a:t>gradient</a:t>
+            </a:r>
+            <a:r>
+              <a:rPr lang="vi-VN" dirty="0"/>
+              <a:t> khuôn mặt gần nhau hoặc mang tính mơ hồ trong ảnh xám 48x48.</a:t>
+            </a:r>
+          </a:p>
+          <a:p>
+            <a:r>
+              <a:rPr lang="vi-VN" b="1" dirty="0"/>
+              <a:t>Kết luận tổng quan</a:t>
+            </a:r>
+            <a:endParaRPr lang="vi-VN" dirty="0"/>
+          </a:p>
+          <a:p>
+            <a:pPr lvl="1"/>
+            <a:r>
+              <a:rPr lang="vi-VN" dirty="0"/>
+              <a:t>CNN cho kết quả tốt hơn SVM + HOG ở hầu hết các cảm xúc, đặc biệt là </a:t>
+            </a:r>
+            <a:r>
+              <a:rPr lang="vi-VN" dirty="0" err="1"/>
+              <a:t>happy</a:t>
+            </a:r>
+            <a:r>
+              <a:rPr lang="vi-VN" dirty="0"/>
+              <a:t>, </a:t>
+            </a:r>
+            <a:r>
+              <a:rPr lang="vi-VN" dirty="0" err="1"/>
+              <a:t>neutral</a:t>
+            </a:r>
+            <a:r>
+              <a:rPr lang="vi-VN" dirty="0"/>
+              <a:t>, </a:t>
+            </a:r>
+            <a:r>
+              <a:rPr lang="vi-VN" dirty="0" err="1"/>
+              <a:t>surprise</a:t>
+            </a:r>
+            <a:r>
+              <a:rPr lang="vi-VN" dirty="0"/>
+              <a:t>.</a:t>
+            </a:r>
+          </a:p>
+          <a:p>
+            <a:pPr lvl="1"/>
+            <a:r>
+              <a:rPr lang="vi-VN" dirty="0"/>
+              <a:t>Tuy vẫn còn nhiều nhầm lẫn ở các lớp khó như </a:t>
+            </a:r>
+            <a:r>
+              <a:rPr lang="vi-VN" dirty="0" err="1"/>
+              <a:t>fear</a:t>
+            </a:r>
+            <a:r>
+              <a:rPr lang="vi-VN" dirty="0"/>
+              <a:t>, </a:t>
+            </a:r>
+            <a:r>
+              <a:rPr lang="vi-VN" dirty="0" err="1"/>
+              <a:t>angry</a:t>
+            </a:r>
+            <a:r>
+              <a:rPr lang="vi-VN" dirty="0"/>
+              <a:t>, </a:t>
+            </a:r>
+            <a:r>
+              <a:rPr lang="vi-VN" dirty="0" err="1"/>
+              <a:t>sad</a:t>
+            </a:r>
+            <a:r>
+              <a:rPr lang="vi-VN" dirty="0"/>
+              <a:t> nhưng kết quả hiện tại phù hợp với đặc thù bộ dữ liệu FER2013 (ảnh </a:t>
+            </a:r>
+            <a:r>
+              <a:rPr lang="vi-VN" dirty="0" err="1"/>
+              <a:t>grayscale</a:t>
+            </a:r>
+            <a:r>
+              <a:rPr lang="vi-VN" dirty="0"/>
+              <a:t> nhỏ, nhiễu cao, biểu cảm mơ hồ).</a:t>
+            </a:r>
+          </a:p>
+          <a:p>
+            <a:pPr lvl="1"/>
+            <a:r>
+              <a:rPr lang="vi-VN" dirty="0"/>
+              <a:t>Khối CNN hiện tại đã hoạt động tốt ở mức </a:t>
+            </a:r>
+            <a:r>
+              <a:rPr lang="vi-VN" dirty="0" err="1"/>
+              <a:t>baseline</a:t>
+            </a:r>
+            <a:r>
+              <a:rPr lang="vi-VN" dirty="0"/>
+              <a:t>. Nếu cần cải thiện thêm, có thể nâng cấp theo hướng</a:t>
+            </a:r>
+          </a:p>
+          <a:p>
+            <a:pPr lvl="2"/>
+            <a:r>
+              <a:rPr lang="vi-VN" dirty="0"/>
+              <a:t>thêm </a:t>
+            </a:r>
+            <a:r>
+              <a:rPr lang="vi-VN" dirty="0" err="1"/>
+              <a:t>data</a:t>
+            </a:r>
+            <a:r>
+              <a:rPr lang="vi-VN" dirty="0"/>
+              <a:t> </a:t>
+            </a:r>
+            <a:r>
+              <a:rPr lang="vi-VN" dirty="0" err="1"/>
+              <a:t>augmentation</a:t>
+            </a:r>
+            <a:endParaRPr lang="vi-VN" dirty="0"/>
+          </a:p>
+          <a:p>
+            <a:pPr lvl="2"/>
+            <a:r>
+              <a:rPr lang="vi-VN" dirty="0"/>
+              <a:t>dùng </a:t>
+            </a:r>
+            <a:r>
+              <a:rPr lang="vi-VN" dirty="0" err="1"/>
+              <a:t>deeper</a:t>
+            </a:r>
+            <a:r>
+              <a:rPr lang="vi-VN" dirty="0"/>
+              <a:t> CNN</a:t>
+            </a:r>
+          </a:p>
+          <a:p>
+            <a:pPr lvl="2"/>
+            <a:r>
+              <a:rPr lang="vi-VN" dirty="0"/>
+              <a:t>dùng </a:t>
+            </a:r>
+            <a:r>
+              <a:rPr lang="vi-VN" dirty="0" err="1"/>
+              <a:t>optimizer</a:t>
+            </a:r>
+            <a:r>
+              <a:rPr lang="vi-VN" dirty="0"/>
+              <a:t> tốt hơn như </a:t>
+            </a:r>
+            <a:r>
+              <a:rPr lang="vi-VN" dirty="0" err="1"/>
+              <a:t>AdamW</a:t>
+            </a:r>
+            <a:endParaRPr lang="vi-VN" dirty="0"/>
+          </a:p>
+          <a:p>
+            <a:pPr lvl="2"/>
+            <a:r>
+              <a:rPr lang="vi-VN" dirty="0"/>
+              <a:t>tăng số ảnh </a:t>
+            </a:r>
+            <a:r>
+              <a:rPr lang="vi-VN" dirty="0" err="1"/>
+              <a:t>train</a:t>
+            </a:r>
+            <a:r>
+              <a:rPr lang="vi-VN" dirty="0"/>
+              <a:t> </a:t>
+            </a:r>
+            <a:r>
+              <a:rPr lang="vi-VN" dirty="0" err="1"/>
+              <a:t>per</a:t>
+            </a:r>
+            <a:r>
+              <a:rPr lang="vi-VN" dirty="0"/>
+              <a:t> </a:t>
+            </a:r>
+            <a:r>
+              <a:rPr lang="vi-VN" dirty="0" err="1"/>
+              <a:t>emotion</a:t>
+            </a:r>
+            <a:endParaRPr lang="vi-VN" dirty="0"/>
+          </a:p>
+        </p:txBody>
+      </p:sp>
+      <p:sp>
+        <p:nvSpPr>
+          <p:cNvPr id="4" name="Chỗ dành sẵn cho Số hiệu Bản chiếu 3">
+            <a:extLst>
+              <a:ext uri="{FF2B5EF4-FFF2-40B4-BE49-F238E27FC236}">
+                <a16:creationId xmlns:a16="http://schemas.microsoft.com/office/drawing/2014/main" id="{BC3E8D28-54D1-542E-842E-F1497FA28FCB}"/>
+              </a:ext>
+            </a:extLst>
+          </p:cNvPr>
+          <p:cNvSpPr>
+            <a:spLocks noGrp="1"/>
+          </p:cNvSpPr>
+          <p:nvPr>
+            <p:ph type="sldNum" idx="12"/>
+          </p:nvPr>
+        </p:nvSpPr>
+        <p:spPr/>
+        <p:txBody>
+          <a:bodyPr/>
+          <a:lstStyle/>
+          <a:p>
+            <a:pPr marL="0" marR="0" lvl="0" indent="0" algn="r" rtl="0">
+              <a:spcBef>
+                <a:spcPts val="0"/>
+              </a:spcBef>
+              <a:spcAft>
+                <a:spcPts val="0"/>
+              </a:spcAft>
+              <a:buNone/>
+            </a:pPr>
+            <a:fld id="{00000000-1234-1234-1234-123412341234}" type="slidenum">
+              <a:rPr lang="en-US" sz="1200" b="0" i="0" u="none" strike="noStrike" cap="none" smtClean="0">
+                <a:solidFill>
+                  <a:schemeClr val="dk1"/>
+                </a:solidFill>
+                <a:latin typeface="Calibri"/>
+                <a:ea typeface="Calibri"/>
+                <a:cs typeface="Calibri"/>
+                <a:sym typeface="Calibri"/>
+              </a:rPr>
+              <a:t>20</a:t>
+            </a:fld>
+            <a:endParaRPr lang="en-US" sz="1200" b="0" i="0" u="none" strike="noStrike" cap="none">
+              <a:solidFill>
+                <a:schemeClr val="dk1"/>
+              </a:solidFill>
+              <a:latin typeface="Calibri"/>
+              <a:ea typeface="Calibri"/>
+              <a:cs typeface="Calibri"/>
+              <a:sym typeface="Calibri"/>
+            </a:endParaRPr>
+          </a:p>
+        </p:txBody>
+      </p:sp>
+    </p:spTree>
+    <p:extLst>
+      <p:ext uri="{BB962C8B-B14F-4D97-AF65-F5344CB8AC3E}">
+        <p14:creationId xmlns:p14="http://schemas.microsoft.com/office/powerpoint/2010/main" val="942747792"/>
+      </p:ext>
+    </p:extLst>
+  </p:cSld>
+  <p:clrMapOvr>
+    <a:masterClrMapping/>
+  </p:clrMapOvr>
+</p:notes>
+</file>
+
+<file path=ppt/notesSlides/notesSlide12.xml><?xml version="1.0" encoding="utf-8"?>
+<p:notes xmlns:a="http://schemas.openxmlformats.org/drawingml/2006/main" xmlns:r="http://schemas.openxmlformats.org/officeDocument/2006/relationships" xmlns:p="http://schemas.openxmlformats.org/presentationml/2006/main">
+  <p:cSld>
+    <p:spTree>
+      <p:nvGrpSpPr>
+        <p:cNvPr id="1" name="">
+          <a:extLst>
+            <a:ext uri="{FF2B5EF4-FFF2-40B4-BE49-F238E27FC236}">
+              <a16:creationId xmlns:a16="http://schemas.microsoft.com/office/drawing/2014/main" id="{A2528201-9F22-2D3B-1185-6820D19A278B}"/>
+            </a:ext>
+          </a:extLst>
+        </p:cNvPr>
+        <p:cNvGrpSpPr/>
+        <p:nvPr/>
+      </p:nvGrpSpPr>
+      <p:grpSpPr>
+        <a:xfrm>
+          <a:off x="0" y="0"/>
+          <a:ext cx="0" cy="0"/>
+          <a:chOff x="0" y="0"/>
+          <a:chExt cx="0" cy="0"/>
+        </a:xfrm>
+      </p:grpSpPr>
+      <p:sp>
+        <p:nvSpPr>
+          <p:cNvPr id="2" name="Chỗ dành sẵn cho Hình ảnh của Bản chiếu 1">
+            <a:extLst>
+              <a:ext uri="{FF2B5EF4-FFF2-40B4-BE49-F238E27FC236}">
+                <a16:creationId xmlns:a16="http://schemas.microsoft.com/office/drawing/2014/main" id="{E271CDE7-B6DF-8034-B0F7-0C760E62A26A}"/>
+              </a:ext>
+            </a:extLst>
+          </p:cNvPr>
+          <p:cNvSpPr>
+            <a:spLocks noGrp="1" noRot="1" noChangeAspect="1"/>
+          </p:cNvSpPr>
+          <p:nvPr>
+            <p:ph type="sldImg"/>
+          </p:nvPr>
+        </p:nvSpPr>
+        <p:spPr/>
+      </p:sp>
+      <p:sp>
+        <p:nvSpPr>
+          <p:cNvPr id="3" name="Chỗ dành sẵn cho Ghi chú 2">
+            <a:extLst>
+              <a:ext uri="{FF2B5EF4-FFF2-40B4-BE49-F238E27FC236}">
+                <a16:creationId xmlns:a16="http://schemas.microsoft.com/office/drawing/2014/main" id="{B1F92348-3FB6-F41D-6E6D-A6609F1B529A}"/>
+              </a:ext>
+            </a:extLst>
+          </p:cNvPr>
+          <p:cNvSpPr>
+            <a:spLocks noGrp="1"/>
+          </p:cNvSpPr>
+          <p:nvPr>
+            <p:ph type="body" idx="1"/>
+          </p:nvPr>
+        </p:nvSpPr>
+        <p:spPr/>
+        <p:txBody>
+          <a:bodyPr/>
+          <a:lstStyle/>
+          <a:p>
+            <a:r>
+              <a:rPr lang="vi-VN" b="1" dirty="0"/>
+              <a:t>Đánh giá mô hình CNN dựa trên </a:t>
+            </a:r>
+            <a:r>
+              <a:rPr lang="vi-VN" b="1" dirty="0" err="1"/>
+              <a:t>confusion</a:t>
+            </a:r>
+            <a:r>
+              <a:rPr lang="vi-VN" b="1" dirty="0"/>
+              <a:t> </a:t>
+            </a:r>
+            <a:r>
+              <a:rPr lang="vi-VN" b="1" dirty="0" err="1"/>
+              <a:t>matrix</a:t>
+            </a:r>
+            <a:endParaRPr lang="vi-VN" b="1" dirty="0"/>
+          </a:p>
+          <a:p>
+            <a:r>
+              <a:rPr lang="vi-VN" b="1" dirty="0"/>
+              <a:t>Hiệu năng tổng thể</a:t>
+            </a:r>
+            <a:endParaRPr lang="vi-VN" dirty="0"/>
+          </a:p>
+          <a:p>
+            <a:pPr lvl="1"/>
+            <a:r>
+              <a:rPr lang="vi-VN" dirty="0" err="1"/>
+              <a:t>Confusion</a:t>
+            </a:r>
+            <a:r>
+              <a:rPr lang="vi-VN" dirty="0"/>
+              <a:t> </a:t>
+            </a:r>
+            <a:r>
+              <a:rPr lang="vi-VN" dirty="0" err="1"/>
+              <a:t>matrix</a:t>
+            </a:r>
+            <a:r>
+              <a:rPr lang="vi-VN" dirty="0"/>
+              <a:t> cho thấy CNN đã học được đặc trưng từ ảnh tốt hơn </a:t>
+            </a:r>
+            <a:r>
+              <a:rPr lang="vi-VN" dirty="0" err="1"/>
+              <a:t>KMeans</a:t>
+            </a:r>
+            <a:r>
+              <a:rPr lang="vi-VN" dirty="0"/>
+              <a:t> hoặc SVM + HOG, thể hiện qua đường chéo chính đậm và đều hơn.</a:t>
+            </a:r>
+          </a:p>
+          <a:p>
+            <a:pPr lvl="1"/>
+            <a:r>
+              <a:rPr lang="vi-VN" dirty="0"/>
+              <a:t>Tuy vậy, mô hình vẫn gặp khó khăn ở một số cảm xúc có biểu hiện khuôn mặt tương tự nhau, phản ánh đặc trưng phức tạp của FER2013.</a:t>
+            </a:r>
+          </a:p>
+          <a:p>
+            <a:r>
+              <a:rPr lang="vi-VN" b="1" dirty="0"/>
+              <a:t>Những cảm xúc mô hình nhận diện tốt</a:t>
+            </a:r>
+            <a:endParaRPr lang="vi-VN" dirty="0"/>
+          </a:p>
+          <a:p>
+            <a:pPr lvl="1"/>
+            <a:r>
+              <a:rPr lang="vi-VN" b="1" dirty="0" err="1"/>
+              <a:t>Surprise</a:t>
+            </a:r>
+            <a:r>
+              <a:rPr lang="vi-VN" b="1" dirty="0"/>
+              <a:t>: 171 mẫu đúng</a:t>
+            </a:r>
+            <a:br>
+              <a:rPr lang="vi-VN" dirty="0"/>
+            </a:br>
+            <a:r>
+              <a:rPr lang="vi-VN" dirty="0"/>
+              <a:t>Đây là lớp dễ nhất với CNN vì biểu hiện mắt mở to, miệng mở tạo ra </a:t>
+            </a:r>
+            <a:r>
+              <a:rPr lang="vi-VN" dirty="0" err="1"/>
+              <a:t>gradient</a:t>
+            </a:r>
+            <a:r>
+              <a:rPr lang="vi-VN" dirty="0"/>
+              <a:t> rất rõ.</a:t>
+            </a:r>
+          </a:p>
+          <a:p>
+            <a:pPr lvl="1"/>
+            <a:r>
+              <a:rPr lang="vi-VN" b="1" dirty="0" err="1"/>
+              <a:t>Neutral</a:t>
+            </a:r>
+            <a:r>
+              <a:rPr lang="vi-VN" b="1" dirty="0"/>
+              <a:t>: 138 mẫu đúng</a:t>
+            </a:r>
+            <a:br>
+              <a:rPr lang="vi-VN" dirty="0"/>
+            </a:br>
+            <a:r>
+              <a:rPr lang="vi-VN" dirty="0"/>
+              <a:t>Đây là lớp có biểu cảm ổn định và ít biến thiên, CNN học tốt khuôn mặt ở trạng thái nghỉ.</a:t>
+            </a:r>
+          </a:p>
+          <a:p>
+            <a:pPr lvl="1"/>
+            <a:r>
+              <a:rPr lang="vi-VN" b="1" dirty="0" err="1"/>
+              <a:t>Happy</a:t>
+            </a:r>
+            <a:r>
+              <a:rPr lang="vi-VN" b="1" dirty="0"/>
+              <a:t>: 121 mẫu đúng</a:t>
+            </a:r>
+            <a:br>
+              <a:rPr lang="vi-VN" dirty="0"/>
+            </a:br>
+            <a:r>
+              <a:rPr lang="vi-VN" dirty="0"/>
+              <a:t>NBC (</a:t>
+            </a:r>
+            <a:r>
+              <a:rPr lang="vi-VN" dirty="0" err="1"/>
+              <a:t>mouth</a:t>
+            </a:r>
+            <a:r>
+              <a:rPr lang="vi-VN" dirty="0"/>
+              <a:t> </a:t>
+            </a:r>
+            <a:r>
+              <a:rPr lang="vi-VN" dirty="0" err="1"/>
+              <a:t>curvature</a:t>
+            </a:r>
+            <a:r>
+              <a:rPr lang="vi-VN" dirty="0"/>
+              <a:t>) trong </a:t>
+            </a:r>
+            <a:r>
+              <a:rPr lang="vi-VN" dirty="0" err="1"/>
+              <a:t>happy</a:t>
+            </a:r>
+            <a:r>
+              <a:rPr lang="vi-VN" dirty="0"/>
+              <a:t> giúp CNN phân biệt tốt.</a:t>
+            </a:r>
+          </a:p>
+          <a:p>
+            <a:r>
+              <a:rPr lang="vi-VN" b="1" dirty="0"/>
+              <a:t>Những cảm xúc mô hình nhận diện trung bình</a:t>
+            </a:r>
+            <a:endParaRPr lang="vi-VN" dirty="0"/>
+          </a:p>
+          <a:p>
+            <a:pPr lvl="1"/>
+            <a:r>
+              <a:rPr lang="vi-VN" b="1" dirty="0" err="1"/>
+              <a:t>Sad</a:t>
+            </a:r>
+            <a:r>
+              <a:rPr lang="vi-VN" b="1" dirty="0"/>
+              <a:t>: 86 mẫu đúng</a:t>
+            </a:r>
+            <a:br>
+              <a:rPr lang="vi-VN" dirty="0"/>
+            </a:br>
+            <a:r>
+              <a:rPr lang="vi-VN" dirty="0"/>
+              <a:t>Tuy nhận diện khá tốt, </a:t>
+            </a:r>
+            <a:r>
+              <a:rPr lang="vi-VN" dirty="0" err="1"/>
+              <a:t>sad</a:t>
+            </a:r>
+            <a:r>
+              <a:rPr lang="vi-VN" dirty="0"/>
+              <a:t> vẫn bị nhầm với </a:t>
+            </a:r>
+            <a:r>
+              <a:rPr lang="vi-VN" dirty="0" err="1"/>
+              <a:t>neutral</a:t>
+            </a:r>
+            <a:r>
+              <a:rPr lang="vi-VN" dirty="0"/>
+              <a:t> và </a:t>
+            </a:r>
+            <a:r>
+              <a:rPr lang="vi-VN" dirty="0" err="1"/>
+              <a:t>angry</a:t>
+            </a:r>
+            <a:r>
+              <a:rPr lang="vi-VN" dirty="0"/>
+              <a:t>, vốn có đường miệng và chân mày gần nhau.</a:t>
+            </a:r>
+          </a:p>
+          <a:p>
+            <a:pPr lvl="1"/>
+            <a:r>
+              <a:rPr lang="vi-VN" b="1" dirty="0" err="1"/>
+              <a:t>Angry</a:t>
+            </a:r>
+            <a:r>
+              <a:rPr lang="vi-VN" b="1" dirty="0"/>
+              <a:t>: 54 mẫu đúng</a:t>
+            </a:r>
+            <a:br>
+              <a:rPr lang="vi-VN" dirty="0"/>
+            </a:br>
+            <a:r>
+              <a:rPr lang="vi-VN" dirty="0" err="1"/>
+              <a:t>Angry</a:t>
+            </a:r>
+            <a:r>
+              <a:rPr lang="vi-VN" dirty="0"/>
+              <a:t> thường bị nhầm với </a:t>
+            </a:r>
+            <a:r>
+              <a:rPr lang="vi-VN" dirty="0" err="1"/>
+              <a:t>disgust</a:t>
+            </a:r>
+            <a:r>
+              <a:rPr lang="vi-VN" dirty="0"/>
+              <a:t>, </a:t>
+            </a:r>
+            <a:r>
+              <a:rPr lang="vi-VN" dirty="0" err="1"/>
+              <a:t>neutral</a:t>
+            </a:r>
+            <a:r>
+              <a:rPr lang="vi-VN" dirty="0"/>
+              <a:t>, </a:t>
+            </a:r>
+            <a:r>
+              <a:rPr lang="vi-VN" dirty="0" err="1"/>
+              <a:t>sad</a:t>
+            </a:r>
+            <a:r>
+              <a:rPr lang="vi-VN" dirty="0"/>
+              <a:t> do cấu trúc mắt và lông mày tương tự.</a:t>
+            </a:r>
+          </a:p>
+          <a:p>
+            <a:r>
+              <a:rPr lang="vi-VN" b="1" dirty="0"/>
+              <a:t>Những cảm xúc mô hình nhận diện kém</a:t>
+            </a:r>
+            <a:endParaRPr lang="vi-VN" dirty="0"/>
+          </a:p>
+          <a:p>
+            <a:pPr lvl="1"/>
+            <a:r>
+              <a:rPr lang="vi-VN" b="1" dirty="0" err="1"/>
+              <a:t>Disgust</a:t>
+            </a:r>
+            <a:r>
+              <a:rPr lang="vi-VN" b="1" dirty="0"/>
+              <a:t>: 81 mẫu đúng</a:t>
+            </a:r>
+            <a:br>
+              <a:rPr lang="vi-VN" dirty="0"/>
+            </a:br>
+            <a:r>
+              <a:rPr lang="vi-VN" dirty="0"/>
+              <a:t>Lớp này ít ảnh trong </a:t>
+            </a:r>
+            <a:r>
+              <a:rPr lang="vi-VN" dirty="0" err="1"/>
+              <a:t>dataset</a:t>
+            </a:r>
+            <a:r>
+              <a:rPr lang="vi-VN" dirty="0"/>
+              <a:t> và đặc trưng không mạnh nên dễ bị lẫn với </a:t>
+            </a:r>
+            <a:r>
+              <a:rPr lang="vi-VN" dirty="0" err="1"/>
+              <a:t>angry</a:t>
+            </a:r>
+            <a:r>
+              <a:rPr lang="vi-VN" dirty="0"/>
+              <a:t> và </a:t>
+            </a:r>
+            <a:r>
+              <a:rPr lang="vi-VN" dirty="0" err="1"/>
+              <a:t>neutral</a:t>
+            </a:r>
+            <a:r>
+              <a:rPr lang="vi-VN" dirty="0"/>
+              <a:t>.</a:t>
+            </a:r>
+          </a:p>
+          <a:p>
+            <a:pPr lvl="1"/>
+            <a:r>
+              <a:rPr lang="vi-VN" b="1" dirty="0" err="1"/>
+              <a:t>Fear</a:t>
+            </a:r>
+            <a:r>
+              <a:rPr lang="vi-VN" b="1" dirty="0"/>
+              <a:t>: chỉ 36 mẫu đúng</a:t>
+            </a:r>
+            <a:br>
+              <a:rPr lang="vi-VN" dirty="0"/>
+            </a:br>
+            <a:r>
+              <a:rPr lang="vi-VN" dirty="0" err="1"/>
+              <a:t>Fear</a:t>
+            </a:r>
+            <a:r>
+              <a:rPr lang="vi-VN" dirty="0"/>
+              <a:t> vẫn là lớp khó nhất trong FER2013.</a:t>
+            </a:r>
+            <a:br>
+              <a:rPr lang="vi-VN" dirty="0"/>
+            </a:br>
+            <a:r>
+              <a:rPr lang="vi-VN" dirty="0" err="1"/>
+              <a:t>Fear</a:t>
+            </a:r>
+            <a:r>
+              <a:rPr lang="vi-VN" dirty="0"/>
+              <a:t> dễ bị nhầm với </a:t>
+            </a:r>
+            <a:r>
+              <a:rPr lang="vi-VN" dirty="0" err="1"/>
+              <a:t>surprise</a:t>
+            </a:r>
+            <a:r>
+              <a:rPr lang="vi-VN" dirty="0"/>
+              <a:t>, </a:t>
+            </a:r>
+            <a:r>
+              <a:rPr lang="vi-VN" dirty="0" err="1"/>
+              <a:t>angry</a:t>
+            </a:r>
+            <a:r>
+              <a:rPr lang="vi-VN" dirty="0"/>
+              <a:t> và </a:t>
+            </a:r>
+            <a:r>
+              <a:rPr lang="vi-VN" dirty="0" err="1"/>
+              <a:t>sad</a:t>
+            </a:r>
+            <a:r>
+              <a:rPr lang="vi-VN" dirty="0"/>
+              <a:t> do biểu cảm mắt lớn, miệng mở tương tự </a:t>
+            </a:r>
+            <a:r>
+              <a:rPr lang="vi-VN" dirty="0" err="1"/>
+              <a:t>surprise</a:t>
+            </a:r>
+            <a:r>
+              <a:rPr lang="vi-VN" dirty="0"/>
+              <a:t> nhưng không rõ bằng.</a:t>
+            </a:r>
+          </a:p>
+          <a:p>
+            <a:r>
+              <a:rPr lang="vi-VN" b="1" dirty="0"/>
+              <a:t>Kiểu nhầm lẫn chính</a:t>
+            </a:r>
+            <a:br>
+              <a:rPr lang="vi-VN" dirty="0"/>
+            </a:br>
+            <a:r>
+              <a:rPr lang="vi-VN" dirty="0"/>
+              <a:t>Những cặp biểu cảm có mức nhầm lẫn cao gồm</a:t>
+            </a:r>
+          </a:p>
+          <a:p>
+            <a:pPr lvl="1"/>
+            <a:r>
+              <a:rPr lang="vi-VN" dirty="0" err="1"/>
+              <a:t>fear</a:t>
+            </a:r>
+            <a:r>
+              <a:rPr lang="vi-VN" dirty="0"/>
+              <a:t> ↔ </a:t>
+            </a:r>
+            <a:r>
+              <a:rPr lang="vi-VN" dirty="0" err="1"/>
+              <a:t>surprise</a:t>
+            </a:r>
+            <a:endParaRPr lang="vi-VN" dirty="0"/>
+          </a:p>
+          <a:p>
+            <a:pPr lvl="1"/>
+            <a:r>
+              <a:rPr lang="vi-VN" dirty="0" err="1"/>
+              <a:t>angry</a:t>
+            </a:r>
+            <a:r>
+              <a:rPr lang="vi-VN" dirty="0"/>
+              <a:t> ↔ </a:t>
+            </a:r>
+            <a:r>
+              <a:rPr lang="vi-VN" dirty="0" err="1"/>
+              <a:t>disgust</a:t>
+            </a:r>
+            <a:endParaRPr lang="vi-VN" dirty="0"/>
+          </a:p>
+          <a:p>
+            <a:pPr lvl="1"/>
+            <a:r>
+              <a:rPr lang="vi-VN" dirty="0" err="1"/>
+              <a:t>angry</a:t>
+            </a:r>
+            <a:r>
+              <a:rPr lang="vi-VN" dirty="0"/>
+              <a:t> ↔ </a:t>
+            </a:r>
+            <a:r>
+              <a:rPr lang="vi-VN" dirty="0" err="1"/>
+              <a:t>neutral</a:t>
+            </a:r>
+            <a:endParaRPr lang="vi-VN" dirty="0"/>
+          </a:p>
+          <a:p>
+            <a:pPr lvl="1"/>
+            <a:r>
+              <a:rPr lang="vi-VN" dirty="0" err="1"/>
+              <a:t>sad</a:t>
+            </a:r>
+            <a:r>
+              <a:rPr lang="vi-VN" dirty="0"/>
+              <a:t> ↔ </a:t>
+            </a:r>
+            <a:r>
+              <a:rPr lang="vi-VN" dirty="0" err="1"/>
+              <a:t>neutral</a:t>
+            </a:r>
+            <a:endParaRPr lang="vi-VN" dirty="0"/>
+          </a:p>
+          <a:p>
+            <a:pPr lvl="1"/>
+            <a:r>
+              <a:rPr lang="vi-VN" dirty="0" err="1"/>
+              <a:t>fear</a:t>
+            </a:r>
+            <a:r>
+              <a:rPr lang="vi-VN" dirty="0"/>
+              <a:t> ↔ </a:t>
+            </a:r>
+            <a:r>
+              <a:rPr lang="vi-VN" dirty="0" err="1"/>
+              <a:t>sad</a:t>
+            </a:r>
+            <a:endParaRPr lang="vi-VN" dirty="0"/>
+          </a:p>
+          <a:p>
+            <a:r>
+              <a:rPr lang="vi-VN" dirty="0"/>
+              <a:t>Đây đều là các cặp có biên dạng </a:t>
+            </a:r>
+            <a:r>
+              <a:rPr lang="vi-VN" dirty="0" err="1"/>
+              <a:t>gradient</a:t>
+            </a:r>
+            <a:r>
+              <a:rPr lang="vi-VN" dirty="0"/>
+              <a:t> khuôn mặt gần nhau hoặc mang tính mơ hồ trong ảnh xám 48x48.</a:t>
+            </a:r>
+          </a:p>
+          <a:p>
+            <a:r>
+              <a:rPr lang="vi-VN" b="1" dirty="0"/>
+              <a:t>Kết luận tổng quan</a:t>
+            </a:r>
+            <a:endParaRPr lang="vi-VN" dirty="0"/>
+          </a:p>
+          <a:p>
+            <a:pPr lvl="1"/>
+            <a:r>
+              <a:rPr lang="vi-VN" dirty="0"/>
+              <a:t>CNN cho kết quả tốt hơn SVM + HOG ở hầu hết các cảm xúc, đặc biệt là </a:t>
+            </a:r>
+            <a:r>
+              <a:rPr lang="vi-VN" dirty="0" err="1"/>
+              <a:t>happy</a:t>
+            </a:r>
+            <a:r>
+              <a:rPr lang="vi-VN" dirty="0"/>
+              <a:t>, </a:t>
+            </a:r>
+            <a:r>
+              <a:rPr lang="vi-VN" dirty="0" err="1"/>
+              <a:t>neutral</a:t>
+            </a:r>
+            <a:r>
+              <a:rPr lang="vi-VN" dirty="0"/>
+              <a:t>, </a:t>
+            </a:r>
+            <a:r>
+              <a:rPr lang="vi-VN" dirty="0" err="1"/>
+              <a:t>surprise</a:t>
+            </a:r>
+            <a:r>
+              <a:rPr lang="vi-VN" dirty="0"/>
+              <a:t>.</a:t>
+            </a:r>
+          </a:p>
+          <a:p>
+            <a:pPr lvl="1"/>
+            <a:r>
+              <a:rPr lang="vi-VN" dirty="0"/>
+              <a:t>Tuy vẫn còn nhiều nhầm lẫn ở các lớp khó như </a:t>
+            </a:r>
+            <a:r>
+              <a:rPr lang="vi-VN" dirty="0" err="1"/>
+              <a:t>fear</a:t>
+            </a:r>
+            <a:r>
+              <a:rPr lang="vi-VN" dirty="0"/>
+              <a:t>, </a:t>
+            </a:r>
+            <a:r>
+              <a:rPr lang="vi-VN" dirty="0" err="1"/>
+              <a:t>angry</a:t>
+            </a:r>
+            <a:r>
+              <a:rPr lang="vi-VN" dirty="0"/>
+              <a:t>, </a:t>
+            </a:r>
+            <a:r>
+              <a:rPr lang="vi-VN" dirty="0" err="1"/>
+              <a:t>sad</a:t>
+            </a:r>
+            <a:r>
+              <a:rPr lang="vi-VN" dirty="0"/>
+              <a:t> nhưng kết quả hiện tại phù hợp với đặc thù bộ dữ liệu FER2013 (ảnh </a:t>
+            </a:r>
+            <a:r>
+              <a:rPr lang="vi-VN" dirty="0" err="1"/>
+              <a:t>grayscale</a:t>
+            </a:r>
+            <a:r>
+              <a:rPr lang="vi-VN" dirty="0"/>
+              <a:t> nhỏ, nhiễu cao, biểu cảm mơ hồ).</a:t>
+            </a:r>
+          </a:p>
+          <a:p>
+            <a:pPr lvl="1"/>
+            <a:r>
+              <a:rPr lang="vi-VN" dirty="0"/>
+              <a:t>Khối CNN hiện tại đã hoạt động tốt ở mức </a:t>
+            </a:r>
+            <a:r>
+              <a:rPr lang="vi-VN" dirty="0" err="1"/>
+              <a:t>baseline</a:t>
+            </a:r>
+            <a:r>
+              <a:rPr lang="vi-VN" dirty="0"/>
+              <a:t>. Nếu cần cải thiện thêm, có thể nâng cấp theo hướng</a:t>
+            </a:r>
+          </a:p>
+          <a:p>
+            <a:pPr lvl="2"/>
+            <a:r>
+              <a:rPr lang="vi-VN" dirty="0"/>
+              <a:t>thêm </a:t>
+            </a:r>
+            <a:r>
+              <a:rPr lang="vi-VN" dirty="0" err="1"/>
+              <a:t>data</a:t>
+            </a:r>
+            <a:r>
+              <a:rPr lang="vi-VN" dirty="0"/>
+              <a:t> </a:t>
+            </a:r>
+            <a:r>
+              <a:rPr lang="vi-VN" dirty="0" err="1"/>
+              <a:t>augmentation</a:t>
+            </a:r>
+            <a:endParaRPr lang="vi-VN" dirty="0"/>
+          </a:p>
+          <a:p>
+            <a:pPr lvl="2"/>
+            <a:r>
+              <a:rPr lang="vi-VN" dirty="0"/>
+              <a:t>dùng </a:t>
+            </a:r>
+            <a:r>
+              <a:rPr lang="vi-VN" dirty="0" err="1"/>
+              <a:t>deeper</a:t>
+            </a:r>
+            <a:r>
+              <a:rPr lang="vi-VN" dirty="0"/>
+              <a:t> CNN</a:t>
+            </a:r>
+          </a:p>
+          <a:p>
+            <a:pPr lvl="2"/>
+            <a:r>
+              <a:rPr lang="vi-VN" dirty="0"/>
+              <a:t>dùng </a:t>
+            </a:r>
+            <a:r>
+              <a:rPr lang="vi-VN" dirty="0" err="1"/>
+              <a:t>optimizer</a:t>
+            </a:r>
+            <a:r>
+              <a:rPr lang="vi-VN" dirty="0"/>
+              <a:t> tốt hơn như </a:t>
+            </a:r>
+            <a:r>
+              <a:rPr lang="vi-VN" dirty="0" err="1"/>
+              <a:t>AdamW</a:t>
+            </a:r>
+            <a:endParaRPr lang="vi-VN" dirty="0"/>
+          </a:p>
+          <a:p>
+            <a:pPr lvl="2"/>
+            <a:r>
+              <a:rPr lang="vi-VN" dirty="0"/>
+              <a:t>tăng số ảnh </a:t>
+            </a:r>
+            <a:r>
+              <a:rPr lang="vi-VN" dirty="0" err="1"/>
+              <a:t>train</a:t>
+            </a:r>
+            <a:r>
+              <a:rPr lang="vi-VN" dirty="0"/>
+              <a:t> </a:t>
+            </a:r>
+            <a:r>
+              <a:rPr lang="vi-VN" dirty="0" err="1"/>
+              <a:t>per</a:t>
+            </a:r>
+            <a:r>
+              <a:rPr lang="vi-VN" dirty="0"/>
+              <a:t> </a:t>
+            </a:r>
+            <a:r>
+              <a:rPr lang="vi-VN" dirty="0" err="1"/>
+              <a:t>emotion</a:t>
+            </a:r>
+            <a:endParaRPr lang="vi-VN" dirty="0"/>
+          </a:p>
+        </p:txBody>
+      </p:sp>
+      <p:sp>
+        <p:nvSpPr>
+          <p:cNvPr id="4" name="Chỗ dành sẵn cho Số hiệu Bản chiếu 3">
+            <a:extLst>
+              <a:ext uri="{FF2B5EF4-FFF2-40B4-BE49-F238E27FC236}">
+                <a16:creationId xmlns:a16="http://schemas.microsoft.com/office/drawing/2014/main" id="{DB34F256-65CE-2E36-B777-D160C8D1DAC0}"/>
+              </a:ext>
+            </a:extLst>
+          </p:cNvPr>
+          <p:cNvSpPr>
+            <a:spLocks noGrp="1"/>
+          </p:cNvSpPr>
+          <p:nvPr>
+            <p:ph type="sldNum" idx="12"/>
+          </p:nvPr>
+        </p:nvSpPr>
+        <p:spPr/>
+        <p:txBody>
+          <a:bodyPr/>
+          <a:lstStyle/>
+          <a:p>
+            <a:pPr marL="0" marR="0" lvl="0" indent="0" algn="r" rtl="0">
+              <a:spcBef>
+                <a:spcPts val="0"/>
+              </a:spcBef>
+              <a:spcAft>
+                <a:spcPts val="0"/>
+              </a:spcAft>
+              <a:buNone/>
+            </a:pPr>
+            <a:fld id="{00000000-1234-1234-1234-123412341234}" type="slidenum">
+              <a:rPr lang="en-US" sz="1200" b="0" i="0" u="none" strike="noStrike" cap="none" smtClean="0">
+                <a:solidFill>
+                  <a:schemeClr val="dk1"/>
+                </a:solidFill>
+                <a:latin typeface="Calibri"/>
+                <a:ea typeface="Calibri"/>
+                <a:cs typeface="Calibri"/>
+                <a:sym typeface="Calibri"/>
+              </a:rPr>
+              <a:t>21</a:t>
+            </a:fld>
+            <a:endParaRPr lang="en-US" sz="1200" b="0" i="0" u="none" strike="noStrike" cap="none">
+              <a:solidFill>
+                <a:schemeClr val="dk1"/>
+              </a:solidFill>
+              <a:latin typeface="Calibri"/>
+              <a:ea typeface="Calibri"/>
+              <a:cs typeface="Calibri"/>
+              <a:sym typeface="Calibri"/>
+            </a:endParaRPr>
+          </a:p>
+        </p:txBody>
+      </p:sp>
+    </p:spTree>
+    <p:extLst>
+      <p:ext uri="{BB962C8B-B14F-4D97-AF65-F5344CB8AC3E}">
+        <p14:creationId xmlns:p14="http://schemas.microsoft.com/office/powerpoint/2010/main" val="96596965"/>
+      </p:ext>
+    </p:extLst>
+  </p:cSld>
+  <p:clrMapOvr>
+    <a:masterClrMapping/>
+  </p:clrMapOvr>
+</p:notes>
+</file>
+
 <file path=ppt/notesSlides/notesSlide2.xml><?xml version="1.0" encoding="utf-8"?>
 <p:notes xmlns:a="http://schemas.openxmlformats.org/drawingml/2006/main" xmlns:r="http://schemas.openxmlformats.org/officeDocument/2006/relationships" xmlns:p="http://schemas.openxmlformats.org/presentationml/2006/main">
   <p:cSld>
@@ -2582,6 +4715,494 @@
     <p:extLst>
       <p:ext uri="{BB962C8B-B14F-4D97-AF65-F5344CB8AC3E}">
         <p14:creationId xmlns:p14="http://schemas.microsoft.com/office/powerpoint/2010/main" val="136327469"/>
+      </p:ext>
+    </p:extLst>
+  </p:cSld>
+  <p:clrMapOvr>
+    <a:masterClrMapping/>
+  </p:clrMapOvr>
+</p:notes>
+</file>
+
+<file path=ppt/notesSlides/notesSlide9.xml><?xml version="1.0" encoding="utf-8"?>
+<p:notes xmlns:a="http://schemas.openxmlformats.org/drawingml/2006/main" xmlns:r="http://schemas.openxmlformats.org/officeDocument/2006/relationships" xmlns:p="http://schemas.openxmlformats.org/presentationml/2006/main">
+  <p:cSld>
+    <p:spTree>
+      <p:nvGrpSpPr>
+        <p:cNvPr id="1" name=""/>
+        <p:cNvGrpSpPr/>
+        <p:nvPr/>
+      </p:nvGrpSpPr>
+      <p:grpSpPr>
+        <a:xfrm>
+          <a:off x="0" y="0"/>
+          <a:ext cx="0" cy="0"/>
+          <a:chOff x="0" y="0"/>
+          <a:chExt cx="0" cy="0"/>
+        </a:xfrm>
+      </p:grpSpPr>
+      <p:sp>
+        <p:nvSpPr>
+          <p:cNvPr id="2" name="Chỗ dành sẵn cho Hình ảnh của Bản chiếu 1"/>
+          <p:cNvSpPr>
+            <a:spLocks noGrp="1" noRot="1" noChangeAspect="1"/>
+          </p:cNvSpPr>
+          <p:nvPr>
+            <p:ph type="sldImg"/>
+          </p:nvPr>
+        </p:nvSpPr>
+        <p:spPr/>
+      </p:sp>
+      <p:sp>
+        <p:nvSpPr>
+          <p:cNvPr id="3" name="Chỗ dành sẵn cho Ghi chú 2"/>
+          <p:cNvSpPr>
+            <a:spLocks noGrp="1"/>
+          </p:cNvSpPr>
+          <p:nvPr>
+            <p:ph type="body" idx="1"/>
+          </p:nvPr>
+        </p:nvSpPr>
+        <p:spPr/>
+        <p:txBody>
+          <a:bodyPr/>
+          <a:lstStyle/>
+          <a:p>
+            <a:r>
+              <a:rPr lang="vi-VN" b="1" dirty="0" err="1"/>
+              <a:t>angry</a:t>
+            </a:r>
+            <a:endParaRPr lang="vi-VN" dirty="0"/>
+          </a:p>
+          <a:p>
+            <a:r>
+              <a:rPr lang="vi-VN" dirty="0"/>
+              <a:t>Bị đoán sang </a:t>
+            </a:r>
+            <a:r>
+              <a:rPr lang="vi-VN" dirty="0" err="1"/>
+              <a:t>happy</a:t>
+            </a:r>
+            <a:r>
+              <a:rPr lang="vi-VN" dirty="0"/>
+              <a:t>, </a:t>
+            </a:r>
+            <a:r>
+              <a:rPr lang="vi-VN" dirty="0" err="1"/>
+              <a:t>sad</a:t>
+            </a:r>
+            <a:r>
+              <a:rPr lang="vi-VN" dirty="0"/>
+              <a:t>, </a:t>
+            </a:r>
+            <a:r>
+              <a:rPr lang="vi-VN" dirty="0" err="1"/>
+              <a:t>surprise</a:t>
+            </a:r>
+            <a:r>
+              <a:rPr lang="vi-VN" dirty="0"/>
+              <a:t> là nhiều</a:t>
+            </a:r>
+          </a:p>
+          <a:p>
+            <a:r>
+              <a:rPr lang="vi-VN" dirty="0"/>
+              <a:t>Lý do: </a:t>
+            </a:r>
+            <a:r>
+              <a:rPr lang="vi-VN" dirty="0" err="1"/>
+              <a:t>angry</a:t>
+            </a:r>
+            <a:r>
+              <a:rPr lang="vi-VN" dirty="0"/>
+              <a:t> có đường nét mắt và miệng dễ bị lẫn với </a:t>
+            </a:r>
+            <a:r>
+              <a:rPr lang="vi-VN" dirty="0" err="1"/>
+              <a:t>sad</a:t>
+            </a:r>
+            <a:r>
+              <a:rPr lang="vi-VN" dirty="0"/>
+              <a:t> hoặc </a:t>
+            </a:r>
+            <a:r>
+              <a:rPr lang="vi-VN" dirty="0" err="1"/>
+              <a:t>surprise</a:t>
+            </a:r>
+            <a:r>
+              <a:rPr lang="vi-VN" dirty="0"/>
+              <a:t> khi chỉ dùng </a:t>
+            </a:r>
+            <a:r>
+              <a:rPr lang="vi-VN" dirty="0" err="1"/>
+              <a:t>gradient</a:t>
+            </a:r>
+            <a:r>
+              <a:rPr lang="vi-VN" dirty="0"/>
+              <a:t> HOG</a:t>
+            </a:r>
+          </a:p>
+          <a:p>
+            <a:r>
+              <a:rPr lang="vi-VN" b="1" dirty="0" err="1"/>
+              <a:t>disgust</a:t>
+            </a:r>
+            <a:endParaRPr lang="vi-VN" dirty="0"/>
+          </a:p>
+          <a:p>
+            <a:r>
+              <a:rPr lang="vi-VN" dirty="0"/>
+              <a:t>Phần lớn bị nhầm thành </a:t>
+            </a:r>
+            <a:r>
+              <a:rPr lang="vi-VN" dirty="0" err="1"/>
+              <a:t>disgust</a:t>
+            </a:r>
+            <a:r>
+              <a:rPr lang="vi-VN" dirty="0"/>
+              <a:t> chính nó, nhưng nhiều bị nhầm sang </a:t>
+            </a:r>
+            <a:r>
+              <a:rPr lang="vi-VN" dirty="0" err="1"/>
+              <a:t>surprise</a:t>
+            </a:r>
+            <a:r>
+              <a:rPr lang="vi-VN" dirty="0"/>
+              <a:t> và </a:t>
+            </a:r>
+            <a:r>
+              <a:rPr lang="vi-VN" dirty="0" err="1"/>
+              <a:t>happy</a:t>
+            </a:r>
+            <a:endParaRPr lang="vi-VN" dirty="0"/>
+          </a:p>
+          <a:p>
+            <a:r>
+              <a:rPr lang="vi-VN" dirty="0" err="1"/>
+              <a:t>disgust</a:t>
+            </a:r>
+            <a:r>
+              <a:rPr lang="vi-VN" dirty="0"/>
+              <a:t> trong FER2013 rất ít mẫu và hình dạng cũng không đặc trưng rõ</a:t>
+            </a:r>
+          </a:p>
+          <a:p>
+            <a:r>
+              <a:rPr lang="vi-VN" b="1" dirty="0" err="1"/>
+              <a:t>fear</a:t>
+            </a:r>
+            <a:endParaRPr lang="vi-VN" dirty="0"/>
+          </a:p>
+          <a:p>
+            <a:r>
+              <a:rPr lang="vi-VN" dirty="0"/>
+              <a:t>Lẫn nhiều với </a:t>
+            </a:r>
+            <a:r>
+              <a:rPr lang="vi-VN" dirty="0" err="1"/>
+              <a:t>surprise</a:t>
+            </a:r>
+            <a:r>
+              <a:rPr lang="vi-VN" dirty="0"/>
+              <a:t> và </a:t>
+            </a:r>
+            <a:r>
+              <a:rPr lang="vi-VN" dirty="0" err="1"/>
+              <a:t>sad</a:t>
+            </a:r>
+            <a:endParaRPr lang="vi-VN" dirty="0"/>
+          </a:p>
+          <a:p>
+            <a:r>
+              <a:rPr lang="vi-VN" dirty="0" err="1"/>
+              <a:t>fear</a:t>
+            </a:r>
+            <a:r>
+              <a:rPr lang="vi-VN" dirty="0"/>
+              <a:t> và </a:t>
+            </a:r>
+            <a:r>
+              <a:rPr lang="vi-VN" dirty="0" err="1"/>
+              <a:t>surprise</a:t>
+            </a:r>
+            <a:r>
+              <a:rPr lang="vi-VN" dirty="0"/>
+              <a:t> có </a:t>
+            </a:r>
+            <a:r>
+              <a:rPr lang="vi-VN" dirty="0" err="1"/>
+              <a:t>pattern</a:t>
+            </a:r>
+            <a:r>
+              <a:rPr lang="vi-VN" dirty="0"/>
+              <a:t> </a:t>
+            </a:r>
+            <a:r>
+              <a:rPr lang="vi-VN" dirty="0" err="1"/>
+              <a:t>gradient</a:t>
+            </a:r>
+            <a:r>
+              <a:rPr lang="vi-VN" dirty="0"/>
+              <a:t> gần giống: mắt mở lớn, miệng mở nhẹ</a:t>
+            </a:r>
+          </a:p>
+          <a:p>
+            <a:r>
+              <a:rPr lang="vi-VN" b="1" dirty="0" err="1"/>
+              <a:t>happy</a:t>
+            </a:r>
+            <a:endParaRPr lang="vi-VN" dirty="0"/>
+          </a:p>
+          <a:p>
+            <a:r>
+              <a:rPr lang="vi-VN" dirty="0"/>
+              <a:t>Chủ yếu bị dự đoán thành </a:t>
+            </a:r>
+            <a:r>
+              <a:rPr lang="vi-VN" dirty="0" err="1"/>
+              <a:t>happy</a:t>
+            </a:r>
+            <a:r>
+              <a:rPr lang="vi-VN" dirty="0"/>
+              <a:t> hoặc </a:t>
+            </a:r>
+            <a:r>
+              <a:rPr lang="vi-VN" dirty="0" err="1"/>
+              <a:t>surprise</a:t>
+            </a:r>
+            <a:r>
+              <a:rPr lang="vi-VN" dirty="0"/>
+              <a:t> hoặc </a:t>
+            </a:r>
+            <a:r>
+              <a:rPr lang="vi-VN" dirty="0" err="1"/>
+              <a:t>sad</a:t>
+            </a:r>
+            <a:endParaRPr lang="vi-VN" dirty="0"/>
+          </a:p>
+          <a:p>
+            <a:r>
+              <a:rPr lang="vi-VN" dirty="0" err="1"/>
+              <a:t>happy</a:t>
+            </a:r>
+            <a:r>
+              <a:rPr lang="vi-VN" dirty="0"/>
+              <a:t> có hình dạng rõ (miệng cười) nhưng </a:t>
+            </a:r>
+            <a:r>
+              <a:rPr lang="vi-VN" dirty="0" err="1"/>
+              <a:t>gradient</a:t>
+            </a:r>
+            <a:r>
+              <a:rPr lang="vi-VN" dirty="0"/>
+              <a:t> đôi khi bị nhầm sang </a:t>
+            </a:r>
+            <a:r>
+              <a:rPr lang="vi-VN" dirty="0" err="1"/>
+              <a:t>surprise</a:t>
+            </a:r>
+            <a:r>
+              <a:rPr lang="vi-VN" dirty="0"/>
+              <a:t> vì vùng miệng mở rộng</a:t>
+            </a:r>
+          </a:p>
+          <a:p>
+            <a:r>
+              <a:rPr lang="vi-VN" b="1" dirty="0" err="1"/>
+              <a:t>neutral</a:t>
+            </a:r>
+            <a:endParaRPr lang="vi-VN" dirty="0"/>
+          </a:p>
+          <a:p>
+            <a:r>
+              <a:rPr lang="vi-VN" dirty="0"/>
+              <a:t>Nhiều ảnh bị nhầm sang </a:t>
+            </a:r>
+            <a:r>
+              <a:rPr lang="vi-VN" dirty="0" err="1"/>
+              <a:t>sad</a:t>
+            </a:r>
+            <a:r>
+              <a:rPr lang="vi-VN" dirty="0"/>
+              <a:t> và </a:t>
+            </a:r>
+            <a:r>
+              <a:rPr lang="vi-VN" dirty="0" err="1"/>
+              <a:t>surprise</a:t>
+            </a:r>
+            <a:endParaRPr lang="vi-VN" dirty="0"/>
+          </a:p>
+          <a:p>
+            <a:r>
+              <a:rPr lang="vi-VN" dirty="0" err="1"/>
+              <a:t>neutral</a:t>
+            </a:r>
+            <a:r>
+              <a:rPr lang="vi-VN" dirty="0"/>
+              <a:t> rất khó phân biệt chỉ bằng </a:t>
+            </a:r>
+            <a:r>
+              <a:rPr lang="vi-VN" dirty="0" err="1"/>
+              <a:t>gradient</a:t>
+            </a:r>
+            <a:r>
+              <a:rPr lang="vi-VN" dirty="0"/>
+              <a:t> vì cấu trúc mặt ít đặc trưng</a:t>
+            </a:r>
+          </a:p>
+          <a:p>
+            <a:r>
+              <a:rPr lang="vi-VN" b="1" dirty="0" err="1"/>
+              <a:t>sad</a:t>
+            </a:r>
+            <a:endParaRPr lang="vi-VN" dirty="0"/>
+          </a:p>
+          <a:p>
+            <a:r>
+              <a:rPr lang="vi-VN" dirty="0"/>
+              <a:t>Nhiều ảnh bị nhầm sang </a:t>
+            </a:r>
+            <a:r>
+              <a:rPr lang="vi-VN" dirty="0" err="1"/>
+              <a:t>surprise</a:t>
+            </a:r>
+            <a:r>
+              <a:rPr lang="vi-VN" dirty="0"/>
+              <a:t> và </a:t>
+            </a:r>
+            <a:r>
+              <a:rPr lang="vi-VN" dirty="0" err="1"/>
+              <a:t>happy</a:t>
+            </a:r>
+            <a:endParaRPr lang="vi-VN" dirty="0"/>
+          </a:p>
+          <a:p>
+            <a:r>
+              <a:rPr lang="vi-VN" dirty="0" err="1"/>
+              <a:t>sad</a:t>
+            </a:r>
+            <a:r>
+              <a:rPr lang="vi-VN" dirty="0"/>
+              <a:t> và </a:t>
+            </a:r>
+            <a:r>
+              <a:rPr lang="vi-VN" dirty="0" err="1"/>
+              <a:t>neutral</a:t>
+            </a:r>
+            <a:r>
+              <a:rPr lang="vi-VN" dirty="0"/>
+              <a:t> có </a:t>
+            </a:r>
+            <a:r>
+              <a:rPr lang="vi-VN" dirty="0" err="1"/>
+              <a:t>gradient</a:t>
+            </a:r>
+            <a:r>
+              <a:rPr lang="vi-VN" dirty="0"/>
+              <a:t> rất yếu nên dễ bị gom sai </a:t>
+            </a:r>
+            <a:r>
+              <a:rPr lang="vi-VN" dirty="0" err="1"/>
+              <a:t>cluster</a:t>
+            </a:r>
+            <a:endParaRPr lang="vi-VN" dirty="0"/>
+          </a:p>
+          <a:p>
+            <a:r>
+              <a:rPr lang="vi-VN" b="1" dirty="0" err="1"/>
+              <a:t>surprise</a:t>
+            </a:r>
+            <a:endParaRPr lang="vi-VN" dirty="0"/>
+          </a:p>
+          <a:p>
+            <a:r>
+              <a:rPr lang="vi-VN" dirty="0"/>
+              <a:t>Đây là </a:t>
+            </a:r>
+            <a:r>
+              <a:rPr lang="vi-VN" dirty="0" err="1"/>
+              <a:t>class</a:t>
+            </a:r>
+            <a:r>
+              <a:rPr lang="vi-VN" dirty="0"/>
+              <a:t> dễ nhất và mô hình đoán đúng nhiều nhất</a:t>
+            </a:r>
+          </a:p>
+          <a:p>
+            <a:r>
+              <a:rPr lang="vi-VN" dirty="0" err="1"/>
+              <a:t>surprise</a:t>
+            </a:r>
+            <a:r>
+              <a:rPr lang="vi-VN" dirty="0"/>
+              <a:t> có đặc trưng </a:t>
+            </a:r>
+            <a:r>
+              <a:rPr lang="vi-VN" dirty="0" err="1"/>
+              <a:t>gradient</a:t>
+            </a:r>
+            <a:r>
+              <a:rPr lang="vi-VN" dirty="0"/>
+              <a:t> mạnh: mắt mở to, miệng mở lớn</a:t>
+            </a:r>
+          </a:p>
+          <a:p>
+            <a:endParaRPr lang="vi-VN" dirty="0"/>
+          </a:p>
+        </p:txBody>
+      </p:sp>
+      <p:sp>
+        <p:nvSpPr>
+          <p:cNvPr id="4" name="Chỗ dành sẵn cho Số hiệu Bản chiếu 3"/>
+          <p:cNvSpPr>
+            <a:spLocks noGrp="1"/>
+          </p:cNvSpPr>
+          <p:nvPr>
+            <p:ph type="sldNum" idx="12"/>
+          </p:nvPr>
+        </p:nvSpPr>
+        <p:spPr/>
+        <p:txBody>
+          <a:bodyPr/>
+          <a:lstStyle/>
+          <a:p>
+            <a:pPr marL="0" marR="0" lvl="0" indent="0" algn="r" rtl="0">
+              <a:spcBef>
+                <a:spcPts val="0"/>
+              </a:spcBef>
+              <a:spcAft>
+                <a:spcPts val="0"/>
+              </a:spcAft>
+              <a:buNone/>
+            </a:pPr>
+            <a:fld id="{00000000-1234-1234-1234-123412341234}" type="slidenum">
+              <a:rPr lang="en-US" sz="1200" b="0" i="0" u="none" strike="noStrike" cap="none" smtClean="0">
+                <a:solidFill>
+                  <a:schemeClr val="dk1"/>
+                </a:solidFill>
+                <a:latin typeface="Calibri"/>
+                <a:ea typeface="Calibri"/>
+                <a:cs typeface="Calibri"/>
+                <a:sym typeface="Calibri"/>
+              </a:rPr>
+              <a:t>17</a:t>
+            </a:fld>
+            <a:endParaRPr lang="en-US" sz="1200" b="0" i="0" u="none" strike="noStrike" cap="none">
+              <a:solidFill>
+                <a:schemeClr val="dk1"/>
+              </a:solidFill>
+              <a:latin typeface="Calibri"/>
+              <a:ea typeface="Calibri"/>
+              <a:cs typeface="Calibri"/>
+              <a:sym typeface="Calibri"/>
+            </a:endParaRPr>
+          </a:p>
+        </p:txBody>
+      </p:sp>
+    </p:spTree>
+    <p:extLst>
+      <p:ext uri="{BB962C8B-B14F-4D97-AF65-F5344CB8AC3E}">
+        <p14:creationId xmlns:p14="http://schemas.microsoft.com/office/powerpoint/2010/main" val="528381811"/>
       </p:ext>
     </p:extLst>
   </p:cSld>
@@ -17392,8 +20013,8 @@
         </p:nvSpPr>
         <p:spPr>
           <a:xfrm>
-            <a:off x="402021" y="5644118"/>
-            <a:ext cx="8468710" cy="584775"/>
+            <a:off x="402021" y="5670331"/>
+            <a:ext cx="8468710" cy="707886"/>
           </a:xfrm>
           <a:prstGeom prst="rect">
             <a:avLst/>
@@ -17407,15 +20028,15 @@
           <a:lstStyle/>
           <a:p>
             <a:r>
-              <a:rPr lang="vi-VN" sz="1600" b="1" dirty="0"/>
+              <a:rPr lang="vi-VN" sz="2000" b="1" dirty="0"/>
               <a:t>Nhận xét: 0.90 là mốc giảm nhiễu vừa đủ, giữ lại được các phần thông tin cần thiết, giúp K-</a:t>
             </a:r>
             <a:r>
-              <a:rPr lang="vi-VN" sz="1600" b="1" dirty="0" err="1"/>
+              <a:rPr lang="vi-VN" sz="2000" b="1" dirty="0" err="1"/>
               <a:t>means</a:t>
             </a:r>
             <a:r>
-              <a:rPr lang="vi-VN" sz="1600" b="1" dirty="0"/>
+              <a:rPr lang="vi-VN" sz="2000" b="1" dirty="0"/>
               <a:t> gom cụm ổn định hơn</a:t>
             </a:r>
           </a:p>
@@ -17621,7 +20242,7 @@
         <p:spPr>
           <a:xfrm>
             <a:off x="325821" y="1902372"/>
-            <a:ext cx="3699641" cy="2862322"/>
+            <a:ext cx="3699641" cy="3970318"/>
           </a:xfrm>
           <a:prstGeom prst="rect">
             <a:avLst/>
@@ -17723,6 +20344,16 @@
               <a:t>disgust</a:t>
             </a:r>
             <a:endParaRPr lang="vi-VN" sz="1800" b="1" dirty="0"/>
+          </a:p>
+          <a:p>
+            <a:pPr marL="285750" indent="-285750">
+              <a:buFontTx/>
+              <a:buChar char="-"/>
+            </a:pPr>
+            <a:r>
+              <a:rPr lang="vi-VN" sz="1800" b="1" dirty="0"/>
+              <a:t>Không sử dụng học sâu nên không trích chọn được những đặc trưng cao cấp (mắt, miệng, chân mày)</a:t>
+            </a:r>
           </a:p>
           <a:p>
             <a:r>
@@ -17746,6 +20377,1075 @@
 </file>
 
 <file path=ppt/slides/slide17.xml><?xml version="1.0" encoding="utf-8"?>
+<p:sld xmlns:a="http://schemas.openxmlformats.org/drawingml/2006/main" xmlns:r="http://schemas.openxmlformats.org/officeDocument/2006/relationships" xmlns:p="http://schemas.openxmlformats.org/presentationml/2006/main">
+  <p:cSld>
+    <p:spTree>
+      <p:nvGrpSpPr>
+        <p:cNvPr id="1" name="">
+          <a:extLst>
+            <a:ext uri="{FF2B5EF4-FFF2-40B4-BE49-F238E27FC236}">
+              <a16:creationId xmlns:a16="http://schemas.microsoft.com/office/drawing/2014/main" id="{114B2602-2827-B943-5C2C-413A6962A491}"/>
+            </a:ext>
+          </a:extLst>
+        </p:cNvPr>
+        <p:cNvGrpSpPr/>
+        <p:nvPr/>
+      </p:nvGrpSpPr>
+      <p:grpSpPr>
+        <a:xfrm>
+          <a:off x="0" y="0"/>
+          <a:ext cx="0" cy="0"/>
+          <a:chOff x="0" y="0"/>
+          <a:chExt cx="0" cy="0"/>
+        </a:xfrm>
+      </p:grpSpPr>
+      <p:pic>
+        <p:nvPicPr>
+          <p:cNvPr id="3" name="Hình ảnh 2">
+            <a:extLst>
+              <a:ext uri="{FF2B5EF4-FFF2-40B4-BE49-F238E27FC236}">
+                <a16:creationId xmlns:a16="http://schemas.microsoft.com/office/drawing/2014/main" id="{FD66DD96-C029-E633-00A0-0C2D24CC8744}"/>
+              </a:ext>
+            </a:extLst>
+          </p:cNvPr>
+          <p:cNvPicPr>
+            <a:picLocks noChangeAspect="1"/>
+          </p:cNvPicPr>
+          <p:nvPr/>
+        </p:nvPicPr>
+        <p:blipFill>
+          <a:blip r:embed="rId3"/>
+          <a:stretch>
+            <a:fillRect/>
+          </a:stretch>
+        </p:blipFill>
+        <p:spPr>
+          <a:xfrm>
+            <a:off x="4083354" y="1922142"/>
+            <a:ext cx="5060646" cy="3795485"/>
+          </a:xfrm>
+          <a:prstGeom prst="rect">
+            <a:avLst/>
+          </a:prstGeom>
+        </p:spPr>
+      </p:pic>
+      <p:sp>
+        <p:nvSpPr>
+          <p:cNvPr id="2" name="Tiêu đề 1">
+            <a:extLst>
+              <a:ext uri="{FF2B5EF4-FFF2-40B4-BE49-F238E27FC236}">
+                <a16:creationId xmlns:a16="http://schemas.microsoft.com/office/drawing/2014/main" id="{7E19A998-55BF-D50A-ECDE-6B6001C9DE20}"/>
+              </a:ext>
+            </a:extLst>
+          </p:cNvPr>
+          <p:cNvSpPr>
+            <a:spLocks noGrp="1"/>
+          </p:cNvSpPr>
+          <p:nvPr>
+            <p:ph type="ctrTitle"/>
+          </p:nvPr>
+        </p:nvSpPr>
+        <p:spPr>
+          <a:xfrm>
+            <a:off x="212835" y="256299"/>
+            <a:ext cx="3812627" cy="605549"/>
+          </a:xfrm>
+        </p:spPr>
+        <p:txBody>
+          <a:bodyPr/>
+          <a:lstStyle/>
+          <a:p>
+            <a:pPr marL="50800"/>
+            <a:r>
+              <a:rPr lang="vi-VN" sz="3200" dirty="0">
+                <a:solidFill>
+                  <a:schemeClr val="bg1"/>
+                </a:solidFill>
+              </a:rPr>
+              <a:t>3. Khảo sát, đánh giá</a:t>
+            </a:r>
+          </a:p>
+        </p:txBody>
+      </p:sp>
+      <p:sp>
+        <p:nvSpPr>
+          <p:cNvPr id="4" name="Chỗ dành sẵn cho Số hiệu Bản chiếu 3">
+            <a:extLst>
+              <a:ext uri="{FF2B5EF4-FFF2-40B4-BE49-F238E27FC236}">
+                <a16:creationId xmlns:a16="http://schemas.microsoft.com/office/drawing/2014/main" id="{FF098137-B187-6134-A663-EA9131877910}"/>
+              </a:ext>
+            </a:extLst>
+          </p:cNvPr>
+          <p:cNvSpPr>
+            <a:spLocks noGrp="1"/>
+          </p:cNvSpPr>
+          <p:nvPr>
+            <p:ph type="sldNum" idx="12"/>
+          </p:nvPr>
+        </p:nvSpPr>
+        <p:spPr/>
+        <p:txBody>
+          <a:bodyPr/>
+          <a:lstStyle/>
+          <a:p>
+            <a:pPr marL="0" lvl="0" indent="0" algn="r" rtl="0">
+              <a:spcBef>
+                <a:spcPts val="0"/>
+              </a:spcBef>
+              <a:spcAft>
+                <a:spcPts val="0"/>
+              </a:spcAft>
+              <a:buNone/>
+            </a:pPr>
+            <a:fld id="{00000000-1234-1234-1234-123412341234}" type="slidenum">
+              <a:rPr lang="en-US" smtClean="0"/>
+              <a:t>17</a:t>
+            </a:fld>
+            <a:endParaRPr lang="en-US"/>
+          </a:p>
+        </p:txBody>
+      </p:sp>
+      <p:sp>
+        <p:nvSpPr>
+          <p:cNvPr id="6" name="Hộp Văn bản 5">
+            <a:extLst>
+              <a:ext uri="{FF2B5EF4-FFF2-40B4-BE49-F238E27FC236}">
+                <a16:creationId xmlns:a16="http://schemas.microsoft.com/office/drawing/2014/main" id="{3BF49E35-9C76-3D3E-C753-86FF9B5E9FF4}"/>
+              </a:ext>
+            </a:extLst>
+          </p:cNvPr>
+          <p:cNvSpPr txBox="1"/>
+          <p:nvPr/>
+        </p:nvSpPr>
+        <p:spPr>
+          <a:xfrm>
+            <a:off x="212834" y="1302032"/>
+            <a:ext cx="4359165" cy="461665"/>
+          </a:xfrm>
+          <a:prstGeom prst="rect">
+            <a:avLst/>
+          </a:prstGeom>
+          <a:noFill/>
+        </p:spPr>
+        <p:txBody>
+          <a:bodyPr wrap="square" rtlCol="0">
+            <a:spAutoFit/>
+          </a:bodyPr>
+          <a:lstStyle/>
+          <a:p>
+            <a:r>
+              <a:rPr lang="vi-VN" sz="2400" b="1" dirty="0"/>
+              <a:t>Nhận xét về: mức </a:t>
+            </a:r>
+            <a:r>
+              <a:rPr lang="vi-VN" sz="2400" b="1" dirty="0" err="1"/>
+              <a:t>Accuracy</a:t>
+            </a:r>
+            <a:r>
+              <a:rPr lang="vi-VN" sz="2400" b="1" dirty="0"/>
+              <a:t> </a:t>
+            </a:r>
+          </a:p>
+        </p:txBody>
+      </p:sp>
+      <p:sp>
+        <p:nvSpPr>
+          <p:cNvPr id="7" name="Rectangle 2">
+            <a:extLst>
+              <a:ext uri="{FF2B5EF4-FFF2-40B4-BE49-F238E27FC236}">
+                <a16:creationId xmlns:a16="http://schemas.microsoft.com/office/drawing/2014/main" id="{2E46C42F-AA4D-BF7E-E140-A329E87BBF8C}"/>
+              </a:ext>
+            </a:extLst>
+          </p:cNvPr>
+          <p:cNvSpPr>
+            <a:spLocks noChangeArrowheads="1"/>
+          </p:cNvSpPr>
+          <p:nvPr/>
+        </p:nvSpPr>
+        <p:spPr bwMode="auto">
+          <a:xfrm>
+            <a:off x="212834" y="2041910"/>
+            <a:ext cx="4507688" cy="3970318"/>
+          </a:xfrm>
+          <a:prstGeom prst="rect">
+            <a:avLst/>
+          </a:prstGeom>
+          <a:noFill/>
+          <a:ln>
+            <a:noFill/>
+          </a:ln>
+          <a:effectLst/>
+          <a:extLst>
+            <a:ext uri="{909E8E84-426E-40DD-AFC4-6F175D3DCCD1}">
+              <a14:hiddenFill xmlns:a14="http://schemas.microsoft.com/office/drawing/2010/main">
+                <a:solidFill>
+                  <a:schemeClr val="accent1"/>
+                </a:solidFill>
+              </a14:hiddenFill>
+            </a:ext>
+            <a:ext uri="{91240B29-F687-4F45-9708-019B960494DF}">
+              <a14:hiddenLine xmlns:a14="http://schemas.microsoft.com/office/drawing/2010/main" w="9525">
+                <a:solidFill>
+                  <a:schemeClr val="tx1"/>
+                </a:solidFill>
+                <a:miter lim="800000"/>
+                <a:headEnd/>
+                <a:tailEnd/>
+              </a14:hiddenLine>
+            </a:ext>
+            <a:ext uri="{AF507438-7753-43E0-B8FC-AC1667EBCBE1}">
+              <a14:hiddenEffects xmlns:a14="http://schemas.microsoft.com/office/drawing/2010/main">
+                <a:effectLst>
+                  <a:outerShdw dist="35921" dir="2700000" algn="ctr" rotWithShape="0">
+                    <a:schemeClr val="bg2"/>
+                  </a:outerShdw>
+                </a:effectLst>
+              </a14:hiddenEffects>
+            </a:ext>
+          </a:extLst>
+        </p:spPr>
+        <p:txBody>
+          <a:bodyPr vert="horz" wrap="square" lIns="91440" tIns="45720" rIns="91440" bIns="45720" numCol="1" anchor="ctr" anchorCtr="0" compatLnSpc="1">
+            <a:prstTxWarp prst="textNoShape">
+              <a:avLst/>
+            </a:prstTxWarp>
+            <a:spAutoFit/>
+          </a:bodyPr>
+          <a:lstStyle/>
+          <a:p>
+            <a:pPr marL="0" marR="0" lvl="0" indent="0" algn="l" defTabSz="914400" rtl="0" eaLnBrk="0" fontAlgn="base" latinLnBrk="0" hangingPunct="0">
+              <a:lnSpc>
+                <a:spcPct val="100000"/>
+              </a:lnSpc>
+              <a:spcBef>
+                <a:spcPct val="0"/>
+              </a:spcBef>
+              <a:spcAft>
+                <a:spcPct val="0"/>
+              </a:spcAft>
+              <a:buClrTx/>
+              <a:buSzTx/>
+              <a:tabLst/>
+            </a:pPr>
+            <a:r>
+              <a:rPr kumimoji="0" lang="vi-VN" altLang="vi-VN" sz="1800" b="1" i="0" u="none" strike="noStrike" cap="none" normalizeH="0" baseline="0" dirty="0" err="1">
+                <a:ln>
+                  <a:noFill/>
+                </a:ln>
+                <a:solidFill>
+                  <a:schemeClr val="tx1"/>
+                </a:solidFill>
+                <a:effectLst/>
+                <a:latin typeface="Arial" panose="020B0604020202020204" pitchFamily="34" charset="0"/>
+              </a:rPr>
+              <a:t>Angry</a:t>
+            </a:r>
+            <a:r>
+              <a:rPr kumimoji="0" lang="vi-VN" altLang="vi-VN" sz="1800" b="1" i="0" u="none" strike="noStrike" cap="none" normalizeH="0" baseline="0" dirty="0">
+                <a:ln>
+                  <a:noFill/>
+                </a:ln>
+                <a:solidFill>
+                  <a:schemeClr val="tx1"/>
+                </a:solidFill>
+                <a:effectLst/>
+                <a:latin typeface="Arial" panose="020B0604020202020204" pitchFamily="34" charset="0"/>
+              </a:rPr>
+              <a:t>:     </a:t>
+            </a:r>
+            <a:r>
+              <a:rPr kumimoji="0" lang="vi-VN" altLang="vi-VN" sz="1800" b="0" i="0" u="none" strike="noStrike" cap="none" normalizeH="0" baseline="0" dirty="0">
+                <a:ln>
+                  <a:noFill/>
+                </a:ln>
+                <a:solidFill>
+                  <a:schemeClr val="tx1"/>
+                </a:solidFill>
+                <a:effectLst/>
+                <a:latin typeface="Arial" panose="020B0604020202020204" pitchFamily="34" charset="0"/>
+              </a:rPr>
+              <a:t>Bị đoán sang </a:t>
+            </a:r>
+            <a:r>
+              <a:rPr kumimoji="0" lang="vi-VN" altLang="vi-VN" sz="1800" b="0" i="0" u="none" strike="noStrike" cap="none" normalizeH="0" baseline="0" dirty="0" err="1">
+                <a:ln>
+                  <a:noFill/>
+                </a:ln>
+                <a:solidFill>
+                  <a:schemeClr val="tx1"/>
+                </a:solidFill>
+                <a:effectLst/>
+                <a:latin typeface="Arial" panose="020B0604020202020204" pitchFamily="34" charset="0"/>
+              </a:rPr>
+              <a:t>happy</a:t>
+            </a:r>
+            <a:r>
+              <a:rPr kumimoji="0" lang="vi-VN" altLang="vi-VN" sz="1800" b="0" i="0" u="none" strike="noStrike" cap="none" normalizeH="0" baseline="0" dirty="0">
+                <a:ln>
+                  <a:noFill/>
+                </a:ln>
+                <a:solidFill>
+                  <a:schemeClr val="tx1"/>
+                </a:solidFill>
+                <a:effectLst/>
+                <a:latin typeface="Arial" panose="020B0604020202020204" pitchFamily="34" charset="0"/>
+              </a:rPr>
+              <a:t>, </a:t>
+            </a:r>
+            <a:r>
+              <a:rPr kumimoji="0" lang="vi-VN" altLang="vi-VN" sz="1800" b="0" i="0" u="none" strike="noStrike" cap="none" normalizeH="0" baseline="0" dirty="0" err="1">
+                <a:ln>
+                  <a:noFill/>
+                </a:ln>
+                <a:solidFill>
+                  <a:schemeClr val="tx1"/>
+                </a:solidFill>
+                <a:effectLst/>
+                <a:latin typeface="Arial" panose="020B0604020202020204" pitchFamily="34" charset="0"/>
+              </a:rPr>
+              <a:t>sad</a:t>
+            </a:r>
+            <a:r>
+              <a:rPr kumimoji="0" lang="vi-VN" altLang="vi-VN" sz="1800" b="0" i="0" u="none" strike="noStrike" cap="none" normalizeH="0" baseline="0" dirty="0">
+                <a:ln>
+                  <a:noFill/>
+                </a:ln>
+                <a:solidFill>
+                  <a:schemeClr val="tx1"/>
+                </a:solidFill>
+                <a:effectLst/>
+                <a:latin typeface="Arial" panose="020B0604020202020204" pitchFamily="34" charset="0"/>
+              </a:rPr>
+              <a:t>, </a:t>
+            </a:r>
+            <a:r>
+              <a:rPr kumimoji="0" lang="vi-VN" altLang="vi-VN" sz="1800" b="0" i="0" u="none" strike="noStrike" cap="none" normalizeH="0" baseline="0" dirty="0" err="1">
+                <a:ln>
+                  <a:noFill/>
+                </a:ln>
+                <a:solidFill>
+                  <a:schemeClr val="tx1"/>
+                </a:solidFill>
+                <a:effectLst/>
+                <a:latin typeface="Arial" panose="020B0604020202020204" pitchFamily="34" charset="0"/>
+              </a:rPr>
+              <a:t>surprise</a:t>
+            </a:r>
+            <a:r>
+              <a:rPr kumimoji="0" lang="vi-VN" altLang="vi-VN" sz="1800" b="0" i="0" u="none" strike="noStrike" cap="none" normalizeH="0" baseline="0" dirty="0">
+                <a:ln>
+                  <a:noFill/>
+                </a:ln>
+                <a:solidFill>
+                  <a:schemeClr val="tx1"/>
+                </a:solidFill>
+                <a:effectLst/>
+                <a:latin typeface="Arial" panose="020B0604020202020204" pitchFamily="34" charset="0"/>
+              </a:rPr>
+              <a:t> là nhiều</a:t>
+            </a:r>
+          </a:p>
+          <a:p>
+            <a:pPr marL="0" marR="0" lvl="0" indent="0" algn="l" defTabSz="914400" rtl="0" eaLnBrk="0" fontAlgn="base" latinLnBrk="0" hangingPunct="0">
+              <a:lnSpc>
+                <a:spcPct val="100000"/>
+              </a:lnSpc>
+              <a:spcBef>
+                <a:spcPct val="0"/>
+              </a:spcBef>
+              <a:spcAft>
+                <a:spcPct val="0"/>
+              </a:spcAft>
+              <a:buClrTx/>
+              <a:buSzTx/>
+              <a:tabLst/>
+            </a:pPr>
+            <a:r>
+              <a:rPr kumimoji="0" lang="vi-VN" altLang="vi-VN" sz="1800" b="1" i="0" u="none" strike="noStrike" cap="none" normalizeH="0" baseline="0" dirty="0" err="1">
+                <a:ln>
+                  <a:noFill/>
+                </a:ln>
+                <a:solidFill>
+                  <a:schemeClr val="tx1"/>
+                </a:solidFill>
+                <a:effectLst/>
+                <a:latin typeface="Arial" panose="020B0604020202020204" pitchFamily="34" charset="0"/>
+              </a:rPr>
+              <a:t>Disgust</a:t>
+            </a:r>
+            <a:r>
+              <a:rPr kumimoji="0" lang="vi-VN" altLang="vi-VN" sz="1800" b="1" i="0" u="none" strike="noStrike" cap="none" normalizeH="0" baseline="0" dirty="0">
+                <a:ln>
+                  <a:noFill/>
+                </a:ln>
+                <a:solidFill>
+                  <a:schemeClr val="tx1"/>
+                </a:solidFill>
+                <a:effectLst/>
+                <a:latin typeface="Arial" panose="020B0604020202020204" pitchFamily="34" charset="0"/>
+              </a:rPr>
+              <a:t>:</a:t>
+            </a:r>
+            <a:r>
+              <a:rPr lang="vi-VN" altLang="vi-VN" sz="1800" dirty="0">
+                <a:solidFill>
+                  <a:schemeClr val="tx1"/>
+                </a:solidFill>
+                <a:latin typeface="Arial" panose="020B0604020202020204" pitchFamily="34" charset="0"/>
+              </a:rPr>
+              <a:t>  </a:t>
+            </a:r>
+            <a:r>
+              <a:rPr kumimoji="0" lang="vi-VN" altLang="vi-VN" sz="1800" b="0" i="0" u="none" strike="noStrike" cap="none" normalizeH="0" baseline="0" dirty="0">
+                <a:ln>
+                  <a:noFill/>
+                </a:ln>
+                <a:solidFill>
+                  <a:schemeClr val="tx1"/>
+                </a:solidFill>
+                <a:effectLst/>
+                <a:latin typeface="Arial" panose="020B0604020202020204" pitchFamily="34" charset="0"/>
+              </a:rPr>
+              <a:t>Phần lớn bị nhầm thành </a:t>
+            </a:r>
+            <a:r>
+              <a:rPr kumimoji="0" lang="vi-VN" altLang="vi-VN" sz="1800" b="0" i="0" u="none" strike="noStrike" cap="none" normalizeH="0" baseline="0" dirty="0" err="1">
+                <a:ln>
+                  <a:noFill/>
+                </a:ln>
+                <a:solidFill>
+                  <a:schemeClr val="tx1"/>
+                </a:solidFill>
+                <a:effectLst/>
+                <a:latin typeface="Arial" panose="020B0604020202020204" pitchFamily="34" charset="0"/>
+              </a:rPr>
+              <a:t>disgust</a:t>
+            </a:r>
+            <a:r>
+              <a:rPr kumimoji="0" lang="vi-VN" altLang="vi-VN" sz="1800" b="0" i="0" u="none" strike="noStrike" cap="none" normalizeH="0" baseline="0" dirty="0">
+                <a:ln>
+                  <a:noFill/>
+                </a:ln>
+                <a:solidFill>
+                  <a:schemeClr val="tx1"/>
+                </a:solidFill>
+                <a:effectLst/>
+                <a:latin typeface="Arial" panose="020B0604020202020204" pitchFamily="34" charset="0"/>
+              </a:rPr>
+              <a:t> chính nó, nhưng nhiều bị nhầm sang </a:t>
+            </a:r>
+            <a:r>
+              <a:rPr kumimoji="0" lang="vi-VN" altLang="vi-VN" sz="1800" b="0" i="0" u="none" strike="noStrike" cap="none" normalizeH="0" baseline="0" dirty="0" err="1">
+                <a:ln>
+                  <a:noFill/>
+                </a:ln>
+                <a:solidFill>
+                  <a:schemeClr val="tx1"/>
+                </a:solidFill>
+                <a:effectLst/>
+                <a:latin typeface="Arial" panose="020B0604020202020204" pitchFamily="34" charset="0"/>
+              </a:rPr>
+              <a:t>surprise</a:t>
+            </a:r>
+            <a:r>
+              <a:rPr kumimoji="0" lang="vi-VN" altLang="vi-VN" sz="1800" b="0" i="0" u="none" strike="noStrike" cap="none" normalizeH="0" baseline="0" dirty="0">
+                <a:ln>
+                  <a:noFill/>
+                </a:ln>
+                <a:solidFill>
+                  <a:schemeClr val="tx1"/>
+                </a:solidFill>
+                <a:effectLst/>
+                <a:latin typeface="Arial" panose="020B0604020202020204" pitchFamily="34" charset="0"/>
+              </a:rPr>
+              <a:t> và </a:t>
+            </a:r>
+            <a:r>
+              <a:rPr kumimoji="0" lang="vi-VN" altLang="vi-VN" sz="1800" b="0" i="0" u="none" strike="noStrike" cap="none" normalizeH="0" baseline="0" dirty="0" err="1">
+                <a:ln>
+                  <a:noFill/>
+                </a:ln>
+                <a:solidFill>
+                  <a:schemeClr val="tx1"/>
+                </a:solidFill>
+                <a:effectLst/>
+                <a:latin typeface="Arial" panose="020B0604020202020204" pitchFamily="34" charset="0"/>
+              </a:rPr>
+              <a:t>happy</a:t>
+            </a:r>
+            <a:endParaRPr kumimoji="0" lang="vi-VN" altLang="vi-VN" sz="1800" b="0" i="0" u="none" strike="noStrike" cap="none" normalizeH="0" baseline="0" dirty="0">
+              <a:ln>
+                <a:noFill/>
+              </a:ln>
+              <a:solidFill>
+                <a:schemeClr val="tx1"/>
+              </a:solidFill>
+              <a:effectLst/>
+              <a:latin typeface="Arial" panose="020B0604020202020204" pitchFamily="34" charset="0"/>
+            </a:endParaRPr>
+          </a:p>
+          <a:p>
+            <a:pPr marL="0" marR="0" lvl="0" indent="0" algn="l" defTabSz="914400" rtl="0" eaLnBrk="0" fontAlgn="base" latinLnBrk="0" hangingPunct="0">
+              <a:lnSpc>
+                <a:spcPct val="100000"/>
+              </a:lnSpc>
+              <a:spcBef>
+                <a:spcPct val="0"/>
+              </a:spcBef>
+              <a:spcAft>
+                <a:spcPct val="0"/>
+              </a:spcAft>
+              <a:buClrTx/>
+              <a:buSzTx/>
+              <a:tabLst/>
+            </a:pPr>
+            <a:r>
+              <a:rPr lang="vi-VN" altLang="vi-VN" sz="1800" b="1" dirty="0" err="1">
+                <a:solidFill>
+                  <a:schemeClr val="tx1"/>
+                </a:solidFill>
+                <a:latin typeface="Arial" panose="020B0604020202020204" pitchFamily="34" charset="0"/>
+              </a:rPr>
+              <a:t>Fear</a:t>
+            </a:r>
+            <a:r>
+              <a:rPr lang="vi-VN" altLang="vi-VN" sz="1800" b="1" dirty="0">
+                <a:solidFill>
+                  <a:schemeClr val="tx1"/>
+                </a:solidFill>
+                <a:latin typeface="Arial" panose="020B0604020202020204" pitchFamily="34" charset="0"/>
+              </a:rPr>
+              <a:t>:     </a:t>
+            </a:r>
+            <a:r>
+              <a:rPr kumimoji="0" lang="vi-VN" altLang="vi-VN" sz="1800" b="1" i="0" u="none" strike="noStrike" cap="none" normalizeH="0" baseline="0" dirty="0">
+                <a:ln>
+                  <a:noFill/>
+                </a:ln>
+                <a:solidFill>
+                  <a:schemeClr val="tx1"/>
+                </a:solidFill>
+                <a:effectLst/>
+                <a:latin typeface="Arial" panose="020B0604020202020204" pitchFamily="34" charset="0"/>
+              </a:rPr>
+              <a:t>   </a:t>
+            </a:r>
+            <a:r>
+              <a:rPr kumimoji="0" lang="vi-VN" altLang="vi-VN" sz="1800" b="0" i="0" u="none" strike="noStrike" cap="none" normalizeH="0" baseline="0" dirty="0">
+                <a:ln>
+                  <a:noFill/>
+                </a:ln>
+                <a:solidFill>
+                  <a:schemeClr val="tx1"/>
+                </a:solidFill>
+                <a:effectLst/>
+                <a:latin typeface="Arial" panose="020B0604020202020204" pitchFamily="34" charset="0"/>
+              </a:rPr>
+              <a:t>Lẫn nhiều với </a:t>
+            </a:r>
+            <a:r>
+              <a:rPr kumimoji="0" lang="vi-VN" altLang="vi-VN" sz="1800" b="0" i="0" u="none" strike="noStrike" cap="none" normalizeH="0" baseline="0" dirty="0" err="1">
+                <a:ln>
+                  <a:noFill/>
+                </a:ln>
+                <a:solidFill>
+                  <a:schemeClr val="tx1"/>
+                </a:solidFill>
+                <a:effectLst/>
+                <a:latin typeface="Arial" panose="020B0604020202020204" pitchFamily="34" charset="0"/>
+              </a:rPr>
+              <a:t>surprise</a:t>
+            </a:r>
+            <a:r>
+              <a:rPr kumimoji="0" lang="vi-VN" altLang="vi-VN" sz="1800" b="0" i="0" u="none" strike="noStrike" cap="none" normalizeH="0" baseline="0" dirty="0">
+                <a:ln>
+                  <a:noFill/>
+                </a:ln>
+                <a:solidFill>
+                  <a:schemeClr val="tx1"/>
+                </a:solidFill>
+                <a:effectLst/>
+                <a:latin typeface="Arial" panose="020B0604020202020204" pitchFamily="34" charset="0"/>
+              </a:rPr>
+              <a:t> và </a:t>
+            </a:r>
+            <a:r>
+              <a:rPr kumimoji="0" lang="vi-VN" altLang="vi-VN" sz="1800" b="0" i="0" u="none" strike="noStrike" cap="none" normalizeH="0" baseline="0" dirty="0" err="1">
+                <a:ln>
+                  <a:noFill/>
+                </a:ln>
+                <a:solidFill>
+                  <a:schemeClr val="tx1"/>
+                </a:solidFill>
+                <a:effectLst/>
+                <a:latin typeface="Arial" panose="020B0604020202020204" pitchFamily="34" charset="0"/>
+              </a:rPr>
+              <a:t>sad</a:t>
+            </a:r>
+            <a:endParaRPr kumimoji="0" lang="vi-VN" altLang="vi-VN" sz="1800" b="0" i="0" u="none" strike="noStrike" cap="none" normalizeH="0" baseline="0" dirty="0">
+              <a:ln>
+                <a:noFill/>
+              </a:ln>
+              <a:solidFill>
+                <a:schemeClr val="tx1"/>
+              </a:solidFill>
+              <a:effectLst/>
+              <a:latin typeface="Arial" panose="020B0604020202020204" pitchFamily="34" charset="0"/>
+            </a:endParaRPr>
+          </a:p>
+          <a:p>
+            <a:pPr marL="0" marR="0" lvl="0" indent="0" algn="l" defTabSz="914400" rtl="0" eaLnBrk="0" fontAlgn="base" latinLnBrk="0" hangingPunct="0">
+              <a:lnSpc>
+                <a:spcPct val="100000"/>
+              </a:lnSpc>
+              <a:spcBef>
+                <a:spcPct val="0"/>
+              </a:spcBef>
+              <a:spcAft>
+                <a:spcPct val="0"/>
+              </a:spcAft>
+              <a:buClrTx/>
+              <a:buSzTx/>
+              <a:tabLst/>
+            </a:pPr>
+            <a:r>
+              <a:rPr kumimoji="0" lang="vi-VN" altLang="vi-VN" sz="1800" b="1" i="0" u="none" strike="noStrike" cap="none" normalizeH="0" baseline="0" dirty="0" err="1">
+                <a:ln>
+                  <a:noFill/>
+                </a:ln>
+                <a:solidFill>
+                  <a:schemeClr val="tx1"/>
+                </a:solidFill>
+                <a:effectLst/>
+                <a:latin typeface="Arial" panose="020B0604020202020204" pitchFamily="34" charset="0"/>
+              </a:rPr>
+              <a:t>Happy</a:t>
+            </a:r>
+            <a:r>
+              <a:rPr kumimoji="0" lang="vi-VN" altLang="vi-VN" sz="1800" b="1" i="0" u="none" strike="noStrike" cap="none" normalizeH="0" baseline="0" dirty="0">
+                <a:ln>
+                  <a:noFill/>
+                </a:ln>
+                <a:solidFill>
+                  <a:schemeClr val="tx1"/>
+                </a:solidFill>
+                <a:effectLst/>
+                <a:latin typeface="Arial" panose="020B0604020202020204" pitchFamily="34" charset="0"/>
+              </a:rPr>
+              <a:t>:    </a:t>
+            </a:r>
+            <a:r>
+              <a:rPr kumimoji="0" lang="vi-VN" altLang="vi-VN" sz="1800" b="0" i="0" u="none" strike="noStrike" cap="none" normalizeH="0" baseline="0" dirty="0">
+                <a:ln>
+                  <a:noFill/>
+                </a:ln>
+                <a:solidFill>
+                  <a:schemeClr val="tx1"/>
+                </a:solidFill>
+                <a:effectLst/>
+                <a:latin typeface="Arial" panose="020B0604020202020204" pitchFamily="34" charset="0"/>
+              </a:rPr>
+              <a:t>Chủ yếu bị dự đoán thành </a:t>
+            </a:r>
+            <a:r>
+              <a:rPr kumimoji="0" lang="vi-VN" altLang="vi-VN" sz="1800" b="0" i="0" u="none" strike="noStrike" cap="none" normalizeH="0" baseline="0" dirty="0" err="1">
+                <a:ln>
+                  <a:noFill/>
+                </a:ln>
+                <a:solidFill>
+                  <a:schemeClr val="tx1"/>
+                </a:solidFill>
+                <a:effectLst/>
+                <a:latin typeface="Arial" panose="020B0604020202020204" pitchFamily="34" charset="0"/>
+              </a:rPr>
+              <a:t>happy</a:t>
+            </a:r>
+            <a:r>
+              <a:rPr kumimoji="0" lang="vi-VN" altLang="vi-VN" sz="1800" b="0" i="0" u="none" strike="noStrike" cap="none" normalizeH="0" baseline="0" dirty="0">
+                <a:ln>
+                  <a:noFill/>
+                </a:ln>
+                <a:solidFill>
+                  <a:schemeClr val="tx1"/>
+                </a:solidFill>
+                <a:effectLst/>
+                <a:latin typeface="Arial" panose="020B0604020202020204" pitchFamily="34" charset="0"/>
+              </a:rPr>
+              <a:t> hoặc </a:t>
+            </a:r>
+            <a:r>
+              <a:rPr kumimoji="0" lang="vi-VN" altLang="vi-VN" sz="1800" b="0" i="0" u="none" strike="noStrike" cap="none" normalizeH="0" baseline="0" dirty="0" err="1">
+                <a:ln>
+                  <a:noFill/>
+                </a:ln>
+                <a:solidFill>
+                  <a:schemeClr val="tx1"/>
+                </a:solidFill>
+                <a:effectLst/>
+                <a:latin typeface="Arial" panose="020B0604020202020204" pitchFamily="34" charset="0"/>
+              </a:rPr>
+              <a:t>surprise</a:t>
+            </a:r>
+            <a:r>
+              <a:rPr kumimoji="0" lang="vi-VN" altLang="vi-VN" sz="1800" b="0" i="0" u="none" strike="noStrike" cap="none" normalizeH="0" baseline="0" dirty="0">
+                <a:ln>
+                  <a:noFill/>
+                </a:ln>
+                <a:solidFill>
+                  <a:schemeClr val="tx1"/>
+                </a:solidFill>
+                <a:effectLst/>
+                <a:latin typeface="Arial" panose="020B0604020202020204" pitchFamily="34" charset="0"/>
+              </a:rPr>
+              <a:t> hoặc </a:t>
+            </a:r>
+            <a:r>
+              <a:rPr kumimoji="0" lang="vi-VN" altLang="vi-VN" sz="1800" b="0" i="0" u="none" strike="noStrike" cap="none" normalizeH="0" baseline="0" dirty="0" err="1">
+                <a:ln>
+                  <a:noFill/>
+                </a:ln>
+                <a:solidFill>
+                  <a:schemeClr val="tx1"/>
+                </a:solidFill>
+                <a:effectLst/>
+                <a:latin typeface="Arial" panose="020B0604020202020204" pitchFamily="34" charset="0"/>
+              </a:rPr>
+              <a:t>sad</a:t>
+            </a:r>
+            <a:endParaRPr kumimoji="0" lang="vi-VN" altLang="vi-VN" sz="1800" b="0" i="0" u="none" strike="noStrike" cap="none" normalizeH="0" baseline="0" dirty="0">
+              <a:ln>
+                <a:noFill/>
+              </a:ln>
+              <a:solidFill>
+                <a:schemeClr val="tx1"/>
+              </a:solidFill>
+              <a:effectLst/>
+              <a:latin typeface="Arial" panose="020B0604020202020204" pitchFamily="34" charset="0"/>
+            </a:endParaRPr>
+          </a:p>
+          <a:p>
+            <a:pPr marL="0" marR="0" lvl="0" indent="0" algn="l" defTabSz="914400" rtl="0" eaLnBrk="0" fontAlgn="base" latinLnBrk="0" hangingPunct="0">
+              <a:lnSpc>
+                <a:spcPct val="100000"/>
+              </a:lnSpc>
+              <a:spcBef>
+                <a:spcPct val="0"/>
+              </a:spcBef>
+              <a:spcAft>
+                <a:spcPct val="0"/>
+              </a:spcAft>
+              <a:buClrTx/>
+              <a:buSzTx/>
+              <a:tabLst/>
+            </a:pPr>
+            <a:r>
+              <a:rPr kumimoji="0" lang="vi-VN" altLang="vi-VN" sz="1800" b="1" i="0" u="none" strike="noStrike" cap="none" normalizeH="0" baseline="0" dirty="0" err="1">
+                <a:ln>
+                  <a:noFill/>
+                </a:ln>
+                <a:solidFill>
+                  <a:schemeClr val="tx1"/>
+                </a:solidFill>
+                <a:effectLst/>
+                <a:latin typeface="Arial" panose="020B0604020202020204" pitchFamily="34" charset="0"/>
+              </a:rPr>
+              <a:t>Neutral</a:t>
+            </a:r>
+            <a:r>
+              <a:rPr kumimoji="0" lang="vi-VN" altLang="vi-VN" sz="1800" b="1" i="0" u="none" strike="noStrike" cap="none" normalizeH="0" baseline="0" dirty="0">
+                <a:ln>
+                  <a:noFill/>
+                </a:ln>
+                <a:solidFill>
+                  <a:schemeClr val="tx1"/>
+                </a:solidFill>
+                <a:effectLst/>
+                <a:latin typeface="Arial" panose="020B0604020202020204" pitchFamily="34" charset="0"/>
+              </a:rPr>
+              <a:t>: </a:t>
+            </a:r>
+            <a:r>
+              <a:rPr lang="vi-VN" altLang="vi-VN" sz="1800" dirty="0">
+                <a:solidFill>
+                  <a:schemeClr val="tx1"/>
+                </a:solidFill>
+                <a:latin typeface="Arial" panose="020B0604020202020204" pitchFamily="34" charset="0"/>
+              </a:rPr>
+              <a:t>  </a:t>
+            </a:r>
+            <a:r>
+              <a:rPr kumimoji="0" lang="vi-VN" altLang="vi-VN" sz="1800" b="0" i="0" u="none" strike="noStrike" cap="none" normalizeH="0" baseline="0" dirty="0">
+                <a:ln>
+                  <a:noFill/>
+                </a:ln>
+                <a:solidFill>
+                  <a:schemeClr val="tx1"/>
+                </a:solidFill>
+                <a:effectLst/>
+                <a:latin typeface="Arial" panose="020B0604020202020204" pitchFamily="34" charset="0"/>
+              </a:rPr>
+              <a:t>Nhiều ảnh bị nhầm sang </a:t>
+            </a:r>
+            <a:r>
+              <a:rPr kumimoji="0" lang="vi-VN" altLang="vi-VN" sz="1800" b="0" i="0" u="none" strike="noStrike" cap="none" normalizeH="0" baseline="0" dirty="0" err="1">
+                <a:ln>
+                  <a:noFill/>
+                </a:ln>
+                <a:solidFill>
+                  <a:schemeClr val="tx1"/>
+                </a:solidFill>
+                <a:effectLst/>
+                <a:latin typeface="Arial" panose="020B0604020202020204" pitchFamily="34" charset="0"/>
+              </a:rPr>
+              <a:t>sad</a:t>
+            </a:r>
+            <a:r>
+              <a:rPr kumimoji="0" lang="vi-VN" altLang="vi-VN" sz="1800" b="0" i="0" u="none" strike="noStrike" cap="none" normalizeH="0" baseline="0" dirty="0">
+                <a:ln>
+                  <a:noFill/>
+                </a:ln>
+                <a:solidFill>
+                  <a:schemeClr val="tx1"/>
+                </a:solidFill>
+                <a:effectLst/>
+                <a:latin typeface="Arial" panose="020B0604020202020204" pitchFamily="34" charset="0"/>
+              </a:rPr>
+              <a:t> và </a:t>
+            </a:r>
+            <a:r>
+              <a:rPr kumimoji="0" lang="vi-VN" altLang="vi-VN" sz="1800" b="0" i="0" u="none" strike="noStrike" cap="none" normalizeH="0" baseline="0" dirty="0" err="1">
+                <a:ln>
+                  <a:noFill/>
+                </a:ln>
+                <a:solidFill>
+                  <a:schemeClr val="tx1"/>
+                </a:solidFill>
+                <a:effectLst/>
+                <a:latin typeface="Arial" panose="020B0604020202020204" pitchFamily="34" charset="0"/>
+              </a:rPr>
+              <a:t>surprise</a:t>
+            </a:r>
+            <a:endParaRPr kumimoji="0" lang="vi-VN" altLang="vi-VN" sz="1800" b="0" i="0" u="none" strike="noStrike" cap="none" normalizeH="0" baseline="0" dirty="0">
+              <a:ln>
+                <a:noFill/>
+              </a:ln>
+              <a:solidFill>
+                <a:schemeClr val="tx1"/>
+              </a:solidFill>
+              <a:effectLst/>
+              <a:latin typeface="Arial" panose="020B0604020202020204" pitchFamily="34" charset="0"/>
+            </a:endParaRPr>
+          </a:p>
+          <a:p>
+            <a:pPr marL="0" marR="0" lvl="0" indent="0" algn="l" defTabSz="914400" rtl="0" eaLnBrk="0" fontAlgn="base" latinLnBrk="0" hangingPunct="0">
+              <a:lnSpc>
+                <a:spcPct val="100000"/>
+              </a:lnSpc>
+              <a:spcBef>
+                <a:spcPct val="0"/>
+              </a:spcBef>
+              <a:spcAft>
+                <a:spcPct val="0"/>
+              </a:spcAft>
+              <a:buClrTx/>
+              <a:buSzTx/>
+              <a:tabLst/>
+            </a:pPr>
+            <a:r>
+              <a:rPr kumimoji="0" lang="vi-VN" altLang="vi-VN" sz="1800" b="1" i="0" u="none" strike="noStrike" cap="none" normalizeH="0" baseline="0" dirty="0" err="1">
+                <a:ln>
+                  <a:noFill/>
+                </a:ln>
+                <a:solidFill>
+                  <a:schemeClr val="tx1"/>
+                </a:solidFill>
+                <a:effectLst/>
+                <a:latin typeface="Arial" panose="020B0604020202020204" pitchFamily="34" charset="0"/>
+              </a:rPr>
+              <a:t>Sad</a:t>
+            </a:r>
+            <a:r>
+              <a:rPr kumimoji="0" lang="vi-VN" altLang="vi-VN" sz="1800" b="1" i="0" u="none" strike="noStrike" cap="none" normalizeH="0" baseline="0" dirty="0">
+                <a:ln>
+                  <a:noFill/>
+                </a:ln>
+                <a:solidFill>
+                  <a:schemeClr val="tx1"/>
+                </a:solidFill>
+                <a:effectLst/>
+                <a:latin typeface="Arial" panose="020B0604020202020204" pitchFamily="34" charset="0"/>
+              </a:rPr>
+              <a:t>:       </a:t>
+            </a:r>
+            <a:r>
+              <a:rPr lang="vi-VN" altLang="vi-VN" sz="1800" dirty="0">
+                <a:solidFill>
+                  <a:schemeClr val="tx1"/>
+                </a:solidFill>
+                <a:latin typeface="Arial" panose="020B0604020202020204" pitchFamily="34" charset="0"/>
+              </a:rPr>
+              <a:t>  </a:t>
+            </a:r>
+            <a:r>
+              <a:rPr kumimoji="0" lang="vi-VN" altLang="vi-VN" sz="1800" b="0" i="0" u="none" strike="noStrike" cap="none" normalizeH="0" baseline="0" dirty="0">
+                <a:ln>
+                  <a:noFill/>
+                </a:ln>
+                <a:solidFill>
+                  <a:schemeClr val="tx1"/>
+                </a:solidFill>
+                <a:effectLst/>
+                <a:latin typeface="Arial" panose="020B0604020202020204" pitchFamily="34" charset="0"/>
+              </a:rPr>
+              <a:t>Nhiều ảnh bị nhầm sang </a:t>
+            </a:r>
+            <a:r>
+              <a:rPr kumimoji="0" lang="vi-VN" altLang="vi-VN" sz="1800" b="0" i="0" u="none" strike="noStrike" cap="none" normalizeH="0" baseline="0" dirty="0" err="1">
+                <a:ln>
+                  <a:noFill/>
+                </a:ln>
+                <a:solidFill>
+                  <a:schemeClr val="tx1"/>
+                </a:solidFill>
+                <a:effectLst/>
+                <a:latin typeface="Arial" panose="020B0604020202020204" pitchFamily="34" charset="0"/>
+              </a:rPr>
+              <a:t>surprise</a:t>
+            </a:r>
+            <a:r>
+              <a:rPr kumimoji="0" lang="vi-VN" altLang="vi-VN" sz="1800" b="0" i="0" u="none" strike="noStrike" cap="none" normalizeH="0" baseline="0" dirty="0">
+                <a:ln>
+                  <a:noFill/>
+                </a:ln>
+                <a:solidFill>
+                  <a:schemeClr val="tx1"/>
+                </a:solidFill>
+                <a:effectLst/>
+                <a:latin typeface="Arial" panose="020B0604020202020204" pitchFamily="34" charset="0"/>
+              </a:rPr>
+              <a:t> và </a:t>
+            </a:r>
+            <a:r>
+              <a:rPr kumimoji="0" lang="vi-VN" altLang="vi-VN" sz="1800" b="0" i="0" u="none" strike="noStrike" cap="none" normalizeH="0" baseline="0" dirty="0" err="1">
+                <a:ln>
+                  <a:noFill/>
+                </a:ln>
+                <a:solidFill>
+                  <a:schemeClr val="tx1"/>
+                </a:solidFill>
+                <a:effectLst/>
+                <a:latin typeface="Arial" panose="020B0604020202020204" pitchFamily="34" charset="0"/>
+              </a:rPr>
+              <a:t>happy</a:t>
+            </a:r>
+            <a:endParaRPr kumimoji="0" lang="vi-VN" altLang="vi-VN" sz="1800" b="0" i="0" u="none" strike="noStrike" cap="none" normalizeH="0" baseline="0" dirty="0">
+              <a:ln>
+                <a:noFill/>
+              </a:ln>
+              <a:solidFill>
+                <a:schemeClr val="tx1"/>
+              </a:solidFill>
+              <a:effectLst/>
+              <a:latin typeface="Arial" panose="020B0604020202020204" pitchFamily="34" charset="0"/>
+            </a:endParaRPr>
+          </a:p>
+          <a:p>
+            <a:pPr marL="0" marR="0" lvl="0" indent="0" algn="l" defTabSz="914400" rtl="0" eaLnBrk="0" fontAlgn="base" latinLnBrk="0" hangingPunct="0">
+              <a:lnSpc>
+                <a:spcPct val="100000"/>
+              </a:lnSpc>
+              <a:spcBef>
+                <a:spcPct val="0"/>
+              </a:spcBef>
+              <a:spcAft>
+                <a:spcPct val="0"/>
+              </a:spcAft>
+              <a:buClrTx/>
+              <a:buSzTx/>
+              <a:tabLst/>
+            </a:pPr>
+            <a:r>
+              <a:rPr kumimoji="0" lang="vi-VN" altLang="vi-VN" sz="1800" b="1" i="0" u="none" strike="noStrike" cap="none" normalizeH="0" baseline="0" dirty="0" err="1">
+                <a:ln>
+                  <a:noFill/>
+                </a:ln>
+                <a:solidFill>
+                  <a:schemeClr val="tx1"/>
+                </a:solidFill>
+                <a:effectLst/>
+                <a:latin typeface="Arial" panose="020B0604020202020204" pitchFamily="34" charset="0"/>
+              </a:rPr>
+              <a:t>Surprise</a:t>
+            </a:r>
+            <a:r>
+              <a:rPr kumimoji="0" lang="vi-VN" altLang="vi-VN" sz="1800" b="1" i="0" u="none" strike="noStrike" cap="none" normalizeH="0" baseline="0" dirty="0">
+                <a:ln>
+                  <a:noFill/>
+                </a:ln>
+                <a:solidFill>
+                  <a:schemeClr val="tx1"/>
+                </a:solidFill>
+                <a:effectLst/>
+                <a:latin typeface="Arial" panose="020B0604020202020204" pitchFamily="34" charset="0"/>
+              </a:rPr>
+              <a:t>: </a:t>
+            </a:r>
+            <a:r>
+              <a:rPr kumimoji="0" lang="vi-VN" altLang="vi-VN" sz="1800" b="0" i="0" u="none" strike="noStrike" cap="none" normalizeH="0" baseline="0" dirty="0">
+                <a:ln>
+                  <a:noFill/>
+                </a:ln>
+                <a:solidFill>
+                  <a:schemeClr val="tx1"/>
+                </a:solidFill>
+                <a:effectLst/>
+                <a:latin typeface="Arial" panose="020B0604020202020204" pitchFamily="34" charset="0"/>
+              </a:rPr>
+              <a:t>Đây là </a:t>
+            </a:r>
+            <a:r>
+              <a:rPr kumimoji="0" lang="vi-VN" altLang="vi-VN" sz="1800" b="0" i="0" u="none" strike="noStrike" cap="none" normalizeH="0" baseline="0" dirty="0" err="1">
+                <a:ln>
+                  <a:noFill/>
+                </a:ln>
+                <a:solidFill>
+                  <a:schemeClr val="tx1"/>
+                </a:solidFill>
+                <a:effectLst/>
+                <a:latin typeface="Arial" panose="020B0604020202020204" pitchFamily="34" charset="0"/>
+              </a:rPr>
+              <a:t>class</a:t>
+            </a:r>
+            <a:r>
+              <a:rPr kumimoji="0" lang="vi-VN" altLang="vi-VN" sz="1800" b="0" i="0" u="none" strike="noStrike" cap="none" normalizeH="0" baseline="0" dirty="0">
+                <a:ln>
+                  <a:noFill/>
+                </a:ln>
+                <a:solidFill>
+                  <a:schemeClr val="tx1"/>
+                </a:solidFill>
+                <a:effectLst/>
+                <a:latin typeface="Arial" panose="020B0604020202020204" pitchFamily="34" charset="0"/>
+              </a:rPr>
+              <a:t> dễ nhất và mô hình đoán đúng nhiều nhất</a:t>
+            </a:r>
+          </a:p>
+        </p:txBody>
+      </p:sp>
+    </p:spTree>
+    <p:extLst>
+      <p:ext uri="{BB962C8B-B14F-4D97-AF65-F5344CB8AC3E}">
+        <p14:creationId xmlns:p14="http://schemas.microsoft.com/office/powerpoint/2010/main" val="4040053233"/>
+      </p:ext>
+    </p:extLst>
+  </p:cSld>
+  <p:clrMapOvr>
+    <a:masterClrMapping/>
+  </p:clrMapOvr>
+</p:sld>
+</file>
+
+<file path=ppt/slides/slide18.xml><?xml version="1.0" encoding="utf-8"?>
 <p:sld xmlns:a="http://schemas.openxmlformats.org/drawingml/2006/main" xmlns:r="http://schemas.openxmlformats.org/officeDocument/2006/relationships" xmlns:p="http://schemas.openxmlformats.org/presentationml/2006/main">
   <p:cSld>
     <p:spTree>
@@ -17834,7 +21534,7 @@
             </a:pPr>
             <a:fld id="{00000000-1234-1234-1234-123412341234}" type="slidenum">
               <a:rPr lang="en-US" smtClean="0"/>
-              <a:t>17</a:t>
+              <a:t>18</a:t>
             </a:fld>
             <a:endParaRPr lang="en-US"/>
           </a:p>
@@ -17844,114 +21544,6 @@
     <p:extLst>
       <p:ext uri="{BB962C8B-B14F-4D97-AF65-F5344CB8AC3E}">
         <p14:creationId xmlns:p14="http://schemas.microsoft.com/office/powerpoint/2010/main" val="623197552"/>
-      </p:ext>
-    </p:extLst>
-  </p:cSld>
-  <p:clrMapOvr>
-    <a:masterClrMapping/>
-  </p:clrMapOvr>
-</p:sld>
-</file>
-
-<file path=ppt/slides/slide18.xml><?xml version="1.0" encoding="utf-8"?>
-<p:sld xmlns:a="http://schemas.openxmlformats.org/drawingml/2006/main" xmlns:r="http://schemas.openxmlformats.org/officeDocument/2006/relationships" xmlns:p="http://schemas.openxmlformats.org/presentationml/2006/main">
-  <p:cSld>
-    <p:spTree>
-      <p:nvGrpSpPr>
-        <p:cNvPr id="1" name="">
-          <a:extLst>
-            <a:ext uri="{FF2B5EF4-FFF2-40B4-BE49-F238E27FC236}">
-              <a16:creationId xmlns:a16="http://schemas.microsoft.com/office/drawing/2014/main" id="{8B3F64DB-E67B-78E1-F66D-4E772F64CDDF}"/>
-            </a:ext>
-          </a:extLst>
-        </p:cNvPr>
-        <p:cNvGrpSpPr/>
-        <p:nvPr/>
-      </p:nvGrpSpPr>
-      <p:grpSpPr>
-        <a:xfrm>
-          <a:off x="0" y="0"/>
-          <a:ext cx="0" cy="0"/>
-          <a:chOff x="0" y="0"/>
-          <a:chExt cx="0" cy="0"/>
-        </a:xfrm>
-      </p:grpSpPr>
-      <p:sp>
-        <p:nvSpPr>
-          <p:cNvPr id="2" name="Tiêu đề 1">
-            <a:extLst>
-              <a:ext uri="{FF2B5EF4-FFF2-40B4-BE49-F238E27FC236}">
-                <a16:creationId xmlns:a16="http://schemas.microsoft.com/office/drawing/2014/main" id="{67FE64F0-44BC-74CE-2588-F1A67B148562}"/>
-              </a:ext>
-            </a:extLst>
-          </p:cNvPr>
-          <p:cNvSpPr>
-            <a:spLocks noGrp="1"/>
-          </p:cNvSpPr>
-          <p:nvPr>
-            <p:ph type="ctrTitle"/>
-          </p:nvPr>
-        </p:nvSpPr>
-        <p:spPr>
-          <a:xfrm>
-            <a:off x="601718" y="2253265"/>
-            <a:ext cx="8085082" cy="1887811"/>
-          </a:xfrm>
-        </p:spPr>
-        <p:txBody>
-          <a:bodyPr/>
-          <a:lstStyle/>
-          <a:p>
-            <a:pPr marL="50800"/>
-            <a:r>
-              <a:rPr lang="vi-VN" dirty="0"/>
-              <a:t>5. Hướng phát triển</a:t>
-            </a:r>
-          </a:p>
-        </p:txBody>
-      </p:sp>
-      <p:sp>
-        <p:nvSpPr>
-          <p:cNvPr id="4" name="Chỗ dành sẵn cho Số hiệu Bản chiếu 3">
-            <a:extLst>
-              <a:ext uri="{FF2B5EF4-FFF2-40B4-BE49-F238E27FC236}">
-                <a16:creationId xmlns:a16="http://schemas.microsoft.com/office/drawing/2014/main" id="{0A057780-0F8E-BE14-C4EE-6E42AF1D3542}"/>
-              </a:ext>
-            </a:extLst>
-          </p:cNvPr>
-          <p:cNvSpPr>
-            <a:spLocks noGrp="1"/>
-          </p:cNvSpPr>
-          <p:nvPr>
-            <p:ph type="sldNum" idx="12"/>
-          </p:nvPr>
-        </p:nvSpPr>
-        <p:spPr/>
-        <p:txBody>
-          <a:bodyPr/>
-          <a:lstStyle/>
-          <a:p>
-            <a:pPr marL="0" lvl="0" indent="0" algn="r" rtl="0">
-              <a:spcBef>
-                <a:spcPts val="0"/>
-              </a:spcBef>
-              <a:spcAft>
-                <a:spcPts val="0"/>
-              </a:spcAft>
-              <a:buNone/>
-            </a:pPr>
-            <a:fld id="{00000000-1234-1234-1234-123412341234}" type="slidenum">
-              <a:rPr lang="en-US" smtClean="0"/>
-              <a:t>18</a:t>
-            </a:fld>
-            <a:endParaRPr lang="en-US"/>
-          </a:p>
-        </p:txBody>
-      </p:sp>
-    </p:spTree>
-    <p:extLst>
-      <p:ext uri="{BB962C8B-B14F-4D97-AF65-F5344CB8AC3E}">
-        <p14:creationId xmlns:p14="http://schemas.microsoft.com/office/powerpoint/2010/main" val="3344533152"/>
       </p:ext>
     </p:extLst>
   </p:cSld>
@@ -17969,7 +21561,7 @@
         <p:cNvPr id="1" name="">
           <a:extLst>
             <a:ext uri="{FF2B5EF4-FFF2-40B4-BE49-F238E27FC236}">
-              <a16:creationId xmlns:a16="http://schemas.microsoft.com/office/drawing/2014/main" id="{3271D08C-0483-3321-9042-43D5EA5A0509}"/>
+              <a16:creationId xmlns:a16="http://schemas.microsoft.com/office/drawing/2014/main" id="{96739D17-BFE3-DF24-F7F1-E709B2EC471C}"/>
             </a:ext>
           </a:extLst>
         </p:cNvPr>
@@ -17984,12 +21576,42 @@
           <a:chExt cx="0" cy="0"/>
         </a:xfrm>
       </p:grpSpPr>
+      <p:pic>
+        <p:nvPicPr>
+          <p:cNvPr id="7" name="Hình ảnh 6">
+            <a:extLst>
+              <a:ext uri="{FF2B5EF4-FFF2-40B4-BE49-F238E27FC236}">
+                <a16:creationId xmlns:a16="http://schemas.microsoft.com/office/drawing/2014/main" id="{BF78874B-470D-CC17-ADE0-DF75452163F8}"/>
+              </a:ext>
+            </a:extLst>
+          </p:cNvPr>
+          <p:cNvPicPr>
+            <a:picLocks noChangeAspect="1"/>
+          </p:cNvPicPr>
+          <p:nvPr/>
+        </p:nvPicPr>
+        <p:blipFill>
+          <a:blip r:embed="rId3"/>
+          <a:stretch>
+            <a:fillRect/>
+          </a:stretch>
+        </p:blipFill>
+        <p:spPr>
+          <a:xfrm>
+            <a:off x="4062248" y="1228506"/>
+            <a:ext cx="4988911" cy="3741683"/>
+          </a:xfrm>
+          <a:prstGeom prst="rect">
+            <a:avLst/>
+          </a:prstGeom>
+        </p:spPr>
+      </p:pic>
       <p:sp>
         <p:nvSpPr>
           <p:cNvPr id="2" name="Tiêu đề 1">
             <a:extLst>
               <a:ext uri="{FF2B5EF4-FFF2-40B4-BE49-F238E27FC236}">
-                <a16:creationId xmlns:a16="http://schemas.microsoft.com/office/drawing/2014/main" id="{162389CD-4FE5-F8BD-1E0E-CC552A36B5F6}"/>
+                <a16:creationId xmlns:a16="http://schemas.microsoft.com/office/drawing/2014/main" id="{41F45901-380A-B5BE-9F58-E6AC96248ED3}"/>
               </a:ext>
             </a:extLst>
           </p:cNvPr>
@@ -18002,8 +21624,8 @@
         </p:nvSpPr>
         <p:spPr>
           <a:xfrm>
-            <a:off x="601718" y="2253265"/>
-            <a:ext cx="8085082" cy="1887811"/>
+            <a:off x="257503" y="1355835"/>
+            <a:ext cx="4042541" cy="531977"/>
           </a:xfrm>
         </p:spPr>
         <p:txBody>
@@ -18012,8 +21634,8 @@
           <a:p>
             <a:pPr marL="50800"/>
             <a:r>
-              <a:rPr lang="vi-VN" dirty="0"/>
-              <a:t>Xin chân thành cảm ơn</a:t>
+              <a:rPr lang="vi-VN" sz="2400" dirty="0"/>
+              <a:t>So sánh với HOG + SVM + PCA</a:t>
             </a:r>
           </a:p>
         </p:txBody>
@@ -18023,7 +21645,7 @@
           <p:cNvPr id="4" name="Chỗ dành sẵn cho Số hiệu Bản chiếu 3">
             <a:extLst>
               <a:ext uri="{FF2B5EF4-FFF2-40B4-BE49-F238E27FC236}">
-                <a16:creationId xmlns:a16="http://schemas.microsoft.com/office/drawing/2014/main" id="{3F29B9F0-F439-2CB5-EE2C-368E5D744814}"/>
+                <a16:creationId xmlns:a16="http://schemas.microsoft.com/office/drawing/2014/main" id="{CEAAF158-668D-EAD4-C6A8-FBB5DC2A9B95}"/>
               </a:ext>
             </a:extLst>
           </p:cNvPr>
@@ -18056,10 +21678,315 @@
           </a:p>
         </p:txBody>
       </p:sp>
+      <p:sp>
+        <p:nvSpPr>
+          <p:cNvPr id="5" name="Hộp Văn bản 4">
+            <a:extLst>
+              <a:ext uri="{FF2B5EF4-FFF2-40B4-BE49-F238E27FC236}">
+                <a16:creationId xmlns:a16="http://schemas.microsoft.com/office/drawing/2014/main" id="{4C05D052-EFFC-7349-F328-1318184B2655}"/>
+              </a:ext>
+            </a:extLst>
+          </p:cNvPr>
+          <p:cNvSpPr txBox="1"/>
+          <p:nvPr/>
+        </p:nvSpPr>
+        <p:spPr>
+          <a:xfrm>
+            <a:off x="257503" y="324332"/>
+            <a:ext cx="4572000" cy="461665"/>
+          </a:xfrm>
+          <a:prstGeom prst="rect">
+            <a:avLst/>
+          </a:prstGeom>
+          <a:noFill/>
+        </p:spPr>
+        <p:txBody>
+          <a:bodyPr wrap="square">
+            <a:spAutoFit/>
+          </a:bodyPr>
+          <a:lstStyle/>
+          <a:p>
+            <a:r>
+              <a:rPr lang="vi-VN" sz="2400" b="1" dirty="0">
+                <a:solidFill>
+                  <a:schemeClr val="bg1"/>
+                </a:solidFill>
+              </a:rPr>
+              <a:t>4. So sánh, đối chiếu kết quả</a:t>
+            </a:r>
+          </a:p>
+        </p:txBody>
+      </p:sp>
+      <p:sp>
+        <p:nvSpPr>
+          <p:cNvPr id="11" name="Hộp Văn bản 10">
+            <a:extLst>
+              <a:ext uri="{FF2B5EF4-FFF2-40B4-BE49-F238E27FC236}">
+                <a16:creationId xmlns:a16="http://schemas.microsoft.com/office/drawing/2014/main" id="{669D5A5C-9427-BDEA-AD53-11E5FECA9785}"/>
+              </a:ext>
+            </a:extLst>
+          </p:cNvPr>
+          <p:cNvSpPr txBox="1"/>
+          <p:nvPr/>
+        </p:nvSpPr>
+        <p:spPr>
+          <a:xfrm>
+            <a:off x="257503" y="2015141"/>
+            <a:ext cx="4988911" cy="1569660"/>
+          </a:xfrm>
+          <a:prstGeom prst="rect">
+            <a:avLst/>
+          </a:prstGeom>
+          <a:noFill/>
+        </p:spPr>
+        <p:txBody>
+          <a:bodyPr wrap="square">
+            <a:spAutoFit/>
+          </a:bodyPr>
+          <a:lstStyle/>
+          <a:p>
+            <a:r>
+              <a:rPr lang="vi-VN" sz="1600" dirty="0"/>
+              <a:t>PCA 0.50 -&gt; </a:t>
+            </a:r>
+            <a:r>
+              <a:rPr lang="vi-VN" sz="1600" dirty="0" err="1"/>
+              <a:t>Accuracy</a:t>
+            </a:r>
+            <a:r>
+              <a:rPr lang="vi-VN" sz="1600" dirty="0"/>
+              <a:t> (SVM): 0.3815</a:t>
+            </a:r>
+          </a:p>
+          <a:p>
+            <a:r>
+              <a:rPr lang="vi-VN" sz="1600" dirty="0"/>
+              <a:t>PCA 0.60 -&gt; </a:t>
+            </a:r>
+            <a:r>
+              <a:rPr lang="vi-VN" sz="1600" dirty="0" err="1"/>
+              <a:t>Accuracy</a:t>
+            </a:r>
+            <a:r>
+              <a:rPr lang="vi-VN" sz="1600" dirty="0"/>
+              <a:t> (SVM): 0.3925</a:t>
+            </a:r>
+          </a:p>
+          <a:p>
+            <a:r>
+              <a:rPr lang="vi-VN" sz="1600" dirty="0"/>
+              <a:t>PCA 0.70 -&gt; </a:t>
+            </a:r>
+            <a:r>
+              <a:rPr lang="vi-VN" sz="1600" dirty="0" err="1"/>
+              <a:t>Accuracy</a:t>
+            </a:r>
+            <a:r>
+              <a:rPr lang="vi-VN" sz="1600" dirty="0"/>
+              <a:t> (SVM): 0.4024</a:t>
+            </a:r>
+          </a:p>
+          <a:p>
+            <a:r>
+              <a:rPr lang="vi-VN" sz="1600" dirty="0"/>
+              <a:t>PCA 0.80 -&gt; </a:t>
+            </a:r>
+            <a:r>
+              <a:rPr lang="vi-VN" sz="1600" dirty="0" err="1"/>
+              <a:t>Accuracy</a:t>
+            </a:r>
+            <a:r>
+              <a:rPr lang="vi-VN" sz="1600" dirty="0"/>
+              <a:t> (SVM): 0.4076</a:t>
+            </a:r>
+          </a:p>
+          <a:p>
+            <a:r>
+              <a:rPr lang="vi-VN" sz="1600" b="1" dirty="0"/>
+              <a:t>PCA 0.90 -&gt; </a:t>
+            </a:r>
+            <a:r>
+              <a:rPr lang="vi-VN" sz="1600" b="1" dirty="0" err="1"/>
+              <a:t>Accuracy</a:t>
+            </a:r>
+            <a:r>
+              <a:rPr lang="vi-VN" sz="1600" b="1" dirty="0"/>
+              <a:t> (SVM): 0.4113 (</a:t>
+            </a:r>
+            <a:r>
+              <a:rPr lang="vi-VN" sz="1600" b="1" dirty="0" err="1"/>
+              <a:t>best</a:t>
+            </a:r>
+            <a:r>
+              <a:rPr lang="vi-VN" sz="1600" b="1" dirty="0"/>
+              <a:t>)</a:t>
+            </a:r>
+          </a:p>
+          <a:p>
+            <a:r>
+              <a:rPr lang="vi-VN" sz="1600" dirty="0"/>
+              <a:t>PCA 0.95 -&gt; </a:t>
+            </a:r>
+            <a:r>
+              <a:rPr lang="vi-VN" sz="1600" dirty="0" err="1"/>
+              <a:t>Accuracy</a:t>
+            </a:r>
+            <a:r>
+              <a:rPr lang="vi-VN" sz="1600" dirty="0"/>
+              <a:t> (SVM): 0.4092</a:t>
+            </a:r>
+          </a:p>
+        </p:txBody>
+      </p:sp>
+      <p:sp>
+        <p:nvSpPr>
+          <p:cNvPr id="12" name="Hộp Văn bản 11">
+            <a:extLst>
+              <a:ext uri="{FF2B5EF4-FFF2-40B4-BE49-F238E27FC236}">
+                <a16:creationId xmlns:a16="http://schemas.microsoft.com/office/drawing/2014/main" id="{D3B157A4-E50B-134E-52FE-115AA556F964}"/>
+              </a:ext>
+            </a:extLst>
+          </p:cNvPr>
+          <p:cNvSpPr txBox="1"/>
+          <p:nvPr/>
+        </p:nvSpPr>
+        <p:spPr>
+          <a:xfrm>
+            <a:off x="257502" y="3787358"/>
+            <a:ext cx="4314497" cy="2308324"/>
+          </a:xfrm>
+          <a:prstGeom prst="rect">
+            <a:avLst/>
+          </a:prstGeom>
+          <a:noFill/>
+        </p:spPr>
+        <p:txBody>
+          <a:bodyPr wrap="square" rtlCol="0">
+            <a:spAutoFit/>
+          </a:bodyPr>
+          <a:lstStyle/>
+          <a:p>
+            <a:r>
+              <a:rPr lang="vi-VN" sz="1800" b="1" dirty="0"/>
+              <a:t>Nhận xét: </a:t>
+            </a:r>
+            <a:r>
+              <a:rPr lang="vi-VN" sz="1800" dirty="0"/>
+              <a:t>ma trận </a:t>
+            </a:r>
+            <a:r>
+              <a:rPr lang="vi-VN" sz="1800" dirty="0" err="1"/>
+              <a:t>Confusion</a:t>
+            </a:r>
+            <a:r>
+              <a:rPr lang="vi-VN" sz="1800" dirty="0"/>
+              <a:t> </a:t>
+            </a:r>
+            <a:r>
+              <a:rPr lang="vi-VN" sz="1800" dirty="0" err="1"/>
+              <a:t>Matrix</a:t>
+            </a:r>
+            <a:r>
+              <a:rPr lang="vi-VN" sz="1800" dirty="0"/>
+              <a:t> có đường chéo chính đậm, phân loại đúng hơn nhiều so với K-</a:t>
+            </a:r>
+            <a:r>
+              <a:rPr lang="vi-VN" sz="1800" dirty="0" err="1"/>
+              <a:t>means</a:t>
+            </a:r>
+            <a:r>
+              <a:rPr lang="vi-VN" sz="1800" dirty="0"/>
+              <a:t> trước đó</a:t>
+            </a:r>
+          </a:p>
+          <a:p>
+            <a:pPr marL="285750" indent="-285750">
+              <a:buFontTx/>
+              <a:buChar char="-"/>
+            </a:pPr>
+            <a:r>
+              <a:rPr lang="vi-VN" sz="1800" dirty="0"/>
+              <a:t>5 loại </a:t>
+            </a:r>
+            <a:r>
+              <a:rPr lang="vi-VN" sz="1800" dirty="0" err="1"/>
+              <a:t>angry</a:t>
+            </a:r>
+            <a:r>
+              <a:rPr lang="vi-VN" sz="1800" dirty="0"/>
+              <a:t>, </a:t>
+            </a:r>
+            <a:r>
+              <a:rPr lang="vi-VN" sz="1800" dirty="0" err="1"/>
+              <a:t>disgust</a:t>
+            </a:r>
+            <a:r>
+              <a:rPr lang="vi-VN" sz="1800" dirty="0"/>
+              <a:t>, </a:t>
+            </a:r>
+            <a:r>
+              <a:rPr lang="vi-VN" sz="1800" dirty="0" err="1"/>
+              <a:t>happy</a:t>
+            </a:r>
+            <a:r>
+              <a:rPr lang="vi-VN" sz="1800" dirty="0"/>
+              <a:t>, </a:t>
+            </a:r>
+            <a:r>
+              <a:rPr lang="vi-VN" sz="1800" dirty="0" err="1"/>
+              <a:t>neutral</a:t>
+            </a:r>
+            <a:r>
+              <a:rPr lang="vi-VN" sz="1800" dirty="0"/>
+              <a:t>, </a:t>
+            </a:r>
+            <a:r>
+              <a:rPr lang="vi-VN" sz="1800" dirty="0" err="1"/>
+              <a:t>surprise</a:t>
+            </a:r>
+            <a:r>
+              <a:rPr lang="vi-VN" sz="1800" dirty="0"/>
+              <a:t> có lượng đoán đúng nhiều</a:t>
+            </a:r>
+          </a:p>
+          <a:p>
+            <a:pPr marL="285750" indent="-285750">
+              <a:buFontTx/>
+              <a:buChar char="-"/>
+            </a:pPr>
+            <a:r>
+              <a:rPr lang="vi-VN" sz="1800" dirty="0"/>
+              <a:t>2 loại </a:t>
+            </a:r>
+            <a:r>
+              <a:rPr lang="vi-VN" sz="1800" dirty="0" err="1"/>
+              <a:t>fear</a:t>
+            </a:r>
+            <a:r>
+              <a:rPr lang="vi-VN" sz="1800" dirty="0"/>
+              <a:t> và </a:t>
+            </a:r>
+            <a:r>
+              <a:rPr lang="vi-VN" sz="1800" dirty="0" err="1"/>
+              <a:t>sad</a:t>
+            </a:r>
+            <a:r>
+              <a:rPr lang="vi-VN" sz="1800" dirty="0"/>
+              <a:t> vẫn là 2 lớp khó </a:t>
+            </a:r>
+          </a:p>
+          <a:p>
+            <a:r>
+              <a:rPr lang="vi-VN" sz="1800" dirty="0"/>
+              <a:t>=&gt; SVM tận dụng tốt đặc trưng của HOG + PCA</a:t>
+            </a:r>
+          </a:p>
+        </p:txBody>
+      </p:sp>
     </p:spTree>
     <p:extLst>
       <p:ext uri="{BB962C8B-B14F-4D97-AF65-F5344CB8AC3E}">
-        <p14:creationId xmlns:p14="http://schemas.microsoft.com/office/powerpoint/2010/main" val="1859170383"/>
+        <p14:creationId xmlns:p14="http://schemas.microsoft.com/office/powerpoint/2010/main" val="2722128847"/>
       </p:ext>
     </p:extLst>
   </p:cSld>
@@ -18267,6 +22194,902 @@
     <p:extLst>
       <p:ext uri="{BB962C8B-B14F-4D97-AF65-F5344CB8AC3E}">
         <p14:creationId xmlns:p14="http://schemas.microsoft.com/office/powerpoint/2010/main" val="1500183676"/>
+      </p:ext>
+    </p:extLst>
+  </p:cSld>
+  <p:clrMapOvr>
+    <a:masterClrMapping/>
+  </p:clrMapOvr>
+</p:sld>
+</file>
+
+<file path=ppt/slides/slide20.xml><?xml version="1.0" encoding="utf-8"?>
+<p:sld xmlns:a="http://schemas.openxmlformats.org/drawingml/2006/main" xmlns:r="http://schemas.openxmlformats.org/officeDocument/2006/relationships" xmlns:p="http://schemas.openxmlformats.org/presentationml/2006/main">
+  <p:cSld>
+    <p:spTree>
+      <p:nvGrpSpPr>
+        <p:cNvPr id="1" name="">
+          <a:extLst>
+            <a:ext uri="{FF2B5EF4-FFF2-40B4-BE49-F238E27FC236}">
+              <a16:creationId xmlns:a16="http://schemas.microsoft.com/office/drawing/2014/main" id="{6706651A-3914-D8C6-CA04-1FD44BB51A0D}"/>
+            </a:ext>
+          </a:extLst>
+        </p:cNvPr>
+        <p:cNvGrpSpPr/>
+        <p:nvPr/>
+      </p:nvGrpSpPr>
+      <p:grpSpPr>
+        <a:xfrm>
+          <a:off x="0" y="0"/>
+          <a:ext cx="0" cy="0"/>
+          <a:chOff x="0" y="0"/>
+          <a:chExt cx="0" cy="0"/>
+        </a:xfrm>
+      </p:grpSpPr>
+      <p:pic>
+        <p:nvPicPr>
+          <p:cNvPr id="6" name="Hình ảnh 5">
+            <a:extLst>
+              <a:ext uri="{FF2B5EF4-FFF2-40B4-BE49-F238E27FC236}">
+                <a16:creationId xmlns:a16="http://schemas.microsoft.com/office/drawing/2014/main" id="{A829CEC6-8522-C321-C195-872F2FA7435D}"/>
+              </a:ext>
+            </a:extLst>
+          </p:cNvPr>
+          <p:cNvPicPr>
+            <a:picLocks noChangeAspect="1"/>
+          </p:cNvPicPr>
+          <p:nvPr/>
+        </p:nvPicPr>
+        <p:blipFill>
+          <a:blip r:embed="rId3"/>
+          <a:stretch>
+            <a:fillRect/>
+          </a:stretch>
+        </p:blipFill>
+        <p:spPr>
+          <a:xfrm>
+            <a:off x="4035972" y="1155131"/>
+            <a:ext cx="5108028" cy="3831021"/>
+          </a:xfrm>
+          <a:prstGeom prst="rect">
+            <a:avLst/>
+          </a:prstGeom>
+        </p:spPr>
+      </p:pic>
+      <p:sp>
+        <p:nvSpPr>
+          <p:cNvPr id="2" name="Tiêu đề 1">
+            <a:extLst>
+              <a:ext uri="{FF2B5EF4-FFF2-40B4-BE49-F238E27FC236}">
+                <a16:creationId xmlns:a16="http://schemas.microsoft.com/office/drawing/2014/main" id="{12B1E61C-3E1F-27C4-50CF-54761CAACDD2}"/>
+              </a:ext>
+            </a:extLst>
+          </p:cNvPr>
+          <p:cNvSpPr>
+            <a:spLocks noGrp="1"/>
+          </p:cNvSpPr>
+          <p:nvPr>
+            <p:ph type="ctrTitle"/>
+          </p:nvPr>
+        </p:nvSpPr>
+        <p:spPr>
+          <a:xfrm>
+            <a:off x="257503" y="1286985"/>
+            <a:ext cx="2381906" cy="531977"/>
+          </a:xfrm>
+        </p:spPr>
+        <p:txBody>
+          <a:bodyPr/>
+          <a:lstStyle/>
+          <a:p>
+            <a:pPr marL="50800"/>
+            <a:r>
+              <a:rPr lang="vi-VN" sz="2400" dirty="0"/>
+              <a:t>So sánh với CNN</a:t>
+            </a:r>
+          </a:p>
+        </p:txBody>
+      </p:sp>
+      <p:sp>
+        <p:nvSpPr>
+          <p:cNvPr id="4" name="Chỗ dành sẵn cho Số hiệu Bản chiếu 3">
+            <a:extLst>
+              <a:ext uri="{FF2B5EF4-FFF2-40B4-BE49-F238E27FC236}">
+                <a16:creationId xmlns:a16="http://schemas.microsoft.com/office/drawing/2014/main" id="{71CEA620-2A1E-6A28-6981-31873878C922}"/>
+              </a:ext>
+            </a:extLst>
+          </p:cNvPr>
+          <p:cNvSpPr>
+            <a:spLocks noGrp="1"/>
+          </p:cNvSpPr>
+          <p:nvPr>
+            <p:ph type="sldNum" idx="12"/>
+          </p:nvPr>
+        </p:nvSpPr>
+        <p:spPr/>
+        <p:txBody>
+          <a:bodyPr/>
+          <a:lstStyle/>
+          <a:p>
+            <a:pPr marL="0" lvl="0" indent="0" algn="r" rtl="0">
+              <a:spcBef>
+                <a:spcPts val="0"/>
+              </a:spcBef>
+              <a:spcAft>
+                <a:spcPts val="0"/>
+              </a:spcAft>
+              <a:buNone/>
+            </a:pPr>
+            <a:fld id="{00000000-1234-1234-1234-123412341234}" type="slidenum">
+              <a:rPr lang="en-US" smtClean="0"/>
+              <a:t>20</a:t>
+            </a:fld>
+            <a:endParaRPr lang="en-US"/>
+          </a:p>
+        </p:txBody>
+      </p:sp>
+      <p:sp>
+        <p:nvSpPr>
+          <p:cNvPr id="5" name="Hộp Văn bản 4">
+            <a:extLst>
+              <a:ext uri="{FF2B5EF4-FFF2-40B4-BE49-F238E27FC236}">
+                <a16:creationId xmlns:a16="http://schemas.microsoft.com/office/drawing/2014/main" id="{F1F76389-6C11-FCF8-E3EC-16F1FFA3DE9E}"/>
+              </a:ext>
+            </a:extLst>
+          </p:cNvPr>
+          <p:cNvSpPr txBox="1"/>
+          <p:nvPr/>
+        </p:nvSpPr>
+        <p:spPr>
+          <a:xfrm>
+            <a:off x="257503" y="324332"/>
+            <a:ext cx="4572000" cy="461665"/>
+          </a:xfrm>
+          <a:prstGeom prst="rect">
+            <a:avLst/>
+          </a:prstGeom>
+          <a:noFill/>
+        </p:spPr>
+        <p:txBody>
+          <a:bodyPr wrap="square">
+            <a:spAutoFit/>
+          </a:bodyPr>
+          <a:lstStyle/>
+          <a:p>
+            <a:r>
+              <a:rPr lang="vi-VN" sz="2400" b="1" dirty="0">
+                <a:solidFill>
+                  <a:schemeClr val="bg1"/>
+                </a:solidFill>
+              </a:rPr>
+              <a:t>4. So sánh, đối chiếu kết quả</a:t>
+            </a:r>
+          </a:p>
+        </p:txBody>
+      </p:sp>
+      <p:sp>
+        <p:nvSpPr>
+          <p:cNvPr id="12" name="Hộp Văn bản 11">
+            <a:extLst>
+              <a:ext uri="{FF2B5EF4-FFF2-40B4-BE49-F238E27FC236}">
+                <a16:creationId xmlns:a16="http://schemas.microsoft.com/office/drawing/2014/main" id="{20CFC3CE-7500-B1D3-8632-729015CF997D}"/>
+              </a:ext>
+            </a:extLst>
+          </p:cNvPr>
+          <p:cNvSpPr txBox="1"/>
+          <p:nvPr/>
+        </p:nvSpPr>
+        <p:spPr>
+          <a:xfrm>
+            <a:off x="257503" y="2661865"/>
+            <a:ext cx="4314497" cy="2308324"/>
+          </a:xfrm>
+          <a:prstGeom prst="rect">
+            <a:avLst/>
+          </a:prstGeom>
+          <a:noFill/>
+        </p:spPr>
+        <p:txBody>
+          <a:bodyPr wrap="square" rtlCol="0">
+            <a:spAutoFit/>
+          </a:bodyPr>
+          <a:lstStyle/>
+          <a:p>
+            <a:r>
+              <a:rPr lang="vi-VN" sz="1800" b="1" dirty="0"/>
+              <a:t>Nhận xét: </a:t>
+            </a:r>
+            <a:r>
+              <a:rPr lang="vi-VN" sz="1800" dirty="0"/>
+              <a:t>ma trận </a:t>
+            </a:r>
+            <a:r>
+              <a:rPr lang="vi-VN" sz="1800" dirty="0" err="1"/>
+              <a:t>Confusion</a:t>
+            </a:r>
+            <a:r>
+              <a:rPr lang="vi-VN" sz="1800" dirty="0"/>
+              <a:t> </a:t>
+            </a:r>
+            <a:r>
+              <a:rPr lang="vi-VN" sz="1800" dirty="0" err="1"/>
+              <a:t>Matrix</a:t>
+            </a:r>
+            <a:r>
+              <a:rPr lang="vi-VN" sz="1800" dirty="0"/>
+              <a:t> phản ánh CNN học được đặc trưng tốt hơn </a:t>
+            </a:r>
+            <a:r>
+              <a:rPr lang="vi-VN" sz="1800" dirty="0" err="1"/>
+              <a:t>Kmeans</a:t>
+            </a:r>
+            <a:r>
+              <a:rPr lang="vi-VN" sz="1800" dirty="0"/>
+              <a:t>, nhưng vẫn gặp những vấn đề với những lớp ảnh quá giống nhau  </a:t>
+            </a:r>
+          </a:p>
+          <a:p>
+            <a:pPr marL="285750" indent="-285750">
+              <a:buFontTx/>
+              <a:buChar char="-"/>
+            </a:pPr>
+            <a:r>
+              <a:rPr lang="vi-VN" sz="1800" dirty="0"/>
+              <a:t>Các cảm xúc mô hình nhận diện tốt:</a:t>
+            </a:r>
+          </a:p>
+          <a:p>
+            <a:pPr lvl="4"/>
+            <a:r>
+              <a:rPr lang="vi-VN" sz="1800" dirty="0" err="1"/>
+              <a:t>Surprise</a:t>
+            </a:r>
+            <a:r>
+              <a:rPr lang="vi-VN" sz="1800" dirty="0"/>
+              <a:t>, </a:t>
+            </a:r>
+            <a:r>
+              <a:rPr lang="vi-VN" sz="1800" dirty="0" err="1"/>
+              <a:t>Neutral</a:t>
+            </a:r>
+            <a:r>
+              <a:rPr lang="vi-VN" sz="1800" dirty="0"/>
+              <a:t>, </a:t>
+            </a:r>
+            <a:r>
+              <a:rPr lang="vi-VN" sz="1800" dirty="0" err="1"/>
+              <a:t>Happy</a:t>
+            </a:r>
+            <a:endParaRPr lang="vi-VN" sz="1800" dirty="0"/>
+          </a:p>
+          <a:p>
+            <a:pPr marL="285750" indent="-285750">
+              <a:buFontTx/>
+              <a:buChar char="-"/>
+            </a:pPr>
+            <a:r>
+              <a:rPr lang="vi-VN" sz="1800" dirty="0"/>
+              <a:t>Ở mức trung bình: </a:t>
+            </a:r>
+            <a:r>
+              <a:rPr lang="vi-VN" sz="1800" dirty="0" err="1"/>
+              <a:t>Sad</a:t>
+            </a:r>
+            <a:r>
+              <a:rPr lang="vi-VN" sz="1800" dirty="0"/>
+              <a:t> và </a:t>
+            </a:r>
+            <a:r>
+              <a:rPr lang="vi-VN" sz="1800" dirty="0" err="1"/>
+              <a:t>Angry</a:t>
+            </a:r>
+            <a:endParaRPr lang="vi-VN" sz="1800" dirty="0"/>
+          </a:p>
+          <a:p>
+            <a:pPr marL="285750" indent="-285750">
+              <a:buFontTx/>
+              <a:buChar char="-"/>
+            </a:pPr>
+            <a:r>
+              <a:rPr lang="vi-VN" sz="1800" dirty="0"/>
+              <a:t>Kém: </a:t>
+            </a:r>
+            <a:r>
+              <a:rPr lang="vi-VN" sz="1800" dirty="0" err="1"/>
+              <a:t>Disgust</a:t>
+            </a:r>
+            <a:r>
+              <a:rPr lang="vi-VN" sz="1800" dirty="0"/>
+              <a:t>, </a:t>
+            </a:r>
+            <a:r>
+              <a:rPr lang="vi-VN" sz="1800" dirty="0" err="1"/>
+              <a:t>Fear</a:t>
+            </a:r>
+            <a:endParaRPr lang="vi-VN" sz="1800" dirty="0"/>
+          </a:p>
+        </p:txBody>
+      </p:sp>
+      <p:sp>
+        <p:nvSpPr>
+          <p:cNvPr id="9" name="Hộp Văn bản 8">
+            <a:extLst>
+              <a:ext uri="{FF2B5EF4-FFF2-40B4-BE49-F238E27FC236}">
+                <a16:creationId xmlns:a16="http://schemas.microsoft.com/office/drawing/2014/main" id="{3D19D20E-237E-DD23-9D0C-532837CC8A8F}"/>
+              </a:ext>
+            </a:extLst>
+          </p:cNvPr>
+          <p:cNvSpPr txBox="1"/>
+          <p:nvPr/>
+        </p:nvSpPr>
+        <p:spPr>
+          <a:xfrm>
+            <a:off x="541283" y="1950063"/>
+            <a:ext cx="2201917" cy="369332"/>
+          </a:xfrm>
+          <a:prstGeom prst="rect">
+            <a:avLst/>
+          </a:prstGeom>
+          <a:noFill/>
+        </p:spPr>
+        <p:txBody>
+          <a:bodyPr wrap="square">
+            <a:spAutoFit/>
+          </a:bodyPr>
+          <a:lstStyle/>
+          <a:p>
+            <a:r>
+              <a:rPr lang="vi-VN" sz="1800" b="1" dirty="0" err="1"/>
+              <a:t>Accuracy</a:t>
+            </a:r>
+            <a:r>
+              <a:rPr lang="vi-VN" sz="1800" b="1" dirty="0"/>
+              <a:t>: 0.3417</a:t>
+            </a:r>
+          </a:p>
+        </p:txBody>
+      </p:sp>
+    </p:spTree>
+    <p:extLst>
+      <p:ext uri="{BB962C8B-B14F-4D97-AF65-F5344CB8AC3E}">
+        <p14:creationId xmlns:p14="http://schemas.microsoft.com/office/powerpoint/2010/main" val="1950223252"/>
+      </p:ext>
+    </p:extLst>
+  </p:cSld>
+  <p:clrMapOvr>
+    <a:masterClrMapping/>
+  </p:clrMapOvr>
+</p:sld>
+</file>
+
+<file path=ppt/slides/slide21.xml><?xml version="1.0" encoding="utf-8"?>
+<p:sld xmlns:a="http://schemas.openxmlformats.org/drawingml/2006/main" xmlns:r="http://schemas.openxmlformats.org/officeDocument/2006/relationships" xmlns:p="http://schemas.openxmlformats.org/presentationml/2006/main">
+  <p:cSld>
+    <p:spTree>
+      <p:nvGrpSpPr>
+        <p:cNvPr id="1" name="">
+          <a:extLst>
+            <a:ext uri="{FF2B5EF4-FFF2-40B4-BE49-F238E27FC236}">
+              <a16:creationId xmlns:a16="http://schemas.microsoft.com/office/drawing/2014/main" id="{AF6E88DE-1E14-BB66-B5C6-6C9152186394}"/>
+            </a:ext>
+          </a:extLst>
+        </p:cNvPr>
+        <p:cNvGrpSpPr/>
+        <p:nvPr/>
+      </p:nvGrpSpPr>
+      <p:grpSpPr>
+        <a:xfrm>
+          <a:off x="0" y="0"/>
+          <a:ext cx="0" cy="0"/>
+          <a:chOff x="0" y="0"/>
+          <a:chExt cx="0" cy="0"/>
+        </a:xfrm>
+      </p:grpSpPr>
+      <p:sp>
+        <p:nvSpPr>
+          <p:cNvPr id="2" name="Tiêu đề 1">
+            <a:extLst>
+              <a:ext uri="{FF2B5EF4-FFF2-40B4-BE49-F238E27FC236}">
+                <a16:creationId xmlns:a16="http://schemas.microsoft.com/office/drawing/2014/main" id="{0720730B-A928-122C-9531-232F6A912759}"/>
+              </a:ext>
+            </a:extLst>
+          </p:cNvPr>
+          <p:cNvSpPr>
+            <a:spLocks noGrp="1"/>
+          </p:cNvSpPr>
+          <p:nvPr>
+            <p:ph type="ctrTitle"/>
+          </p:nvPr>
+        </p:nvSpPr>
+        <p:spPr>
+          <a:xfrm>
+            <a:off x="257502" y="1286985"/>
+            <a:ext cx="2958663" cy="531977"/>
+          </a:xfrm>
+        </p:spPr>
+        <p:txBody>
+          <a:bodyPr/>
+          <a:lstStyle/>
+          <a:p>
+            <a:pPr marL="50800"/>
+            <a:r>
+              <a:rPr lang="vi-VN" sz="2400" dirty="0"/>
+              <a:t>So sánh </a:t>
+            </a:r>
+            <a:r>
+              <a:rPr lang="vi-VN" sz="2400"/>
+              <a:t>với VGG FER</a:t>
+            </a:r>
+            <a:endParaRPr lang="vi-VN" sz="2400" dirty="0"/>
+          </a:p>
+        </p:txBody>
+      </p:sp>
+      <p:sp>
+        <p:nvSpPr>
+          <p:cNvPr id="4" name="Chỗ dành sẵn cho Số hiệu Bản chiếu 3">
+            <a:extLst>
+              <a:ext uri="{FF2B5EF4-FFF2-40B4-BE49-F238E27FC236}">
+                <a16:creationId xmlns:a16="http://schemas.microsoft.com/office/drawing/2014/main" id="{FD451BBE-41FC-F0BF-6560-8D33B7A3CFF0}"/>
+              </a:ext>
+            </a:extLst>
+          </p:cNvPr>
+          <p:cNvSpPr>
+            <a:spLocks noGrp="1"/>
+          </p:cNvSpPr>
+          <p:nvPr>
+            <p:ph type="sldNum" idx="12"/>
+          </p:nvPr>
+        </p:nvSpPr>
+        <p:spPr/>
+        <p:txBody>
+          <a:bodyPr/>
+          <a:lstStyle/>
+          <a:p>
+            <a:pPr marL="0" lvl="0" indent="0" algn="r" rtl="0">
+              <a:spcBef>
+                <a:spcPts val="0"/>
+              </a:spcBef>
+              <a:spcAft>
+                <a:spcPts val="0"/>
+              </a:spcAft>
+              <a:buNone/>
+            </a:pPr>
+            <a:fld id="{00000000-1234-1234-1234-123412341234}" type="slidenum">
+              <a:rPr lang="en-US" smtClean="0"/>
+              <a:t>21</a:t>
+            </a:fld>
+            <a:endParaRPr lang="en-US"/>
+          </a:p>
+        </p:txBody>
+      </p:sp>
+      <p:sp>
+        <p:nvSpPr>
+          <p:cNvPr id="5" name="Hộp Văn bản 4">
+            <a:extLst>
+              <a:ext uri="{FF2B5EF4-FFF2-40B4-BE49-F238E27FC236}">
+                <a16:creationId xmlns:a16="http://schemas.microsoft.com/office/drawing/2014/main" id="{87DA5626-6E40-49DC-520D-C25E4CC56A70}"/>
+              </a:ext>
+            </a:extLst>
+          </p:cNvPr>
+          <p:cNvSpPr txBox="1"/>
+          <p:nvPr/>
+        </p:nvSpPr>
+        <p:spPr>
+          <a:xfrm>
+            <a:off x="257503" y="324332"/>
+            <a:ext cx="4572000" cy="461665"/>
+          </a:xfrm>
+          <a:prstGeom prst="rect">
+            <a:avLst/>
+          </a:prstGeom>
+          <a:noFill/>
+        </p:spPr>
+        <p:txBody>
+          <a:bodyPr wrap="square">
+            <a:spAutoFit/>
+          </a:bodyPr>
+          <a:lstStyle/>
+          <a:p>
+            <a:r>
+              <a:rPr lang="vi-VN" sz="2400" b="1" dirty="0">
+                <a:solidFill>
+                  <a:schemeClr val="bg1"/>
+                </a:solidFill>
+              </a:rPr>
+              <a:t>4. So sánh, đối chiếu kết quả</a:t>
+            </a:r>
+          </a:p>
+        </p:txBody>
+      </p:sp>
+      <p:sp>
+        <p:nvSpPr>
+          <p:cNvPr id="12" name="Hộp Văn bản 11">
+            <a:extLst>
+              <a:ext uri="{FF2B5EF4-FFF2-40B4-BE49-F238E27FC236}">
+                <a16:creationId xmlns:a16="http://schemas.microsoft.com/office/drawing/2014/main" id="{59D89FA0-1223-7D26-F982-26A4B2AD921A}"/>
+              </a:ext>
+            </a:extLst>
+          </p:cNvPr>
+          <p:cNvSpPr txBox="1"/>
+          <p:nvPr/>
+        </p:nvSpPr>
+        <p:spPr>
+          <a:xfrm>
+            <a:off x="257503" y="2661865"/>
+            <a:ext cx="4314497" cy="2031325"/>
+          </a:xfrm>
+          <a:prstGeom prst="rect">
+            <a:avLst/>
+          </a:prstGeom>
+          <a:noFill/>
+        </p:spPr>
+        <p:txBody>
+          <a:bodyPr wrap="square" rtlCol="0">
+            <a:spAutoFit/>
+          </a:bodyPr>
+          <a:lstStyle/>
+          <a:p>
+            <a:r>
+              <a:rPr lang="vi-VN" sz="1800" b="1" dirty="0"/>
+              <a:t>Nhận xét: </a:t>
+            </a:r>
+            <a:r>
+              <a:rPr lang="vi-VN" sz="1800" dirty="0"/>
+              <a:t>Mô hình này hoạt động rất tốt, rất phù hợp với bài toán này.</a:t>
+            </a:r>
+          </a:p>
+          <a:p>
+            <a:r>
+              <a:rPr lang="vi-VN" sz="1800" dirty="0"/>
+              <a:t>- Đặc biệt là để phân lớp các lớp như </a:t>
+            </a:r>
+            <a:r>
+              <a:rPr lang="vi-VN" sz="1800" dirty="0" err="1"/>
+              <a:t>Happy</a:t>
+            </a:r>
+            <a:r>
+              <a:rPr lang="vi-VN" sz="1800" dirty="0"/>
+              <a:t>, </a:t>
+            </a:r>
+            <a:r>
+              <a:rPr lang="vi-VN" sz="1800" dirty="0" err="1"/>
+              <a:t>Surprise</a:t>
+            </a:r>
+            <a:r>
+              <a:rPr lang="vi-VN" sz="1800" dirty="0"/>
+              <a:t> vì chúng có tỉ lệ nhận dạng cao.</a:t>
+            </a:r>
+          </a:p>
+          <a:p>
+            <a:r>
+              <a:rPr lang="vi-VN" sz="1800" dirty="0"/>
+              <a:t>- Tuy vậy, các cảm xúc như </a:t>
+            </a:r>
+            <a:r>
+              <a:rPr lang="vi-VN" sz="1800" dirty="0" err="1"/>
+              <a:t>fear</a:t>
+            </a:r>
+            <a:r>
+              <a:rPr lang="vi-VN" sz="1800" dirty="0"/>
+              <a:t>, </a:t>
+            </a:r>
+            <a:r>
+              <a:rPr lang="vi-VN" sz="1800" dirty="0" err="1"/>
+              <a:t>sad</a:t>
+            </a:r>
+            <a:r>
+              <a:rPr lang="vi-VN" sz="1800" dirty="0"/>
+              <a:t> vẫn chưa quá cao</a:t>
+            </a:r>
+          </a:p>
+        </p:txBody>
+      </p:sp>
+      <p:sp>
+        <p:nvSpPr>
+          <p:cNvPr id="9" name="Hộp Văn bản 8">
+            <a:extLst>
+              <a:ext uri="{FF2B5EF4-FFF2-40B4-BE49-F238E27FC236}">
+                <a16:creationId xmlns:a16="http://schemas.microsoft.com/office/drawing/2014/main" id="{CF903F55-1103-B772-9349-F960BEDCB8AB}"/>
+              </a:ext>
+            </a:extLst>
+          </p:cNvPr>
+          <p:cNvSpPr txBox="1"/>
+          <p:nvPr/>
+        </p:nvSpPr>
+        <p:spPr>
+          <a:xfrm>
+            <a:off x="541283" y="1950063"/>
+            <a:ext cx="2201917" cy="400110"/>
+          </a:xfrm>
+          <a:prstGeom prst="rect">
+            <a:avLst/>
+          </a:prstGeom>
+          <a:noFill/>
+        </p:spPr>
+        <p:txBody>
+          <a:bodyPr wrap="square">
+            <a:spAutoFit/>
+          </a:bodyPr>
+          <a:lstStyle/>
+          <a:p>
+            <a:r>
+              <a:rPr lang="vi-VN" sz="2000" b="1" dirty="0" err="1"/>
+              <a:t>Accuracy</a:t>
+            </a:r>
+            <a:r>
+              <a:rPr lang="vi-VN" sz="2000" b="1" dirty="0"/>
+              <a:t>: 0.696</a:t>
+            </a:r>
+          </a:p>
+        </p:txBody>
+      </p:sp>
+      <p:pic>
+        <p:nvPicPr>
+          <p:cNvPr id="2050" name="Picture 2">
+            <a:extLst>
+              <a:ext uri="{FF2B5EF4-FFF2-40B4-BE49-F238E27FC236}">
+                <a16:creationId xmlns:a16="http://schemas.microsoft.com/office/drawing/2014/main" id="{D2160D2D-8112-0CDF-7E0F-2FAE3F09B01F}"/>
+              </a:ext>
+            </a:extLst>
+          </p:cNvPr>
+          <p:cNvPicPr>
+            <a:picLocks noChangeAspect="1" noChangeArrowheads="1"/>
+          </p:cNvPicPr>
+          <p:nvPr/>
+        </p:nvPicPr>
+        <p:blipFill>
+          <a:blip r:embed="rId3">
+            <a:extLst>
+              <a:ext uri="{28A0092B-C50C-407E-A947-70E740481C1C}">
+                <a14:useLocalDpi xmlns:a14="http://schemas.microsoft.com/office/drawing/2010/main" val="0"/>
+              </a:ext>
+            </a:extLst>
+          </a:blip>
+          <a:srcRect/>
+          <a:stretch>
+            <a:fillRect/>
+          </a:stretch>
+        </p:blipFill>
+        <p:spPr bwMode="auto">
+          <a:xfrm>
+            <a:off x="4481103" y="1388807"/>
+            <a:ext cx="4572001" cy="3660083"/>
+          </a:xfrm>
+          <a:prstGeom prst="rect">
+            <a:avLst/>
+          </a:prstGeom>
+          <a:noFill/>
+          <a:extLst>
+            <a:ext uri="{909E8E84-426E-40DD-AFC4-6F175D3DCCD1}">
+              <a14:hiddenFill xmlns:a14="http://schemas.microsoft.com/office/drawing/2010/main">
+                <a:solidFill>
+                  <a:srgbClr val="FFFFFF"/>
+                </a:solidFill>
+              </a14:hiddenFill>
+            </a:ext>
+          </a:extLst>
+        </p:spPr>
+      </p:pic>
+    </p:spTree>
+    <p:extLst>
+      <p:ext uri="{BB962C8B-B14F-4D97-AF65-F5344CB8AC3E}">
+        <p14:creationId xmlns:p14="http://schemas.microsoft.com/office/powerpoint/2010/main" val="74999749"/>
+      </p:ext>
+    </p:extLst>
+  </p:cSld>
+  <p:clrMapOvr>
+    <a:masterClrMapping/>
+  </p:clrMapOvr>
+</p:sld>
+</file>
+
+<file path=ppt/slides/slide22.xml><?xml version="1.0" encoding="utf-8"?>
+<p:sld xmlns:a="http://schemas.openxmlformats.org/drawingml/2006/main" xmlns:r="http://schemas.openxmlformats.org/officeDocument/2006/relationships" xmlns:p="http://schemas.openxmlformats.org/presentationml/2006/main">
+  <p:cSld>
+    <p:spTree>
+      <p:nvGrpSpPr>
+        <p:cNvPr id="1" name="">
+          <a:extLst>
+            <a:ext uri="{FF2B5EF4-FFF2-40B4-BE49-F238E27FC236}">
+              <a16:creationId xmlns:a16="http://schemas.microsoft.com/office/drawing/2014/main" id="{8B3F64DB-E67B-78E1-F66D-4E772F64CDDF}"/>
+            </a:ext>
+          </a:extLst>
+        </p:cNvPr>
+        <p:cNvGrpSpPr/>
+        <p:nvPr/>
+      </p:nvGrpSpPr>
+      <p:grpSpPr>
+        <a:xfrm>
+          <a:off x="0" y="0"/>
+          <a:ext cx="0" cy="0"/>
+          <a:chOff x="0" y="0"/>
+          <a:chExt cx="0" cy="0"/>
+        </a:xfrm>
+      </p:grpSpPr>
+      <p:sp>
+        <p:nvSpPr>
+          <p:cNvPr id="2" name="Tiêu đề 1">
+            <a:extLst>
+              <a:ext uri="{FF2B5EF4-FFF2-40B4-BE49-F238E27FC236}">
+                <a16:creationId xmlns:a16="http://schemas.microsoft.com/office/drawing/2014/main" id="{67FE64F0-44BC-74CE-2588-F1A67B148562}"/>
+              </a:ext>
+            </a:extLst>
+          </p:cNvPr>
+          <p:cNvSpPr>
+            <a:spLocks noGrp="1"/>
+          </p:cNvSpPr>
+          <p:nvPr>
+            <p:ph type="ctrTitle"/>
+          </p:nvPr>
+        </p:nvSpPr>
+        <p:spPr>
+          <a:xfrm>
+            <a:off x="601718" y="2253265"/>
+            <a:ext cx="8085082" cy="1887811"/>
+          </a:xfrm>
+        </p:spPr>
+        <p:txBody>
+          <a:bodyPr/>
+          <a:lstStyle/>
+          <a:p>
+            <a:pPr marL="50800"/>
+            <a:r>
+              <a:rPr lang="vi-VN" dirty="0"/>
+              <a:t>5. Hướng phát triển</a:t>
+            </a:r>
+          </a:p>
+        </p:txBody>
+      </p:sp>
+      <p:sp>
+        <p:nvSpPr>
+          <p:cNvPr id="4" name="Chỗ dành sẵn cho Số hiệu Bản chiếu 3">
+            <a:extLst>
+              <a:ext uri="{FF2B5EF4-FFF2-40B4-BE49-F238E27FC236}">
+                <a16:creationId xmlns:a16="http://schemas.microsoft.com/office/drawing/2014/main" id="{0A057780-0F8E-BE14-C4EE-6E42AF1D3542}"/>
+              </a:ext>
+            </a:extLst>
+          </p:cNvPr>
+          <p:cNvSpPr>
+            <a:spLocks noGrp="1"/>
+          </p:cNvSpPr>
+          <p:nvPr>
+            <p:ph type="sldNum" idx="12"/>
+          </p:nvPr>
+        </p:nvSpPr>
+        <p:spPr/>
+        <p:txBody>
+          <a:bodyPr/>
+          <a:lstStyle/>
+          <a:p>
+            <a:pPr marL="0" lvl="0" indent="0" algn="r" rtl="0">
+              <a:spcBef>
+                <a:spcPts val="0"/>
+              </a:spcBef>
+              <a:spcAft>
+                <a:spcPts val="0"/>
+              </a:spcAft>
+              <a:buNone/>
+            </a:pPr>
+            <a:fld id="{00000000-1234-1234-1234-123412341234}" type="slidenum">
+              <a:rPr lang="en-US" smtClean="0"/>
+              <a:t>22</a:t>
+            </a:fld>
+            <a:endParaRPr lang="en-US"/>
+          </a:p>
+        </p:txBody>
+      </p:sp>
+    </p:spTree>
+    <p:extLst>
+      <p:ext uri="{BB962C8B-B14F-4D97-AF65-F5344CB8AC3E}">
+        <p14:creationId xmlns:p14="http://schemas.microsoft.com/office/powerpoint/2010/main" val="3344533152"/>
+      </p:ext>
+    </p:extLst>
+  </p:cSld>
+  <p:clrMapOvr>
+    <a:masterClrMapping/>
+  </p:clrMapOvr>
+</p:sld>
+</file>
+
+<file path=ppt/slides/slide23.xml><?xml version="1.0" encoding="utf-8"?>
+<p:sld xmlns:a="http://schemas.openxmlformats.org/drawingml/2006/main" xmlns:r="http://schemas.openxmlformats.org/officeDocument/2006/relationships" xmlns:p="http://schemas.openxmlformats.org/presentationml/2006/main">
+  <p:cSld>
+    <p:spTree>
+      <p:nvGrpSpPr>
+        <p:cNvPr id="1" name="">
+          <a:extLst>
+            <a:ext uri="{FF2B5EF4-FFF2-40B4-BE49-F238E27FC236}">
+              <a16:creationId xmlns:a16="http://schemas.microsoft.com/office/drawing/2014/main" id="{3271D08C-0483-3321-9042-43D5EA5A0509}"/>
+            </a:ext>
+          </a:extLst>
+        </p:cNvPr>
+        <p:cNvGrpSpPr/>
+        <p:nvPr/>
+      </p:nvGrpSpPr>
+      <p:grpSpPr>
+        <a:xfrm>
+          <a:off x="0" y="0"/>
+          <a:ext cx="0" cy="0"/>
+          <a:chOff x="0" y="0"/>
+          <a:chExt cx="0" cy="0"/>
+        </a:xfrm>
+      </p:grpSpPr>
+      <p:sp>
+        <p:nvSpPr>
+          <p:cNvPr id="2" name="Tiêu đề 1">
+            <a:extLst>
+              <a:ext uri="{FF2B5EF4-FFF2-40B4-BE49-F238E27FC236}">
+                <a16:creationId xmlns:a16="http://schemas.microsoft.com/office/drawing/2014/main" id="{162389CD-4FE5-F8BD-1E0E-CC552A36B5F6}"/>
+              </a:ext>
+            </a:extLst>
+          </p:cNvPr>
+          <p:cNvSpPr>
+            <a:spLocks noGrp="1"/>
+          </p:cNvSpPr>
+          <p:nvPr>
+            <p:ph type="ctrTitle"/>
+          </p:nvPr>
+        </p:nvSpPr>
+        <p:spPr>
+          <a:xfrm>
+            <a:off x="601718" y="2253265"/>
+            <a:ext cx="8085082" cy="1887811"/>
+          </a:xfrm>
+        </p:spPr>
+        <p:txBody>
+          <a:bodyPr/>
+          <a:lstStyle/>
+          <a:p>
+            <a:pPr marL="50800"/>
+            <a:r>
+              <a:rPr lang="vi-VN" dirty="0"/>
+              <a:t>Xin chân thành cảm ơn</a:t>
+            </a:r>
+          </a:p>
+        </p:txBody>
+      </p:sp>
+      <p:sp>
+        <p:nvSpPr>
+          <p:cNvPr id="4" name="Chỗ dành sẵn cho Số hiệu Bản chiếu 3">
+            <a:extLst>
+              <a:ext uri="{FF2B5EF4-FFF2-40B4-BE49-F238E27FC236}">
+                <a16:creationId xmlns:a16="http://schemas.microsoft.com/office/drawing/2014/main" id="{3F29B9F0-F439-2CB5-EE2C-368E5D744814}"/>
+              </a:ext>
+            </a:extLst>
+          </p:cNvPr>
+          <p:cNvSpPr>
+            <a:spLocks noGrp="1"/>
+          </p:cNvSpPr>
+          <p:nvPr>
+            <p:ph type="sldNum" idx="12"/>
+          </p:nvPr>
+        </p:nvSpPr>
+        <p:spPr/>
+        <p:txBody>
+          <a:bodyPr/>
+          <a:lstStyle/>
+          <a:p>
+            <a:pPr marL="0" lvl="0" indent="0" algn="r" rtl="0">
+              <a:spcBef>
+                <a:spcPts val="0"/>
+              </a:spcBef>
+              <a:spcAft>
+                <a:spcPts val="0"/>
+              </a:spcAft>
+              <a:buNone/>
+            </a:pPr>
+            <a:fld id="{00000000-1234-1234-1234-123412341234}" type="slidenum">
+              <a:rPr lang="en-US" smtClean="0"/>
+              <a:t>23</a:t>
+            </a:fld>
+            <a:endParaRPr lang="en-US"/>
+          </a:p>
+        </p:txBody>
+      </p:sp>
+    </p:spTree>
+    <p:extLst>
+      <p:ext uri="{BB962C8B-B14F-4D97-AF65-F5344CB8AC3E}">
+        <p14:creationId xmlns:p14="http://schemas.microsoft.com/office/powerpoint/2010/main" val="1859170383"/>
       </p:ext>
     </p:extLst>
   </p:cSld>
@@ -22569,15 +27392,6 @@
 </file>
 
 <file path=customXml/item1.xml><?xml version="1.0" encoding="utf-8"?>
-<?mso-contentType ?>
-<FormTemplates xmlns="http://schemas.microsoft.com/sharepoint/v3/contenttype/forms">
-  <Display>DocumentLibraryForm</Display>
-  <Edit>DocumentLibraryForm</Edit>
-  <New>DocumentLibraryForm</New>
-</FormTemplates>
-</file>
-
-<file path=customXml/item2.xml><?xml version="1.0" encoding="utf-8"?>
 <p:properties xmlns:p="http://schemas.microsoft.com/office/2006/metadata/properties" xmlns:xsi="http://www.w3.org/2001/XMLSchema-instance" xmlns:pc="http://schemas.microsoft.com/office/infopath/2007/PartnerControls">
   <documentManagement>
     <TaxCatchAll xmlns="01ba1225-54d8-4fa6-934e-3020034412e0" xsi:nil="true"/>
@@ -22586,6 +27400,15 @@
     </lcf76f155ced4ddcb4097134ff3c332f>
   </documentManagement>
 </p:properties>
+</file>
+
+<file path=customXml/item2.xml><?xml version="1.0" encoding="utf-8"?>
+<?mso-contentType ?>
+<FormTemplates xmlns="http://schemas.microsoft.com/sharepoint/v3/contenttype/forms">
+  <Display>DocumentLibraryForm</Display>
+  <Edit>DocumentLibraryForm</Edit>
+  <New>DocumentLibraryForm</New>
+</FormTemplates>
 </file>
 
 <file path=customXml/item3.xml><?xml version="1.0" encoding="utf-8"?>
@@ -22784,20 +27607,20 @@
 </file>
 
 <file path=customXml/itemProps1.xml><?xml version="1.0" encoding="utf-8"?>
-<ds:datastoreItem xmlns:ds="http://schemas.openxmlformats.org/officeDocument/2006/customXml" ds:itemID="{BFDA69C8-DB4E-44EE-98E1-D5D536928879}">
-  <ds:schemaRefs>
-    <ds:schemaRef ds:uri="http://schemas.microsoft.com/sharepoint/v3/contenttype/forms"/>
-  </ds:schemaRefs>
-</ds:datastoreItem>
-</file>
-
-<file path=customXml/itemProps2.xml><?xml version="1.0" encoding="utf-8"?>
 <ds:datastoreItem xmlns:ds="http://schemas.openxmlformats.org/officeDocument/2006/customXml" ds:itemID="{8E169F43-67A6-4593-ADD7-B0CBCAF4936E}">
   <ds:schemaRefs>
     <ds:schemaRef ds:uri="http://schemas.microsoft.com/office/2006/metadata/properties"/>
     <ds:schemaRef ds:uri="http://schemas.microsoft.com/office/infopath/2007/PartnerControls"/>
     <ds:schemaRef ds:uri="01ba1225-54d8-4fa6-934e-3020034412e0"/>
     <ds:schemaRef ds:uri="fd63efce-8fbd-4040-94f1-ea540616c8b8"/>
+  </ds:schemaRefs>
+</ds:datastoreItem>
+</file>
+
+<file path=customXml/itemProps2.xml><?xml version="1.0" encoding="utf-8"?>
+<ds:datastoreItem xmlns:ds="http://schemas.openxmlformats.org/officeDocument/2006/customXml" ds:itemID="{BFDA69C8-DB4E-44EE-98E1-D5D536928879}">
+  <ds:schemaRefs>
+    <ds:schemaRef ds:uri="http://schemas.microsoft.com/sharepoint/v3/contenttype/forms"/>
   </ds:schemaRefs>
 </ds:datastoreItem>
 </file>

--- a/project/baitaplon/13_NguyenThanhDat211440519_baitaplon.pptx
+++ b/project/baitaplon/13_NguyenThanhDat211440519_baitaplon.pptx
@@ -5,7 +5,7 @@
     <p:sldMasterId id="2147483648" r:id="rId4"/>
   </p:sldMasterIdLst>
   <p:notesMasterIdLst>
-    <p:notesMasterId r:id="rId28"/>
+    <p:notesMasterId r:id="rId30"/>
   </p:notesMasterIdLst>
   <p:sldIdLst>
     <p:sldId id="256" r:id="rId5"/>
@@ -30,7 +30,9 @@
     <p:sldId id="320" r:id="rId24"/>
     <p:sldId id="321" r:id="rId25"/>
     <p:sldId id="307" r:id="rId26"/>
-    <p:sldId id="306" r:id="rId27"/>
+    <p:sldId id="322" r:id="rId27"/>
+    <p:sldId id="323" r:id="rId28"/>
+    <p:sldId id="306" r:id="rId29"/>
   </p:sldIdLst>
   <p:sldSz cx="9144000" cy="6858000" type="screen4x3"/>
   <p:notesSz cx="6735763" cy="9866313"/>
@@ -279,7 +281,7 @@
       </p15:sldGuideLst>
     </p:ext>
     <p:ext uri="GoogleSlidesCustomDataVersion2">
-      <go:slidesCustomData xmlns="" xmlns:mc="http://schemas.openxmlformats.org/markup-compatibility/2006" xmlns:mv="urn:schemas-microsoft-com:mac:vml" xmlns:c="http://schemas.openxmlformats.org/drawingml/2006/chart" xmlns:dgm="http://schemas.openxmlformats.org/drawingml/2006/diagram" xmlns:o="urn:schemas-microsoft-com:office:office" xmlns:v="urn:schemas-microsoft-com:vml" xmlns:pvml="urn:schemas-microsoft-com:office:powerpoint" xmlns:com="http://schemas.openxmlformats.org/drawingml/2006/compatibility" xmlns:p14="http://schemas.microsoft.com/office/powerpoint/2010/main" xmlns:p15="http://schemas.microsoft.com/office/powerpoint/2012/main" xmlns:ahyp="http://schemas.microsoft.com/office/drawing/2018/hyperlinkcolor" xmlns:go="http://customooxmlschemas.google.com/" r:id="rId33" roundtripDataSignature="AMtx7mig7uoUar2FONQYJwEy87gUzpUQYQ=="/>
+      <go:slidesCustomData xmlns:go="http://customooxmlschemas.google.com/" xmlns:ahyp="http://schemas.microsoft.com/office/drawing/2018/hyperlinkcolor" xmlns:p15="http://schemas.microsoft.com/office/powerpoint/2012/main" xmlns:p14="http://schemas.microsoft.com/office/powerpoint/2010/main" xmlns:com="http://schemas.openxmlformats.org/drawingml/2006/compatibility" xmlns:pvml="urn:schemas-microsoft-com:office:powerpoint" xmlns:v="urn:schemas-microsoft-com:vml" xmlns:o="urn:schemas-microsoft-com:office:office" xmlns:dgm="http://schemas.openxmlformats.org/drawingml/2006/diagram" xmlns:c="http://schemas.openxmlformats.org/drawingml/2006/chart" xmlns:mv="urn:schemas-microsoft-com:mac:vml" xmlns:mc="http://schemas.openxmlformats.org/markup-compatibility/2006" xmlns="" r:id="rId33" roundtripDataSignature="AMtx7mig7uoUar2FONQYJwEy87gUzpUQYQ=="/>
     </p:ext>
   </p:extLst>
 </p:presentation>
@@ -22935,7 +22937,7 @@
             <a:pPr marL="50800"/>
             <a:r>
               <a:rPr lang="vi-VN" dirty="0"/>
-              <a:t>5. Hướng phát triển</a:t>
+              <a:t>5. Kết luận, hướng phát triển</a:t>
             </a:r>
           </a:p>
         </p:txBody>
@@ -22992,6 +22994,458 @@
 </file>
 
 <file path=ppt/slides/slide23.xml><?xml version="1.0" encoding="utf-8"?>
+<p:sld xmlns:a="http://schemas.openxmlformats.org/drawingml/2006/main" xmlns:r="http://schemas.openxmlformats.org/officeDocument/2006/relationships" xmlns:p="http://schemas.openxmlformats.org/presentationml/2006/main">
+  <p:cSld>
+    <p:spTree>
+      <p:nvGrpSpPr>
+        <p:cNvPr id="1" name="">
+          <a:extLst>
+            <a:ext uri="{FF2B5EF4-FFF2-40B4-BE49-F238E27FC236}">
+              <a16:creationId xmlns:a16="http://schemas.microsoft.com/office/drawing/2014/main" id="{96A8CB20-D762-43C0-D2FE-60A604686235}"/>
+            </a:ext>
+          </a:extLst>
+        </p:cNvPr>
+        <p:cNvGrpSpPr/>
+        <p:nvPr/>
+      </p:nvGrpSpPr>
+      <p:grpSpPr>
+        <a:xfrm>
+          <a:off x="0" y="0"/>
+          <a:ext cx="0" cy="0"/>
+          <a:chOff x="0" y="0"/>
+          <a:chExt cx="0" cy="0"/>
+        </a:xfrm>
+      </p:grpSpPr>
+      <p:sp>
+        <p:nvSpPr>
+          <p:cNvPr id="2" name="Tiêu đề 1">
+            <a:extLst>
+              <a:ext uri="{FF2B5EF4-FFF2-40B4-BE49-F238E27FC236}">
+                <a16:creationId xmlns:a16="http://schemas.microsoft.com/office/drawing/2014/main" id="{26FDB64B-DD7D-87D2-C8F2-8BE9991BCF47}"/>
+              </a:ext>
+            </a:extLst>
+          </p:cNvPr>
+          <p:cNvSpPr>
+            <a:spLocks noGrp="1"/>
+          </p:cNvSpPr>
+          <p:nvPr>
+            <p:ph type="ctrTitle"/>
+          </p:nvPr>
+        </p:nvSpPr>
+        <p:spPr>
+          <a:xfrm>
+            <a:off x="118242" y="329872"/>
+            <a:ext cx="5263056" cy="552997"/>
+          </a:xfrm>
+        </p:spPr>
+        <p:txBody>
+          <a:bodyPr/>
+          <a:lstStyle/>
+          <a:p>
+            <a:pPr marL="50800"/>
+            <a:r>
+              <a:rPr lang="vi-VN" sz="3200" dirty="0">
+                <a:solidFill>
+                  <a:schemeClr val="bg1"/>
+                </a:solidFill>
+              </a:rPr>
+              <a:t>5. Kết luận, hướng phát triển</a:t>
+            </a:r>
+          </a:p>
+        </p:txBody>
+      </p:sp>
+      <p:sp>
+        <p:nvSpPr>
+          <p:cNvPr id="4" name="Chỗ dành sẵn cho Số hiệu Bản chiếu 3">
+            <a:extLst>
+              <a:ext uri="{FF2B5EF4-FFF2-40B4-BE49-F238E27FC236}">
+                <a16:creationId xmlns:a16="http://schemas.microsoft.com/office/drawing/2014/main" id="{765A5FC2-C8A8-4316-93BA-1283F354902A}"/>
+              </a:ext>
+            </a:extLst>
+          </p:cNvPr>
+          <p:cNvSpPr>
+            <a:spLocks noGrp="1"/>
+          </p:cNvSpPr>
+          <p:nvPr>
+            <p:ph type="sldNum" idx="12"/>
+          </p:nvPr>
+        </p:nvSpPr>
+        <p:spPr/>
+        <p:txBody>
+          <a:bodyPr/>
+          <a:lstStyle/>
+          <a:p>
+            <a:pPr marL="0" lvl="0" indent="0" algn="r" rtl="0">
+              <a:spcBef>
+                <a:spcPts val="0"/>
+              </a:spcBef>
+              <a:spcAft>
+                <a:spcPts val="0"/>
+              </a:spcAft>
+              <a:buNone/>
+            </a:pPr>
+            <a:fld id="{00000000-1234-1234-1234-123412341234}" type="slidenum">
+              <a:rPr lang="en-US" smtClean="0"/>
+              <a:t>23</a:t>
+            </a:fld>
+            <a:endParaRPr lang="en-US"/>
+          </a:p>
+        </p:txBody>
+      </p:sp>
+      <p:sp>
+        <p:nvSpPr>
+          <p:cNvPr id="3" name="Hộp Văn bản 2">
+            <a:extLst>
+              <a:ext uri="{FF2B5EF4-FFF2-40B4-BE49-F238E27FC236}">
+                <a16:creationId xmlns:a16="http://schemas.microsoft.com/office/drawing/2014/main" id="{9FAA166E-EC59-E0DF-CCD5-24554E78AABA}"/>
+              </a:ext>
+            </a:extLst>
+          </p:cNvPr>
+          <p:cNvSpPr txBox="1"/>
+          <p:nvPr/>
+        </p:nvSpPr>
+        <p:spPr>
+          <a:xfrm>
+            <a:off x="409902" y="1723697"/>
+            <a:ext cx="5349766" cy="2308324"/>
+          </a:xfrm>
+          <a:prstGeom prst="rect">
+            <a:avLst/>
+          </a:prstGeom>
+          <a:noFill/>
+        </p:spPr>
+        <p:txBody>
+          <a:bodyPr wrap="square" rtlCol="0">
+            <a:spAutoFit/>
+          </a:bodyPr>
+          <a:lstStyle/>
+          <a:p>
+            <a:r>
+              <a:rPr lang="vi-VN" sz="2400" b="1" dirty="0"/>
+              <a:t>Tóm lại, FER2013 là 1 </a:t>
+            </a:r>
+            <a:r>
+              <a:rPr lang="vi-VN" sz="2400" b="1" dirty="0" err="1"/>
+              <a:t>dataset</a:t>
+            </a:r>
+            <a:r>
+              <a:rPr lang="vi-VN" sz="2400" b="1" dirty="0"/>
+              <a:t> khó, K-</a:t>
+            </a:r>
+            <a:r>
+              <a:rPr lang="vi-VN" sz="2400" b="1" dirty="0" err="1"/>
+              <a:t>means</a:t>
+            </a:r>
+            <a:r>
+              <a:rPr lang="vi-VN" sz="2400" b="1" dirty="0"/>
+              <a:t> không thể giải quyết nó với 1 </a:t>
+            </a:r>
+            <a:r>
+              <a:rPr lang="vi-VN" sz="2400" b="1" dirty="0" err="1"/>
+              <a:t>accuracy</a:t>
+            </a:r>
+            <a:r>
+              <a:rPr lang="vi-VN" sz="2400" b="1" dirty="0"/>
+              <a:t> cao được</a:t>
+            </a:r>
+          </a:p>
+          <a:p>
+            <a:r>
+              <a:rPr lang="vi-VN" sz="2400" b="1" dirty="0"/>
+              <a:t>=&gt; Yêu cầu 1 thuật toán tốt hơn, 1 </a:t>
+            </a:r>
+            <a:r>
+              <a:rPr lang="vi-VN" sz="2400" b="1" dirty="0" err="1"/>
+              <a:t>dataset</a:t>
+            </a:r>
+            <a:r>
+              <a:rPr lang="vi-VN" sz="2400" b="1" dirty="0"/>
+              <a:t> tốt hơn.</a:t>
+            </a:r>
+          </a:p>
+          <a:p>
+            <a:r>
+              <a:rPr lang="vi-VN" sz="2400" b="1" dirty="0"/>
+              <a:t> </a:t>
+            </a:r>
+          </a:p>
+        </p:txBody>
+      </p:sp>
+      <p:pic>
+        <p:nvPicPr>
+          <p:cNvPr id="6" name="Hình ảnh 5" descr="Ảnh có chứa Mặt người, đen và trắng, ảnh chụp màn hình, đàn ông&#10;&#10;Nội dung do AI tạo ra có thể không chính xác.">
+            <a:extLst>
+              <a:ext uri="{FF2B5EF4-FFF2-40B4-BE49-F238E27FC236}">
+                <a16:creationId xmlns:a16="http://schemas.microsoft.com/office/drawing/2014/main" id="{3C6F2AAE-F96D-21A9-5BFE-577363A2834C}"/>
+              </a:ext>
+            </a:extLst>
+          </p:cNvPr>
+          <p:cNvPicPr>
+            <a:picLocks noChangeAspect="1"/>
+          </p:cNvPicPr>
+          <p:nvPr/>
+        </p:nvPicPr>
+        <p:blipFill>
+          <a:blip r:embed="rId2"/>
+          <a:stretch>
+            <a:fillRect/>
+          </a:stretch>
+        </p:blipFill>
+        <p:spPr>
+          <a:xfrm>
+            <a:off x="2564522" y="4134185"/>
+            <a:ext cx="5854262" cy="1232647"/>
+          </a:xfrm>
+          <a:prstGeom prst="rect">
+            <a:avLst/>
+          </a:prstGeom>
+        </p:spPr>
+      </p:pic>
+    </p:spTree>
+    <p:extLst>
+      <p:ext uri="{BB962C8B-B14F-4D97-AF65-F5344CB8AC3E}">
+        <p14:creationId xmlns:p14="http://schemas.microsoft.com/office/powerpoint/2010/main" val="801004459"/>
+      </p:ext>
+    </p:extLst>
+  </p:cSld>
+  <p:clrMapOvr>
+    <a:masterClrMapping/>
+  </p:clrMapOvr>
+</p:sld>
+</file>
+
+<file path=ppt/slides/slide24.xml><?xml version="1.0" encoding="utf-8"?>
+<p:sld xmlns:a="http://schemas.openxmlformats.org/drawingml/2006/main" xmlns:r="http://schemas.openxmlformats.org/officeDocument/2006/relationships" xmlns:p="http://schemas.openxmlformats.org/presentationml/2006/main">
+  <p:cSld>
+    <p:spTree>
+      <p:nvGrpSpPr>
+        <p:cNvPr id="1" name="">
+          <a:extLst>
+            <a:ext uri="{FF2B5EF4-FFF2-40B4-BE49-F238E27FC236}">
+              <a16:creationId xmlns:a16="http://schemas.microsoft.com/office/drawing/2014/main" id="{A23196D1-56B0-8FC0-43C7-C92732C9CF32}"/>
+            </a:ext>
+          </a:extLst>
+        </p:cNvPr>
+        <p:cNvGrpSpPr/>
+        <p:nvPr/>
+      </p:nvGrpSpPr>
+      <p:grpSpPr>
+        <a:xfrm>
+          <a:off x="0" y="0"/>
+          <a:ext cx="0" cy="0"/>
+          <a:chOff x="0" y="0"/>
+          <a:chExt cx="0" cy="0"/>
+        </a:xfrm>
+      </p:grpSpPr>
+      <p:sp>
+        <p:nvSpPr>
+          <p:cNvPr id="2" name="Tiêu đề 1">
+            <a:extLst>
+              <a:ext uri="{FF2B5EF4-FFF2-40B4-BE49-F238E27FC236}">
+                <a16:creationId xmlns:a16="http://schemas.microsoft.com/office/drawing/2014/main" id="{003D4D4C-627F-4BE5-70CE-9B5829DE53A9}"/>
+              </a:ext>
+            </a:extLst>
+          </p:cNvPr>
+          <p:cNvSpPr>
+            <a:spLocks noGrp="1"/>
+          </p:cNvSpPr>
+          <p:nvPr>
+            <p:ph type="ctrTitle"/>
+          </p:nvPr>
+        </p:nvSpPr>
+        <p:spPr>
+          <a:xfrm>
+            <a:off x="118242" y="329872"/>
+            <a:ext cx="5263056" cy="552997"/>
+          </a:xfrm>
+        </p:spPr>
+        <p:txBody>
+          <a:bodyPr/>
+          <a:lstStyle/>
+          <a:p>
+            <a:pPr marL="50800"/>
+            <a:r>
+              <a:rPr lang="vi-VN" sz="3200" dirty="0">
+                <a:solidFill>
+                  <a:schemeClr val="bg1"/>
+                </a:solidFill>
+              </a:rPr>
+              <a:t>5. Kết luận, hướng phát triển</a:t>
+            </a:r>
+          </a:p>
+        </p:txBody>
+      </p:sp>
+      <p:sp>
+        <p:nvSpPr>
+          <p:cNvPr id="4" name="Chỗ dành sẵn cho Số hiệu Bản chiếu 3">
+            <a:extLst>
+              <a:ext uri="{FF2B5EF4-FFF2-40B4-BE49-F238E27FC236}">
+                <a16:creationId xmlns:a16="http://schemas.microsoft.com/office/drawing/2014/main" id="{8003C9B6-B08F-7505-3FD7-27282A5F84A9}"/>
+              </a:ext>
+            </a:extLst>
+          </p:cNvPr>
+          <p:cNvSpPr>
+            <a:spLocks noGrp="1"/>
+          </p:cNvSpPr>
+          <p:nvPr>
+            <p:ph type="sldNum" idx="12"/>
+          </p:nvPr>
+        </p:nvSpPr>
+        <p:spPr/>
+        <p:txBody>
+          <a:bodyPr/>
+          <a:lstStyle/>
+          <a:p>
+            <a:pPr marL="0" lvl="0" indent="0" algn="r" rtl="0">
+              <a:spcBef>
+                <a:spcPts val="0"/>
+              </a:spcBef>
+              <a:spcAft>
+                <a:spcPts val="0"/>
+              </a:spcAft>
+              <a:buNone/>
+            </a:pPr>
+            <a:fld id="{00000000-1234-1234-1234-123412341234}" type="slidenum">
+              <a:rPr lang="en-US" smtClean="0"/>
+              <a:t>24</a:t>
+            </a:fld>
+            <a:endParaRPr lang="en-US"/>
+          </a:p>
+        </p:txBody>
+      </p:sp>
+      <p:sp>
+        <p:nvSpPr>
+          <p:cNvPr id="5" name="Hộp Văn bản 4">
+            <a:extLst>
+              <a:ext uri="{FF2B5EF4-FFF2-40B4-BE49-F238E27FC236}">
+                <a16:creationId xmlns:a16="http://schemas.microsoft.com/office/drawing/2014/main" id="{13AE4E31-B88B-9763-A73B-38180C98163E}"/>
+              </a:ext>
+            </a:extLst>
+          </p:cNvPr>
+          <p:cNvSpPr txBox="1"/>
+          <p:nvPr/>
+        </p:nvSpPr>
+        <p:spPr>
+          <a:xfrm>
+            <a:off x="599090" y="1418897"/>
+            <a:ext cx="7252138" cy="461665"/>
+          </a:xfrm>
+          <a:prstGeom prst="rect">
+            <a:avLst/>
+          </a:prstGeom>
+          <a:noFill/>
+        </p:spPr>
+        <p:txBody>
+          <a:bodyPr wrap="square" rtlCol="0">
+            <a:spAutoFit/>
+          </a:bodyPr>
+          <a:lstStyle/>
+          <a:p>
+            <a:r>
+              <a:rPr lang="vi-VN" sz="2400" b="1" dirty="0"/>
+              <a:t>Hướng phát triển</a:t>
+            </a:r>
+          </a:p>
+        </p:txBody>
+      </p:sp>
+      <p:sp>
+        <p:nvSpPr>
+          <p:cNvPr id="7" name="Hộp Văn bản 6">
+            <a:extLst>
+              <a:ext uri="{FF2B5EF4-FFF2-40B4-BE49-F238E27FC236}">
+                <a16:creationId xmlns:a16="http://schemas.microsoft.com/office/drawing/2014/main" id="{FD86A4BF-8D10-D0F1-B576-5592058E554F}"/>
+              </a:ext>
+            </a:extLst>
+          </p:cNvPr>
+          <p:cNvSpPr txBox="1"/>
+          <p:nvPr/>
+        </p:nvSpPr>
+        <p:spPr>
+          <a:xfrm>
+            <a:off x="924910" y="2217683"/>
+            <a:ext cx="7294180" cy="2554545"/>
+          </a:xfrm>
+          <a:prstGeom prst="rect">
+            <a:avLst/>
+          </a:prstGeom>
+          <a:noFill/>
+        </p:spPr>
+        <p:txBody>
+          <a:bodyPr wrap="square" rtlCol="0">
+            <a:spAutoFit/>
+          </a:bodyPr>
+          <a:lstStyle/>
+          <a:p>
+            <a:pPr marL="342900" indent="-342900">
+              <a:buFontTx/>
+              <a:buChar char="-"/>
+            </a:pPr>
+            <a:r>
+              <a:rPr lang="vi-VN" sz="2000" dirty="0"/>
+              <a:t>Sử dụng các thuật toán như SVM, VGG FER để cải thiện </a:t>
+            </a:r>
+            <a:r>
+              <a:rPr lang="vi-VN" sz="2000" dirty="0" err="1"/>
+              <a:t>Accuracy</a:t>
+            </a:r>
+            <a:endParaRPr lang="vi-VN" sz="2000" dirty="0"/>
+          </a:p>
+          <a:p>
+            <a:pPr marL="342900" indent="-342900">
+              <a:buFontTx/>
+              <a:buChar char="-"/>
+            </a:pPr>
+            <a:r>
+              <a:rPr lang="vi-VN" sz="2000" dirty="0"/>
+              <a:t>Lọc lại các ảnh bị nhiễu nặng, các ảnh không thể phân biệt được rõ ràng trong </a:t>
+            </a:r>
+            <a:r>
+              <a:rPr lang="vi-VN" sz="2000" dirty="0" err="1"/>
+              <a:t>dataset</a:t>
+            </a:r>
+            <a:endParaRPr lang="vi-VN" sz="2000" dirty="0"/>
+          </a:p>
+          <a:p>
+            <a:pPr marL="342900" indent="-342900">
+              <a:buFontTx/>
+              <a:buChar char="-"/>
+            </a:pPr>
+            <a:r>
+              <a:rPr lang="vi-VN" sz="2000" dirty="0"/>
+              <a:t>Nếu thuật toán có thể cải thiện thì xem xét được đến những ứng dụng thời gian thực, bằng cách triển khai lên những phần cứng chuyên dụng như FPGA, </a:t>
+            </a:r>
+            <a:r>
+              <a:rPr lang="vi-VN" sz="2000" dirty="0" err="1"/>
+              <a:t>chip</a:t>
+            </a:r>
+            <a:r>
+              <a:rPr lang="vi-VN" sz="2000" dirty="0"/>
+              <a:t> nhúng AI</a:t>
+            </a:r>
+          </a:p>
+          <a:p>
+            <a:pPr marL="342900" indent="-342900">
+              <a:buFontTx/>
+              <a:buChar char="-"/>
+            </a:pPr>
+            <a:endParaRPr lang="vi-VN" sz="2000" dirty="0"/>
+          </a:p>
+        </p:txBody>
+      </p:sp>
+    </p:spTree>
+    <p:extLst>
+      <p:ext uri="{BB962C8B-B14F-4D97-AF65-F5344CB8AC3E}">
+        <p14:creationId xmlns:p14="http://schemas.microsoft.com/office/powerpoint/2010/main" val="1775364817"/>
+      </p:ext>
+    </p:extLst>
+  </p:cSld>
+  <p:clrMapOvr>
+    <a:masterClrMapping/>
+  </p:clrMapOvr>
+</p:sld>
+</file>
+
+<file path=ppt/slides/slide25.xml><?xml version="1.0" encoding="utf-8"?>
 <p:sld xmlns:a="http://schemas.openxmlformats.org/drawingml/2006/main" xmlns:r="http://schemas.openxmlformats.org/officeDocument/2006/relationships" xmlns:p="http://schemas.openxmlformats.org/presentationml/2006/main">
   <p:cSld>
     <p:spTree>
@@ -23080,7 +23534,7 @@
             </a:pPr>
             <a:fld id="{00000000-1234-1234-1234-123412341234}" type="slidenum">
               <a:rPr lang="en-US" smtClean="0"/>
-              <a:t>23</a:t>
+              <a:t>25</a:t>
             </a:fld>
             <a:endParaRPr lang="en-US"/>
           </a:p>
@@ -27392,6 +27846,15 @@
 </file>
 
 <file path=customXml/item1.xml><?xml version="1.0" encoding="utf-8"?>
+<?mso-contentType ?>
+<FormTemplates xmlns="http://schemas.microsoft.com/sharepoint/v3/contenttype/forms">
+  <Display>DocumentLibraryForm</Display>
+  <Edit>DocumentLibraryForm</Edit>
+  <New>DocumentLibraryForm</New>
+</FormTemplates>
+</file>
+
+<file path=customXml/item2.xml><?xml version="1.0" encoding="utf-8"?>
 <p:properties xmlns:p="http://schemas.microsoft.com/office/2006/metadata/properties" xmlns:xsi="http://www.w3.org/2001/XMLSchema-instance" xmlns:pc="http://schemas.microsoft.com/office/infopath/2007/PartnerControls">
   <documentManagement>
     <TaxCatchAll xmlns="01ba1225-54d8-4fa6-934e-3020034412e0" xsi:nil="true"/>
@@ -27400,15 +27863,6 @@
     </lcf76f155ced4ddcb4097134ff3c332f>
   </documentManagement>
 </p:properties>
-</file>
-
-<file path=customXml/item2.xml><?xml version="1.0" encoding="utf-8"?>
-<?mso-contentType ?>
-<FormTemplates xmlns="http://schemas.microsoft.com/sharepoint/v3/contenttype/forms">
-  <Display>DocumentLibraryForm</Display>
-  <Edit>DocumentLibraryForm</Edit>
-  <New>DocumentLibraryForm</New>
-</FormTemplates>
 </file>
 
 <file path=customXml/item3.xml><?xml version="1.0" encoding="utf-8"?>
@@ -27607,20 +28061,20 @@
 </file>
 
 <file path=customXml/itemProps1.xml><?xml version="1.0" encoding="utf-8"?>
+<ds:datastoreItem xmlns:ds="http://schemas.openxmlformats.org/officeDocument/2006/customXml" ds:itemID="{BFDA69C8-DB4E-44EE-98E1-D5D536928879}">
+  <ds:schemaRefs>
+    <ds:schemaRef ds:uri="http://schemas.microsoft.com/sharepoint/v3/contenttype/forms"/>
+  </ds:schemaRefs>
+</ds:datastoreItem>
+</file>
+
+<file path=customXml/itemProps2.xml><?xml version="1.0" encoding="utf-8"?>
 <ds:datastoreItem xmlns:ds="http://schemas.openxmlformats.org/officeDocument/2006/customXml" ds:itemID="{8E169F43-67A6-4593-ADD7-B0CBCAF4936E}">
   <ds:schemaRefs>
     <ds:schemaRef ds:uri="http://schemas.microsoft.com/office/2006/metadata/properties"/>
     <ds:schemaRef ds:uri="http://schemas.microsoft.com/office/infopath/2007/PartnerControls"/>
     <ds:schemaRef ds:uri="01ba1225-54d8-4fa6-934e-3020034412e0"/>
     <ds:schemaRef ds:uri="fd63efce-8fbd-4040-94f1-ea540616c8b8"/>
-  </ds:schemaRefs>
-</ds:datastoreItem>
-</file>
-
-<file path=customXml/itemProps2.xml><?xml version="1.0" encoding="utf-8"?>
-<ds:datastoreItem xmlns:ds="http://schemas.openxmlformats.org/officeDocument/2006/customXml" ds:itemID="{BFDA69C8-DB4E-44EE-98E1-D5D536928879}">
-  <ds:schemaRefs>
-    <ds:schemaRef ds:uri="http://schemas.microsoft.com/sharepoint/v3/contenttype/forms"/>
   </ds:schemaRefs>
 </ds:datastoreItem>
 </file>

--- a/project/baitaplon/13_NguyenThanhDat211440519_baitaplon.pptx
+++ b/project/baitaplon/13_NguyenThanhDat211440519_baitaplon.pptx
@@ -281,7 +281,7 @@
       </p15:sldGuideLst>
     </p:ext>
     <p:ext uri="GoogleSlidesCustomDataVersion2">
-      <go:slidesCustomData xmlns:go="http://customooxmlschemas.google.com/" xmlns:ahyp="http://schemas.microsoft.com/office/drawing/2018/hyperlinkcolor" xmlns:p15="http://schemas.microsoft.com/office/powerpoint/2012/main" xmlns:p14="http://schemas.microsoft.com/office/powerpoint/2010/main" xmlns:com="http://schemas.openxmlformats.org/drawingml/2006/compatibility" xmlns:pvml="urn:schemas-microsoft-com:office:powerpoint" xmlns:v="urn:schemas-microsoft-com:vml" xmlns:o="urn:schemas-microsoft-com:office:office" xmlns:dgm="http://schemas.openxmlformats.org/drawingml/2006/diagram" xmlns:c="http://schemas.openxmlformats.org/drawingml/2006/chart" xmlns:mv="urn:schemas-microsoft-com:mac:vml" xmlns:mc="http://schemas.openxmlformats.org/markup-compatibility/2006" xmlns="" r:id="rId33" roundtripDataSignature="AMtx7mig7uoUar2FONQYJwEy87gUzpUQYQ=="/>
+      <go:slidesCustomData xmlns="" xmlns:mc="http://schemas.openxmlformats.org/markup-compatibility/2006" xmlns:mv="urn:schemas-microsoft-com:mac:vml" xmlns:c="http://schemas.openxmlformats.org/drawingml/2006/chart" xmlns:dgm="http://schemas.openxmlformats.org/drawingml/2006/diagram" xmlns:o="urn:schemas-microsoft-com:office:office" xmlns:v="urn:schemas-microsoft-com:vml" xmlns:pvml="urn:schemas-microsoft-com:office:powerpoint" xmlns:com="http://schemas.openxmlformats.org/drawingml/2006/compatibility" xmlns:p14="http://schemas.microsoft.com/office/powerpoint/2010/main" xmlns:p15="http://schemas.microsoft.com/office/powerpoint/2012/main" xmlns:ahyp="http://schemas.microsoft.com/office/drawing/2018/hyperlinkcolor" xmlns:go="http://customooxmlschemas.google.com/" r:id="rId33" roundtripDataSignature="AMtx7mig7uoUar2FONQYJwEy87gUzpUQYQ=="/>
     </p:ext>
   </p:extLst>
 </p:presentation>
@@ -22087,7 +22087,7 @@
                   <a:schemeClr val="tx1"/>
                 </a:solidFill>
               </a:rPr>
-              <a:t>Giới thiệu về bài toán</a:t>
+              <a:t>Tổng quan</a:t>
             </a:r>
           </a:p>
           <a:p>
@@ -23598,7 +23598,7 @@
           <a:p>
             <a:r>
               <a:rPr lang="vi-VN" dirty="0"/>
-              <a:t>1. Giới thiệu về bài toán</a:t>
+              <a:t>1. Tổng quan</a:t>
             </a:r>
             <a:br>
               <a:rPr lang="vi-VN" dirty="0"/>
@@ -23731,8 +23731,8 @@
         </p:nvSpPr>
         <p:spPr>
           <a:xfrm>
-            <a:off x="136634" y="346732"/>
-            <a:ext cx="5276193" cy="431033"/>
+            <a:off x="136635" y="346732"/>
+            <a:ext cx="3079532" cy="431033"/>
           </a:xfrm>
         </p:spPr>
         <p:txBody>
@@ -23745,7 +23745,23 @@
                   <a:schemeClr val="bg1"/>
                 </a:solidFill>
               </a:rPr>
-              <a:t>1. Giới thiệu về bài toán</a:t>
+              <a:t>1</a:t>
+            </a:r>
+            <a:r>
+              <a:rPr lang="vi-VN">
+                <a:solidFill>
+                  <a:schemeClr val="bg1"/>
+                </a:solidFill>
+              </a:rPr>
+              <a:t>. </a:t>
+            </a:r>
+            <a:r>
+              <a:rPr lang="vi-VN" dirty="0">
+                <a:solidFill>
+                  <a:schemeClr val="bg1"/>
+                </a:solidFill>
+              </a:rPr>
+              <a:t>Tổng quan</a:t>
             </a:r>
           </a:p>
         </p:txBody>
@@ -27846,15 +27862,6 @@
 </file>
 
 <file path=customXml/item1.xml><?xml version="1.0" encoding="utf-8"?>
-<?mso-contentType ?>
-<FormTemplates xmlns="http://schemas.microsoft.com/sharepoint/v3/contenttype/forms">
-  <Display>DocumentLibraryForm</Display>
-  <Edit>DocumentLibraryForm</Edit>
-  <New>DocumentLibraryForm</New>
-</FormTemplates>
-</file>
-
-<file path=customXml/item2.xml><?xml version="1.0" encoding="utf-8"?>
 <p:properties xmlns:p="http://schemas.microsoft.com/office/2006/metadata/properties" xmlns:xsi="http://www.w3.org/2001/XMLSchema-instance" xmlns:pc="http://schemas.microsoft.com/office/infopath/2007/PartnerControls">
   <documentManagement>
     <TaxCatchAll xmlns="01ba1225-54d8-4fa6-934e-3020034412e0" xsi:nil="true"/>
@@ -27863,6 +27870,15 @@
     </lcf76f155ced4ddcb4097134ff3c332f>
   </documentManagement>
 </p:properties>
+</file>
+
+<file path=customXml/item2.xml><?xml version="1.0" encoding="utf-8"?>
+<?mso-contentType ?>
+<FormTemplates xmlns="http://schemas.microsoft.com/sharepoint/v3/contenttype/forms">
+  <Display>DocumentLibraryForm</Display>
+  <Edit>DocumentLibraryForm</Edit>
+  <New>DocumentLibraryForm</New>
+</FormTemplates>
 </file>
 
 <file path=customXml/item3.xml><?xml version="1.0" encoding="utf-8"?>
@@ -28061,20 +28077,20 @@
 </file>
 
 <file path=customXml/itemProps1.xml><?xml version="1.0" encoding="utf-8"?>
-<ds:datastoreItem xmlns:ds="http://schemas.openxmlformats.org/officeDocument/2006/customXml" ds:itemID="{BFDA69C8-DB4E-44EE-98E1-D5D536928879}">
-  <ds:schemaRefs>
-    <ds:schemaRef ds:uri="http://schemas.microsoft.com/sharepoint/v3/contenttype/forms"/>
-  </ds:schemaRefs>
-</ds:datastoreItem>
-</file>
-
-<file path=customXml/itemProps2.xml><?xml version="1.0" encoding="utf-8"?>
 <ds:datastoreItem xmlns:ds="http://schemas.openxmlformats.org/officeDocument/2006/customXml" ds:itemID="{8E169F43-67A6-4593-ADD7-B0CBCAF4936E}">
   <ds:schemaRefs>
     <ds:schemaRef ds:uri="http://schemas.microsoft.com/office/2006/metadata/properties"/>
     <ds:schemaRef ds:uri="http://schemas.microsoft.com/office/infopath/2007/PartnerControls"/>
     <ds:schemaRef ds:uri="01ba1225-54d8-4fa6-934e-3020034412e0"/>
     <ds:schemaRef ds:uri="fd63efce-8fbd-4040-94f1-ea540616c8b8"/>
+  </ds:schemaRefs>
+</ds:datastoreItem>
+</file>
+
+<file path=customXml/itemProps2.xml><?xml version="1.0" encoding="utf-8"?>
+<ds:datastoreItem xmlns:ds="http://schemas.openxmlformats.org/officeDocument/2006/customXml" ds:itemID="{BFDA69C8-DB4E-44EE-98E1-D5D536928879}">
+  <ds:schemaRefs>
+    <ds:schemaRef ds:uri="http://schemas.microsoft.com/sharepoint/v3/contenttype/forms"/>
   </ds:schemaRefs>
 </ds:datastoreItem>
 </file>

--- a/project/baitaplon/13_NguyenThanhDat211440519_baitaplon.pptx
+++ b/project/baitaplon/13_NguyenThanhDat211440519_baitaplon.pptx
@@ -5,7 +5,7 @@
     <p:sldMasterId id="2147483648" r:id="rId4"/>
   </p:sldMasterIdLst>
   <p:notesMasterIdLst>
-    <p:notesMasterId r:id="rId30"/>
+    <p:notesMasterId r:id="rId31"/>
   </p:notesMasterIdLst>
   <p:sldIdLst>
     <p:sldId id="256" r:id="rId5"/>
@@ -23,16 +23,17 @@
     <p:sldId id="317" r:id="rId17"/>
     <p:sldId id="304" r:id="rId18"/>
     <p:sldId id="315" r:id="rId19"/>
-    <p:sldId id="316" r:id="rId20"/>
-    <p:sldId id="318" r:id="rId21"/>
-    <p:sldId id="305" r:id="rId22"/>
-    <p:sldId id="319" r:id="rId23"/>
-    <p:sldId id="320" r:id="rId24"/>
-    <p:sldId id="321" r:id="rId25"/>
-    <p:sldId id="307" r:id="rId26"/>
-    <p:sldId id="322" r:id="rId27"/>
-    <p:sldId id="323" r:id="rId28"/>
-    <p:sldId id="306" r:id="rId29"/>
+    <p:sldId id="324" r:id="rId20"/>
+    <p:sldId id="316" r:id="rId21"/>
+    <p:sldId id="318" r:id="rId22"/>
+    <p:sldId id="305" r:id="rId23"/>
+    <p:sldId id="319" r:id="rId24"/>
+    <p:sldId id="320" r:id="rId25"/>
+    <p:sldId id="321" r:id="rId26"/>
+    <p:sldId id="307" r:id="rId27"/>
+    <p:sldId id="322" r:id="rId28"/>
+    <p:sldId id="323" r:id="rId29"/>
+    <p:sldId id="306" r:id="rId30"/>
   </p:sldIdLst>
   <p:sldSz cx="9144000" cy="6858000" type="screen4x3"/>
   <p:notesSz cx="6735763" cy="9866313"/>
@@ -281,7 +282,7 @@
       </p15:sldGuideLst>
     </p:ext>
     <p:ext uri="GoogleSlidesCustomDataVersion2">
-      <go:slidesCustomData xmlns="" xmlns:mc="http://schemas.openxmlformats.org/markup-compatibility/2006" xmlns:mv="urn:schemas-microsoft-com:mac:vml" xmlns:c="http://schemas.openxmlformats.org/drawingml/2006/chart" xmlns:dgm="http://schemas.openxmlformats.org/drawingml/2006/diagram" xmlns:o="urn:schemas-microsoft-com:office:office" xmlns:v="urn:schemas-microsoft-com:vml" xmlns:pvml="urn:schemas-microsoft-com:office:powerpoint" xmlns:com="http://schemas.openxmlformats.org/drawingml/2006/compatibility" xmlns:p14="http://schemas.microsoft.com/office/powerpoint/2010/main" xmlns:p15="http://schemas.microsoft.com/office/powerpoint/2012/main" xmlns:ahyp="http://schemas.microsoft.com/office/drawing/2018/hyperlinkcolor" xmlns:go="http://customooxmlschemas.google.com/" r:id="rId33" roundtripDataSignature="AMtx7mig7uoUar2FONQYJwEy87gUzpUQYQ=="/>
+      <go:slidesCustomData xmlns:go="http://customooxmlschemas.google.com/" xmlns:ahyp="http://schemas.microsoft.com/office/drawing/2018/hyperlinkcolor" xmlns:p15="http://schemas.microsoft.com/office/powerpoint/2012/main" xmlns:p14="http://schemas.microsoft.com/office/powerpoint/2010/main" xmlns:com="http://schemas.openxmlformats.org/drawingml/2006/compatibility" xmlns:pvml="urn:schemas-microsoft-com:office:powerpoint" xmlns:v="urn:schemas-microsoft-com:vml" xmlns:o="urn:schemas-microsoft-com:office:office" xmlns:dgm="http://schemas.openxmlformats.org/drawingml/2006/diagram" xmlns:c="http://schemas.openxmlformats.org/drawingml/2006/chart" xmlns:mv="urn:schemas-microsoft-com:mac:vml" xmlns:mc="http://schemas.openxmlformats.org/markup-compatibility/2006" xmlns="" r:id="rId33" roundtripDataSignature="AMtx7mig7uoUar2FONQYJwEy87gUzpUQYQ=="/>
     </p:ext>
   </p:extLst>
 </p:presentation>
@@ -2220,7 +2221,7 @@
                 <a:cs typeface="Calibri"/>
                 <a:sym typeface="Calibri"/>
               </a:rPr>
-              <a:t>19</a:t>
+              <a:t>20</a:t>
             </a:fld>
             <a:endParaRPr lang="en-US" sz="1200" b="0" i="0" u="none" strike="noStrike" cap="none">
               <a:solidFill>
@@ -2994,7 +2995,7 @@
                 <a:cs typeface="Calibri"/>
                 <a:sym typeface="Calibri"/>
               </a:rPr>
-              <a:t>20</a:t>
+              <a:t>21</a:t>
             </a:fld>
             <a:endParaRPr lang="en-US" sz="1200" b="0" i="0" u="none" strike="noStrike" cap="none">
               <a:solidFill>
@@ -3768,7 +3769,7 @@
                 <a:cs typeface="Calibri"/>
                 <a:sym typeface="Calibri"/>
               </a:rPr>
-              <a:t>21</a:t>
+              <a:t>22</a:t>
             </a:fld>
             <a:endParaRPr lang="en-US" sz="1200" b="0" i="0" u="none" strike="noStrike" cap="none">
               <a:solidFill>
@@ -5187,7 +5188,7 @@
                 <a:cs typeface="Calibri"/>
                 <a:sym typeface="Calibri"/>
               </a:rPr>
-              <a:t>17</a:t>
+              <a:t>18</a:t>
             </a:fld>
             <a:endParaRPr lang="en-US" sz="1200" b="0" i="0" u="none" strike="noStrike" cap="none">
               <a:solidFill>
@@ -20065,6 +20066,256 @@
         <p:cNvPr id="1" name="">
           <a:extLst>
             <a:ext uri="{FF2B5EF4-FFF2-40B4-BE49-F238E27FC236}">
+              <a16:creationId xmlns:a16="http://schemas.microsoft.com/office/drawing/2014/main" id="{C5BB2E8E-8040-6B16-3919-A823B8DA8458}"/>
+            </a:ext>
+          </a:extLst>
+        </p:cNvPr>
+        <p:cNvGrpSpPr/>
+        <p:nvPr/>
+      </p:nvGrpSpPr>
+      <p:grpSpPr>
+        <a:xfrm>
+          <a:off x="0" y="0"/>
+          <a:ext cx="0" cy="0"/>
+          <a:chOff x="0" y="0"/>
+          <a:chExt cx="0" cy="0"/>
+        </a:xfrm>
+      </p:grpSpPr>
+      <p:sp>
+        <p:nvSpPr>
+          <p:cNvPr id="2" name="Tiêu đề 1">
+            <a:extLst>
+              <a:ext uri="{FF2B5EF4-FFF2-40B4-BE49-F238E27FC236}">
+                <a16:creationId xmlns:a16="http://schemas.microsoft.com/office/drawing/2014/main" id="{8F0131C6-3B53-A843-FA42-9E4FE49E8965}"/>
+              </a:ext>
+            </a:extLst>
+          </p:cNvPr>
+          <p:cNvSpPr>
+            <a:spLocks noGrp="1"/>
+          </p:cNvSpPr>
+          <p:nvPr>
+            <p:ph type="ctrTitle"/>
+          </p:nvPr>
+        </p:nvSpPr>
+        <p:spPr>
+          <a:xfrm>
+            <a:off x="212835" y="256299"/>
+            <a:ext cx="3812627" cy="605549"/>
+          </a:xfrm>
+        </p:spPr>
+        <p:txBody>
+          <a:bodyPr/>
+          <a:lstStyle/>
+          <a:p>
+            <a:pPr marL="50800"/>
+            <a:r>
+              <a:rPr lang="vi-VN" sz="3200" dirty="0">
+                <a:solidFill>
+                  <a:schemeClr val="bg1"/>
+                </a:solidFill>
+              </a:rPr>
+              <a:t>3. Khảo sát, đánh giá</a:t>
+            </a:r>
+          </a:p>
+        </p:txBody>
+      </p:sp>
+      <p:sp>
+        <p:nvSpPr>
+          <p:cNvPr id="4" name="Chỗ dành sẵn cho Số hiệu Bản chiếu 3">
+            <a:extLst>
+              <a:ext uri="{FF2B5EF4-FFF2-40B4-BE49-F238E27FC236}">
+                <a16:creationId xmlns:a16="http://schemas.microsoft.com/office/drawing/2014/main" id="{0EA1915A-8044-6BBA-F32E-DBAE4D0A2E94}"/>
+              </a:ext>
+            </a:extLst>
+          </p:cNvPr>
+          <p:cNvSpPr>
+            <a:spLocks noGrp="1"/>
+          </p:cNvSpPr>
+          <p:nvPr>
+            <p:ph type="sldNum" idx="12"/>
+          </p:nvPr>
+        </p:nvSpPr>
+        <p:spPr/>
+        <p:txBody>
+          <a:bodyPr/>
+          <a:lstStyle/>
+          <a:p>
+            <a:pPr marL="0" lvl="0" indent="0" algn="r" rtl="0">
+              <a:spcBef>
+                <a:spcPts val="0"/>
+              </a:spcBef>
+              <a:spcAft>
+                <a:spcPts val="0"/>
+              </a:spcAft>
+              <a:buNone/>
+            </a:pPr>
+            <a:fld id="{00000000-1234-1234-1234-123412341234}" type="slidenum">
+              <a:rPr lang="en-US" smtClean="0"/>
+              <a:t>16</a:t>
+            </a:fld>
+            <a:endParaRPr lang="en-US"/>
+          </a:p>
+        </p:txBody>
+      </p:sp>
+      <p:sp>
+        <p:nvSpPr>
+          <p:cNvPr id="9" name="Hộp Văn bản 8">
+            <a:extLst>
+              <a:ext uri="{FF2B5EF4-FFF2-40B4-BE49-F238E27FC236}">
+                <a16:creationId xmlns:a16="http://schemas.microsoft.com/office/drawing/2014/main" id="{FBF612A2-63D7-2B44-F1C1-3633981791F8}"/>
+              </a:ext>
+            </a:extLst>
+          </p:cNvPr>
+          <p:cNvSpPr txBox="1"/>
+          <p:nvPr/>
+        </p:nvSpPr>
+        <p:spPr>
+          <a:xfrm>
+            <a:off x="212835" y="1187669"/>
+            <a:ext cx="5780691" cy="461665"/>
+          </a:xfrm>
+          <a:prstGeom prst="rect">
+            <a:avLst/>
+          </a:prstGeom>
+          <a:noFill/>
+        </p:spPr>
+        <p:txBody>
+          <a:bodyPr wrap="square" rtlCol="0">
+            <a:spAutoFit/>
+          </a:bodyPr>
+          <a:lstStyle/>
+          <a:p>
+            <a:r>
+              <a:rPr lang="vi-VN" sz="2400" b="1" dirty="0"/>
+              <a:t>Khảo sát phân cụm</a:t>
+            </a:r>
+          </a:p>
+        </p:txBody>
+      </p:sp>
+      <p:sp>
+        <p:nvSpPr>
+          <p:cNvPr id="10" name="Hộp Văn bản 9">
+            <a:extLst>
+              <a:ext uri="{FF2B5EF4-FFF2-40B4-BE49-F238E27FC236}">
+                <a16:creationId xmlns:a16="http://schemas.microsoft.com/office/drawing/2014/main" id="{2EE75FA9-DA3C-EBAD-CF04-87C9719FD02F}"/>
+              </a:ext>
+            </a:extLst>
+          </p:cNvPr>
+          <p:cNvSpPr txBox="1"/>
+          <p:nvPr/>
+        </p:nvSpPr>
+        <p:spPr>
+          <a:xfrm>
+            <a:off x="402021" y="5670331"/>
+            <a:ext cx="6997262" cy="707886"/>
+          </a:xfrm>
+          <a:prstGeom prst="rect">
+            <a:avLst/>
+          </a:prstGeom>
+          <a:noFill/>
+        </p:spPr>
+        <p:txBody>
+          <a:bodyPr wrap="square" rtlCol="0">
+            <a:spAutoFit/>
+          </a:bodyPr>
+          <a:lstStyle/>
+          <a:p>
+            <a:r>
+              <a:rPr lang="vi-VN" sz="2000" b="1" dirty="0"/>
+              <a:t>Các cụm thực tế khá bão hòa nên thuật toán </a:t>
+            </a:r>
+            <a:r>
+              <a:rPr lang="vi-VN" sz="2000" b="1" dirty="0" err="1"/>
+              <a:t>Kmeans</a:t>
+            </a:r>
+            <a:r>
+              <a:rPr lang="vi-VN" sz="2000" b="1" dirty="0"/>
+              <a:t> khó để phân ra được</a:t>
+            </a:r>
+          </a:p>
+        </p:txBody>
+      </p:sp>
+      <p:pic>
+        <p:nvPicPr>
+          <p:cNvPr id="8" name="Hình ảnh 7">
+            <a:extLst>
+              <a:ext uri="{FF2B5EF4-FFF2-40B4-BE49-F238E27FC236}">
+                <a16:creationId xmlns:a16="http://schemas.microsoft.com/office/drawing/2014/main" id="{E7B9B5CC-1D46-5C68-9A16-3CD0F0D02B0A}"/>
+              </a:ext>
+            </a:extLst>
+          </p:cNvPr>
+          <p:cNvPicPr>
+            <a:picLocks noChangeAspect="1"/>
+          </p:cNvPicPr>
+          <p:nvPr/>
+        </p:nvPicPr>
+        <p:blipFill>
+          <a:blip r:embed="rId2"/>
+          <a:stretch>
+            <a:fillRect/>
+          </a:stretch>
+        </p:blipFill>
+        <p:spPr>
+          <a:xfrm>
+            <a:off x="128752" y="1862125"/>
+            <a:ext cx="4314497" cy="3595414"/>
+          </a:xfrm>
+          <a:prstGeom prst="rect">
+            <a:avLst/>
+          </a:prstGeom>
+        </p:spPr>
+      </p:pic>
+      <p:pic>
+        <p:nvPicPr>
+          <p:cNvPr id="12" name="Hình ảnh 11">
+            <a:extLst>
+              <a:ext uri="{FF2B5EF4-FFF2-40B4-BE49-F238E27FC236}">
+                <a16:creationId xmlns:a16="http://schemas.microsoft.com/office/drawing/2014/main" id="{8BDBE8C4-59E7-3639-E2D0-3300F7E5507D}"/>
+              </a:ext>
+            </a:extLst>
+          </p:cNvPr>
+          <p:cNvPicPr>
+            <a:picLocks noChangeAspect="1"/>
+          </p:cNvPicPr>
+          <p:nvPr/>
+        </p:nvPicPr>
+        <p:blipFill>
+          <a:blip r:embed="rId3"/>
+          <a:stretch>
+            <a:fillRect/>
+          </a:stretch>
+        </p:blipFill>
+        <p:spPr>
+          <a:xfrm>
+            <a:off x="4443249" y="1862125"/>
+            <a:ext cx="4572000" cy="3810000"/>
+          </a:xfrm>
+          <a:prstGeom prst="rect">
+            <a:avLst/>
+          </a:prstGeom>
+        </p:spPr>
+      </p:pic>
+    </p:spTree>
+    <p:extLst>
+      <p:ext uri="{BB962C8B-B14F-4D97-AF65-F5344CB8AC3E}">
+        <p14:creationId xmlns:p14="http://schemas.microsoft.com/office/powerpoint/2010/main" val="2252518933"/>
+      </p:ext>
+    </p:extLst>
+  </p:cSld>
+  <p:clrMapOvr>
+    <a:masterClrMapping/>
+  </p:clrMapOvr>
+</p:sld>
+</file>
+
+<file path=ppt/slides/slide17.xml><?xml version="1.0" encoding="utf-8"?>
+<p:sld xmlns:a="http://schemas.openxmlformats.org/drawingml/2006/main" xmlns:r="http://schemas.openxmlformats.org/officeDocument/2006/relationships" xmlns:p="http://schemas.openxmlformats.org/presentationml/2006/main">
+  <p:cSld>
+    <p:spTree>
+      <p:nvGrpSpPr>
+        <p:cNvPr id="1" name="">
+          <a:extLst>
+            <a:ext uri="{FF2B5EF4-FFF2-40B4-BE49-F238E27FC236}">
               <a16:creationId xmlns:a16="http://schemas.microsoft.com/office/drawing/2014/main" id="{A833EEC1-7F47-FD6A-090C-818FF74D9B6E}"/>
             </a:ext>
           </a:extLst>
@@ -20150,7 +20401,7 @@
             </a:pPr>
             <a:fld id="{00000000-1234-1234-1234-123412341234}" type="slidenum">
               <a:rPr lang="en-US" smtClean="0"/>
-              <a:t>16</a:t>
+              <a:t>17</a:t>
             </a:fld>
             <a:endParaRPr lang="en-US"/>
           </a:p>
@@ -20378,7 +20629,7 @@
 </p:sld>
 </file>
 
-<file path=ppt/slides/slide17.xml><?xml version="1.0" encoding="utf-8"?>
+<file path=ppt/slides/slide18.xml><?xml version="1.0" encoding="utf-8"?>
 <p:sld xmlns:a="http://schemas.openxmlformats.org/drawingml/2006/main" xmlns:r="http://schemas.openxmlformats.org/officeDocument/2006/relationships" xmlns:p="http://schemas.openxmlformats.org/presentationml/2006/main">
   <p:cSld>
     <p:spTree>
@@ -20501,7 +20752,7 @@
             </a:pPr>
             <a:fld id="{00000000-1234-1234-1234-123412341234}" type="slidenum">
               <a:rPr lang="en-US" smtClean="0"/>
-              <a:t>17</a:t>
+              <a:t>18</a:t>
             </a:fld>
             <a:endParaRPr lang="en-US"/>
           </a:p>
@@ -21447,7 +21698,7 @@
 </p:sld>
 </file>
 
-<file path=ppt/slides/slide18.xml><?xml version="1.0" encoding="utf-8"?>
+<file path=ppt/slides/slide19.xml><?xml version="1.0" encoding="utf-8"?>
 <p:sld xmlns:a="http://schemas.openxmlformats.org/drawingml/2006/main" xmlns:r="http://schemas.openxmlformats.org/officeDocument/2006/relationships" xmlns:p="http://schemas.openxmlformats.org/presentationml/2006/main">
   <p:cSld>
     <p:spTree>
@@ -21536,7 +21787,7 @@
             </a:pPr>
             <a:fld id="{00000000-1234-1234-1234-123412341234}" type="slidenum">
               <a:rPr lang="en-US" smtClean="0"/>
-              <a:t>18</a:t>
+              <a:t>19</a:t>
             </a:fld>
             <a:endParaRPr lang="en-US"/>
           </a:p>
@@ -21555,7 +21806,214 @@
 </p:sld>
 </file>
 
-<file path=ppt/slides/slide19.xml><?xml version="1.0" encoding="utf-8"?>
+<file path=ppt/slides/slide2.xml><?xml version="1.0" encoding="utf-8"?>
+<p:sld xmlns:a="http://schemas.openxmlformats.org/drawingml/2006/main" xmlns:r="http://schemas.openxmlformats.org/officeDocument/2006/relationships" xmlns:p="http://schemas.openxmlformats.org/presentationml/2006/main">
+  <p:cSld>
+    <p:spTree>
+      <p:nvGrpSpPr>
+        <p:cNvPr id="1" name=""/>
+        <p:cNvGrpSpPr/>
+        <p:nvPr/>
+      </p:nvGrpSpPr>
+      <p:grpSpPr>
+        <a:xfrm>
+          <a:off x="0" y="0"/>
+          <a:ext cx="0" cy="0"/>
+          <a:chOff x="0" y="0"/>
+          <a:chExt cx="0" cy="0"/>
+        </a:xfrm>
+      </p:grpSpPr>
+      <p:sp>
+        <p:nvSpPr>
+          <p:cNvPr id="2" name="Tiêu đề 1">
+            <a:extLst>
+              <a:ext uri="{FF2B5EF4-FFF2-40B4-BE49-F238E27FC236}">
+                <a16:creationId xmlns:a16="http://schemas.microsoft.com/office/drawing/2014/main" id="{5116E839-D721-14A3-6ED0-70234A9F9CEC}"/>
+              </a:ext>
+            </a:extLst>
+          </p:cNvPr>
+          <p:cNvSpPr>
+            <a:spLocks noGrp="1"/>
+          </p:cNvSpPr>
+          <p:nvPr>
+            <p:ph type="ctrTitle"/>
+          </p:nvPr>
+        </p:nvSpPr>
+        <p:spPr>
+          <a:xfrm>
+            <a:off x="38100" y="1"/>
+            <a:ext cx="2425700" cy="1219200"/>
+          </a:xfrm>
+        </p:spPr>
+        <p:txBody>
+          <a:bodyPr/>
+          <a:lstStyle/>
+          <a:p>
+            <a:r>
+              <a:rPr lang="vi-VN" dirty="0">
+                <a:solidFill>
+                  <a:schemeClr val="bg1"/>
+                </a:solidFill>
+              </a:rPr>
+              <a:t>Mục lục</a:t>
+            </a:r>
+          </a:p>
+        </p:txBody>
+      </p:sp>
+      <p:sp>
+        <p:nvSpPr>
+          <p:cNvPr id="3" name="Tiêu đề phụ 2">
+            <a:extLst>
+              <a:ext uri="{FF2B5EF4-FFF2-40B4-BE49-F238E27FC236}">
+                <a16:creationId xmlns:a16="http://schemas.microsoft.com/office/drawing/2014/main" id="{6FD4E566-6E04-8BF4-4DBF-D6E2A0E1945E}"/>
+              </a:ext>
+            </a:extLst>
+          </p:cNvPr>
+          <p:cNvSpPr>
+            <a:spLocks noGrp="1"/>
+          </p:cNvSpPr>
+          <p:nvPr>
+            <p:ph type="subTitle" idx="1"/>
+          </p:nvPr>
+        </p:nvSpPr>
+        <p:spPr>
+          <a:xfrm>
+            <a:off x="702003" y="1629541"/>
+            <a:ext cx="5551652" cy="2458984"/>
+          </a:xfrm>
+        </p:spPr>
+        <p:txBody>
+          <a:bodyPr/>
+          <a:lstStyle/>
+          <a:p>
+            <a:pPr marL="565150" indent="-514350" algn="l">
+              <a:buAutoNum type="arabicPeriod"/>
+            </a:pPr>
+            <a:r>
+              <a:rPr lang="vi-VN" dirty="0">
+                <a:solidFill>
+                  <a:schemeClr val="tx1"/>
+                </a:solidFill>
+              </a:rPr>
+              <a:t>Tổng quan</a:t>
+            </a:r>
+          </a:p>
+          <a:p>
+            <a:pPr marL="565150" indent="-514350" algn="l">
+              <a:buAutoNum type="arabicPeriod"/>
+            </a:pPr>
+            <a:r>
+              <a:rPr lang="vi-VN" dirty="0">
+                <a:solidFill>
+                  <a:schemeClr val="tx1"/>
+                </a:solidFill>
+              </a:rPr>
+              <a:t>Thuật toán và tập dữ liệu</a:t>
+            </a:r>
+          </a:p>
+          <a:p>
+            <a:pPr marL="565150" indent="-514350" algn="l">
+              <a:buAutoNum type="arabicPeriod"/>
+            </a:pPr>
+            <a:r>
+              <a:rPr lang="vi-VN" dirty="0">
+                <a:solidFill>
+                  <a:schemeClr val="tx1"/>
+                </a:solidFill>
+              </a:rPr>
+              <a:t>Khảo sát, đánh giá</a:t>
+            </a:r>
+          </a:p>
+          <a:p>
+            <a:pPr marL="565150" indent="-514350" algn="l">
+              <a:buAutoNum type="arabicPeriod"/>
+            </a:pPr>
+            <a:r>
+              <a:rPr lang="vi-VN" dirty="0">
+                <a:solidFill>
+                  <a:schemeClr val="tx1"/>
+                </a:solidFill>
+              </a:rPr>
+              <a:t>So sánh, đối chiếu kết quả</a:t>
+            </a:r>
+          </a:p>
+          <a:p>
+            <a:pPr marL="565150" indent="-514350" algn="l">
+              <a:buAutoNum type="arabicPeriod"/>
+            </a:pPr>
+            <a:r>
+              <a:rPr lang="vi-VN" dirty="0">
+                <a:solidFill>
+                  <a:schemeClr val="tx1"/>
+                </a:solidFill>
+              </a:rPr>
+              <a:t>Hướng phát triển</a:t>
+            </a:r>
+          </a:p>
+          <a:p>
+            <a:pPr marL="565150" indent="-514350" algn="l">
+              <a:buAutoNum type="arabicPeriod"/>
+            </a:pPr>
+            <a:endParaRPr lang="vi-VN" dirty="0">
+              <a:solidFill>
+                <a:schemeClr val="tx1"/>
+              </a:solidFill>
+            </a:endParaRPr>
+          </a:p>
+        </p:txBody>
+      </p:sp>
+      <p:sp>
+        <p:nvSpPr>
+          <p:cNvPr id="4" name="Chỗ dành sẵn cho Số hiệu Bản chiếu 3">
+            <a:extLst>
+              <a:ext uri="{FF2B5EF4-FFF2-40B4-BE49-F238E27FC236}">
+                <a16:creationId xmlns:a16="http://schemas.microsoft.com/office/drawing/2014/main" id="{4D617F7E-2E3A-6A3A-0AEE-2754B0BD2AF0}"/>
+              </a:ext>
+            </a:extLst>
+          </p:cNvPr>
+          <p:cNvSpPr>
+            <a:spLocks noGrp="1"/>
+          </p:cNvSpPr>
+          <p:nvPr>
+            <p:ph type="sldNum" idx="12"/>
+          </p:nvPr>
+        </p:nvSpPr>
+        <p:spPr/>
+        <p:txBody>
+          <a:bodyPr/>
+          <a:lstStyle/>
+          <a:p>
+            <a:pPr marL="0" lvl="0" indent="0" algn="r" rtl="0">
+              <a:spcBef>
+                <a:spcPts val="0"/>
+              </a:spcBef>
+              <a:spcAft>
+                <a:spcPts val="0"/>
+              </a:spcAft>
+              <a:buNone/>
+            </a:pPr>
+            <a:fld id="{00000000-1234-1234-1234-123412341234}" type="slidenum">
+              <a:rPr lang="en-US" smtClean="0"/>
+              <a:t>2</a:t>
+            </a:fld>
+            <a:endParaRPr lang="en-US"/>
+          </a:p>
+        </p:txBody>
+      </p:sp>
+    </p:spTree>
+    <p:extLst>
+      <p:ext uri="{BB962C8B-B14F-4D97-AF65-F5344CB8AC3E}">
+        <p14:creationId xmlns:p14="http://schemas.microsoft.com/office/powerpoint/2010/main" val="1500183676"/>
+      </p:ext>
+    </p:extLst>
+  </p:cSld>
+  <p:clrMapOvr>
+    <a:masterClrMapping/>
+  </p:clrMapOvr>
+</p:sld>
+</file>
+
+<file path=ppt/slides/slide20.xml><?xml version="1.0" encoding="utf-8"?>
 <p:sld xmlns:a="http://schemas.openxmlformats.org/drawingml/2006/main" xmlns:r="http://schemas.openxmlformats.org/officeDocument/2006/relationships" xmlns:p="http://schemas.openxmlformats.org/presentationml/2006/main">
   <p:cSld>
     <p:spTree>
@@ -21674,7 +22132,7 @@
             </a:pPr>
             <a:fld id="{00000000-1234-1234-1234-123412341234}" type="slidenum">
               <a:rPr lang="en-US" smtClean="0"/>
-              <a:t>19</a:t>
+              <a:t>20</a:t>
             </a:fld>
             <a:endParaRPr lang="en-US"/>
           </a:p>
@@ -21998,214 +22456,7 @@
 </p:sld>
 </file>
 
-<file path=ppt/slides/slide2.xml><?xml version="1.0" encoding="utf-8"?>
-<p:sld xmlns:a="http://schemas.openxmlformats.org/drawingml/2006/main" xmlns:r="http://schemas.openxmlformats.org/officeDocument/2006/relationships" xmlns:p="http://schemas.openxmlformats.org/presentationml/2006/main">
-  <p:cSld>
-    <p:spTree>
-      <p:nvGrpSpPr>
-        <p:cNvPr id="1" name=""/>
-        <p:cNvGrpSpPr/>
-        <p:nvPr/>
-      </p:nvGrpSpPr>
-      <p:grpSpPr>
-        <a:xfrm>
-          <a:off x="0" y="0"/>
-          <a:ext cx="0" cy="0"/>
-          <a:chOff x="0" y="0"/>
-          <a:chExt cx="0" cy="0"/>
-        </a:xfrm>
-      </p:grpSpPr>
-      <p:sp>
-        <p:nvSpPr>
-          <p:cNvPr id="2" name="Tiêu đề 1">
-            <a:extLst>
-              <a:ext uri="{FF2B5EF4-FFF2-40B4-BE49-F238E27FC236}">
-                <a16:creationId xmlns:a16="http://schemas.microsoft.com/office/drawing/2014/main" id="{5116E839-D721-14A3-6ED0-70234A9F9CEC}"/>
-              </a:ext>
-            </a:extLst>
-          </p:cNvPr>
-          <p:cNvSpPr>
-            <a:spLocks noGrp="1"/>
-          </p:cNvSpPr>
-          <p:nvPr>
-            <p:ph type="ctrTitle"/>
-          </p:nvPr>
-        </p:nvSpPr>
-        <p:spPr>
-          <a:xfrm>
-            <a:off x="38100" y="1"/>
-            <a:ext cx="2425700" cy="1219200"/>
-          </a:xfrm>
-        </p:spPr>
-        <p:txBody>
-          <a:bodyPr/>
-          <a:lstStyle/>
-          <a:p>
-            <a:r>
-              <a:rPr lang="vi-VN" dirty="0">
-                <a:solidFill>
-                  <a:schemeClr val="bg1"/>
-                </a:solidFill>
-              </a:rPr>
-              <a:t>Mục lục</a:t>
-            </a:r>
-          </a:p>
-        </p:txBody>
-      </p:sp>
-      <p:sp>
-        <p:nvSpPr>
-          <p:cNvPr id="3" name="Tiêu đề phụ 2">
-            <a:extLst>
-              <a:ext uri="{FF2B5EF4-FFF2-40B4-BE49-F238E27FC236}">
-                <a16:creationId xmlns:a16="http://schemas.microsoft.com/office/drawing/2014/main" id="{6FD4E566-6E04-8BF4-4DBF-D6E2A0E1945E}"/>
-              </a:ext>
-            </a:extLst>
-          </p:cNvPr>
-          <p:cNvSpPr>
-            <a:spLocks noGrp="1"/>
-          </p:cNvSpPr>
-          <p:nvPr>
-            <p:ph type="subTitle" idx="1"/>
-          </p:nvPr>
-        </p:nvSpPr>
-        <p:spPr>
-          <a:xfrm>
-            <a:off x="702003" y="1629541"/>
-            <a:ext cx="5551652" cy="2458984"/>
-          </a:xfrm>
-        </p:spPr>
-        <p:txBody>
-          <a:bodyPr/>
-          <a:lstStyle/>
-          <a:p>
-            <a:pPr marL="565150" indent="-514350" algn="l">
-              <a:buAutoNum type="arabicPeriod"/>
-            </a:pPr>
-            <a:r>
-              <a:rPr lang="vi-VN" dirty="0">
-                <a:solidFill>
-                  <a:schemeClr val="tx1"/>
-                </a:solidFill>
-              </a:rPr>
-              <a:t>Tổng quan</a:t>
-            </a:r>
-          </a:p>
-          <a:p>
-            <a:pPr marL="565150" indent="-514350" algn="l">
-              <a:buAutoNum type="arabicPeriod"/>
-            </a:pPr>
-            <a:r>
-              <a:rPr lang="vi-VN" dirty="0">
-                <a:solidFill>
-                  <a:schemeClr val="tx1"/>
-                </a:solidFill>
-              </a:rPr>
-              <a:t>Thuật toán và tập dữ liệu</a:t>
-            </a:r>
-          </a:p>
-          <a:p>
-            <a:pPr marL="565150" indent="-514350" algn="l">
-              <a:buAutoNum type="arabicPeriod"/>
-            </a:pPr>
-            <a:r>
-              <a:rPr lang="vi-VN" dirty="0">
-                <a:solidFill>
-                  <a:schemeClr val="tx1"/>
-                </a:solidFill>
-              </a:rPr>
-              <a:t>Khảo sát, đánh giá</a:t>
-            </a:r>
-          </a:p>
-          <a:p>
-            <a:pPr marL="565150" indent="-514350" algn="l">
-              <a:buAutoNum type="arabicPeriod"/>
-            </a:pPr>
-            <a:r>
-              <a:rPr lang="vi-VN" dirty="0">
-                <a:solidFill>
-                  <a:schemeClr val="tx1"/>
-                </a:solidFill>
-              </a:rPr>
-              <a:t>So sánh, đối chiếu kết quả</a:t>
-            </a:r>
-          </a:p>
-          <a:p>
-            <a:pPr marL="565150" indent="-514350" algn="l">
-              <a:buAutoNum type="arabicPeriod"/>
-            </a:pPr>
-            <a:r>
-              <a:rPr lang="vi-VN" dirty="0">
-                <a:solidFill>
-                  <a:schemeClr val="tx1"/>
-                </a:solidFill>
-              </a:rPr>
-              <a:t>Hướng phát triển</a:t>
-            </a:r>
-          </a:p>
-          <a:p>
-            <a:pPr marL="565150" indent="-514350" algn="l">
-              <a:buAutoNum type="arabicPeriod"/>
-            </a:pPr>
-            <a:endParaRPr lang="vi-VN" dirty="0">
-              <a:solidFill>
-                <a:schemeClr val="tx1"/>
-              </a:solidFill>
-            </a:endParaRPr>
-          </a:p>
-        </p:txBody>
-      </p:sp>
-      <p:sp>
-        <p:nvSpPr>
-          <p:cNvPr id="4" name="Chỗ dành sẵn cho Số hiệu Bản chiếu 3">
-            <a:extLst>
-              <a:ext uri="{FF2B5EF4-FFF2-40B4-BE49-F238E27FC236}">
-                <a16:creationId xmlns:a16="http://schemas.microsoft.com/office/drawing/2014/main" id="{4D617F7E-2E3A-6A3A-0AEE-2754B0BD2AF0}"/>
-              </a:ext>
-            </a:extLst>
-          </p:cNvPr>
-          <p:cNvSpPr>
-            <a:spLocks noGrp="1"/>
-          </p:cNvSpPr>
-          <p:nvPr>
-            <p:ph type="sldNum" idx="12"/>
-          </p:nvPr>
-        </p:nvSpPr>
-        <p:spPr/>
-        <p:txBody>
-          <a:bodyPr/>
-          <a:lstStyle/>
-          <a:p>
-            <a:pPr marL="0" lvl="0" indent="0" algn="r" rtl="0">
-              <a:spcBef>
-                <a:spcPts val="0"/>
-              </a:spcBef>
-              <a:spcAft>
-                <a:spcPts val="0"/>
-              </a:spcAft>
-              <a:buNone/>
-            </a:pPr>
-            <a:fld id="{00000000-1234-1234-1234-123412341234}" type="slidenum">
-              <a:rPr lang="en-US" smtClean="0"/>
-              <a:t>2</a:t>
-            </a:fld>
-            <a:endParaRPr lang="en-US"/>
-          </a:p>
-        </p:txBody>
-      </p:sp>
-    </p:spTree>
-    <p:extLst>
-      <p:ext uri="{BB962C8B-B14F-4D97-AF65-F5344CB8AC3E}">
-        <p14:creationId xmlns:p14="http://schemas.microsoft.com/office/powerpoint/2010/main" val="1500183676"/>
-      </p:ext>
-    </p:extLst>
-  </p:cSld>
-  <p:clrMapOvr>
-    <a:masterClrMapping/>
-  </p:clrMapOvr>
-</p:sld>
-</file>
-
-<file path=ppt/slides/slide20.xml><?xml version="1.0" encoding="utf-8"?>
+<file path=ppt/slides/slide21.xml><?xml version="1.0" encoding="utf-8"?>
 <p:sld xmlns:a="http://schemas.openxmlformats.org/drawingml/2006/main" xmlns:r="http://schemas.openxmlformats.org/officeDocument/2006/relationships" xmlns:p="http://schemas.openxmlformats.org/presentationml/2006/main">
   <p:cSld>
     <p:spTree>
@@ -22324,7 +22575,7 @@
             </a:pPr>
             <a:fld id="{00000000-1234-1234-1234-123412341234}" type="slidenum">
               <a:rPr lang="en-US" smtClean="0"/>
-              <a:t>20</a:t>
+              <a:t>21</a:t>
             </a:fld>
             <a:endParaRPr lang="en-US"/>
           </a:p>
@@ -22564,7 +22815,7 @@
 </p:sld>
 </file>
 
-<file path=ppt/slides/slide21.xml><?xml version="1.0" encoding="utf-8"?>
+<file path=ppt/slides/slide22.xml><?xml version="1.0" encoding="utf-8"?>
 <p:sld xmlns:a="http://schemas.openxmlformats.org/drawingml/2006/main" xmlns:r="http://schemas.openxmlformats.org/officeDocument/2006/relationships" xmlns:p="http://schemas.openxmlformats.org/presentationml/2006/main">
   <p:cSld>
     <p:spTree>
@@ -22658,7 +22909,7 @@
             </a:pPr>
             <a:fld id="{00000000-1234-1234-1234-123412341234}" type="slidenum">
               <a:rPr lang="en-US" smtClean="0"/>
-              <a:t>21</a:t>
+              <a:t>22</a:t>
             </a:fld>
             <a:endParaRPr lang="en-US"/>
           </a:p>
@@ -22885,7 +23136,7 @@
 </p:sld>
 </file>
 
-<file path=ppt/slides/slide22.xml><?xml version="1.0" encoding="utf-8"?>
+<file path=ppt/slides/slide23.xml><?xml version="1.0" encoding="utf-8"?>
 <p:sld xmlns:a="http://schemas.openxmlformats.org/drawingml/2006/main" xmlns:r="http://schemas.openxmlformats.org/officeDocument/2006/relationships" xmlns:p="http://schemas.openxmlformats.org/presentationml/2006/main">
   <p:cSld>
     <p:spTree>
@@ -22974,7 +23225,7 @@
             </a:pPr>
             <a:fld id="{00000000-1234-1234-1234-123412341234}" type="slidenum">
               <a:rPr lang="en-US" smtClean="0"/>
-              <a:t>22</a:t>
+              <a:t>23</a:t>
             </a:fld>
             <a:endParaRPr lang="en-US"/>
           </a:p>
@@ -22993,7 +23244,7 @@
 </p:sld>
 </file>
 
-<file path=ppt/slides/slide23.xml><?xml version="1.0" encoding="utf-8"?>
+<file path=ppt/slides/slide24.xml><?xml version="1.0" encoding="utf-8"?>
 <p:sld xmlns:a="http://schemas.openxmlformats.org/drawingml/2006/main" xmlns:r="http://schemas.openxmlformats.org/officeDocument/2006/relationships" xmlns:p="http://schemas.openxmlformats.org/presentationml/2006/main">
   <p:cSld>
     <p:spTree>
@@ -23086,7 +23337,7 @@
             </a:pPr>
             <a:fld id="{00000000-1234-1234-1234-123412341234}" type="slidenum">
               <a:rPr lang="en-US" smtClean="0"/>
-              <a:t>23</a:t>
+              <a:t>24</a:t>
             </a:fld>
             <a:endParaRPr lang="en-US"/>
           </a:p>
@@ -23214,7 +23465,7 @@
 </p:sld>
 </file>
 
-<file path=ppt/slides/slide24.xml><?xml version="1.0" encoding="utf-8"?>
+<file path=ppt/slides/slide25.xml><?xml version="1.0" encoding="utf-8"?>
 <p:sld xmlns:a="http://schemas.openxmlformats.org/drawingml/2006/main" xmlns:r="http://schemas.openxmlformats.org/officeDocument/2006/relationships" xmlns:p="http://schemas.openxmlformats.org/presentationml/2006/main">
   <p:cSld>
     <p:spTree>
@@ -23307,7 +23558,7 @@
             </a:pPr>
             <a:fld id="{00000000-1234-1234-1234-123412341234}" type="slidenum">
               <a:rPr lang="en-US" smtClean="0"/>
-              <a:t>24</a:t>
+              <a:t>25</a:t>
             </a:fld>
             <a:endParaRPr lang="en-US"/>
           </a:p>
@@ -23445,7 +23696,7 @@
 </p:sld>
 </file>
 
-<file path=ppt/slides/slide25.xml><?xml version="1.0" encoding="utf-8"?>
+<file path=ppt/slides/slide26.xml><?xml version="1.0" encoding="utf-8"?>
 <p:sld xmlns:a="http://schemas.openxmlformats.org/drawingml/2006/main" xmlns:r="http://schemas.openxmlformats.org/officeDocument/2006/relationships" xmlns:p="http://schemas.openxmlformats.org/presentationml/2006/main">
   <p:cSld>
     <p:spTree>
@@ -23534,7 +23785,7 @@
             </a:pPr>
             <a:fld id="{00000000-1234-1234-1234-123412341234}" type="slidenum">
               <a:rPr lang="en-US" smtClean="0"/>
-              <a:t>25</a:t>
+              <a:t>26</a:t>
             </a:fld>
             <a:endParaRPr lang="en-US"/>
           </a:p>
@@ -25754,20 +26005,16 @@
             <a:pPr algn="ctr"/>
             <a:r>
               <a:rPr lang="vi-VN" dirty="0"/>
-              <a:t>Chia ảnh </a:t>
-            </a:r>
-          </a:p>
-          <a:p>
-            <a:pPr algn="ctr"/>
+              <a:t>Tính </a:t>
+            </a:r>
+            <a:r>
+              <a:rPr lang="vi-VN" dirty="0" err="1"/>
+              <a:t>vector</a:t>
+            </a:r>
             <a:r>
               <a:rPr lang="vi-VN" dirty="0"/>
-              <a:t>thành </a:t>
-            </a:r>
-            <a:r>
-              <a:rPr lang="vi-VN" dirty="0" err="1"/>
-              <a:t>cell</a:t>
-            </a:r>
-            <a:endParaRPr lang="vi-VN" dirty="0"/>
+              <a:t> đặc trưng cho các ô</a:t>
+            </a:r>
           </a:p>
         </p:txBody>
       </p:sp>
@@ -25815,13 +26062,8 @@
             <a:pPr algn="ctr"/>
             <a:r>
               <a:rPr lang="vi-VN" dirty="0"/>
-              <a:t>Chuẩn hóa </a:t>
-            </a:r>
-            <a:r>
-              <a:rPr lang="vi-VN" dirty="0" err="1"/>
-              <a:t>block</a:t>
-            </a:r>
-            <a:endParaRPr lang="vi-VN" dirty="0"/>
+              <a:t>Chuẩn hóa khối</a:t>
+            </a:r>
           </a:p>
         </p:txBody>
       </p:sp>
@@ -25869,15 +26111,7 @@
             <a:pPr algn="ctr"/>
             <a:r>
               <a:rPr lang="vi-VN" dirty="0"/>
-              <a:t>Ghép </a:t>
-            </a:r>
-            <a:r>
-              <a:rPr lang="vi-VN" dirty="0" err="1"/>
-              <a:t>block</a:t>
-            </a:r>
-            <a:r>
-              <a:rPr lang="vi-VN" dirty="0"/>
-              <a:t> tạo </a:t>
+              <a:t>Ghép khối tạo </a:t>
             </a:r>
             <a:r>
               <a:rPr lang="vi-VN" dirty="0" err="1"/>
@@ -27862,6 +28096,15 @@
 </file>
 
 <file path=customXml/item1.xml><?xml version="1.0" encoding="utf-8"?>
+<?mso-contentType ?>
+<FormTemplates xmlns="http://schemas.microsoft.com/sharepoint/v3/contenttype/forms">
+  <Display>DocumentLibraryForm</Display>
+  <Edit>DocumentLibraryForm</Edit>
+  <New>DocumentLibraryForm</New>
+</FormTemplates>
+</file>
+
+<file path=customXml/item2.xml><?xml version="1.0" encoding="utf-8"?>
 <p:properties xmlns:p="http://schemas.microsoft.com/office/2006/metadata/properties" xmlns:xsi="http://www.w3.org/2001/XMLSchema-instance" xmlns:pc="http://schemas.microsoft.com/office/infopath/2007/PartnerControls">
   <documentManagement>
     <TaxCatchAll xmlns="01ba1225-54d8-4fa6-934e-3020034412e0" xsi:nil="true"/>
@@ -27870,15 +28113,6 @@
     </lcf76f155ced4ddcb4097134ff3c332f>
   </documentManagement>
 </p:properties>
-</file>
-
-<file path=customXml/item2.xml><?xml version="1.0" encoding="utf-8"?>
-<?mso-contentType ?>
-<FormTemplates xmlns="http://schemas.microsoft.com/sharepoint/v3/contenttype/forms">
-  <Display>DocumentLibraryForm</Display>
-  <Edit>DocumentLibraryForm</Edit>
-  <New>DocumentLibraryForm</New>
-</FormTemplates>
 </file>
 
 <file path=customXml/item3.xml><?xml version="1.0" encoding="utf-8"?>
@@ -28077,20 +28311,20 @@
 </file>
 
 <file path=customXml/itemProps1.xml><?xml version="1.0" encoding="utf-8"?>
+<ds:datastoreItem xmlns:ds="http://schemas.openxmlformats.org/officeDocument/2006/customXml" ds:itemID="{BFDA69C8-DB4E-44EE-98E1-D5D536928879}">
+  <ds:schemaRefs>
+    <ds:schemaRef ds:uri="http://schemas.microsoft.com/sharepoint/v3/contenttype/forms"/>
+  </ds:schemaRefs>
+</ds:datastoreItem>
+</file>
+
+<file path=customXml/itemProps2.xml><?xml version="1.0" encoding="utf-8"?>
 <ds:datastoreItem xmlns:ds="http://schemas.openxmlformats.org/officeDocument/2006/customXml" ds:itemID="{8E169F43-67A6-4593-ADD7-B0CBCAF4936E}">
   <ds:schemaRefs>
     <ds:schemaRef ds:uri="http://schemas.microsoft.com/office/2006/metadata/properties"/>
     <ds:schemaRef ds:uri="http://schemas.microsoft.com/office/infopath/2007/PartnerControls"/>
     <ds:schemaRef ds:uri="01ba1225-54d8-4fa6-934e-3020034412e0"/>
     <ds:schemaRef ds:uri="fd63efce-8fbd-4040-94f1-ea540616c8b8"/>
-  </ds:schemaRefs>
-</ds:datastoreItem>
-</file>
-
-<file path=customXml/itemProps2.xml><?xml version="1.0" encoding="utf-8"?>
-<ds:datastoreItem xmlns:ds="http://schemas.openxmlformats.org/officeDocument/2006/customXml" ds:itemID="{BFDA69C8-DB4E-44EE-98E1-D5D536928879}">
-  <ds:schemaRefs>
-    <ds:schemaRef ds:uri="http://schemas.microsoft.com/sharepoint/v3/contenttype/forms"/>
   </ds:schemaRefs>
 </ds:datastoreItem>
 </file>

--- a/project/baitaplon/13_NguyenThanhDat211440519_baitaplon.pptx
+++ b/project/baitaplon/13_NguyenThanhDat211440519_baitaplon.pptx
@@ -282,7 +282,7 @@
       </p15:sldGuideLst>
     </p:ext>
     <p:ext uri="GoogleSlidesCustomDataVersion2">
-      <go:slidesCustomData xmlns:go="http://customooxmlschemas.google.com/" xmlns:ahyp="http://schemas.microsoft.com/office/drawing/2018/hyperlinkcolor" xmlns:p15="http://schemas.microsoft.com/office/powerpoint/2012/main" xmlns:p14="http://schemas.microsoft.com/office/powerpoint/2010/main" xmlns:com="http://schemas.openxmlformats.org/drawingml/2006/compatibility" xmlns:pvml="urn:schemas-microsoft-com:office:powerpoint" xmlns:v="urn:schemas-microsoft-com:vml" xmlns:o="urn:schemas-microsoft-com:office:office" xmlns:dgm="http://schemas.openxmlformats.org/drawingml/2006/diagram" xmlns:c="http://schemas.openxmlformats.org/drawingml/2006/chart" xmlns:mv="urn:schemas-microsoft-com:mac:vml" xmlns:mc="http://schemas.openxmlformats.org/markup-compatibility/2006" xmlns="" r:id="rId33" roundtripDataSignature="AMtx7mig7uoUar2FONQYJwEy87gUzpUQYQ=="/>
+      <go:slidesCustomData xmlns="" xmlns:mc="http://schemas.openxmlformats.org/markup-compatibility/2006" xmlns:mv="urn:schemas-microsoft-com:mac:vml" xmlns:c="http://schemas.openxmlformats.org/drawingml/2006/chart" xmlns:dgm="http://schemas.openxmlformats.org/drawingml/2006/diagram" xmlns:o="urn:schemas-microsoft-com:office:office" xmlns:v="urn:schemas-microsoft-com:vml" xmlns:pvml="urn:schemas-microsoft-com:office:powerpoint" xmlns:com="http://schemas.openxmlformats.org/drawingml/2006/compatibility" xmlns:p14="http://schemas.microsoft.com/office/powerpoint/2010/main" xmlns:p15="http://schemas.microsoft.com/office/powerpoint/2012/main" xmlns:ahyp="http://schemas.microsoft.com/office/drawing/2018/hyperlinkcolor" xmlns:go="http://customooxmlschemas.google.com/" r:id="rId33" roundtripDataSignature="AMtx7mig7uoUar2FONQYJwEy87gUzpUQYQ=="/>
     </p:ext>
   </p:extLst>
 </p:presentation>
@@ -20287,7 +20287,7 @@
         </p:blipFill>
         <p:spPr>
           <a:xfrm>
-            <a:off x="4443249" y="1862125"/>
+            <a:off x="4443248" y="1862125"/>
             <a:ext cx="4572000" cy="3810000"/>
           </a:xfrm>
           <a:prstGeom prst="rect">
@@ -28096,15 +28096,6 @@
 </file>
 
 <file path=customXml/item1.xml><?xml version="1.0" encoding="utf-8"?>
-<?mso-contentType ?>
-<FormTemplates xmlns="http://schemas.microsoft.com/sharepoint/v3/contenttype/forms">
-  <Display>DocumentLibraryForm</Display>
-  <Edit>DocumentLibraryForm</Edit>
-  <New>DocumentLibraryForm</New>
-</FormTemplates>
-</file>
-
-<file path=customXml/item2.xml><?xml version="1.0" encoding="utf-8"?>
 <p:properties xmlns:p="http://schemas.microsoft.com/office/2006/metadata/properties" xmlns:xsi="http://www.w3.org/2001/XMLSchema-instance" xmlns:pc="http://schemas.microsoft.com/office/infopath/2007/PartnerControls">
   <documentManagement>
     <TaxCatchAll xmlns="01ba1225-54d8-4fa6-934e-3020034412e0" xsi:nil="true"/>
@@ -28113,6 +28104,15 @@
     </lcf76f155ced4ddcb4097134ff3c332f>
   </documentManagement>
 </p:properties>
+</file>
+
+<file path=customXml/item2.xml><?xml version="1.0" encoding="utf-8"?>
+<?mso-contentType ?>
+<FormTemplates xmlns="http://schemas.microsoft.com/sharepoint/v3/contenttype/forms">
+  <Display>DocumentLibraryForm</Display>
+  <Edit>DocumentLibraryForm</Edit>
+  <New>DocumentLibraryForm</New>
+</FormTemplates>
 </file>
 
 <file path=customXml/item3.xml><?xml version="1.0" encoding="utf-8"?>
@@ -28311,20 +28311,20 @@
 </file>
 
 <file path=customXml/itemProps1.xml><?xml version="1.0" encoding="utf-8"?>
-<ds:datastoreItem xmlns:ds="http://schemas.openxmlformats.org/officeDocument/2006/customXml" ds:itemID="{BFDA69C8-DB4E-44EE-98E1-D5D536928879}">
-  <ds:schemaRefs>
-    <ds:schemaRef ds:uri="http://schemas.microsoft.com/sharepoint/v3/contenttype/forms"/>
-  </ds:schemaRefs>
-</ds:datastoreItem>
-</file>
-
-<file path=customXml/itemProps2.xml><?xml version="1.0" encoding="utf-8"?>
 <ds:datastoreItem xmlns:ds="http://schemas.openxmlformats.org/officeDocument/2006/customXml" ds:itemID="{8E169F43-67A6-4593-ADD7-B0CBCAF4936E}">
   <ds:schemaRefs>
     <ds:schemaRef ds:uri="http://schemas.microsoft.com/office/2006/metadata/properties"/>
     <ds:schemaRef ds:uri="http://schemas.microsoft.com/office/infopath/2007/PartnerControls"/>
     <ds:schemaRef ds:uri="01ba1225-54d8-4fa6-934e-3020034412e0"/>
     <ds:schemaRef ds:uri="fd63efce-8fbd-4040-94f1-ea540616c8b8"/>
+  </ds:schemaRefs>
+</ds:datastoreItem>
+</file>
+
+<file path=customXml/itemProps2.xml><?xml version="1.0" encoding="utf-8"?>
+<ds:datastoreItem xmlns:ds="http://schemas.openxmlformats.org/officeDocument/2006/customXml" ds:itemID="{BFDA69C8-DB4E-44EE-98E1-D5D536928879}">
+  <ds:schemaRefs>
+    <ds:schemaRef ds:uri="http://schemas.microsoft.com/sharepoint/v3/contenttype/forms"/>
   </ds:schemaRefs>
 </ds:datastoreItem>
 </file>

--- a/project/baitaplon/13_NguyenThanhDat211440519_baitaplon.pptx
+++ b/project/baitaplon/13_NguyenThanhDat211440519_baitaplon.pptx
@@ -5,7 +5,7 @@
     <p:sldMasterId id="2147483648" r:id="rId4"/>
   </p:sldMasterIdLst>
   <p:notesMasterIdLst>
-    <p:notesMasterId r:id="rId31"/>
+    <p:notesMasterId r:id="rId30"/>
   </p:notesMasterIdLst>
   <p:sldIdLst>
     <p:sldId id="256" r:id="rId5"/>
@@ -28,12 +28,11 @@
     <p:sldId id="318" r:id="rId22"/>
     <p:sldId id="305" r:id="rId23"/>
     <p:sldId id="319" r:id="rId24"/>
-    <p:sldId id="320" r:id="rId25"/>
-    <p:sldId id="321" r:id="rId26"/>
-    <p:sldId id="307" r:id="rId27"/>
-    <p:sldId id="322" r:id="rId28"/>
-    <p:sldId id="323" r:id="rId29"/>
-    <p:sldId id="306" r:id="rId30"/>
+    <p:sldId id="321" r:id="rId25"/>
+    <p:sldId id="307" r:id="rId26"/>
+    <p:sldId id="322" r:id="rId27"/>
+    <p:sldId id="323" r:id="rId28"/>
+    <p:sldId id="306" r:id="rId29"/>
   </p:sldIdLst>
   <p:sldSz cx="9144000" cy="6858000" type="screen4x3"/>
   <p:notesSz cx="6735763" cy="9866313"/>
@@ -282,7 +281,7 @@
       </p15:sldGuideLst>
     </p:ext>
     <p:ext uri="GoogleSlidesCustomDataVersion2">
-      <go:slidesCustomData xmlns="" xmlns:mc="http://schemas.openxmlformats.org/markup-compatibility/2006" xmlns:mv="urn:schemas-microsoft-com:mac:vml" xmlns:c="http://schemas.openxmlformats.org/drawingml/2006/chart" xmlns:dgm="http://schemas.openxmlformats.org/drawingml/2006/diagram" xmlns:o="urn:schemas-microsoft-com:office:office" xmlns:v="urn:schemas-microsoft-com:vml" xmlns:pvml="urn:schemas-microsoft-com:office:powerpoint" xmlns:com="http://schemas.openxmlformats.org/drawingml/2006/compatibility" xmlns:p14="http://schemas.microsoft.com/office/powerpoint/2010/main" xmlns:p15="http://schemas.microsoft.com/office/powerpoint/2012/main" xmlns:ahyp="http://schemas.microsoft.com/office/drawing/2018/hyperlinkcolor" xmlns:go="http://customooxmlschemas.google.com/" r:id="rId33" roundtripDataSignature="AMtx7mig7uoUar2FONQYJwEy87gUzpUQYQ=="/>
+      <go:slidesCustomData xmlns:go="http://customooxmlschemas.google.com/" xmlns:ahyp="http://schemas.microsoft.com/office/drawing/2018/hyperlinkcolor" xmlns:p15="http://schemas.microsoft.com/office/powerpoint/2012/main" xmlns:p14="http://schemas.microsoft.com/office/powerpoint/2010/main" xmlns:com="http://schemas.openxmlformats.org/drawingml/2006/compatibility" xmlns:pvml="urn:schemas-microsoft-com:office:powerpoint" xmlns:v="urn:schemas-microsoft-com:vml" xmlns:o="urn:schemas-microsoft-com:office:office" xmlns:dgm="http://schemas.openxmlformats.org/drawingml/2006/diagram" xmlns:c="http://schemas.openxmlformats.org/drawingml/2006/chart" xmlns:mv="urn:schemas-microsoft-com:mac:vml" xmlns:mc="http://schemas.openxmlformats.org/markup-compatibility/2006" xmlns="" r:id="rId33" roundtripDataSignature="AMtx7mig7uoUar2FONQYJwEy87gUzpUQYQ=="/>
     </p:ext>
   </p:extLst>
 </p:presentation>
@@ -2256,780 +2255,6 @@
         <p:cNvPr id="1" name="">
           <a:extLst>
             <a:ext uri="{FF2B5EF4-FFF2-40B4-BE49-F238E27FC236}">
-              <a16:creationId xmlns:a16="http://schemas.microsoft.com/office/drawing/2014/main" id="{A93D3D55-49C5-77F8-82CA-D9C5E5A02849}"/>
-            </a:ext>
-          </a:extLst>
-        </p:cNvPr>
-        <p:cNvGrpSpPr/>
-        <p:nvPr/>
-      </p:nvGrpSpPr>
-      <p:grpSpPr>
-        <a:xfrm>
-          <a:off x="0" y="0"/>
-          <a:ext cx="0" cy="0"/>
-          <a:chOff x="0" y="0"/>
-          <a:chExt cx="0" cy="0"/>
-        </a:xfrm>
-      </p:grpSpPr>
-      <p:sp>
-        <p:nvSpPr>
-          <p:cNvPr id="2" name="Chỗ dành sẵn cho Hình ảnh của Bản chiếu 1">
-            <a:extLst>
-              <a:ext uri="{FF2B5EF4-FFF2-40B4-BE49-F238E27FC236}">
-                <a16:creationId xmlns:a16="http://schemas.microsoft.com/office/drawing/2014/main" id="{E08F79BE-92C8-55B0-8277-9EE62ACB1209}"/>
-              </a:ext>
-            </a:extLst>
-          </p:cNvPr>
-          <p:cNvSpPr>
-            <a:spLocks noGrp="1" noRot="1" noChangeAspect="1"/>
-          </p:cNvSpPr>
-          <p:nvPr>
-            <p:ph type="sldImg"/>
-          </p:nvPr>
-        </p:nvSpPr>
-        <p:spPr/>
-      </p:sp>
-      <p:sp>
-        <p:nvSpPr>
-          <p:cNvPr id="3" name="Chỗ dành sẵn cho Ghi chú 2">
-            <a:extLst>
-              <a:ext uri="{FF2B5EF4-FFF2-40B4-BE49-F238E27FC236}">
-                <a16:creationId xmlns:a16="http://schemas.microsoft.com/office/drawing/2014/main" id="{5385D4FF-81AB-9117-C6E5-84A69AA4A04D}"/>
-              </a:ext>
-            </a:extLst>
-          </p:cNvPr>
-          <p:cNvSpPr>
-            <a:spLocks noGrp="1"/>
-          </p:cNvSpPr>
-          <p:nvPr>
-            <p:ph type="body" idx="1"/>
-          </p:nvPr>
-        </p:nvSpPr>
-        <p:spPr/>
-        <p:txBody>
-          <a:bodyPr/>
-          <a:lstStyle/>
-          <a:p>
-            <a:r>
-              <a:rPr lang="vi-VN" b="1" dirty="0"/>
-              <a:t>Đánh giá mô hình CNN dựa trên </a:t>
-            </a:r>
-            <a:r>
-              <a:rPr lang="vi-VN" b="1" dirty="0" err="1"/>
-              <a:t>confusion</a:t>
-            </a:r>
-            <a:r>
-              <a:rPr lang="vi-VN" b="1" dirty="0"/>
-              <a:t> </a:t>
-            </a:r>
-            <a:r>
-              <a:rPr lang="vi-VN" b="1" dirty="0" err="1"/>
-              <a:t>matrix</a:t>
-            </a:r>
-            <a:endParaRPr lang="vi-VN" b="1" dirty="0"/>
-          </a:p>
-          <a:p>
-            <a:r>
-              <a:rPr lang="vi-VN" b="1" dirty="0"/>
-              <a:t>Hiệu năng tổng thể</a:t>
-            </a:r>
-            <a:endParaRPr lang="vi-VN" dirty="0"/>
-          </a:p>
-          <a:p>
-            <a:pPr lvl="1"/>
-            <a:r>
-              <a:rPr lang="vi-VN" dirty="0" err="1"/>
-              <a:t>Confusion</a:t>
-            </a:r>
-            <a:r>
-              <a:rPr lang="vi-VN" dirty="0"/>
-              <a:t> </a:t>
-            </a:r>
-            <a:r>
-              <a:rPr lang="vi-VN" dirty="0" err="1"/>
-              <a:t>matrix</a:t>
-            </a:r>
-            <a:r>
-              <a:rPr lang="vi-VN" dirty="0"/>
-              <a:t> cho thấy CNN đã học được đặc trưng từ ảnh tốt hơn </a:t>
-            </a:r>
-            <a:r>
-              <a:rPr lang="vi-VN" dirty="0" err="1"/>
-              <a:t>KMeans</a:t>
-            </a:r>
-            <a:r>
-              <a:rPr lang="vi-VN" dirty="0"/>
-              <a:t> hoặc SVM + HOG, thể hiện qua đường chéo chính đậm và đều hơn.</a:t>
-            </a:r>
-          </a:p>
-          <a:p>
-            <a:pPr lvl="1"/>
-            <a:r>
-              <a:rPr lang="vi-VN" dirty="0"/>
-              <a:t>Tuy vậy, mô hình vẫn gặp khó khăn ở một số cảm xúc có biểu hiện khuôn mặt tương tự nhau, phản ánh đặc trưng phức tạp của FER2013.</a:t>
-            </a:r>
-          </a:p>
-          <a:p>
-            <a:r>
-              <a:rPr lang="vi-VN" b="1" dirty="0"/>
-              <a:t>Những cảm xúc mô hình nhận diện tốt</a:t>
-            </a:r>
-            <a:endParaRPr lang="vi-VN" dirty="0"/>
-          </a:p>
-          <a:p>
-            <a:pPr lvl="1"/>
-            <a:r>
-              <a:rPr lang="vi-VN" b="1" dirty="0" err="1"/>
-              <a:t>Surprise</a:t>
-            </a:r>
-            <a:r>
-              <a:rPr lang="vi-VN" b="1" dirty="0"/>
-              <a:t>: 171 mẫu đúng</a:t>
-            </a:r>
-            <a:br>
-              <a:rPr lang="vi-VN" dirty="0"/>
-            </a:br>
-            <a:r>
-              <a:rPr lang="vi-VN" dirty="0"/>
-              <a:t>Đây là lớp dễ nhất với CNN vì biểu hiện mắt mở to, miệng mở tạo ra </a:t>
-            </a:r>
-            <a:r>
-              <a:rPr lang="vi-VN" dirty="0" err="1"/>
-              <a:t>gradient</a:t>
-            </a:r>
-            <a:r>
-              <a:rPr lang="vi-VN" dirty="0"/>
-              <a:t> rất rõ.</a:t>
-            </a:r>
-          </a:p>
-          <a:p>
-            <a:pPr lvl="1"/>
-            <a:r>
-              <a:rPr lang="vi-VN" b="1" dirty="0" err="1"/>
-              <a:t>Neutral</a:t>
-            </a:r>
-            <a:r>
-              <a:rPr lang="vi-VN" b="1" dirty="0"/>
-              <a:t>: 138 mẫu đúng</a:t>
-            </a:r>
-            <a:br>
-              <a:rPr lang="vi-VN" dirty="0"/>
-            </a:br>
-            <a:r>
-              <a:rPr lang="vi-VN" dirty="0"/>
-              <a:t>Đây là lớp có biểu cảm ổn định và ít biến thiên, CNN học tốt khuôn mặt ở trạng thái nghỉ.</a:t>
-            </a:r>
-          </a:p>
-          <a:p>
-            <a:pPr lvl="1"/>
-            <a:r>
-              <a:rPr lang="vi-VN" b="1" dirty="0" err="1"/>
-              <a:t>Happy</a:t>
-            </a:r>
-            <a:r>
-              <a:rPr lang="vi-VN" b="1" dirty="0"/>
-              <a:t>: 121 mẫu đúng</a:t>
-            </a:r>
-            <a:br>
-              <a:rPr lang="vi-VN" dirty="0"/>
-            </a:br>
-            <a:r>
-              <a:rPr lang="vi-VN" dirty="0"/>
-              <a:t>NBC (</a:t>
-            </a:r>
-            <a:r>
-              <a:rPr lang="vi-VN" dirty="0" err="1"/>
-              <a:t>mouth</a:t>
-            </a:r>
-            <a:r>
-              <a:rPr lang="vi-VN" dirty="0"/>
-              <a:t> </a:t>
-            </a:r>
-            <a:r>
-              <a:rPr lang="vi-VN" dirty="0" err="1"/>
-              <a:t>curvature</a:t>
-            </a:r>
-            <a:r>
-              <a:rPr lang="vi-VN" dirty="0"/>
-              <a:t>) trong </a:t>
-            </a:r>
-            <a:r>
-              <a:rPr lang="vi-VN" dirty="0" err="1"/>
-              <a:t>happy</a:t>
-            </a:r>
-            <a:r>
-              <a:rPr lang="vi-VN" dirty="0"/>
-              <a:t> giúp CNN phân biệt tốt.</a:t>
-            </a:r>
-          </a:p>
-          <a:p>
-            <a:r>
-              <a:rPr lang="vi-VN" b="1" dirty="0"/>
-              <a:t>Những cảm xúc mô hình nhận diện trung bình</a:t>
-            </a:r>
-            <a:endParaRPr lang="vi-VN" dirty="0"/>
-          </a:p>
-          <a:p>
-            <a:pPr lvl="1"/>
-            <a:r>
-              <a:rPr lang="vi-VN" b="1" dirty="0" err="1"/>
-              <a:t>Sad</a:t>
-            </a:r>
-            <a:r>
-              <a:rPr lang="vi-VN" b="1" dirty="0"/>
-              <a:t>: 86 mẫu đúng</a:t>
-            </a:r>
-            <a:br>
-              <a:rPr lang="vi-VN" dirty="0"/>
-            </a:br>
-            <a:r>
-              <a:rPr lang="vi-VN" dirty="0"/>
-              <a:t>Tuy nhận diện khá tốt, </a:t>
-            </a:r>
-            <a:r>
-              <a:rPr lang="vi-VN" dirty="0" err="1"/>
-              <a:t>sad</a:t>
-            </a:r>
-            <a:r>
-              <a:rPr lang="vi-VN" dirty="0"/>
-              <a:t> vẫn bị nhầm với </a:t>
-            </a:r>
-            <a:r>
-              <a:rPr lang="vi-VN" dirty="0" err="1"/>
-              <a:t>neutral</a:t>
-            </a:r>
-            <a:r>
-              <a:rPr lang="vi-VN" dirty="0"/>
-              <a:t> và </a:t>
-            </a:r>
-            <a:r>
-              <a:rPr lang="vi-VN" dirty="0" err="1"/>
-              <a:t>angry</a:t>
-            </a:r>
-            <a:r>
-              <a:rPr lang="vi-VN" dirty="0"/>
-              <a:t>, vốn có đường miệng và chân mày gần nhau.</a:t>
-            </a:r>
-          </a:p>
-          <a:p>
-            <a:pPr lvl="1"/>
-            <a:r>
-              <a:rPr lang="vi-VN" b="1" dirty="0" err="1"/>
-              <a:t>Angry</a:t>
-            </a:r>
-            <a:r>
-              <a:rPr lang="vi-VN" b="1" dirty="0"/>
-              <a:t>: 54 mẫu đúng</a:t>
-            </a:r>
-            <a:br>
-              <a:rPr lang="vi-VN" dirty="0"/>
-            </a:br>
-            <a:r>
-              <a:rPr lang="vi-VN" dirty="0" err="1"/>
-              <a:t>Angry</a:t>
-            </a:r>
-            <a:r>
-              <a:rPr lang="vi-VN" dirty="0"/>
-              <a:t> thường bị nhầm với </a:t>
-            </a:r>
-            <a:r>
-              <a:rPr lang="vi-VN" dirty="0" err="1"/>
-              <a:t>disgust</a:t>
-            </a:r>
-            <a:r>
-              <a:rPr lang="vi-VN" dirty="0"/>
-              <a:t>, </a:t>
-            </a:r>
-            <a:r>
-              <a:rPr lang="vi-VN" dirty="0" err="1"/>
-              <a:t>neutral</a:t>
-            </a:r>
-            <a:r>
-              <a:rPr lang="vi-VN" dirty="0"/>
-              <a:t>, </a:t>
-            </a:r>
-            <a:r>
-              <a:rPr lang="vi-VN" dirty="0" err="1"/>
-              <a:t>sad</a:t>
-            </a:r>
-            <a:r>
-              <a:rPr lang="vi-VN" dirty="0"/>
-              <a:t> do cấu trúc mắt và lông mày tương tự.</a:t>
-            </a:r>
-          </a:p>
-          <a:p>
-            <a:r>
-              <a:rPr lang="vi-VN" b="1" dirty="0"/>
-              <a:t>Những cảm xúc mô hình nhận diện kém</a:t>
-            </a:r>
-            <a:endParaRPr lang="vi-VN" dirty="0"/>
-          </a:p>
-          <a:p>
-            <a:pPr lvl="1"/>
-            <a:r>
-              <a:rPr lang="vi-VN" b="1" dirty="0" err="1"/>
-              <a:t>Disgust</a:t>
-            </a:r>
-            <a:r>
-              <a:rPr lang="vi-VN" b="1" dirty="0"/>
-              <a:t>: 81 mẫu đúng</a:t>
-            </a:r>
-            <a:br>
-              <a:rPr lang="vi-VN" dirty="0"/>
-            </a:br>
-            <a:r>
-              <a:rPr lang="vi-VN" dirty="0"/>
-              <a:t>Lớp này ít ảnh trong </a:t>
-            </a:r>
-            <a:r>
-              <a:rPr lang="vi-VN" dirty="0" err="1"/>
-              <a:t>dataset</a:t>
-            </a:r>
-            <a:r>
-              <a:rPr lang="vi-VN" dirty="0"/>
-              <a:t> và đặc trưng không mạnh nên dễ bị lẫn với </a:t>
-            </a:r>
-            <a:r>
-              <a:rPr lang="vi-VN" dirty="0" err="1"/>
-              <a:t>angry</a:t>
-            </a:r>
-            <a:r>
-              <a:rPr lang="vi-VN" dirty="0"/>
-              <a:t> và </a:t>
-            </a:r>
-            <a:r>
-              <a:rPr lang="vi-VN" dirty="0" err="1"/>
-              <a:t>neutral</a:t>
-            </a:r>
-            <a:r>
-              <a:rPr lang="vi-VN" dirty="0"/>
-              <a:t>.</a:t>
-            </a:r>
-          </a:p>
-          <a:p>
-            <a:pPr lvl="1"/>
-            <a:r>
-              <a:rPr lang="vi-VN" b="1" dirty="0" err="1"/>
-              <a:t>Fear</a:t>
-            </a:r>
-            <a:r>
-              <a:rPr lang="vi-VN" b="1" dirty="0"/>
-              <a:t>: chỉ 36 mẫu đúng</a:t>
-            </a:r>
-            <a:br>
-              <a:rPr lang="vi-VN" dirty="0"/>
-            </a:br>
-            <a:r>
-              <a:rPr lang="vi-VN" dirty="0" err="1"/>
-              <a:t>Fear</a:t>
-            </a:r>
-            <a:r>
-              <a:rPr lang="vi-VN" dirty="0"/>
-              <a:t> vẫn là lớp khó nhất trong FER2013.</a:t>
-            </a:r>
-            <a:br>
-              <a:rPr lang="vi-VN" dirty="0"/>
-            </a:br>
-            <a:r>
-              <a:rPr lang="vi-VN" dirty="0" err="1"/>
-              <a:t>Fear</a:t>
-            </a:r>
-            <a:r>
-              <a:rPr lang="vi-VN" dirty="0"/>
-              <a:t> dễ bị nhầm với </a:t>
-            </a:r>
-            <a:r>
-              <a:rPr lang="vi-VN" dirty="0" err="1"/>
-              <a:t>surprise</a:t>
-            </a:r>
-            <a:r>
-              <a:rPr lang="vi-VN" dirty="0"/>
-              <a:t>, </a:t>
-            </a:r>
-            <a:r>
-              <a:rPr lang="vi-VN" dirty="0" err="1"/>
-              <a:t>angry</a:t>
-            </a:r>
-            <a:r>
-              <a:rPr lang="vi-VN" dirty="0"/>
-              <a:t> và </a:t>
-            </a:r>
-            <a:r>
-              <a:rPr lang="vi-VN" dirty="0" err="1"/>
-              <a:t>sad</a:t>
-            </a:r>
-            <a:r>
-              <a:rPr lang="vi-VN" dirty="0"/>
-              <a:t> do biểu cảm mắt lớn, miệng mở tương tự </a:t>
-            </a:r>
-            <a:r>
-              <a:rPr lang="vi-VN" dirty="0" err="1"/>
-              <a:t>surprise</a:t>
-            </a:r>
-            <a:r>
-              <a:rPr lang="vi-VN" dirty="0"/>
-              <a:t> nhưng không rõ bằng.</a:t>
-            </a:r>
-          </a:p>
-          <a:p>
-            <a:r>
-              <a:rPr lang="vi-VN" b="1" dirty="0"/>
-              <a:t>Kiểu nhầm lẫn chính</a:t>
-            </a:r>
-            <a:br>
-              <a:rPr lang="vi-VN" dirty="0"/>
-            </a:br>
-            <a:r>
-              <a:rPr lang="vi-VN" dirty="0"/>
-              <a:t>Những cặp biểu cảm có mức nhầm lẫn cao gồm</a:t>
-            </a:r>
-          </a:p>
-          <a:p>
-            <a:pPr lvl="1"/>
-            <a:r>
-              <a:rPr lang="vi-VN" dirty="0" err="1"/>
-              <a:t>fear</a:t>
-            </a:r>
-            <a:r>
-              <a:rPr lang="vi-VN" dirty="0"/>
-              <a:t> ↔ </a:t>
-            </a:r>
-            <a:r>
-              <a:rPr lang="vi-VN" dirty="0" err="1"/>
-              <a:t>surprise</a:t>
-            </a:r>
-            <a:endParaRPr lang="vi-VN" dirty="0"/>
-          </a:p>
-          <a:p>
-            <a:pPr lvl="1"/>
-            <a:r>
-              <a:rPr lang="vi-VN" dirty="0" err="1"/>
-              <a:t>angry</a:t>
-            </a:r>
-            <a:r>
-              <a:rPr lang="vi-VN" dirty="0"/>
-              <a:t> ↔ </a:t>
-            </a:r>
-            <a:r>
-              <a:rPr lang="vi-VN" dirty="0" err="1"/>
-              <a:t>disgust</a:t>
-            </a:r>
-            <a:endParaRPr lang="vi-VN" dirty="0"/>
-          </a:p>
-          <a:p>
-            <a:pPr lvl="1"/>
-            <a:r>
-              <a:rPr lang="vi-VN" dirty="0" err="1"/>
-              <a:t>angry</a:t>
-            </a:r>
-            <a:r>
-              <a:rPr lang="vi-VN" dirty="0"/>
-              <a:t> ↔ </a:t>
-            </a:r>
-            <a:r>
-              <a:rPr lang="vi-VN" dirty="0" err="1"/>
-              <a:t>neutral</a:t>
-            </a:r>
-            <a:endParaRPr lang="vi-VN" dirty="0"/>
-          </a:p>
-          <a:p>
-            <a:pPr lvl="1"/>
-            <a:r>
-              <a:rPr lang="vi-VN" dirty="0" err="1"/>
-              <a:t>sad</a:t>
-            </a:r>
-            <a:r>
-              <a:rPr lang="vi-VN" dirty="0"/>
-              <a:t> ↔ </a:t>
-            </a:r>
-            <a:r>
-              <a:rPr lang="vi-VN" dirty="0" err="1"/>
-              <a:t>neutral</a:t>
-            </a:r>
-            <a:endParaRPr lang="vi-VN" dirty="0"/>
-          </a:p>
-          <a:p>
-            <a:pPr lvl="1"/>
-            <a:r>
-              <a:rPr lang="vi-VN" dirty="0" err="1"/>
-              <a:t>fear</a:t>
-            </a:r>
-            <a:r>
-              <a:rPr lang="vi-VN" dirty="0"/>
-              <a:t> ↔ </a:t>
-            </a:r>
-            <a:r>
-              <a:rPr lang="vi-VN" dirty="0" err="1"/>
-              <a:t>sad</a:t>
-            </a:r>
-            <a:endParaRPr lang="vi-VN" dirty="0"/>
-          </a:p>
-          <a:p>
-            <a:r>
-              <a:rPr lang="vi-VN" dirty="0"/>
-              <a:t>Đây đều là các cặp có biên dạng </a:t>
-            </a:r>
-            <a:r>
-              <a:rPr lang="vi-VN" dirty="0" err="1"/>
-              <a:t>gradient</a:t>
-            </a:r>
-            <a:r>
-              <a:rPr lang="vi-VN" dirty="0"/>
-              <a:t> khuôn mặt gần nhau hoặc mang tính mơ hồ trong ảnh xám 48x48.</a:t>
-            </a:r>
-          </a:p>
-          <a:p>
-            <a:r>
-              <a:rPr lang="vi-VN" b="1" dirty="0"/>
-              <a:t>Kết luận tổng quan</a:t>
-            </a:r>
-            <a:endParaRPr lang="vi-VN" dirty="0"/>
-          </a:p>
-          <a:p>
-            <a:pPr lvl="1"/>
-            <a:r>
-              <a:rPr lang="vi-VN" dirty="0"/>
-              <a:t>CNN cho kết quả tốt hơn SVM + HOG ở hầu hết các cảm xúc, đặc biệt là </a:t>
-            </a:r>
-            <a:r>
-              <a:rPr lang="vi-VN" dirty="0" err="1"/>
-              <a:t>happy</a:t>
-            </a:r>
-            <a:r>
-              <a:rPr lang="vi-VN" dirty="0"/>
-              <a:t>, </a:t>
-            </a:r>
-            <a:r>
-              <a:rPr lang="vi-VN" dirty="0" err="1"/>
-              <a:t>neutral</a:t>
-            </a:r>
-            <a:r>
-              <a:rPr lang="vi-VN" dirty="0"/>
-              <a:t>, </a:t>
-            </a:r>
-            <a:r>
-              <a:rPr lang="vi-VN" dirty="0" err="1"/>
-              <a:t>surprise</a:t>
-            </a:r>
-            <a:r>
-              <a:rPr lang="vi-VN" dirty="0"/>
-              <a:t>.</a:t>
-            </a:r>
-          </a:p>
-          <a:p>
-            <a:pPr lvl="1"/>
-            <a:r>
-              <a:rPr lang="vi-VN" dirty="0"/>
-              <a:t>Tuy vẫn còn nhiều nhầm lẫn ở các lớp khó như </a:t>
-            </a:r>
-            <a:r>
-              <a:rPr lang="vi-VN" dirty="0" err="1"/>
-              <a:t>fear</a:t>
-            </a:r>
-            <a:r>
-              <a:rPr lang="vi-VN" dirty="0"/>
-              <a:t>, </a:t>
-            </a:r>
-            <a:r>
-              <a:rPr lang="vi-VN" dirty="0" err="1"/>
-              <a:t>angry</a:t>
-            </a:r>
-            <a:r>
-              <a:rPr lang="vi-VN" dirty="0"/>
-              <a:t>, </a:t>
-            </a:r>
-            <a:r>
-              <a:rPr lang="vi-VN" dirty="0" err="1"/>
-              <a:t>sad</a:t>
-            </a:r>
-            <a:r>
-              <a:rPr lang="vi-VN" dirty="0"/>
-              <a:t> nhưng kết quả hiện tại phù hợp với đặc thù bộ dữ liệu FER2013 (ảnh </a:t>
-            </a:r>
-            <a:r>
-              <a:rPr lang="vi-VN" dirty="0" err="1"/>
-              <a:t>grayscale</a:t>
-            </a:r>
-            <a:r>
-              <a:rPr lang="vi-VN" dirty="0"/>
-              <a:t> nhỏ, nhiễu cao, biểu cảm mơ hồ).</a:t>
-            </a:r>
-          </a:p>
-          <a:p>
-            <a:pPr lvl="1"/>
-            <a:r>
-              <a:rPr lang="vi-VN" dirty="0"/>
-              <a:t>Khối CNN hiện tại đã hoạt động tốt ở mức </a:t>
-            </a:r>
-            <a:r>
-              <a:rPr lang="vi-VN" dirty="0" err="1"/>
-              <a:t>baseline</a:t>
-            </a:r>
-            <a:r>
-              <a:rPr lang="vi-VN" dirty="0"/>
-              <a:t>. Nếu cần cải thiện thêm, có thể nâng cấp theo hướng</a:t>
-            </a:r>
-          </a:p>
-          <a:p>
-            <a:pPr lvl="2"/>
-            <a:r>
-              <a:rPr lang="vi-VN" dirty="0"/>
-              <a:t>thêm </a:t>
-            </a:r>
-            <a:r>
-              <a:rPr lang="vi-VN" dirty="0" err="1"/>
-              <a:t>data</a:t>
-            </a:r>
-            <a:r>
-              <a:rPr lang="vi-VN" dirty="0"/>
-              <a:t> </a:t>
-            </a:r>
-            <a:r>
-              <a:rPr lang="vi-VN" dirty="0" err="1"/>
-              <a:t>augmentation</a:t>
-            </a:r>
-            <a:endParaRPr lang="vi-VN" dirty="0"/>
-          </a:p>
-          <a:p>
-            <a:pPr lvl="2"/>
-            <a:r>
-              <a:rPr lang="vi-VN" dirty="0"/>
-              <a:t>dùng </a:t>
-            </a:r>
-            <a:r>
-              <a:rPr lang="vi-VN" dirty="0" err="1"/>
-              <a:t>deeper</a:t>
-            </a:r>
-            <a:r>
-              <a:rPr lang="vi-VN" dirty="0"/>
-              <a:t> CNN</a:t>
-            </a:r>
-          </a:p>
-          <a:p>
-            <a:pPr lvl="2"/>
-            <a:r>
-              <a:rPr lang="vi-VN" dirty="0"/>
-              <a:t>dùng </a:t>
-            </a:r>
-            <a:r>
-              <a:rPr lang="vi-VN" dirty="0" err="1"/>
-              <a:t>optimizer</a:t>
-            </a:r>
-            <a:r>
-              <a:rPr lang="vi-VN" dirty="0"/>
-              <a:t> tốt hơn như </a:t>
-            </a:r>
-            <a:r>
-              <a:rPr lang="vi-VN" dirty="0" err="1"/>
-              <a:t>AdamW</a:t>
-            </a:r>
-            <a:endParaRPr lang="vi-VN" dirty="0"/>
-          </a:p>
-          <a:p>
-            <a:pPr lvl="2"/>
-            <a:r>
-              <a:rPr lang="vi-VN" dirty="0"/>
-              <a:t>tăng số ảnh </a:t>
-            </a:r>
-            <a:r>
-              <a:rPr lang="vi-VN" dirty="0" err="1"/>
-              <a:t>train</a:t>
-            </a:r>
-            <a:r>
-              <a:rPr lang="vi-VN" dirty="0"/>
-              <a:t> </a:t>
-            </a:r>
-            <a:r>
-              <a:rPr lang="vi-VN" dirty="0" err="1"/>
-              <a:t>per</a:t>
-            </a:r>
-            <a:r>
-              <a:rPr lang="vi-VN" dirty="0"/>
-              <a:t> </a:t>
-            </a:r>
-            <a:r>
-              <a:rPr lang="vi-VN" dirty="0" err="1"/>
-              <a:t>emotion</a:t>
-            </a:r>
-            <a:endParaRPr lang="vi-VN" dirty="0"/>
-          </a:p>
-        </p:txBody>
-      </p:sp>
-      <p:sp>
-        <p:nvSpPr>
-          <p:cNvPr id="4" name="Chỗ dành sẵn cho Số hiệu Bản chiếu 3">
-            <a:extLst>
-              <a:ext uri="{FF2B5EF4-FFF2-40B4-BE49-F238E27FC236}">
-                <a16:creationId xmlns:a16="http://schemas.microsoft.com/office/drawing/2014/main" id="{BC3E8D28-54D1-542E-842E-F1497FA28FCB}"/>
-              </a:ext>
-            </a:extLst>
-          </p:cNvPr>
-          <p:cNvSpPr>
-            <a:spLocks noGrp="1"/>
-          </p:cNvSpPr>
-          <p:nvPr>
-            <p:ph type="sldNum" idx="12"/>
-          </p:nvPr>
-        </p:nvSpPr>
-        <p:spPr/>
-        <p:txBody>
-          <a:bodyPr/>
-          <a:lstStyle/>
-          <a:p>
-            <a:pPr marL="0" marR="0" lvl="0" indent="0" algn="r" rtl="0">
-              <a:spcBef>
-                <a:spcPts val="0"/>
-              </a:spcBef>
-              <a:spcAft>
-                <a:spcPts val="0"/>
-              </a:spcAft>
-              <a:buNone/>
-            </a:pPr>
-            <a:fld id="{00000000-1234-1234-1234-123412341234}" type="slidenum">
-              <a:rPr lang="en-US" sz="1200" b="0" i="0" u="none" strike="noStrike" cap="none" smtClean="0">
-                <a:solidFill>
-                  <a:schemeClr val="dk1"/>
-                </a:solidFill>
-                <a:latin typeface="Calibri"/>
-                <a:ea typeface="Calibri"/>
-                <a:cs typeface="Calibri"/>
-                <a:sym typeface="Calibri"/>
-              </a:rPr>
-              <a:t>21</a:t>
-            </a:fld>
-            <a:endParaRPr lang="en-US" sz="1200" b="0" i="0" u="none" strike="noStrike" cap="none">
-              <a:solidFill>
-                <a:schemeClr val="dk1"/>
-              </a:solidFill>
-              <a:latin typeface="Calibri"/>
-              <a:ea typeface="Calibri"/>
-              <a:cs typeface="Calibri"/>
-              <a:sym typeface="Calibri"/>
-            </a:endParaRPr>
-          </a:p>
-        </p:txBody>
-      </p:sp>
-    </p:spTree>
-    <p:extLst>
-      <p:ext uri="{BB962C8B-B14F-4D97-AF65-F5344CB8AC3E}">
-        <p14:creationId xmlns:p14="http://schemas.microsoft.com/office/powerpoint/2010/main" val="942747792"/>
-      </p:ext>
-    </p:extLst>
-  </p:cSld>
-  <p:clrMapOvr>
-    <a:masterClrMapping/>
-  </p:clrMapOvr>
-</p:notes>
-</file>
-
-<file path=ppt/notesSlides/notesSlide12.xml><?xml version="1.0" encoding="utf-8"?>
-<p:notes xmlns:a="http://schemas.openxmlformats.org/drawingml/2006/main" xmlns:r="http://schemas.openxmlformats.org/officeDocument/2006/relationships" xmlns:p="http://schemas.openxmlformats.org/presentationml/2006/main">
-  <p:cSld>
-    <p:spTree>
-      <p:nvGrpSpPr>
-        <p:cNvPr id="1" name="">
-          <a:extLst>
-            <a:ext uri="{FF2B5EF4-FFF2-40B4-BE49-F238E27FC236}">
               <a16:creationId xmlns:a16="http://schemas.microsoft.com/office/drawing/2014/main" id="{A2528201-9F22-2D3B-1185-6820D19A278B}"/>
             </a:ext>
           </a:extLst>
@@ -3769,7 +2994,7 @@
                 <a:cs typeface="Calibri"/>
                 <a:sym typeface="Calibri"/>
               </a:rPr>
-              <a:t>22</a:t>
+              <a:t>21</a:t>
             </a:fld>
             <a:endParaRPr lang="en-US" sz="1200" b="0" i="0" u="none" strike="noStrike" cap="none">
               <a:solidFill>
@@ -20605,7 +19830,7 @@
             </a:pPr>
             <a:r>
               <a:rPr lang="vi-VN" sz="1800" b="1" dirty="0"/>
-              <a:t>Không sử dụng học sâu nên không trích chọn được những đặc trưng cao cấp (mắt, miệng, chân mày)</a:t>
+              <a:t>Không sử dụng học sâu nên không trích chọn được những đặc trưng có giá trị lớn (mắt, miệng, chân mày)</a:t>
             </a:r>
           </a:p>
           <a:p>
@@ -22464,365 +21689,6 @@
         <p:cNvPr id="1" name="">
           <a:extLst>
             <a:ext uri="{FF2B5EF4-FFF2-40B4-BE49-F238E27FC236}">
-              <a16:creationId xmlns:a16="http://schemas.microsoft.com/office/drawing/2014/main" id="{6706651A-3914-D8C6-CA04-1FD44BB51A0D}"/>
-            </a:ext>
-          </a:extLst>
-        </p:cNvPr>
-        <p:cNvGrpSpPr/>
-        <p:nvPr/>
-      </p:nvGrpSpPr>
-      <p:grpSpPr>
-        <a:xfrm>
-          <a:off x="0" y="0"/>
-          <a:ext cx="0" cy="0"/>
-          <a:chOff x="0" y="0"/>
-          <a:chExt cx="0" cy="0"/>
-        </a:xfrm>
-      </p:grpSpPr>
-      <p:pic>
-        <p:nvPicPr>
-          <p:cNvPr id="6" name="Hình ảnh 5">
-            <a:extLst>
-              <a:ext uri="{FF2B5EF4-FFF2-40B4-BE49-F238E27FC236}">
-                <a16:creationId xmlns:a16="http://schemas.microsoft.com/office/drawing/2014/main" id="{A829CEC6-8522-C321-C195-872F2FA7435D}"/>
-              </a:ext>
-            </a:extLst>
-          </p:cNvPr>
-          <p:cNvPicPr>
-            <a:picLocks noChangeAspect="1"/>
-          </p:cNvPicPr>
-          <p:nvPr/>
-        </p:nvPicPr>
-        <p:blipFill>
-          <a:blip r:embed="rId3"/>
-          <a:stretch>
-            <a:fillRect/>
-          </a:stretch>
-        </p:blipFill>
-        <p:spPr>
-          <a:xfrm>
-            <a:off x="4035972" y="1155131"/>
-            <a:ext cx="5108028" cy="3831021"/>
-          </a:xfrm>
-          <a:prstGeom prst="rect">
-            <a:avLst/>
-          </a:prstGeom>
-        </p:spPr>
-      </p:pic>
-      <p:sp>
-        <p:nvSpPr>
-          <p:cNvPr id="2" name="Tiêu đề 1">
-            <a:extLst>
-              <a:ext uri="{FF2B5EF4-FFF2-40B4-BE49-F238E27FC236}">
-                <a16:creationId xmlns:a16="http://schemas.microsoft.com/office/drawing/2014/main" id="{12B1E61C-3E1F-27C4-50CF-54761CAACDD2}"/>
-              </a:ext>
-            </a:extLst>
-          </p:cNvPr>
-          <p:cNvSpPr>
-            <a:spLocks noGrp="1"/>
-          </p:cNvSpPr>
-          <p:nvPr>
-            <p:ph type="ctrTitle"/>
-          </p:nvPr>
-        </p:nvSpPr>
-        <p:spPr>
-          <a:xfrm>
-            <a:off x="257503" y="1286985"/>
-            <a:ext cx="2381906" cy="531977"/>
-          </a:xfrm>
-        </p:spPr>
-        <p:txBody>
-          <a:bodyPr/>
-          <a:lstStyle/>
-          <a:p>
-            <a:pPr marL="50800"/>
-            <a:r>
-              <a:rPr lang="vi-VN" sz="2400" dirty="0"/>
-              <a:t>So sánh với CNN</a:t>
-            </a:r>
-          </a:p>
-        </p:txBody>
-      </p:sp>
-      <p:sp>
-        <p:nvSpPr>
-          <p:cNvPr id="4" name="Chỗ dành sẵn cho Số hiệu Bản chiếu 3">
-            <a:extLst>
-              <a:ext uri="{FF2B5EF4-FFF2-40B4-BE49-F238E27FC236}">
-                <a16:creationId xmlns:a16="http://schemas.microsoft.com/office/drawing/2014/main" id="{71CEA620-2A1E-6A28-6981-31873878C922}"/>
-              </a:ext>
-            </a:extLst>
-          </p:cNvPr>
-          <p:cNvSpPr>
-            <a:spLocks noGrp="1"/>
-          </p:cNvSpPr>
-          <p:nvPr>
-            <p:ph type="sldNum" idx="12"/>
-          </p:nvPr>
-        </p:nvSpPr>
-        <p:spPr/>
-        <p:txBody>
-          <a:bodyPr/>
-          <a:lstStyle/>
-          <a:p>
-            <a:pPr marL="0" lvl="0" indent="0" algn="r" rtl="0">
-              <a:spcBef>
-                <a:spcPts val="0"/>
-              </a:spcBef>
-              <a:spcAft>
-                <a:spcPts val="0"/>
-              </a:spcAft>
-              <a:buNone/>
-            </a:pPr>
-            <a:fld id="{00000000-1234-1234-1234-123412341234}" type="slidenum">
-              <a:rPr lang="en-US" smtClean="0"/>
-              <a:t>21</a:t>
-            </a:fld>
-            <a:endParaRPr lang="en-US"/>
-          </a:p>
-        </p:txBody>
-      </p:sp>
-      <p:sp>
-        <p:nvSpPr>
-          <p:cNvPr id="5" name="Hộp Văn bản 4">
-            <a:extLst>
-              <a:ext uri="{FF2B5EF4-FFF2-40B4-BE49-F238E27FC236}">
-                <a16:creationId xmlns:a16="http://schemas.microsoft.com/office/drawing/2014/main" id="{F1F76389-6C11-FCF8-E3EC-16F1FFA3DE9E}"/>
-              </a:ext>
-            </a:extLst>
-          </p:cNvPr>
-          <p:cNvSpPr txBox="1"/>
-          <p:nvPr/>
-        </p:nvSpPr>
-        <p:spPr>
-          <a:xfrm>
-            <a:off x="257503" y="324332"/>
-            <a:ext cx="4572000" cy="461665"/>
-          </a:xfrm>
-          <a:prstGeom prst="rect">
-            <a:avLst/>
-          </a:prstGeom>
-          <a:noFill/>
-        </p:spPr>
-        <p:txBody>
-          <a:bodyPr wrap="square">
-            <a:spAutoFit/>
-          </a:bodyPr>
-          <a:lstStyle/>
-          <a:p>
-            <a:r>
-              <a:rPr lang="vi-VN" sz="2400" b="1" dirty="0">
-                <a:solidFill>
-                  <a:schemeClr val="bg1"/>
-                </a:solidFill>
-              </a:rPr>
-              <a:t>4. So sánh, đối chiếu kết quả</a:t>
-            </a:r>
-          </a:p>
-        </p:txBody>
-      </p:sp>
-      <p:sp>
-        <p:nvSpPr>
-          <p:cNvPr id="12" name="Hộp Văn bản 11">
-            <a:extLst>
-              <a:ext uri="{FF2B5EF4-FFF2-40B4-BE49-F238E27FC236}">
-                <a16:creationId xmlns:a16="http://schemas.microsoft.com/office/drawing/2014/main" id="{20CFC3CE-7500-B1D3-8632-729015CF997D}"/>
-              </a:ext>
-            </a:extLst>
-          </p:cNvPr>
-          <p:cNvSpPr txBox="1"/>
-          <p:nvPr/>
-        </p:nvSpPr>
-        <p:spPr>
-          <a:xfrm>
-            <a:off x="257503" y="2661865"/>
-            <a:ext cx="4314497" cy="2308324"/>
-          </a:xfrm>
-          <a:prstGeom prst="rect">
-            <a:avLst/>
-          </a:prstGeom>
-          <a:noFill/>
-        </p:spPr>
-        <p:txBody>
-          <a:bodyPr wrap="square" rtlCol="0">
-            <a:spAutoFit/>
-          </a:bodyPr>
-          <a:lstStyle/>
-          <a:p>
-            <a:r>
-              <a:rPr lang="vi-VN" sz="1800" b="1" dirty="0"/>
-              <a:t>Nhận xét: </a:t>
-            </a:r>
-            <a:r>
-              <a:rPr lang="vi-VN" sz="1800" dirty="0"/>
-              <a:t>ma trận </a:t>
-            </a:r>
-            <a:r>
-              <a:rPr lang="vi-VN" sz="1800" dirty="0" err="1"/>
-              <a:t>Confusion</a:t>
-            </a:r>
-            <a:r>
-              <a:rPr lang="vi-VN" sz="1800" dirty="0"/>
-              <a:t> </a:t>
-            </a:r>
-            <a:r>
-              <a:rPr lang="vi-VN" sz="1800" dirty="0" err="1"/>
-              <a:t>Matrix</a:t>
-            </a:r>
-            <a:r>
-              <a:rPr lang="vi-VN" sz="1800" dirty="0"/>
-              <a:t> phản ánh CNN học được đặc trưng tốt hơn </a:t>
-            </a:r>
-            <a:r>
-              <a:rPr lang="vi-VN" sz="1800" dirty="0" err="1"/>
-              <a:t>Kmeans</a:t>
-            </a:r>
-            <a:r>
-              <a:rPr lang="vi-VN" sz="1800" dirty="0"/>
-              <a:t>, nhưng vẫn gặp những vấn đề với những lớp ảnh quá giống nhau  </a:t>
-            </a:r>
-          </a:p>
-          <a:p>
-            <a:pPr marL="285750" indent="-285750">
-              <a:buFontTx/>
-              <a:buChar char="-"/>
-            </a:pPr>
-            <a:r>
-              <a:rPr lang="vi-VN" sz="1800" dirty="0"/>
-              <a:t>Các cảm xúc mô hình nhận diện tốt:</a:t>
-            </a:r>
-          </a:p>
-          <a:p>
-            <a:pPr lvl="4"/>
-            <a:r>
-              <a:rPr lang="vi-VN" sz="1800" dirty="0" err="1"/>
-              <a:t>Surprise</a:t>
-            </a:r>
-            <a:r>
-              <a:rPr lang="vi-VN" sz="1800" dirty="0"/>
-              <a:t>, </a:t>
-            </a:r>
-            <a:r>
-              <a:rPr lang="vi-VN" sz="1800" dirty="0" err="1"/>
-              <a:t>Neutral</a:t>
-            </a:r>
-            <a:r>
-              <a:rPr lang="vi-VN" sz="1800" dirty="0"/>
-              <a:t>, </a:t>
-            </a:r>
-            <a:r>
-              <a:rPr lang="vi-VN" sz="1800" dirty="0" err="1"/>
-              <a:t>Happy</a:t>
-            </a:r>
-            <a:endParaRPr lang="vi-VN" sz="1800" dirty="0"/>
-          </a:p>
-          <a:p>
-            <a:pPr marL="285750" indent="-285750">
-              <a:buFontTx/>
-              <a:buChar char="-"/>
-            </a:pPr>
-            <a:r>
-              <a:rPr lang="vi-VN" sz="1800" dirty="0"/>
-              <a:t>Ở mức trung bình: </a:t>
-            </a:r>
-            <a:r>
-              <a:rPr lang="vi-VN" sz="1800" dirty="0" err="1"/>
-              <a:t>Sad</a:t>
-            </a:r>
-            <a:r>
-              <a:rPr lang="vi-VN" sz="1800" dirty="0"/>
-              <a:t> và </a:t>
-            </a:r>
-            <a:r>
-              <a:rPr lang="vi-VN" sz="1800" dirty="0" err="1"/>
-              <a:t>Angry</a:t>
-            </a:r>
-            <a:endParaRPr lang="vi-VN" sz="1800" dirty="0"/>
-          </a:p>
-          <a:p>
-            <a:pPr marL="285750" indent="-285750">
-              <a:buFontTx/>
-              <a:buChar char="-"/>
-            </a:pPr>
-            <a:r>
-              <a:rPr lang="vi-VN" sz="1800" dirty="0"/>
-              <a:t>Kém: </a:t>
-            </a:r>
-            <a:r>
-              <a:rPr lang="vi-VN" sz="1800" dirty="0" err="1"/>
-              <a:t>Disgust</a:t>
-            </a:r>
-            <a:r>
-              <a:rPr lang="vi-VN" sz="1800" dirty="0"/>
-              <a:t>, </a:t>
-            </a:r>
-            <a:r>
-              <a:rPr lang="vi-VN" sz="1800" dirty="0" err="1"/>
-              <a:t>Fear</a:t>
-            </a:r>
-            <a:endParaRPr lang="vi-VN" sz="1800" dirty="0"/>
-          </a:p>
-        </p:txBody>
-      </p:sp>
-      <p:sp>
-        <p:nvSpPr>
-          <p:cNvPr id="9" name="Hộp Văn bản 8">
-            <a:extLst>
-              <a:ext uri="{FF2B5EF4-FFF2-40B4-BE49-F238E27FC236}">
-                <a16:creationId xmlns:a16="http://schemas.microsoft.com/office/drawing/2014/main" id="{3D19D20E-237E-DD23-9D0C-532837CC8A8F}"/>
-              </a:ext>
-            </a:extLst>
-          </p:cNvPr>
-          <p:cNvSpPr txBox="1"/>
-          <p:nvPr/>
-        </p:nvSpPr>
-        <p:spPr>
-          <a:xfrm>
-            <a:off x="541283" y="1950063"/>
-            <a:ext cx="2201917" cy="369332"/>
-          </a:xfrm>
-          <a:prstGeom prst="rect">
-            <a:avLst/>
-          </a:prstGeom>
-          <a:noFill/>
-        </p:spPr>
-        <p:txBody>
-          <a:bodyPr wrap="square">
-            <a:spAutoFit/>
-          </a:bodyPr>
-          <a:lstStyle/>
-          <a:p>
-            <a:r>
-              <a:rPr lang="vi-VN" sz="1800" b="1" dirty="0" err="1"/>
-              <a:t>Accuracy</a:t>
-            </a:r>
-            <a:r>
-              <a:rPr lang="vi-VN" sz="1800" b="1" dirty="0"/>
-              <a:t>: 0.3417</a:t>
-            </a:r>
-          </a:p>
-        </p:txBody>
-      </p:sp>
-    </p:spTree>
-    <p:extLst>
-      <p:ext uri="{BB962C8B-B14F-4D97-AF65-F5344CB8AC3E}">
-        <p14:creationId xmlns:p14="http://schemas.microsoft.com/office/powerpoint/2010/main" val="1950223252"/>
-      </p:ext>
-    </p:extLst>
-  </p:cSld>
-  <p:clrMapOvr>
-    <a:masterClrMapping/>
-  </p:clrMapOvr>
-</p:sld>
-</file>
-
-<file path=ppt/slides/slide22.xml><?xml version="1.0" encoding="utf-8"?>
-<p:sld xmlns:a="http://schemas.openxmlformats.org/drawingml/2006/main" xmlns:r="http://schemas.openxmlformats.org/officeDocument/2006/relationships" xmlns:p="http://schemas.openxmlformats.org/presentationml/2006/main">
-  <p:cSld>
-    <p:spTree>
-      <p:nvGrpSpPr>
-        <p:cNvPr id="1" name="">
-          <a:extLst>
-            <a:ext uri="{FF2B5EF4-FFF2-40B4-BE49-F238E27FC236}">
               <a16:creationId xmlns:a16="http://schemas.microsoft.com/office/drawing/2014/main" id="{AF6E88DE-1E14-BB66-B5C6-6C9152186394}"/>
             </a:ext>
           </a:extLst>
@@ -22857,7 +21723,7 @@
         <p:spPr>
           <a:xfrm>
             <a:off x="257502" y="1286985"/>
-            <a:ext cx="2958663" cy="531977"/>
+            <a:ext cx="3767960" cy="531977"/>
           </a:xfrm>
         </p:spPr>
         <p:txBody>
@@ -22867,13 +21733,8 @@
             <a:pPr marL="50800"/>
             <a:r>
               <a:rPr lang="vi-VN" sz="2400" dirty="0"/>
-              <a:t>So sánh </a:t>
-            </a:r>
-            <a:r>
-              <a:rPr lang="vi-VN" sz="2400"/>
-              <a:t>với VGG FER</a:t>
-            </a:r>
-            <a:endParaRPr lang="vi-VN" sz="2400" dirty="0"/>
+              <a:t>So sánh với CNN(VGG FER)</a:t>
+            </a:r>
           </a:p>
         </p:txBody>
       </p:sp>
@@ -22909,7 +21770,7 @@
             </a:pPr>
             <a:fld id="{00000000-1234-1234-1234-123412341234}" type="slidenum">
               <a:rPr lang="en-US" smtClean="0"/>
-              <a:t>22</a:t>
+              <a:t>21</a:t>
             </a:fld>
             <a:endParaRPr lang="en-US"/>
           </a:p>
@@ -23136,7 +21997,7 @@
 </p:sld>
 </file>
 
-<file path=ppt/slides/slide23.xml><?xml version="1.0" encoding="utf-8"?>
+<file path=ppt/slides/slide22.xml><?xml version="1.0" encoding="utf-8"?>
 <p:sld xmlns:a="http://schemas.openxmlformats.org/drawingml/2006/main" xmlns:r="http://schemas.openxmlformats.org/officeDocument/2006/relationships" xmlns:p="http://schemas.openxmlformats.org/presentationml/2006/main">
   <p:cSld>
     <p:spTree>
@@ -23225,7 +22086,7 @@
             </a:pPr>
             <a:fld id="{00000000-1234-1234-1234-123412341234}" type="slidenum">
               <a:rPr lang="en-US" smtClean="0"/>
-              <a:t>23</a:t>
+              <a:t>22</a:t>
             </a:fld>
             <a:endParaRPr lang="en-US"/>
           </a:p>
@@ -23244,7 +22105,7 @@
 </p:sld>
 </file>
 
-<file path=ppt/slides/slide24.xml><?xml version="1.0" encoding="utf-8"?>
+<file path=ppt/slides/slide23.xml><?xml version="1.0" encoding="utf-8"?>
 <p:sld xmlns:a="http://schemas.openxmlformats.org/drawingml/2006/main" xmlns:r="http://schemas.openxmlformats.org/officeDocument/2006/relationships" xmlns:p="http://schemas.openxmlformats.org/presentationml/2006/main">
   <p:cSld>
     <p:spTree>
@@ -23337,7 +22198,7 @@
             </a:pPr>
             <a:fld id="{00000000-1234-1234-1234-123412341234}" type="slidenum">
               <a:rPr lang="en-US" smtClean="0"/>
-              <a:t>24</a:t>
+              <a:t>23</a:t>
             </a:fld>
             <a:endParaRPr lang="en-US"/>
           </a:p>
@@ -23465,7 +22326,7 @@
 </p:sld>
 </file>
 
-<file path=ppt/slides/slide25.xml><?xml version="1.0" encoding="utf-8"?>
+<file path=ppt/slides/slide24.xml><?xml version="1.0" encoding="utf-8"?>
 <p:sld xmlns:a="http://schemas.openxmlformats.org/drawingml/2006/main" xmlns:r="http://schemas.openxmlformats.org/officeDocument/2006/relationships" xmlns:p="http://schemas.openxmlformats.org/presentationml/2006/main">
   <p:cSld>
     <p:spTree>
@@ -23558,7 +22419,7 @@
             </a:pPr>
             <a:fld id="{00000000-1234-1234-1234-123412341234}" type="slidenum">
               <a:rPr lang="en-US" smtClean="0"/>
-              <a:t>25</a:t>
+              <a:t>24</a:t>
             </a:fld>
             <a:endParaRPr lang="en-US"/>
           </a:p>
@@ -23633,7 +22494,15 @@
             </a:pPr>
             <a:r>
               <a:rPr lang="vi-VN" sz="2000" dirty="0"/>
-              <a:t>Sử dụng các thuật toán như SVM, VGG FER để cải thiện </a:t>
+              <a:t>Sử dụng các thuật toán như SVM</a:t>
+            </a:r>
+            <a:r>
+              <a:rPr lang="vi-VN" sz="2000"/>
+              <a:t>, CNN(VGG FER) để </a:t>
+            </a:r>
+            <a:r>
+              <a:rPr lang="vi-VN" sz="2000" dirty="0"/>
+              <a:t>cải thiện </a:t>
             </a:r>
             <a:r>
               <a:rPr lang="vi-VN" sz="2000" dirty="0" err="1"/>
@@ -23696,7 +22565,7 @@
 </p:sld>
 </file>
 
-<file path=ppt/slides/slide26.xml><?xml version="1.0" encoding="utf-8"?>
+<file path=ppt/slides/slide25.xml><?xml version="1.0" encoding="utf-8"?>
 <p:sld xmlns:a="http://schemas.openxmlformats.org/drawingml/2006/main" xmlns:r="http://schemas.openxmlformats.org/officeDocument/2006/relationships" xmlns:p="http://schemas.openxmlformats.org/presentationml/2006/main">
   <p:cSld>
     <p:spTree>
@@ -23785,7 +22654,7 @@
             </a:pPr>
             <a:fld id="{00000000-1234-1234-1234-123412341234}" type="slidenum">
               <a:rPr lang="en-US" smtClean="0"/>
-              <a:t>26</a:t>
+              <a:t>25</a:t>
             </a:fld>
             <a:endParaRPr lang="en-US"/>
           </a:p>
@@ -28096,6 +26965,15 @@
 </file>
 
 <file path=customXml/item1.xml><?xml version="1.0" encoding="utf-8"?>
+<?mso-contentType ?>
+<FormTemplates xmlns="http://schemas.microsoft.com/sharepoint/v3/contenttype/forms">
+  <Display>DocumentLibraryForm</Display>
+  <Edit>DocumentLibraryForm</Edit>
+  <New>DocumentLibraryForm</New>
+</FormTemplates>
+</file>
+
+<file path=customXml/item2.xml><?xml version="1.0" encoding="utf-8"?>
 <p:properties xmlns:p="http://schemas.microsoft.com/office/2006/metadata/properties" xmlns:xsi="http://www.w3.org/2001/XMLSchema-instance" xmlns:pc="http://schemas.microsoft.com/office/infopath/2007/PartnerControls">
   <documentManagement>
     <TaxCatchAll xmlns="01ba1225-54d8-4fa6-934e-3020034412e0" xsi:nil="true"/>
@@ -28104,15 +26982,6 @@
     </lcf76f155ced4ddcb4097134ff3c332f>
   </documentManagement>
 </p:properties>
-</file>
-
-<file path=customXml/item2.xml><?xml version="1.0" encoding="utf-8"?>
-<?mso-contentType ?>
-<FormTemplates xmlns="http://schemas.microsoft.com/sharepoint/v3/contenttype/forms">
-  <Display>DocumentLibraryForm</Display>
-  <Edit>DocumentLibraryForm</Edit>
-  <New>DocumentLibraryForm</New>
-</FormTemplates>
 </file>
 
 <file path=customXml/item3.xml><?xml version="1.0" encoding="utf-8"?>
@@ -28311,20 +27180,20 @@
 </file>
 
 <file path=customXml/itemProps1.xml><?xml version="1.0" encoding="utf-8"?>
+<ds:datastoreItem xmlns:ds="http://schemas.openxmlformats.org/officeDocument/2006/customXml" ds:itemID="{BFDA69C8-DB4E-44EE-98E1-D5D536928879}">
+  <ds:schemaRefs>
+    <ds:schemaRef ds:uri="http://schemas.microsoft.com/sharepoint/v3/contenttype/forms"/>
+  </ds:schemaRefs>
+</ds:datastoreItem>
+</file>
+
+<file path=customXml/itemProps2.xml><?xml version="1.0" encoding="utf-8"?>
 <ds:datastoreItem xmlns:ds="http://schemas.openxmlformats.org/officeDocument/2006/customXml" ds:itemID="{8E169F43-67A6-4593-ADD7-B0CBCAF4936E}">
   <ds:schemaRefs>
     <ds:schemaRef ds:uri="http://schemas.microsoft.com/office/2006/metadata/properties"/>
     <ds:schemaRef ds:uri="http://schemas.microsoft.com/office/infopath/2007/PartnerControls"/>
     <ds:schemaRef ds:uri="01ba1225-54d8-4fa6-934e-3020034412e0"/>
     <ds:schemaRef ds:uri="fd63efce-8fbd-4040-94f1-ea540616c8b8"/>
-  </ds:schemaRefs>
-</ds:datastoreItem>
-</file>
-
-<file path=customXml/itemProps2.xml><?xml version="1.0" encoding="utf-8"?>
-<ds:datastoreItem xmlns:ds="http://schemas.openxmlformats.org/officeDocument/2006/customXml" ds:itemID="{BFDA69C8-DB4E-44EE-98E1-D5D536928879}">
-  <ds:schemaRefs>
-    <ds:schemaRef ds:uri="http://schemas.microsoft.com/sharepoint/v3/contenttype/forms"/>
   </ds:schemaRefs>
 </ds:datastoreItem>
 </file>
